--- a/docs/presentation/databases/presentation.pptx
+++ b/docs/presentation/databases/presentation.pptx
@@ -1,36 +1,36 @@
 
 <file path=ppt/presentation.xml><?xml version="1.0" encoding="utf-8"?>
-<p:presentation xmlns:a="http://schemas.openxmlformats.org/drawingml/2006/main" xmlns:r="http://schemas.openxmlformats.org/officeDocument/2006/relationships" xmlns:mc="http://schemas.openxmlformats.org/markup-compatibility/2006" xmlns:mv="urn:schemas-microsoft-com:mac:vml" xmlns:p="http://schemas.openxmlformats.org/presentationml/2006/main" xmlns:c="http://schemas.openxmlformats.org/drawingml/2006/chart" xmlns:dgm="http://schemas.openxmlformats.org/drawingml/2006/diagram" xmlns:o="urn:schemas-microsoft-com:office:office" xmlns:v="urn:schemas-microsoft-com:vml" xmlns:pvml="urn:schemas-microsoft-com:office:powerpoint" xmlns:com="http://schemas.openxmlformats.org/drawingml/2006/compatibility" xmlns:p14="http://schemas.microsoft.com/office/powerpoint/2010/main" xmlns:p15="http://schemas.microsoft.com/office/powerpoint/2012/main" xmlns:ahyp="http://schemas.microsoft.com/office/drawing/2018/hyperlinkcolor" autoCompressPictures="0" embedTrueTypeFonts="1" strictFirstAndLastChars="0" saveSubsetFonts="1">
+<p:presentation xmlns:a="http://schemas.openxmlformats.org/drawingml/2006/main" xmlns:r="http://schemas.openxmlformats.org/officeDocument/2006/relationships" xmlns:mc="http://schemas.openxmlformats.org/markup-compatibility/2006" xmlns:mv="urn:schemas-microsoft-com:mac:vml" xmlns:p="http://schemas.openxmlformats.org/presentationml/2006/main" xmlns:c="http://schemas.openxmlformats.org/drawingml/2006/chart" xmlns:dgm="http://schemas.openxmlformats.org/drawingml/2006/diagram" xmlns:o="urn:schemas-microsoft-com:office:office" xmlns:v="urn:schemas-microsoft-com:vml" xmlns:pvml="urn:schemas-microsoft-com:office:powerpoint" xmlns:com="http://schemas.openxmlformats.org/drawingml/2006/compatibility" xmlns:p14="http://schemas.microsoft.com/office/powerpoint/2010/main" xmlns:p15="http://schemas.microsoft.com/office/powerpoint/2012/main" xmlns:ahyp="http://schemas.microsoft.com/office/drawing/2018/hyperlinkcolor" autoCompressPictures="0" embedTrueTypeFonts="1" strictFirstAndLastChars="0" saveSubsetFonts="1" showSpecialPlsOnTitleSld="0">
   <p:sldMasterIdLst>
-    <p:sldMasterId id="2147483660" r:id="rId3"/>
+    <p:sldMasterId id="2147483660" r:id="rId4"/>
   </p:sldMasterIdLst>
   <p:notesMasterIdLst>
-    <p:notesMasterId r:id="rId4"/>
+    <p:notesMasterId r:id="rId5"/>
   </p:notesMasterIdLst>
   <p:sldIdLst>
-    <p:sldId id="256" r:id="rId5"/>
-    <p:sldId id="257" r:id="rId6"/>
-    <p:sldId id="258" r:id="rId7"/>
-    <p:sldId id="259" r:id="rId8"/>
-    <p:sldId id="260" r:id="rId9"/>
-    <p:sldId id="261" r:id="rId10"/>
-    <p:sldId id="262" r:id="rId11"/>
-    <p:sldId id="263" r:id="rId12"/>
-    <p:sldId id="264" r:id="rId13"/>
-    <p:sldId id="265" r:id="rId14"/>
-    <p:sldId id="266" r:id="rId15"/>
-    <p:sldId id="267" r:id="rId16"/>
-    <p:sldId id="268" r:id="rId17"/>
+    <p:sldId id="256" r:id="rId6"/>
+    <p:sldId id="257" r:id="rId7"/>
+    <p:sldId id="258" r:id="rId8"/>
+    <p:sldId id="259" r:id="rId9"/>
+    <p:sldId id="260" r:id="rId10"/>
+    <p:sldId id="261" r:id="rId11"/>
+    <p:sldId id="262" r:id="rId12"/>
+    <p:sldId id="263" r:id="rId13"/>
+    <p:sldId id="264" r:id="rId14"/>
+    <p:sldId id="265" r:id="rId15"/>
+    <p:sldId id="266" r:id="rId16"/>
+    <p:sldId id="267" r:id="rId17"/>
+    <p:sldId id="268" r:id="rId18"/>
   </p:sldIdLst>
   <p:sldSz cy="6858000" cx="12192000"/>
   <p:notesSz cx="6761150" cy="9942500"/>
   <p:embeddedFontLst>
     <p:embeddedFont>
       <p:font typeface="Open Sans"/>
-      <p:regular r:id="rId18"/>
-      <p:bold r:id="rId19"/>
-      <p:italic r:id="rId20"/>
-      <p:boldItalic r:id="rId21"/>
+      <p:regular r:id="rId19"/>
+      <p:bold r:id="rId20"/>
+      <p:italic r:id="rId21"/>
+      <p:boldItalic r:id="rId22"/>
     </p:embeddedFont>
   </p:embeddedFontLst>
   <p:defaultTextStyle>
@@ -1658,7 +1658,7 @@
   <p:cSld>
     <p:spTree>
       <p:nvGrpSpPr>
-        <p:cNvPr id="169" name="Shape 169"/>
+        <p:cNvPr id="176" name="Shape 176"/>
         <p:cNvGrpSpPr/>
         <p:nvPr/>
       </p:nvGrpSpPr>
@@ -1672,7 +1672,7 @@
       </p:grpSpPr>
       <p:sp>
         <p:nvSpPr>
-          <p:cNvPr id="170" name="Google Shape;170;g24625ab792e_0_93:notes"/>
+          <p:cNvPr id="177" name="Google Shape;177;g24625ab792e_0_93:notes"/>
           <p:cNvSpPr/>
           <p:nvPr>
             <p:ph idx="2" type="sldImg"/>
@@ -1717,7 +1717,7 @@
       </p:sp>
       <p:sp>
         <p:nvSpPr>
-          <p:cNvPr id="171" name="Google Shape;171;g24625ab792e_0_93:notes"/>
+          <p:cNvPr id="178" name="Google Shape;178;g24625ab792e_0_93:notes"/>
           <p:cNvSpPr txBox="1"/>
           <p:nvPr>
             <p:ph idx="1" type="body"/>
@@ -1760,7 +1760,7 @@
       </p:sp>
       <p:sp>
         <p:nvSpPr>
-          <p:cNvPr id="172" name="Google Shape;172;g24625ab792e_0_93:notes"/>
+          <p:cNvPr id="179" name="Google Shape;179;g24625ab792e_0_93:notes"/>
           <p:cNvSpPr txBox="1"/>
           <p:nvPr>
             <p:ph idx="12" type="sldNum"/>
@@ -1815,7 +1815,7 @@
   <p:cSld>
     <p:spTree>
       <p:nvGrpSpPr>
-        <p:cNvPr id="180" name="Shape 180"/>
+        <p:cNvPr id="188" name="Shape 188"/>
         <p:cNvGrpSpPr/>
         <p:nvPr/>
       </p:nvGrpSpPr>
@@ -1829,7 +1829,7 @@
       </p:grpSpPr>
       <p:sp>
         <p:nvSpPr>
-          <p:cNvPr id="181" name="Google Shape;181;g24625ab792e_0_224:notes"/>
+          <p:cNvPr id="189" name="Google Shape;189;g24625ab792e_0_224:notes"/>
           <p:cNvSpPr/>
           <p:nvPr>
             <p:ph idx="2" type="sldImg"/>
@@ -1874,7 +1874,7 @@
       </p:sp>
       <p:sp>
         <p:nvSpPr>
-          <p:cNvPr id="182" name="Google Shape;182;g24625ab792e_0_224:notes"/>
+          <p:cNvPr id="190" name="Google Shape;190;g24625ab792e_0_224:notes"/>
           <p:cNvSpPr txBox="1"/>
           <p:nvPr>
             <p:ph idx="1" type="body"/>
@@ -1922,7 +1922,7 @@
       </p:sp>
       <p:sp>
         <p:nvSpPr>
-          <p:cNvPr id="183" name="Google Shape;183;g24625ab792e_0_224:notes"/>
+          <p:cNvPr id="191" name="Google Shape;191;g24625ab792e_0_224:notes"/>
           <p:cNvSpPr txBox="1"/>
           <p:nvPr>
             <p:ph idx="12" type="sldNum"/>
@@ -1977,7 +1977,7 @@
   <p:cSld>
     <p:spTree>
       <p:nvGrpSpPr>
-        <p:cNvPr id="187" name="Shape 187"/>
+        <p:cNvPr id="196" name="Shape 196"/>
         <p:cNvGrpSpPr/>
         <p:nvPr/>
       </p:nvGrpSpPr>
@@ -1991,7 +1991,7 @@
       </p:grpSpPr>
       <p:sp>
         <p:nvSpPr>
-          <p:cNvPr id="188" name="Google Shape;188;g24625ab792e_0_16:notes"/>
+          <p:cNvPr id="197" name="Google Shape;197;g24625ab792e_0_16:notes"/>
           <p:cNvSpPr/>
           <p:nvPr>
             <p:ph idx="2" type="sldImg"/>
@@ -2036,7 +2036,7 @@
       </p:sp>
       <p:sp>
         <p:nvSpPr>
-          <p:cNvPr id="189" name="Google Shape;189;g24625ab792e_0_16:notes"/>
+          <p:cNvPr id="198" name="Google Shape;198;g24625ab792e_0_16:notes"/>
           <p:cNvSpPr txBox="1"/>
           <p:nvPr>
             <p:ph idx="1" type="body"/>
@@ -2084,7 +2084,7 @@
       </p:sp>
       <p:sp>
         <p:nvSpPr>
-          <p:cNvPr id="190" name="Google Shape;190;g24625ab792e_0_16:notes"/>
+          <p:cNvPr id="199" name="Google Shape;199;g24625ab792e_0_16:notes"/>
           <p:cNvSpPr txBox="1"/>
           <p:nvPr>
             <p:ph idx="12" type="sldNum"/>
@@ -2139,7 +2139,7 @@
   <p:cSld>
     <p:spTree>
       <p:nvGrpSpPr>
-        <p:cNvPr id="194" name="Shape 194"/>
+        <p:cNvPr id="204" name="Shape 204"/>
         <p:cNvGrpSpPr/>
         <p:nvPr/>
       </p:nvGrpSpPr>
@@ -2153,7 +2153,7 @@
       </p:grpSpPr>
       <p:sp>
         <p:nvSpPr>
-          <p:cNvPr id="195" name="Google Shape;195;g24625ab792e_0_209:notes"/>
+          <p:cNvPr id="205" name="Google Shape;205;g24625ab792e_0_209:notes"/>
           <p:cNvSpPr/>
           <p:nvPr>
             <p:ph idx="2" type="sldImg"/>
@@ -2198,7 +2198,7 @@
       </p:sp>
       <p:sp>
         <p:nvSpPr>
-          <p:cNvPr id="196" name="Google Shape;196;g24625ab792e_0_209:notes"/>
+          <p:cNvPr id="206" name="Google Shape;206;g24625ab792e_0_209:notes"/>
           <p:cNvSpPr txBox="1"/>
           <p:nvPr>
             <p:ph idx="1" type="body"/>
@@ -2246,7 +2246,7 @@
       </p:sp>
       <p:sp>
         <p:nvSpPr>
-          <p:cNvPr id="197" name="Google Shape;197;g24625ab792e_0_209:notes"/>
+          <p:cNvPr id="207" name="Google Shape;207;g24625ab792e_0_209:notes"/>
           <p:cNvSpPr txBox="1"/>
           <p:nvPr>
             <p:ph idx="12" type="sldNum"/>
@@ -2662,7 +2662,7 @@
   <p:cSld>
     <p:spTree>
       <p:nvGrpSpPr>
-        <p:cNvPr id="104" name="Shape 104"/>
+        <p:cNvPr id="105" name="Shape 105"/>
         <p:cNvGrpSpPr/>
         <p:nvPr/>
       </p:nvGrpSpPr>
@@ -2676,7 +2676,7 @@
       </p:grpSpPr>
       <p:sp>
         <p:nvSpPr>
-          <p:cNvPr id="105" name="Google Shape;105;g24625ab792e_0_80:notes"/>
+          <p:cNvPr id="106" name="Google Shape;106;g24625ab792e_0_80:notes"/>
           <p:cNvSpPr/>
           <p:nvPr>
             <p:ph idx="2" type="sldImg"/>
@@ -2721,7 +2721,7 @@
       </p:sp>
       <p:sp>
         <p:nvSpPr>
-          <p:cNvPr id="106" name="Google Shape;106;g24625ab792e_0_80:notes"/>
+          <p:cNvPr id="107" name="Google Shape;107;g24625ab792e_0_80:notes"/>
           <p:cNvSpPr txBox="1"/>
           <p:nvPr>
             <p:ph idx="1" type="body"/>
@@ -2756,7 +2756,13 @@
               <a:buNone/>
             </a:pPr>
             <a:r>
-              <a:t/>
+              <a:rPr b="1" lang="ru-RU" sz="1000">
+                <a:latin typeface="Times New Roman"/>
+                <a:ea typeface="Times New Roman"/>
+                <a:cs typeface="Times New Roman"/>
+                <a:sym typeface="Times New Roman"/>
+              </a:rPr>
+              <a:t>Сказать что-то про корпуса текстов</a:t>
             </a:r>
             <a:endParaRPr b="1" sz="1000">
               <a:latin typeface="Times New Roman"/>
@@ -2769,7 +2775,7 @@
       </p:sp>
       <p:sp>
         <p:nvSpPr>
-          <p:cNvPr id="107" name="Google Shape;107;g24625ab792e_0_80:notes"/>
+          <p:cNvPr id="108" name="Google Shape;108;g24625ab792e_0_80:notes"/>
           <p:cNvSpPr txBox="1"/>
           <p:nvPr>
             <p:ph idx="12" type="sldNum"/>
@@ -2824,7 +2830,7 @@
   <p:cSld>
     <p:spTree>
       <p:nvGrpSpPr>
-        <p:cNvPr id="115" name="Shape 115"/>
+        <p:cNvPr id="117" name="Shape 117"/>
         <p:cNvGrpSpPr/>
         <p:nvPr/>
       </p:nvGrpSpPr>
@@ -2838,7 +2844,7 @@
       </p:grpSpPr>
       <p:sp>
         <p:nvSpPr>
-          <p:cNvPr id="116" name="Google Shape;116;p3:notes"/>
+          <p:cNvPr id="118" name="Google Shape;118;p3:notes"/>
           <p:cNvSpPr/>
           <p:nvPr>
             <p:ph idx="2" type="sldImg"/>
@@ -2883,7 +2889,7 @@
       </p:sp>
       <p:sp>
         <p:nvSpPr>
-          <p:cNvPr id="117" name="Google Shape;117;p3:notes"/>
+          <p:cNvPr id="119" name="Google Shape;119;p3:notes"/>
           <p:cNvSpPr txBox="1"/>
           <p:nvPr>
             <p:ph idx="1" type="body"/>
@@ -2933,7 +2939,7 @@
       </p:sp>
       <p:sp>
         <p:nvSpPr>
-          <p:cNvPr id="118" name="Google Shape;118;p3:notes"/>
+          <p:cNvPr id="120" name="Google Shape;120;p3:notes"/>
           <p:cNvSpPr txBox="1"/>
           <p:nvPr>
             <p:ph idx="12" type="sldNum"/>
@@ -2988,7 +2994,7 @@
   <p:cSld>
     <p:spTree>
       <p:nvGrpSpPr>
-        <p:cNvPr id="123" name="Shape 123"/>
+        <p:cNvPr id="126" name="Shape 126"/>
         <p:cNvGrpSpPr/>
         <p:nvPr/>
       </p:nvGrpSpPr>
@@ -3002,7 +3008,7 @@
       </p:grpSpPr>
       <p:sp>
         <p:nvSpPr>
-          <p:cNvPr id="124" name="Google Shape;124;g24625ab792e_0_191:notes"/>
+          <p:cNvPr id="127" name="Google Shape;127;g248165fabb6_0_0:notes"/>
           <p:cNvSpPr/>
           <p:nvPr>
             <p:ph idx="2" type="sldImg"/>
@@ -3047,7 +3053,7 @@
       </p:sp>
       <p:sp>
         <p:nvSpPr>
-          <p:cNvPr id="125" name="Google Shape;125;g24625ab792e_0_191:notes"/>
+          <p:cNvPr id="128" name="Google Shape;128;g248165fabb6_0_0:notes"/>
           <p:cNvSpPr txBox="1"/>
           <p:nvPr>
             <p:ph idx="1" type="body"/>
@@ -3079,11 +3085,7 @@
               <a:spcAft>
                 <a:spcPts val="0"/>
               </a:spcAft>
-              <a:buClr>
-                <a:schemeClr val="dk1"/>
-              </a:buClr>
               <a:buSzPts val="1100"/>
-              <a:buFont typeface="Arial"/>
               <a:buNone/>
             </a:pPr>
             <a:r>
@@ -3093,47 +3095,15 @@
                 <a:cs typeface="Arial"/>
                 <a:sym typeface="Arial"/>
               </a:rPr>
-              <a:t>В контейнер можем писать не только мы, контейнеры никак не защищены</a:t>
+              <a:t>Трёхзвенная архитектура</a:t>
             </a:r>
-            <a:endParaRPr sz="1100">
-              <a:latin typeface="Arial"/>
-              <a:ea typeface="Arial"/>
-              <a:cs typeface="Arial"/>
-              <a:sym typeface="Arial"/>
-            </a:endParaRPr>
-          </a:p>
-          <a:p>
-            <a:pPr indent="0" lvl="0" marL="0" rtl="0" algn="l">
-              <a:spcBef>
-                <a:spcPts val="0"/>
-              </a:spcBef>
-              <a:spcAft>
-                <a:spcPts val="0"/>
-              </a:spcAft>
-              <a:buSzPts val="1100"/>
-              <a:buNone/>
-            </a:pPr>
-            <a:r>
-              <a:rPr lang="ru-RU" sz="1100">
-                <a:latin typeface="Arial"/>
-                <a:ea typeface="Arial"/>
-                <a:cs typeface="Arial"/>
-                <a:sym typeface="Arial"/>
-              </a:rPr>
-              <a:t>Файлы легко подменяются/теряются</a:t>
-            </a:r>
-            <a:endParaRPr b="1" sz="1000">
-              <a:latin typeface="Times New Roman"/>
-              <a:ea typeface="Times New Roman"/>
-              <a:cs typeface="Times New Roman"/>
-              <a:sym typeface="Times New Roman"/>
-            </a:endParaRPr>
+            <a:endParaRPr/>
           </a:p>
         </p:txBody>
       </p:sp>
       <p:sp>
         <p:nvSpPr>
-          <p:cNvPr id="126" name="Google Shape;126;g24625ab792e_0_191:notes"/>
+          <p:cNvPr id="129" name="Google Shape;129;g248165fabb6_0_0:notes"/>
           <p:cNvSpPr txBox="1"/>
           <p:nvPr>
             <p:ph idx="12" type="sldNum"/>
@@ -3188,7 +3158,7 @@
   <p:cSld>
     <p:spTree>
       <p:nvGrpSpPr>
-        <p:cNvPr id="132" name="Shape 132"/>
+        <p:cNvPr id="135" name="Shape 135"/>
         <p:cNvGrpSpPr/>
         <p:nvPr/>
       </p:nvGrpSpPr>
@@ -3202,7 +3172,7 @@
       </p:grpSpPr>
       <p:sp>
         <p:nvSpPr>
-          <p:cNvPr id="133" name="Google Shape;133;g24625ab792e_0_199:notes"/>
+          <p:cNvPr id="136" name="Google Shape;136;g248165fabb6_0_8:notes"/>
           <p:cNvSpPr/>
           <p:nvPr>
             <p:ph idx="2" type="sldImg"/>
@@ -3247,7 +3217,7 @@
       </p:sp>
       <p:sp>
         <p:nvSpPr>
-          <p:cNvPr id="134" name="Google Shape;134;g24625ab792e_0_199:notes"/>
+          <p:cNvPr id="137" name="Google Shape;137;g248165fabb6_0_8:notes"/>
           <p:cNvSpPr txBox="1"/>
           <p:nvPr>
             <p:ph idx="1" type="body"/>
@@ -3289,6 +3259,202 @@
                 <a:cs typeface="Arial"/>
                 <a:sym typeface="Arial"/>
               </a:rPr>
+              <a:t>Переходим к выбору инструментов.</a:t>
+            </a:r>
+            <a:endParaRPr sz="1100">
+              <a:latin typeface="Arial"/>
+              <a:ea typeface="Arial"/>
+              <a:cs typeface="Arial"/>
+              <a:sym typeface="Arial"/>
+            </a:endParaRPr>
+          </a:p>
+          <a:p>
+            <a:pPr indent="0" lvl="0" marL="0" rtl="0" algn="l">
+              <a:spcBef>
+                <a:spcPts val="0"/>
+              </a:spcBef>
+              <a:spcAft>
+                <a:spcPts val="0"/>
+              </a:spcAft>
+              <a:buSzPts val="1100"/>
+              <a:buNone/>
+            </a:pPr>
+            <a:r>
+              <a:t/>
+            </a:r>
+            <a:endParaRPr sz="1100">
+              <a:latin typeface="Arial"/>
+              <a:ea typeface="Arial"/>
+              <a:cs typeface="Arial"/>
+              <a:sym typeface="Arial"/>
+            </a:endParaRPr>
+          </a:p>
+          <a:p>
+            <a:pPr indent="0" lvl="0" marL="0" rtl="0" algn="l">
+              <a:spcBef>
+                <a:spcPts val="0"/>
+              </a:spcBef>
+              <a:spcAft>
+                <a:spcPts val="0"/>
+              </a:spcAft>
+              <a:buSzPts val="1100"/>
+              <a:buNone/>
+            </a:pPr>
+            <a:r>
+              <a:rPr lang="ru-RU" sz="1100">
+                <a:latin typeface="Arial"/>
+                <a:ea typeface="Arial"/>
+                <a:cs typeface="Arial"/>
+                <a:sym typeface="Arial"/>
+              </a:rPr>
+              <a:t>PostgreSQL - для долговременного хранения данных, Redis - для кеширования, InfluxDB</a:t>
+            </a:r>
+            <a:r>
+              <a:rPr lang="ru-RU" sz="1100">
+                <a:latin typeface="Arial"/>
+                <a:ea typeface="Arial"/>
+                <a:cs typeface="Arial"/>
+                <a:sym typeface="Arial"/>
+              </a:rPr>
+              <a:t> - для логирования.</a:t>
+            </a:r>
+            <a:endParaRPr sz="1100">
+              <a:latin typeface="Arial"/>
+              <a:ea typeface="Arial"/>
+              <a:cs typeface="Arial"/>
+              <a:sym typeface="Arial"/>
+            </a:endParaRPr>
+          </a:p>
+          <a:p>
+            <a:pPr indent="0" lvl="0" marL="0" rtl="0" algn="l">
+              <a:spcBef>
+                <a:spcPts val="0"/>
+              </a:spcBef>
+              <a:spcAft>
+                <a:spcPts val="0"/>
+              </a:spcAft>
+              <a:buSzPts val="1100"/>
+              <a:buNone/>
+            </a:pPr>
+            <a:r>
+              <a:t/>
+            </a:r>
+            <a:endParaRPr sz="1100">
+              <a:latin typeface="Arial"/>
+              <a:ea typeface="Arial"/>
+              <a:cs typeface="Arial"/>
+              <a:sym typeface="Arial"/>
+            </a:endParaRPr>
+          </a:p>
+          <a:p>
+            <a:pPr indent="0" lvl="0" marL="0" rtl="0" algn="l">
+              <a:spcBef>
+                <a:spcPts val="0"/>
+              </a:spcBef>
+              <a:spcAft>
+                <a:spcPts val="0"/>
+              </a:spcAft>
+              <a:buClr>
+                <a:schemeClr val="dk1"/>
+              </a:buClr>
+              <a:buSzPts val="1100"/>
+              <a:buFont typeface="Arial"/>
+              <a:buNone/>
+            </a:pPr>
+            <a:r>
+              <a:rPr lang="ru-RU" sz="1100">
+                <a:latin typeface="Arial"/>
+                <a:ea typeface="Arial"/>
+                <a:cs typeface="Arial"/>
+                <a:sym typeface="Arial"/>
+              </a:rPr>
+              <a:t>В контейнер можем писать не только мы, контейнеры никак не защищены</a:t>
+            </a:r>
+            <a:endParaRPr sz="1100">
+              <a:latin typeface="Arial"/>
+              <a:ea typeface="Arial"/>
+              <a:cs typeface="Arial"/>
+              <a:sym typeface="Arial"/>
+            </a:endParaRPr>
+          </a:p>
+          <a:p>
+            <a:pPr indent="0" lvl="0" marL="0" rtl="0" algn="l">
+              <a:spcBef>
+                <a:spcPts val="0"/>
+              </a:spcBef>
+              <a:spcAft>
+                <a:spcPts val="0"/>
+              </a:spcAft>
+              <a:buClr>
+                <a:schemeClr val="dk1"/>
+              </a:buClr>
+              <a:buSzPts val="1100"/>
+              <a:buFont typeface="Arial"/>
+              <a:buNone/>
+            </a:pPr>
+            <a:r>
+              <a:rPr lang="ru-RU" sz="1100">
+                <a:latin typeface="Arial"/>
+                <a:ea typeface="Arial"/>
+                <a:cs typeface="Arial"/>
+                <a:sym typeface="Arial"/>
+              </a:rPr>
+              <a:t>Файлы легко подменяются/теряются</a:t>
+            </a:r>
+            <a:endParaRPr b="1" sz="1000">
+              <a:latin typeface="Times New Roman"/>
+              <a:ea typeface="Times New Roman"/>
+              <a:cs typeface="Times New Roman"/>
+              <a:sym typeface="Times New Roman"/>
+            </a:endParaRPr>
+          </a:p>
+          <a:p>
+            <a:pPr indent="0" lvl="0" marL="0" rtl="0" algn="l">
+              <a:spcBef>
+                <a:spcPts val="0"/>
+              </a:spcBef>
+              <a:spcAft>
+                <a:spcPts val="0"/>
+              </a:spcAft>
+              <a:buClr>
+                <a:schemeClr val="dk1"/>
+              </a:buClr>
+              <a:buSzPts val="1100"/>
+              <a:buFont typeface="Arial"/>
+              <a:buNone/>
+            </a:pPr>
+            <a:r>
+              <a:t/>
+            </a:r>
+            <a:endParaRPr sz="1100">
+              <a:latin typeface="Arial"/>
+              <a:ea typeface="Arial"/>
+              <a:cs typeface="Arial"/>
+              <a:sym typeface="Arial"/>
+            </a:endParaRPr>
+          </a:p>
+          <a:p>
+            <a:pPr indent="0" lvl="0" marL="0" rtl="0" algn="l">
+              <a:spcBef>
+                <a:spcPts val="0"/>
+              </a:spcBef>
+              <a:spcAft>
+                <a:spcPts val="0"/>
+              </a:spcAft>
+              <a:buClr>
+                <a:schemeClr val="dk1"/>
+              </a:buClr>
+              <a:buSzPts val="1100"/>
+              <a:buFont typeface="Arial"/>
+              <a:buNone/>
+            </a:pPr>
+            <a:r>
+              <a:rPr lang="ru-RU" sz="1100">
+                <a:latin typeface="Arial"/>
+                <a:ea typeface="Arial"/>
+                <a:cs typeface="Arial"/>
+                <a:sym typeface="Arial"/>
+              </a:rPr>
               <a:t>А в БД может писать только тот, кто имеет к ней доступ</a:t>
             </a:r>
             <a:endParaRPr b="1" sz="1000">
@@ -3298,11 +3464,32 @@
               <a:sym typeface="Times New Roman"/>
             </a:endParaRPr>
           </a:p>
+          <a:p>
+            <a:pPr indent="0" lvl="0" marL="0" rtl="0" algn="l">
+              <a:spcBef>
+                <a:spcPts val="0"/>
+              </a:spcBef>
+              <a:spcAft>
+                <a:spcPts val="0"/>
+              </a:spcAft>
+              <a:buSzPts val="1100"/>
+              <a:buNone/>
+            </a:pPr>
+            <a:r>
+              <a:t/>
+            </a:r>
+            <a:endParaRPr sz="1100">
+              <a:latin typeface="Arial"/>
+              <a:ea typeface="Arial"/>
+              <a:cs typeface="Arial"/>
+              <a:sym typeface="Arial"/>
+            </a:endParaRPr>
+          </a:p>
         </p:txBody>
       </p:sp>
       <p:sp>
         <p:nvSpPr>
-          <p:cNvPr id="135" name="Google Shape;135;g24625ab792e_0_199:notes"/>
+          <p:cNvPr id="138" name="Google Shape;138;g248165fabb6_0_8:notes"/>
           <p:cNvSpPr txBox="1"/>
           <p:nvPr>
             <p:ph idx="12" type="sldNum"/>
@@ -3357,7 +3544,7 @@
   <p:cSld>
     <p:spTree>
       <p:nvGrpSpPr>
-        <p:cNvPr id="140" name="Shape 140"/>
+        <p:cNvPr id="144" name="Shape 144"/>
         <p:cNvGrpSpPr/>
         <p:nvPr/>
       </p:nvGrpSpPr>
@@ -3371,7 +3558,7 @@
       </p:grpSpPr>
       <p:sp>
         <p:nvSpPr>
-          <p:cNvPr id="141" name="Google Shape;141;g24625ab792e_0_215:notes"/>
+          <p:cNvPr id="145" name="Google Shape;145;g24625ab792e_0_215:notes"/>
           <p:cNvSpPr/>
           <p:nvPr>
             <p:ph idx="2" type="sldImg"/>
@@ -3416,7 +3603,7 @@
       </p:sp>
       <p:sp>
         <p:nvSpPr>
-          <p:cNvPr id="142" name="Google Shape;142;g24625ab792e_0_215:notes"/>
+          <p:cNvPr id="146" name="Google Shape;146;g24625ab792e_0_215:notes"/>
           <p:cNvSpPr txBox="1"/>
           <p:nvPr>
             <p:ph idx="1" type="body"/>
@@ -3464,7 +3651,7 @@
       </p:sp>
       <p:sp>
         <p:nvSpPr>
-          <p:cNvPr id="143" name="Google Shape;143;g24625ab792e_0_215:notes"/>
+          <p:cNvPr id="147" name="Google Shape;147;g24625ab792e_0_215:notes"/>
           <p:cNvSpPr txBox="1"/>
           <p:nvPr>
             <p:ph idx="12" type="sldNum"/>
@@ -3519,7 +3706,7 @@
   <p:cSld>
     <p:spTree>
       <p:nvGrpSpPr>
-        <p:cNvPr id="147" name="Shape 147"/>
+        <p:cNvPr id="152" name="Shape 152"/>
         <p:cNvGrpSpPr/>
         <p:nvPr/>
       </p:nvGrpSpPr>
@@ -3533,7 +3720,7 @@
       </p:grpSpPr>
       <p:sp>
         <p:nvSpPr>
-          <p:cNvPr id="148" name="Google Shape;148;g24625ab792e_0_108:notes"/>
+          <p:cNvPr id="153" name="Google Shape;153;g24625ab792e_0_108:notes"/>
           <p:cNvSpPr/>
           <p:nvPr>
             <p:ph idx="2" type="sldImg"/>
@@ -3578,7 +3765,7 @@
       </p:sp>
       <p:sp>
         <p:nvSpPr>
-          <p:cNvPr id="149" name="Google Shape;149;g24625ab792e_0_108:notes"/>
+          <p:cNvPr id="154" name="Google Shape;154;g24625ab792e_0_108:notes"/>
           <p:cNvSpPr txBox="1"/>
           <p:nvPr>
             <p:ph idx="1" type="body"/>
@@ -3621,7 +3808,7 @@
       </p:sp>
       <p:sp>
         <p:nvSpPr>
-          <p:cNvPr id="150" name="Google Shape;150;g24625ab792e_0_108:notes"/>
+          <p:cNvPr id="155" name="Google Shape;155;g24625ab792e_0_108:notes"/>
           <p:cNvSpPr txBox="1"/>
           <p:nvPr>
             <p:ph idx="12" type="sldNum"/>
@@ -3676,7 +3863,7 @@
   <p:cSld>
     <p:spTree>
       <p:nvGrpSpPr>
-        <p:cNvPr id="158" name="Shape 158"/>
+        <p:cNvPr id="164" name="Shape 164"/>
         <p:cNvGrpSpPr/>
         <p:nvPr/>
       </p:nvGrpSpPr>
@@ -3690,7 +3877,7 @@
       </p:grpSpPr>
       <p:sp>
         <p:nvSpPr>
-          <p:cNvPr id="159" name="Google Shape;159;g24625ab792e_0_120:notes"/>
+          <p:cNvPr id="165" name="Google Shape;165;g24625ab792e_0_120:notes"/>
           <p:cNvSpPr/>
           <p:nvPr>
             <p:ph idx="2" type="sldImg"/>
@@ -3735,7 +3922,7 @@
       </p:sp>
       <p:sp>
         <p:nvSpPr>
-          <p:cNvPr id="160" name="Google Shape;160;g24625ab792e_0_120:notes"/>
+          <p:cNvPr id="166" name="Google Shape;166;g24625ab792e_0_120:notes"/>
           <p:cNvSpPr txBox="1"/>
           <p:nvPr>
             <p:ph idx="1" type="body"/>
@@ -3778,7 +3965,7 @@
       </p:sp>
       <p:sp>
         <p:nvSpPr>
-          <p:cNvPr id="161" name="Google Shape;161;g24625ab792e_0_120:notes"/>
+          <p:cNvPr id="167" name="Google Shape;167;g24625ab792e_0_120:notes"/>
           <p:cNvSpPr txBox="1"/>
           <p:nvPr>
             <p:ph idx="12" type="sldNum"/>
@@ -13486,7 +13673,7 @@
     <p:sldLayoutId id="2147483658" r:id="rId11"/>
     <p:sldLayoutId id="2147483659" r:id="rId12"/>
   </p:sldLayoutIdLst>
-  <p:hf dt="0" ftr="0" hdr="0" sldNum="0"/>
+  <p:hf dt="0" ftr="0" hdr="0"/>
   <p:txStyles>
     <p:titleStyle>
       <a:defPPr lvl="0" marR="0" rtl="0" algn="l">
@@ -14488,7 +14675,7 @@
   <p:cSld>
     <p:spTree>
       <p:nvGrpSpPr>
-        <p:cNvPr id="173" name="Shape 173"/>
+        <p:cNvPr id="180" name="Shape 180"/>
         <p:cNvGrpSpPr/>
         <p:nvPr/>
       </p:nvGrpSpPr>
@@ -14502,7 +14689,7 @@
       </p:grpSpPr>
       <p:sp>
         <p:nvSpPr>
-          <p:cNvPr id="174" name="Google Shape;174;p23"/>
+          <p:cNvPr id="181" name="Google Shape;181;p23"/>
           <p:cNvSpPr txBox="1"/>
           <p:nvPr>
             <p:ph type="title"/>
@@ -14564,7 +14751,7 @@
       </p:sp>
       <p:sp>
         <p:nvSpPr>
-          <p:cNvPr id="175" name="Google Shape;175;p23"/>
+          <p:cNvPr id="182" name="Google Shape;182;p23"/>
           <p:cNvSpPr txBox="1"/>
           <p:nvPr/>
         </p:nvSpPr>
@@ -14616,7 +14803,7 @@
       </p:sp>
       <p:pic>
         <p:nvPicPr>
-          <p:cNvPr id="176" name="Google Shape;176;p23"/>
+          <p:cNvPr id="183" name="Google Shape;183;p23"/>
           <p:cNvPicPr preferRelativeResize="0"/>
           <p:nvPr/>
         </p:nvPicPr>
@@ -14644,7 +14831,7 @@
       </p:pic>
       <p:pic>
         <p:nvPicPr>
-          <p:cNvPr id="177" name="Google Shape;177;p23"/>
+          <p:cNvPr id="184" name="Google Shape;184;p23"/>
           <p:cNvPicPr preferRelativeResize="0"/>
           <p:nvPr/>
         </p:nvPicPr>
@@ -14672,7 +14859,7 @@
       </p:pic>
       <p:sp>
         <p:nvSpPr>
-          <p:cNvPr id="178" name="Google Shape;178;p23"/>
+          <p:cNvPr id="185" name="Google Shape;185;p23"/>
           <p:cNvSpPr txBox="1"/>
           <p:nvPr/>
         </p:nvSpPr>
@@ -14724,7 +14911,7 @@
       </p:sp>
       <p:sp>
         <p:nvSpPr>
-          <p:cNvPr id="179" name="Google Shape;179;p23"/>
+          <p:cNvPr id="186" name="Google Shape;186;p23"/>
           <p:cNvSpPr txBox="1"/>
           <p:nvPr/>
         </p:nvSpPr>
@@ -14774,6 +14961,50 @@
           </a:p>
         </p:txBody>
       </p:sp>
+      <p:sp>
+        <p:nvSpPr>
+          <p:cNvPr id="187" name="Google Shape;187;p23"/>
+          <p:cNvSpPr txBox="1"/>
+          <p:nvPr>
+            <p:ph idx="12" type="sldNum"/>
+          </p:nvPr>
+        </p:nvSpPr>
+        <p:spPr>
+          <a:xfrm>
+            <a:off x="8610600" y="6356350"/>
+            <a:ext cx="2743200" cy="365100"/>
+          </a:xfrm>
+          <a:prstGeom prst="rect">
+            <a:avLst/>
+          </a:prstGeom>
+        </p:spPr>
+        <p:txBody>
+          <a:bodyPr anchorCtr="0" anchor="ctr" bIns="45700" lIns="91425" spcFirstLastPara="1" rIns="91425" wrap="square" tIns="45700">
+            <a:noAutofit/>
+          </a:bodyPr>
+          <a:lstStyle/>
+          <a:p>
+            <a:pPr indent="0" lvl="0" marL="0" rtl="0" algn="r">
+              <a:spcBef>
+                <a:spcPts val="0"/>
+              </a:spcBef>
+              <a:spcAft>
+                <a:spcPts val="0"/>
+              </a:spcAft>
+              <a:buClr>
+                <a:srgbClr val="000000"/>
+              </a:buClr>
+              <a:buFont typeface="Arial"/>
+              <a:buNone/>
+            </a:pPr>
+            <a:fld id="{00000000-1234-1234-1234-123412341234}" type="slidenum">
+              <a:rPr lang="ru-RU"/>
+              <a:t>‹#›</a:t>
+            </a:fld>
+            <a:endParaRPr/>
+          </a:p>
+        </p:txBody>
+      </p:sp>
     </p:spTree>
   </p:cSld>
   <p:clrMapOvr>
@@ -14787,7 +15018,7 @@
   <p:cSld>
     <p:spTree>
       <p:nvGrpSpPr>
-        <p:cNvPr id="184" name="Shape 184"/>
+        <p:cNvPr id="192" name="Shape 192"/>
         <p:cNvGrpSpPr/>
         <p:nvPr/>
       </p:nvGrpSpPr>
@@ -14801,7 +15032,7 @@
       </p:grpSpPr>
       <p:sp>
         <p:nvSpPr>
-          <p:cNvPr id="185" name="Google Shape;185;p24"/>
+          <p:cNvPr id="193" name="Google Shape;193;p24"/>
           <p:cNvSpPr txBox="1"/>
           <p:nvPr>
             <p:ph type="title"/>
@@ -14860,7 +15091,7 @@
       </p:sp>
       <p:sp>
         <p:nvSpPr>
-          <p:cNvPr id="186" name="Google Shape;186;p24"/>
+          <p:cNvPr id="194" name="Google Shape;194;p24"/>
           <p:cNvSpPr txBox="1"/>
           <p:nvPr/>
         </p:nvSpPr>
@@ -15076,6 +15307,50 @@
           </a:p>
         </p:txBody>
       </p:sp>
+      <p:sp>
+        <p:nvSpPr>
+          <p:cNvPr id="195" name="Google Shape;195;p24"/>
+          <p:cNvSpPr txBox="1"/>
+          <p:nvPr>
+            <p:ph idx="12" type="sldNum"/>
+          </p:nvPr>
+        </p:nvSpPr>
+        <p:spPr>
+          <a:xfrm>
+            <a:off x="8610600" y="6356350"/>
+            <a:ext cx="2743200" cy="365100"/>
+          </a:xfrm>
+          <a:prstGeom prst="rect">
+            <a:avLst/>
+          </a:prstGeom>
+        </p:spPr>
+        <p:txBody>
+          <a:bodyPr anchorCtr="0" anchor="ctr" bIns="45700" lIns="91425" spcFirstLastPara="1" rIns="91425" wrap="square" tIns="45700">
+            <a:noAutofit/>
+          </a:bodyPr>
+          <a:lstStyle/>
+          <a:p>
+            <a:pPr indent="0" lvl="0" marL="0" rtl="0" algn="r">
+              <a:spcBef>
+                <a:spcPts val="0"/>
+              </a:spcBef>
+              <a:spcAft>
+                <a:spcPts val="0"/>
+              </a:spcAft>
+              <a:buClr>
+                <a:srgbClr val="000000"/>
+              </a:buClr>
+              <a:buFont typeface="Arial"/>
+              <a:buNone/>
+            </a:pPr>
+            <a:fld id="{00000000-1234-1234-1234-123412341234}" type="slidenum">
+              <a:rPr lang="ru-RU"/>
+              <a:t>‹#›</a:t>
+            </a:fld>
+            <a:endParaRPr/>
+          </a:p>
+        </p:txBody>
+      </p:sp>
     </p:spTree>
   </p:cSld>
   <p:clrMapOvr>
@@ -15089,7 +15364,7 @@
   <p:cSld>
     <p:spTree>
       <p:nvGrpSpPr>
-        <p:cNvPr id="191" name="Shape 191"/>
+        <p:cNvPr id="200" name="Shape 200"/>
         <p:cNvGrpSpPr/>
         <p:nvPr/>
       </p:nvGrpSpPr>
@@ -15103,7 +15378,7 @@
       </p:grpSpPr>
       <p:sp>
         <p:nvSpPr>
-          <p:cNvPr id="192" name="Google Shape;192;p25"/>
+          <p:cNvPr id="201" name="Google Shape;201;p25"/>
           <p:cNvSpPr txBox="1"/>
           <p:nvPr>
             <p:ph type="title"/>
@@ -15162,7 +15437,7 @@
       </p:sp>
       <p:sp>
         <p:nvSpPr>
-          <p:cNvPr id="193" name="Google Shape;193;p25"/>
+          <p:cNvPr id="202" name="Google Shape;202;p25"/>
           <p:cNvSpPr txBox="1"/>
           <p:nvPr/>
         </p:nvSpPr>
@@ -15427,6 +15702,50 @@
           </a:p>
         </p:txBody>
       </p:sp>
+      <p:sp>
+        <p:nvSpPr>
+          <p:cNvPr id="203" name="Google Shape;203;p25"/>
+          <p:cNvSpPr txBox="1"/>
+          <p:nvPr>
+            <p:ph idx="12" type="sldNum"/>
+          </p:nvPr>
+        </p:nvSpPr>
+        <p:spPr>
+          <a:xfrm>
+            <a:off x="8610600" y="6356350"/>
+            <a:ext cx="2743200" cy="365100"/>
+          </a:xfrm>
+          <a:prstGeom prst="rect">
+            <a:avLst/>
+          </a:prstGeom>
+        </p:spPr>
+        <p:txBody>
+          <a:bodyPr anchorCtr="0" anchor="ctr" bIns="45700" lIns="91425" spcFirstLastPara="1" rIns="91425" wrap="square" tIns="45700">
+            <a:noAutofit/>
+          </a:bodyPr>
+          <a:lstStyle/>
+          <a:p>
+            <a:pPr indent="0" lvl="0" marL="0" rtl="0" algn="r">
+              <a:spcBef>
+                <a:spcPts val="0"/>
+              </a:spcBef>
+              <a:spcAft>
+                <a:spcPts val="0"/>
+              </a:spcAft>
+              <a:buClr>
+                <a:srgbClr val="000000"/>
+              </a:buClr>
+              <a:buFont typeface="Arial"/>
+              <a:buNone/>
+            </a:pPr>
+            <a:fld id="{00000000-1234-1234-1234-123412341234}" type="slidenum">
+              <a:rPr lang="ru-RU"/>
+              <a:t>‹#›</a:t>
+            </a:fld>
+            <a:endParaRPr/>
+          </a:p>
+        </p:txBody>
+      </p:sp>
     </p:spTree>
   </p:cSld>
   <p:clrMapOvr>
@@ -15440,7 +15759,7 @@
   <p:cSld>
     <p:spTree>
       <p:nvGrpSpPr>
-        <p:cNvPr id="198" name="Shape 198"/>
+        <p:cNvPr id="208" name="Shape 208"/>
         <p:cNvGrpSpPr/>
         <p:nvPr/>
       </p:nvGrpSpPr>
@@ -15454,7 +15773,7 @@
       </p:grpSpPr>
       <p:sp>
         <p:nvSpPr>
-          <p:cNvPr id="199" name="Google Shape;199;p26"/>
+          <p:cNvPr id="209" name="Google Shape;209;p26"/>
           <p:cNvSpPr txBox="1"/>
           <p:nvPr>
             <p:ph type="title"/>
@@ -15513,7 +15832,7 @@
       </p:sp>
       <p:sp>
         <p:nvSpPr>
-          <p:cNvPr id="200" name="Google Shape;200;p26"/>
+          <p:cNvPr id="210" name="Google Shape;210;p26"/>
           <p:cNvSpPr txBox="1"/>
           <p:nvPr/>
         </p:nvSpPr>
@@ -15682,6 +16001,46 @@
               <a:cs typeface="Open Sans"/>
               <a:sym typeface="Open Sans"/>
             </a:endParaRPr>
+          </a:p>
+        </p:txBody>
+      </p:sp>
+      <p:sp>
+        <p:nvSpPr>
+          <p:cNvPr id="211" name="Google Shape;211;p26"/>
+          <p:cNvSpPr txBox="1"/>
+          <p:nvPr>
+            <p:ph idx="12" type="sldNum"/>
+          </p:nvPr>
+        </p:nvSpPr>
+        <p:spPr>
+          <a:xfrm>
+            <a:off x="8610600" y="6356350"/>
+            <a:ext cx="2743200" cy="365100"/>
+          </a:xfrm>
+          <a:prstGeom prst="rect">
+            <a:avLst/>
+          </a:prstGeom>
+        </p:spPr>
+        <p:txBody>
+          <a:bodyPr anchorCtr="0" anchor="ctr" bIns="45700" lIns="91425" spcFirstLastPara="1" rIns="91425" wrap="square" tIns="45700">
+            <a:noAutofit/>
+          </a:bodyPr>
+          <a:lstStyle/>
+          <a:p>
+            <a:pPr indent="0" lvl="0" marL="0" rtl="0" algn="r">
+              <a:spcBef>
+                <a:spcPts val="0"/>
+              </a:spcBef>
+              <a:spcAft>
+                <a:spcPts val="0"/>
+              </a:spcAft>
+              <a:buNone/>
+            </a:pPr>
+            <a:fld id="{00000000-1234-1234-1234-123412341234}" type="slidenum">
+              <a:rPr lang="ru-RU"/>
+              <a:t>‹#›</a:t>
+            </a:fld>
+            <a:endParaRPr/>
           </a:p>
         </p:txBody>
       </p:sp>
@@ -16078,6 +16437,50 @@
           </a:p>
         </p:txBody>
       </p:sp>
+      <p:sp>
+        <p:nvSpPr>
+          <p:cNvPr id="104" name="Google Shape;104;p15"/>
+          <p:cNvSpPr txBox="1"/>
+          <p:nvPr>
+            <p:ph idx="12" type="sldNum"/>
+          </p:nvPr>
+        </p:nvSpPr>
+        <p:spPr>
+          <a:xfrm>
+            <a:off x="8610600" y="6356350"/>
+            <a:ext cx="2743200" cy="365100"/>
+          </a:xfrm>
+          <a:prstGeom prst="rect">
+            <a:avLst/>
+          </a:prstGeom>
+        </p:spPr>
+        <p:txBody>
+          <a:bodyPr anchorCtr="0" anchor="ctr" bIns="45700" lIns="91425" spcFirstLastPara="1" rIns="91425" wrap="square" tIns="45700">
+            <a:noAutofit/>
+          </a:bodyPr>
+          <a:lstStyle/>
+          <a:p>
+            <a:pPr indent="0" lvl="0" marL="0" rtl="0" algn="r">
+              <a:spcBef>
+                <a:spcPts val="0"/>
+              </a:spcBef>
+              <a:spcAft>
+                <a:spcPts val="0"/>
+              </a:spcAft>
+              <a:buClr>
+                <a:srgbClr val="000000"/>
+              </a:buClr>
+              <a:buFont typeface="Arial"/>
+              <a:buNone/>
+            </a:pPr>
+            <a:fld id="{00000000-1234-1234-1234-123412341234}" type="slidenum">
+              <a:rPr lang="ru-RU"/>
+              <a:t>‹#›</a:t>
+            </a:fld>
+            <a:endParaRPr/>
+          </a:p>
+        </p:txBody>
+      </p:sp>
     </p:spTree>
   </p:cSld>
   <p:clrMapOvr>
@@ -16091,7 +16494,7 @@
   <p:cSld>
     <p:spTree>
       <p:nvGrpSpPr>
-        <p:cNvPr id="108" name="Shape 108"/>
+        <p:cNvPr id="109" name="Shape 109"/>
         <p:cNvGrpSpPr/>
         <p:nvPr/>
       </p:nvGrpSpPr>
@@ -16105,7 +16508,7 @@
       </p:grpSpPr>
       <p:sp>
         <p:nvSpPr>
-          <p:cNvPr id="109" name="Google Shape;109;p16"/>
+          <p:cNvPr id="110" name="Google Shape;110;p16"/>
           <p:cNvSpPr txBox="1"/>
           <p:nvPr>
             <p:ph type="title"/>
@@ -16151,7 +16554,7 @@
                 <a:cs typeface="Times New Roman"/>
                 <a:sym typeface="Times New Roman"/>
               </a:rPr>
-              <a:t>Анализ существующих аналогов</a:t>
+              <a:t>Существующие аналоги</a:t>
             </a:r>
             <a:endParaRPr>
               <a:latin typeface="Times New Roman"/>
@@ -16164,7 +16567,7 @@
       </p:sp>
       <p:pic>
         <p:nvPicPr>
-          <p:cNvPr id="110" name="Google Shape;110;p16"/>
+          <p:cNvPr id="111" name="Google Shape;111;p16"/>
           <p:cNvPicPr preferRelativeResize="0"/>
           <p:nvPr/>
         </p:nvPicPr>
@@ -16178,36 +16581,8 @@
         </p:blipFill>
         <p:spPr>
           <a:xfrm>
-            <a:off x="415600" y="4014532"/>
+            <a:off x="402600" y="3337832"/>
             <a:ext cx="3099233" cy="3099233"/>
-          </a:xfrm>
-          <a:prstGeom prst="rect">
-            <a:avLst/>
-          </a:prstGeom>
-          <a:noFill/>
-          <a:ln>
-            <a:noFill/>
-          </a:ln>
-        </p:spPr>
-      </p:pic>
-      <p:pic>
-        <p:nvPicPr>
-          <p:cNvPr id="111" name="Google Shape;111;p16"/>
-          <p:cNvPicPr preferRelativeResize="0"/>
-          <p:nvPr/>
-        </p:nvPicPr>
-        <p:blipFill>
-          <a:blip r:embed="rId4">
-            <a:alphaModFix/>
-          </a:blip>
-          <a:stretch>
-            <a:fillRect/>
-          </a:stretch>
-        </p:blipFill>
-        <p:spPr>
-          <a:xfrm>
-            <a:off x="3767967" y="4524482"/>
-            <a:ext cx="2025684" cy="2025655"/>
           </a:xfrm>
           <a:prstGeom prst="rect">
             <a:avLst/>
@@ -16225,7 +16600,7 @@
           <p:nvPr/>
         </p:nvPicPr>
         <p:blipFill>
-          <a:blip r:embed="rId5">
+          <a:blip r:embed="rId4">
             <a:alphaModFix/>
           </a:blip>
           <a:stretch>
@@ -16234,8 +16609,8 @@
         </p:blipFill>
         <p:spPr>
           <a:xfrm>
-            <a:off x="7950200" y="3360633"/>
-            <a:ext cx="4095435" cy="4095435"/>
+            <a:off x="3754967" y="3847782"/>
+            <a:ext cx="2025684" cy="2025655"/>
           </a:xfrm>
           <a:prstGeom prst="rect">
             <a:avLst/>
@@ -16253,6 +16628,34 @@
           <p:nvPr/>
         </p:nvPicPr>
         <p:blipFill>
+          <a:blip r:embed="rId5">
+            <a:alphaModFix/>
+          </a:blip>
+          <a:stretch>
+            <a:fillRect/>
+          </a:stretch>
+        </p:blipFill>
+        <p:spPr>
+          <a:xfrm>
+            <a:off x="7937200" y="2683933"/>
+            <a:ext cx="4095435" cy="4095435"/>
+          </a:xfrm>
+          <a:prstGeom prst="rect">
+            <a:avLst/>
+          </a:prstGeom>
+          <a:noFill/>
+          <a:ln>
+            <a:noFill/>
+          </a:ln>
+        </p:spPr>
+      </p:pic>
+      <p:pic>
+        <p:nvPicPr>
+          <p:cNvPr id="114" name="Google Shape;114;p16"/>
+          <p:cNvPicPr preferRelativeResize="0"/>
+          <p:nvPr/>
+        </p:nvPicPr>
+        <p:blipFill>
           <a:blip r:embed="rId6">
             <a:alphaModFix/>
           </a:blip>
@@ -16262,7 +16665,7 @@
         </p:blipFill>
         <p:spPr>
           <a:xfrm>
-            <a:off x="6096000" y="4211000"/>
+            <a:off x="6083000" y="3534300"/>
             <a:ext cx="2649635" cy="2649635"/>
           </a:xfrm>
           <a:prstGeom prst="rect">
@@ -16276,14 +16679,14 @@
       </p:pic>
       <p:sp>
         <p:nvSpPr>
-          <p:cNvPr id="114" name="Google Shape;114;p16"/>
+          <p:cNvPr id="115" name="Google Shape;115;p16"/>
           <p:cNvSpPr txBox="1"/>
           <p:nvPr/>
         </p:nvSpPr>
         <p:spPr>
           <a:xfrm>
             <a:off x="502925" y="1022300"/>
-            <a:ext cx="11186100" cy="5716500"/>
+            <a:ext cx="11186100" cy="3818700"/>
           </a:xfrm>
           <a:prstGeom prst="rect">
             <a:avLst/>
@@ -16298,41 +16701,6 @@
             <a:noAutofit/>
           </a:bodyPr>
           <a:lstStyle/>
-          <a:p>
-            <a:pPr indent="0" lvl="0" marL="0" rtl="0" algn="l">
-              <a:lnSpc>
-                <a:spcPct val="90000"/>
-              </a:lnSpc>
-              <a:spcBef>
-                <a:spcPts val="1600"/>
-              </a:spcBef>
-              <a:spcAft>
-                <a:spcPts val="0"/>
-              </a:spcAft>
-              <a:buNone/>
-            </a:pPr>
-            <a:r>
-              <a:rPr lang="ru-RU" sz="2500">
-                <a:solidFill>
-                  <a:schemeClr val="dk1"/>
-                </a:solidFill>
-                <a:latin typeface="Times New Roman"/>
-                <a:ea typeface="Times New Roman"/>
-                <a:cs typeface="Times New Roman"/>
-                <a:sym typeface="Times New Roman"/>
-              </a:rPr>
-              <a:t>Аналоги:</a:t>
-            </a:r>
-            <a:endParaRPr sz="2500">
-              <a:solidFill>
-                <a:schemeClr val="dk1"/>
-              </a:solidFill>
-              <a:latin typeface="Times New Roman"/>
-              <a:ea typeface="Times New Roman"/>
-              <a:cs typeface="Times New Roman"/>
-              <a:sym typeface="Times New Roman"/>
-            </a:endParaRPr>
-          </a:p>
           <a:p>
             <a:pPr indent="-273050" lvl="0" marL="228600" rtl="0" algn="l">
               <a:lnSpc>
@@ -16439,6 +16807,50 @@
           </a:p>
         </p:txBody>
       </p:sp>
+      <p:sp>
+        <p:nvSpPr>
+          <p:cNvPr id="116" name="Google Shape;116;p16"/>
+          <p:cNvSpPr txBox="1"/>
+          <p:nvPr>
+            <p:ph idx="12" type="sldNum"/>
+          </p:nvPr>
+        </p:nvSpPr>
+        <p:spPr>
+          <a:xfrm>
+            <a:off x="8610600" y="6356350"/>
+            <a:ext cx="2743200" cy="365100"/>
+          </a:xfrm>
+          <a:prstGeom prst="rect">
+            <a:avLst/>
+          </a:prstGeom>
+        </p:spPr>
+        <p:txBody>
+          <a:bodyPr anchorCtr="0" anchor="ctr" bIns="45700" lIns="91425" spcFirstLastPara="1" rIns="91425" wrap="square" tIns="45700">
+            <a:noAutofit/>
+          </a:bodyPr>
+          <a:lstStyle/>
+          <a:p>
+            <a:pPr indent="0" lvl="0" marL="0" rtl="0" algn="r">
+              <a:spcBef>
+                <a:spcPts val="0"/>
+              </a:spcBef>
+              <a:spcAft>
+                <a:spcPts val="0"/>
+              </a:spcAft>
+              <a:buClr>
+                <a:srgbClr val="000000"/>
+              </a:buClr>
+              <a:buFont typeface="Arial"/>
+              <a:buNone/>
+            </a:pPr>
+            <a:fld id="{00000000-1234-1234-1234-123412341234}" type="slidenum">
+              <a:rPr lang="ru-RU"/>
+              <a:t>‹#›</a:t>
+            </a:fld>
+            <a:endParaRPr/>
+          </a:p>
+        </p:txBody>
+      </p:sp>
     </p:spTree>
   </p:cSld>
   <p:clrMapOvr>
@@ -16452,7 +16864,7 @@
   <p:cSld>
     <p:spTree>
       <p:nvGrpSpPr>
-        <p:cNvPr id="119" name="Shape 119"/>
+        <p:cNvPr id="121" name="Shape 121"/>
         <p:cNvGrpSpPr/>
         <p:nvPr/>
       </p:nvGrpSpPr>
@@ -16466,7 +16878,7 @@
       </p:grpSpPr>
       <p:sp>
         <p:nvSpPr>
-          <p:cNvPr id="120" name="Google Shape;120;p17"/>
+          <p:cNvPr id="122" name="Google Shape;122;p17"/>
           <p:cNvSpPr txBox="1"/>
           <p:nvPr>
             <p:ph type="title"/>
@@ -16528,7 +16940,7 @@
       </p:sp>
       <p:sp>
         <p:nvSpPr>
-          <p:cNvPr id="121" name="Google Shape;121;p17"/>
+          <p:cNvPr id="123" name="Google Shape;123;p17"/>
           <p:cNvSpPr txBox="1"/>
           <p:nvPr/>
         </p:nvSpPr>
@@ -16580,7 +16992,7 @@
       </p:sp>
       <p:pic>
         <p:nvPicPr>
-          <p:cNvPr id="122" name="Google Shape;122;p17"/>
+          <p:cNvPr id="124" name="Google Shape;124;p17"/>
           <p:cNvPicPr preferRelativeResize="0"/>
           <p:nvPr/>
         </p:nvPicPr>
@@ -16606,6 +17018,50 @@
           </a:ln>
         </p:spPr>
       </p:pic>
+      <p:sp>
+        <p:nvSpPr>
+          <p:cNvPr id="125" name="Google Shape;125;p17"/>
+          <p:cNvSpPr txBox="1"/>
+          <p:nvPr>
+            <p:ph idx="12" type="sldNum"/>
+          </p:nvPr>
+        </p:nvSpPr>
+        <p:spPr>
+          <a:xfrm>
+            <a:off x="8610600" y="6356350"/>
+            <a:ext cx="2743200" cy="365100"/>
+          </a:xfrm>
+          <a:prstGeom prst="rect">
+            <a:avLst/>
+          </a:prstGeom>
+        </p:spPr>
+        <p:txBody>
+          <a:bodyPr anchorCtr="0" anchor="ctr" bIns="45700" lIns="91425" spcFirstLastPara="1" rIns="91425" wrap="square" tIns="45700">
+            <a:noAutofit/>
+          </a:bodyPr>
+          <a:lstStyle/>
+          <a:p>
+            <a:pPr indent="0" lvl="0" marL="0" rtl="0" algn="r">
+              <a:spcBef>
+                <a:spcPts val="0"/>
+              </a:spcBef>
+              <a:spcAft>
+                <a:spcPts val="0"/>
+              </a:spcAft>
+              <a:buClr>
+                <a:srgbClr val="000000"/>
+              </a:buClr>
+              <a:buFont typeface="Arial"/>
+              <a:buNone/>
+            </a:pPr>
+            <a:fld id="{00000000-1234-1234-1234-123412341234}" type="slidenum">
+              <a:rPr lang="ru-RU"/>
+              <a:t>‹#›</a:t>
+            </a:fld>
+            <a:endParaRPr/>
+          </a:p>
+        </p:txBody>
+      </p:sp>
     </p:spTree>
   </p:cSld>
   <p:clrMapOvr>
@@ -16619,7 +17075,7 @@
   <p:cSld>
     <p:spTree>
       <p:nvGrpSpPr>
-        <p:cNvPr id="127" name="Shape 127"/>
+        <p:cNvPr id="130" name="Shape 130"/>
         <p:cNvGrpSpPr/>
         <p:nvPr/>
       </p:nvGrpSpPr>
@@ -16633,7 +17089,7 @@
       </p:grpSpPr>
       <p:sp>
         <p:nvSpPr>
-          <p:cNvPr id="128" name="Google Shape;128;p18"/>
+          <p:cNvPr id="131" name="Google Shape;131;p18"/>
           <p:cNvSpPr txBox="1"/>
           <p:nvPr>
             <p:ph type="title"/>
@@ -16659,6 +17115,9 @@
           <a:lstStyle/>
           <a:p>
             <a:pPr indent="0" lvl="0" marL="0" rtl="0" algn="l">
+              <a:lnSpc>
+                <a:spcPct val="90000"/>
+              </a:lnSpc>
               <a:spcBef>
                 <a:spcPts val="0"/>
               </a:spcBef>
@@ -16679,7 +17138,7 @@
                 <a:cs typeface="Times New Roman"/>
                 <a:sym typeface="Times New Roman"/>
               </a:rPr>
-              <a:t>Логирование (1)</a:t>
+              <a:t>Архитектура ПО</a:t>
             </a:r>
             <a:endParaRPr>
               <a:latin typeface="Times New Roman"/>
@@ -16692,14 +17151,14 @@
       </p:sp>
       <p:sp>
         <p:nvSpPr>
-          <p:cNvPr id="129" name="Google Shape;129;p18"/>
+          <p:cNvPr id="132" name="Google Shape;132;p18"/>
           <p:cNvSpPr txBox="1"/>
           <p:nvPr/>
         </p:nvSpPr>
         <p:spPr>
           <a:xfrm>
-            <a:off x="502925" y="1008100"/>
-            <a:ext cx="6539700" cy="5730600"/>
+            <a:off x="502920" y="1491946"/>
+            <a:ext cx="11186100" cy="5246700"/>
           </a:xfrm>
           <a:prstGeom prst="rect">
             <a:avLst/>
@@ -16715,12 +17174,12 @@
           </a:bodyPr>
           <a:lstStyle/>
           <a:p>
-            <a:pPr indent="0" lvl="0" marL="0" rtl="0" algn="l">
+            <a:pPr indent="0" lvl="0" marL="0" marR="0" rtl="0" algn="l">
               <a:lnSpc>
-                <a:spcPct val="90000"/>
+                <a:spcPct val="115000"/>
               </a:lnSpc>
               <a:spcBef>
-                <a:spcPts val="1000"/>
+                <a:spcPts val="0"/>
               </a:spcBef>
               <a:spcAft>
                 <a:spcPts val="0"/>
@@ -16728,355 +17187,23 @@
               <a:buNone/>
             </a:pPr>
             <a:r>
-              <a:rPr lang="ru-RU" sz="2800">
-                <a:solidFill>
-                  <a:schemeClr val="dk1"/>
-                </a:solidFill>
-                <a:latin typeface="Times New Roman"/>
-                <a:ea typeface="Times New Roman"/>
-                <a:cs typeface="Times New Roman"/>
-                <a:sym typeface="Times New Roman"/>
-              </a:rPr>
-              <a:t>Писать логи в </a:t>
+              <a:t/>
             </a:r>
-            <a:r>
-              <a:rPr b="1" lang="ru-RU" sz="2800">
-                <a:solidFill>
-                  <a:schemeClr val="dk1"/>
-                </a:solidFill>
-                <a:latin typeface="Times New Roman"/>
-                <a:ea typeface="Times New Roman"/>
-                <a:cs typeface="Times New Roman"/>
-                <a:sym typeface="Times New Roman"/>
-              </a:rPr>
-              <a:t>Docker контейнер</a:t>
-            </a:r>
-            <a:r>
-              <a:rPr lang="ru-RU" sz="2800">
-                <a:solidFill>
-                  <a:schemeClr val="dk1"/>
-                </a:solidFill>
-                <a:latin typeface="Times New Roman"/>
-                <a:ea typeface="Times New Roman"/>
-                <a:cs typeface="Times New Roman"/>
-                <a:sym typeface="Times New Roman"/>
-              </a:rPr>
-              <a:t>:</a:t>
-            </a:r>
-            <a:endParaRPr sz="2800">
+            <a:endParaRPr b="0" i="0" sz="1600" u="none" cap="none" strike="noStrike">
               <a:solidFill>
                 <a:schemeClr val="dk1"/>
               </a:solidFill>
-              <a:latin typeface="Times New Roman"/>
-              <a:ea typeface="Times New Roman"/>
-              <a:cs typeface="Times New Roman"/>
-              <a:sym typeface="Times New Roman"/>
-            </a:endParaRPr>
-          </a:p>
-          <a:p>
-            <a:pPr indent="-482600" lvl="0" marL="609600" rtl="0" algn="l">
-              <a:lnSpc>
-                <a:spcPct val="90000"/>
-              </a:lnSpc>
-              <a:spcBef>
-                <a:spcPts val="1000"/>
-              </a:spcBef>
-              <a:spcAft>
-                <a:spcPts val="0"/>
-              </a:spcAft>
-              <a:buClr>
-                <a:schemeClr val="dk1"/>
-              </a:buClr>
-              <a:buSzPts val="2800"/>
-              <a:buFont typeface="Times New Roman"/>
-              <a:buChar char="+"/>
-            </a:pPr>
-            <a:r>
-              <a:rPr lang="ru-RU" sz="2800">
-                <a:solidFill>
-                  <a:schemeClr val="dk1"/>
-                </a:solidFill>
-                <a:latin typeface="Times New Roman"/>
-                <a:ea typeface="Times New Roman"/>
-                <a:cs typeface="Times New Roman"/>
-                <a:sym typeface="Times New Roman"/>
-              </a:rPr>
-              <a:t>Просто реализовать</a:t>
-            </a:r>
-            <a:endParaRPr sz="2800">
-              <a:solidFill>
-                <a:schemeClr val="dk1"/>
-              </a:solidFill>
-              <a:latin typeface="Times New Roman"/>
-              <a:ea typeface="Times New Roman"/>
-              <a:cs typeface="Times New Roman"/>
-              <a:sym typeface="Times New Roman"/>
-            </a:endParaRPr>
-          </a:p>
-          <a:p>
-            <a:pPr indent="-482600" lvl="0" marL="609600" rtl="0" algn="l">
-              <a:lnSpc>
-                <a:spcPct val="90000"/>
-              </a:lnSpc>
-              <a:spcBef>
-                <a:spcPts val="1000"/>
-              </a:spcBef>
-              <a:spcAft>
-                <a:spcPts val="0"/>
-              </a:spcAft>
-              <a:buClr>
-                <a:schemeClr val="dk1"/>
-              </a:buClr>
-              <a:buSzPts val="2800"/>
-              <a:buFont typeface="Times New Roman"/>
-              <a:buChar char="-"/>
-            </a:pPr>
-            <a:r>
-              <a:rPr lang="ru-RU" sz="2800">
-                <a:solidFill>
-                  <a:schemeClr val="dk1"/>
-                </a:solidFill>
-                <a:latin typeface="Times New Roman"/>
-                <a:ea typeface="Times New Roman"/>
-                <a:cs typeface="Times New Roman"/>
-                <a:sym typeface="Times New Roman"/>
-              </a:rPr>
-              <a:t>Небезопасно</a:t>
-            </a:r>
-            <a:endParaRPr sz="2800">
-              <a:solidFill>
-                <a:schemeClr val="dk1"/>
-              </a:solidFill>
-              <a:latin typeface="Times New Roman"/>
-              <a:ea typeface="Times New Roman"/>
-              <a:cs typeface="Times New Roman"/>
-              <a:sym typeface="Times New Roman"/>
-            </a:endParaRPr>
-          </a:p>
-          <a:p>
-            <a:pPr indent="-482600" lvl="0" marL="609600" rtl="0" algn="l">
-              <a:lnSpc>
-                <a:spcPct val="90000"/>
-              </a:lnSpc>
-              <a:spcBef>
-                <a:spcPts val="1000"/>
-              </a:spcBef>
-              <a:spcAft>
-                <a:spcPts val="0"/>
-              </a:spcAft>
-              <a:buClr>
-                <a:schemeClr val="dk1"/>
-              </a:buClr>
-              <a:buSzPts val="2800"/>
-              <a:buFont typeface="Times New Roman"/>
-              <a:buChar char="-"/>
-            </a:pPr>
-            <a:r>
-              <a:rPr lang="ru-RU" sz="2800">
-                <a:solidFill>
-                  <a:schemeClr val="dk1"/>
-                </a:solidFill>
-                <a:latin typeface="Times New Roman"/>
-                <a:ea typeface="Times New Roman"/>
-                <a:cs typeface="Times New Roman"/>
-                <a:sym typeface="Times New Roman"/>
-              </a:rPr>
-              <a:t>Сложно собирать информацию в один таймлайн</a:t>
-            </a:r>
-            <a:endParaRPr sz="2800">
-              <a:solidFill>
-                <a:schemeClr val="dk1"/>
-              </a:solidFill>
-              <a:latin typeface="Times New Roman"/>
-              <a:ea typeface="Times New Roman"/>
-              <a:cs typeface="Times New Roman"/>
-              <a:sym typeface="Times New Roman"/>
-            </a:endParaRPr>
-          </a:p>
-          <a:p>
-            <a:pPr indent="0" lvl="0" marL="0" rtl="0" algn="l">
-              <a:lnSpc>
-                <a:spcPct val="90000"/>
-              </a:lnSpc>
-              <a:spcBef>
-                <a:spcPts val="1000"/>
-              </a:spcBef>
-              <a:spcAft>
-                <a:spcPts val="0"/>
-              </a:spcAft>
-              <a:buNone/>
-            </a:pPr>
-            <a:r>
-              <a:rPr lang="ru-RU" sz="2800">
-                <a:solidFill>
-                  <a:schemeClr val="dk1"/>
-                </a:solidFill>
-                <a:latin typeface="Times New Roman"/>
-                <a:ea typeface="Times New Roman"/>
-                <a:cs typeface="Times New Roman"/>
-                <a:sym typeface="Times New Roman"/>
-              </a:rPr>
-              <a:t>Писать логи в </a:t>
-            </a:r>
-            <a:r>
-              <a:rPr b="1" lang="ru-RU" sz="2800">
-                <a:solidFill>
-                  <a:schemeClr val="dk1"/>
-                </a:solidFill>
-                <a:latin typeface="Times New Roman"/>
-                <a:ea typeface="Times New Roman"/>
-                <a:cs typeface="Times New Roman"/>
-                <a:sym typeface="Times New Roman"/>
-              </a:rPr>
-              <a:t>файл</a:t>
-            </a:r>
-            <a:r>
-              <a:rPr lang="ru-RU" sz="2800">
-                <a:solidFill>
-                  <a:schemeClr val="dk1"/>
-                </a:solidFill>
-                <a:latin typeface="Times New Roman"/>
-                <a:ea typeface="Times New Roman"/>
-                <a:cs typeface="Times New Roman"/>
-                <a:sym typeface="Times New Roman"/>
-              </a:rPr>
-              <a:t>:</a:t>
-            </a:r>
-            <a:endParaRPr sz="2800">
-              <a:solidFill>
-                <a:schemeClr val="dk1"/>
-              </a:solidFill>
-              <a:latin typeface="Times New Roman"/>
-              <a:ea typeface="Times New Roman"/>
-              <a:cs typeface="Times New Roman"/>
-              <a:sym typeface="Times New Roman"/>
-            </a:endParaRPr>
-          </a:p>
-          <a:p>
-            <a:pPr indent="-482600" lvl="0" marL="609600" rtl="0" algn="l">
-              <a:lnSpc>
-                <a:spcPct val="90000"/>
-              </a:lnSpc>
-              <a:spcBef>
-                <a:spcPts val="1000"/>
-              </a:spcBef>
-              <a:spcAft>
-                <a:spcPts val="0"/>
-              </a:spcAft>
-              <a:buClr>
-                <a:schemeClr val="dk1"/>
-              </a:buClr>
-              <a:buSzPts val="2800"/>
-              <a:buFont typeface="Times New Roman"/>
-              <a:buChar char="+"/>
-            </a:pPr>
-            <a:r>
-              <a:rPr lang="ru-RU" sz="2800">
-                <a:solidFill>
-                  <a:schemeClr val="dk1"/>
-                </a:solidFill>
-                <a:latin typeface="Times New Roman"/>
-                <a:ea typeface="Times New Roman"/>
-                <a:cs typeface="Times New Roman"/>
-                <a:sym typeface="Times New Roman"/>
-              </a:rPr>
-              <a:t>Просто реализовать</a:t>
-            </a:r>
-            <a:endParaRPr sz="2800">
-              <a:solidFill>
-                <a:schemeClr val="dk1"/>
-              </a:solidFill>
-              <a:latin typeface="Times New Roman"/>
-              <a:ea typeface="Times New Roman"/>
-              <a:cs typeface="Times New Roman"/>
-              <a:sym typeface="Times New Roman"/>
-            </a:endParaRPr>
-          </a:p>
-          <a:p>
-            <a:pPr indent="-482600" lvl="0" marL="609600" rtl="0" algn="l">
-              <a:lnSpc>
-                <a:spcPct val="90000"/>
-              </a:lnSpc>
-              <a:spcBef>
-                <a:spcPts val="1000"/>
-              </a:spcBef>
-              <a:spcAft>
-                <a:spcPts val="0"/>
-              </a:spcAft>
-              <a:buClr>
-                <a:schemeClr val="dk1"/>
-              </a:buClr>
-              <a:buSzPts val="2800"/>
-              <a:buFont typeface="Times New Roman"/>
-              <a:buChar char="-"/>
-            </a:pPr>
-            <a:r>
-              <a:rPr lang="ru-RU" sz="2800">
-                <a:solidFill>
-                  <a:schemeClr val="dk1"/>
-                </a:solidFill>
-                <a:latin typeface="Times New Roman"/>
-                <a:ea typeface="Times New Roman"/>
-                <a:cs typeface="Times New Roman"/>
-                <a:sym typeface="Times New Roman"/>
-              </a:rPr>
-              <a:t>Небезопасно</a:t>
-            </a:r>
-            <a:endParaRPr sz="2800">
-              <a:solidFill>
-                <a:schemeClr val="dk1"/>
-              </a:solidFill>
-              <a:latin typeface="Times New Roman"/>
-              <a:ea typeface="Times New Roman"/>
-              <a:cs typeface="Times New Roman"/>
-              <a:sym typeface="Times New Roman"/>
-            </a:endParaRPr>
-          </a:p>
-          <a:p>
-            <a:pPr indent="-482600" lvl="0" marL="609600" rtl="0" algn="l">
-              <a:lnSpc>
-                <a:spcPct val="90000"/>
-              </a:lnSpc>
-              <a:spcBef>
-                <a:spcPts val="1000"/>
-              </a:spcBef>
-              <a:spcAft>
-                <a:spcPts val="0"/>
-              </a:spcAft>
-              <a:buClr>
-                <a:schemeClr val="dk1"/>
-              </a:buClr>
-              <a:buSzPts val="2800"/>
-              <a:buFont typeface="Times New Roman"/>
-              <a:buChar char="-"/>
-            </a:pPr>
-            <a:r>
-              <a:rPr lang="ru-RU" sz="2800">
-                <a:solidFill>
-                  <a:schemeClr val="dk1"/>
-                </a:solidFill>
-                <a:latin typeface="Times New Roman"/>
-                <a:ea typeface="Times New Roman"/>
-                <a:cs typeface="Times New Roman"/>
-                <a:sym typeface="Times New Roman"/>
-              </a:rPr>
-              <a:t>Непонятно, где хранить файлы логов</a:t>
-            </a:r>
-            <a:endParaRPr sz="2800">
-              <a:solidFill>
-                <a:schemeClr val="dk1"/>
-              </a:solidFill>
-              <a:latin typeface="Times New Roman"/>
-              <a:ea typeface="Times New Roman"/>
-              <a:cs typeface="Times New Roman"/>
-              <a:sym typeface="Times New Roman"/>
+              <a:latin typeface="Open Sans"/>
+              <a:ea typeface="Open Sans"/>
+              <a:cs typeface="Open Sans"/>
+              <a:sym typeface="Open Sans"/>
             </a:endParaRPr>
           </a:p>
         </p:txBody>
       </p:sp>
       <p:pic>
         <p:nvPicPr>
-          <p:cNvPr id="130" name="Google Shape;130;p18"/>
+          <p:cNvPr id="133" name="Google Shape;133;p18"/>
           <p:cNvPicPr preferRelativeResize="0"/>
           <p:nvPr/>
         </p:nvPicPr>
@@ -17090,8 +17217,8 @@
         </p:blipFill>
         <p:spPr>
           <a:xfrm>
-            <a:off x="8078600" y="1008092"/>
-            <a:ext cx="3275199" cy="2155203"/>
+            <a:off x="2239575" y="1139925"/>
+            <a:ext cx="7712845" cy="5532302"/>
           </a:xfrm>
           <a:prstGeom prst="rect">
             <a:avLst/>
@@ -17102,34 +17229,50 @@
           </a:ln>
         </p:spPr>
       </p:pic>
-      <p:pic>
-        <p:nvPicPr>
-          <p:cNvPr id="131" name="Google Shape;131;p18"/>
-          <p:cNvPicPr preferRelativeResize="0"/>
-          <p:nvPr/>
-        </p:nvPicPr>
-        <p:blipFill>
-          <a:blip r:embed="rId4">
-            <a:alphaModFix/>
-          </a:blip>
-          <a:stretch>
-            <a:fillRect/>
-          </a:stretch>
-        </p:blipFill>
+      <p:sp>
+        <p:nvSpPr>
+          <p:cNvPr id="134" name="Google Shape;134;p18"/>
+          <p:cNvSpPr txBox="1"/>
+          <p:nvPr>
+            <p:ph idx="12" type="sldNum"/>
+          </p:nvPr>
+        </p:nvSpPr>
         <p:spPr>
           <a:xfrm>
-            <a:off x="8078600" y="3163292"/>
-            <a:ext cx="3275200" cy="3275200"/>
+            <a:off x="8610600" y="6356350"/>
+            <a:ext cx="2743200" cy="365100"/>
           </a:xfrm>
           <a:prstGeom prst="rect">
             <a:avLst/>
           </a:prstGeom>
-          <a:noFill/>
-          <a:ln>
-            <a:noFill/>
-          </a:ln>
         </p:spPr>
-      </p:pic>
+        <p:txBody>
+          <a:bodyPr anchorCtr="0" anchor="ctr" bIns="45700" lIns="91425" spcFirstLastPara="1" rIns="91425" wrap="square" tIns="45700">
+            <a:noAutofit/>
+          </a:bodyPr>
+          <a:lstStyle/>
+          <a:p>
+            <a:pPr indent="0" lvl="0" marL="0" rtl="0" algn="r">
+              <a:spcBef>
+                <a:spcPts val="0"/>
+              </a:spcBef>
+              <a:spcAft>
+                <a:spcPts val="0"/>
+              </a:spcAft>
+              <a:buClr>
+                <a:srgbClr val="000000"/>
+              </a:buClr>
+              <a:buFont typeface="Arial"/>
+              <a:buNone/>
+            </a:pPr>
+            <a:fld id="{00000000-1234-1234-1234-123412341234}" type="slidenum">
+              <a:rPr lang="ru-RU"/>
+              <a:t>‹#›</a:t>
+            </a:fld>
+            <a:endParaRPr/>
+          </a:p>
+        </p:txBody>
+      </p:sp>
     </p:spTree>
   </p:cSld>
   <p:clrMapOvr>
@@ -17143,7 +17286,7 @@
   <p:cSld>
     <p:spTree>
       <p:nvGrpSpPr>
-        <p:cNvPr id="136" name="Shape 136"/>
+        <p:cNvPr id="139" name="Shape 139"/>
         <p:cNvGrpSpPr/>
         <p:nvPr/>
       </p:nvGrpSpPr>
@@ -17157,7 +17300,7 @@
       </p:grpSpPr>
       <p:sp>
         <p:nvSpPr>
-          <p:cNvPr id="137" name="Google Shape;137;p19"/>
+          <p:cNvPr id="140" name="Google Shape;140;p19"/>
           <p:cNvSpPr txBox="1"/>
           <p:nvPr>
             <p:ph type="title"/>
@@ -17183,6 +17326,9 @@
           <a:lstStyle/>
           <a:p>
             <a:pPr indent="0" lvl="0" marL="0" rtl="0" algn="l">
+              <a:lnSpc>
+                <a:spcPct val="90000"/>
+              </a:lnSpc>
               <a:spcBef>
                 <a:spcPts val="0"/>
               </a:spcBef>
@@ -17203,7 +17349,7 @@
                 <a:cs typeface="Times New Roman"/>
                 <a:sym typeface="Times New Roman"/>
               </a:rPr>
-              <a:t>Логирование (2)</a:t>
+              <a:t>Анализ СУБД</a:t>
             </a:r>
             <a:endParaRPr>
               <a:latin typeface="Times New Roman"/>
@@ -17216,14 +17362,14 @@
       </p:sp>
       <p:sp>
         <p:nvSpPr>
-          <p:cNvPr id="138" name="Google Shape;138;p19"/>
+          <p:cNvPr id="141" name="Google Shape;141;p19"/>
           <p:cNvSpPr txBox="1"/>
           <p:nvPr/>
         </p:nvSpPr>
         <p:spPr>
           <a:xfrm>
-            <a:off x="502925" y="1008100"/>
-            <a:ext cx="7575600" cy="5730600"/>
+            <a:off x="502920" y="1491946"/>
+            <a:ext cx="11186100" cy="5246700"/>
           </a:xfrm>
           <a:prstGeom prst="rect">
             <a:avLst/>
@@ -17239,12 +17385,12 @@
           </a:bodyPr>
           <a:lstStyle/>
           <a:p>
-            <a:pPr indent="0" lvl="0" marL="0" rtl="0" algn="l">
+            <a:pPr indent="0" lvl="0" marL="0" marR="0" rtl="0" algn="l">
               <a:lnSpc>
-                <a:spcPct val="90000"/>
+                <a:spcPct val="115000"/>
               </a:lnSpc>
               <a:spcBef>
-                <a:spcPts val="1000"/>
+                <a:spcPts val="0"/>
               </a:spcBef>
               <a:spcAft>
                 <a:spcPts val="0"/>
@@ -17252,269 +17398,474 @@
               <a:buNone/>
             </a:pPr>
             <a:r>
-              <a:rPr b="1" lang="ru-RU" sz="2800">
-                <a:solidFill>
-                  <a:schemeClr val="dk1"/>
-                </a:solidFill>
-                <a:latin typeface="Calibri"/>
-                <a:ea typeface="Calibri"/>
-                <a:cs typeface="Calibri"/>
-                <a:sym typeface="Calibri"/>
-              </a:rPr>
-              <a:t>Сервер логов</a:t>
+              <a:t/>
             </a:r>
-            <a:r>
-              <a:rPr lang="ru-RU" sz="2800">
-                <a:solidFill>
-                  <a:schemeClr val="dk1"/>
-                </a:solidFill>
-                <a:latin typeface="Calibri"/>
-                <a:ea typeface="Calibri"/>
-                <a:cs typeface="Calibri"/>
-                <a:sym typeface="Calibri"/>
-              </a:rPr>
-              <a:t>:</a:t>
-            </a:r>
-            <a:endParaRPr sz="2800">
+            <a:endParaRPr b="0" i="0" sz="1600" u="none" cap="none" strike="noStrike">
               <a:solidFill>
                 <a:schemeClr val="dk1"/>
               </a:solidFill>
-              <a:latin typeface="Calibri"/>
-              <a:ea typeface="Calibri"/>
-              <a:cs typeface="Calibri"/>
-              <a:sym typeface="Calibri"/>
-            </a:endParaRPr>
-          </a:p>
-          <a:p>
-            <a:pPr indent="-482600" lvl="0" marL="609600" rtl="0" algn="l">
-              <a:lnSpc>
-                <a:spcPct val="90000"/>
-              </a:lnSpc>
-              <a:spcBef>
-                <a:spcPts val="1000"/>
-              </a:spcBef>
-              <a:spcAft>
-                <a:spcPts val="0"/>
-              </a:spcAft>
-              <a:buClr>
-                <a:schemeClr val="dk1"/>
-              </a:buClr>
-              <a:buSzPts val="2800"/>
-              <a:buFont typeface="Times New Roman"/>
-              <a:buChar char="-"/>
-            </a:pPr>
-            <a:r>
-              <a:rPr lang="ru-RU" sz="2800">
-                <a:solidFill>
-                  <a:schemeClr val="dk1"/>
-                </a:solidFill>
-                <a:latin typeface="Calibri"/>
-                <a:ea typeface="Calibri"/>
-                <a:cs typeface="Calibri"/>
-                <a:sym typeface="Calibri"/>
-              </a:rPr>
-              <a:t>Необходимо настраивать СУБД</a:t>
-            </a:r>
-            <a:endParaRPr sz="2800">
-              <a:solidFill>
-                <a:schemeClr val="dk1"/>
-              </a:solidFill>
-              <a:latin typeface="Calibri"/>
-              <a:ea typeface="Calibri"/>
-              <a:cs typeface="Calibri"/>
-              <a:sym typeface="Calibri"/>
-            </a:endParaRPr>
-          </a:p>
-          <a:p>
-            <a:pPr indent="-482600" lvl="0" marL="609600" rtl="0" algn="l">
-              <a:lnSpc>
-                <a:spcPct val="90000"/>
-              </a:lnSpc>
-              <a:spcBef>
-                <a:spcPts val="1000"/>
-              </a:spcBef>
-              <a:spcAft>
-                <a:spcPts val="0"/>
-              </a:spcAft>
-              <a:buClr>
-                <a:schemeClr val="dk1"/>
-              </a:buClr>
-              <a:buSzPts val="2800"/>
-              <a:buFont typeface="Times New Roman"/>
-              <a:buChar char="+"/>
-            </a:pPr>
-            <a:r>
-              <a:rPr lang="ru-RU" sz="2800">
-                <a:solidFill>
-                  <a:schemeClr val="dk1"/>
-                </a:solidFill>
-                <a:latin typeface="Calibri"/>
-                <a:ea typeface="Calibri"/>
-                <a:cs typeface="Calibri"/>
-                <a:sym typeface="Calibri"/>
-              </a:rPr>
-              <a:t>Вся ответственность за хранение лежит на СУБД</a:t>
-            </a:r>
-            <a:endParaRPr sz="2800">
-              <a:solidFill>
-                <a:schemeClr val="dk1"/>
-              </a:solidFill>
-              <a:latin typeface="Calibri"/>
-              <a:ea typeface="Calibri"/>
-              <a:cs typeface="Calibri"/>
-              <a:sym typeface="Calibri"/>
-            </a:endParaRPr>
-          </a:p>
-          <a:p>
-            <a:pPr indent="-482600" lvl="0" marL="609600" rtl="0" algn="l">
-              <a:lnSpc>
-                <a:spcPct val="90000"/>
-              </a:lnSpc>
-              <a:spcBef>
-                <a:spcPts val="1000"/>
-              </a:spcBef>
-              <a:spcAft>
-                <a:spcPts val="0"/>
-              </a:spcAft>
-              <a:buClr>
-                <a:schemeClr val="dk1"/>
-              </a:buClr>
-              <a:buSzPts val="2800"/>
-              <a:buFont typeface="Times New Roman"/>
-              <a:buChar char="+"/>
-            </a:pPr>
-            <a:r>
-              <a:rPr lang="ru-RU" sz="2800">
-                <a:solidFill>
-                  <a:schemeClr val="dk1"/>
-                </a:solidFill>
-                <a:latin typeface="Calibri"/>
-                <a:ea typeface="Calibri"/>
-                <a:cs typeface="Calibri"/>
-                <a:sym typeface="Calibri"/>
-              </a:rPr>
-              <a:t>Единая точка сбора информации</a:t>
-            </a:r>
-            <a:endParaRPr sz="2800">
-              <a:solidFill>
-                <a:schemeClr val="dk1"/>
-              </a:solidFill>
-              <a:latin typeface="Calibri"/>
-              <a:ea typeface="Calibri"/>
-              <a:cs typeface="Calibri"/>
-              <a:sym typeface="Calibri"/>
-            </a:endParaRPr>
-          </a:p>
-          <a:p>
-            <a:pPr indent="-482600" lvl="0" marL="609600" rtl="0" algn="l">
-              <a:lnSpc>
-                <a:spcPct val="90000"/>
-              </a:lnSpc>
-              <a:spcBef>
-                <a:spcPts val="1000"/>
-              </a:spcBef>
-              <a:spcAft>
-                <a:spcPts val="0"/>
-              </a:spcAft>
-              <a:buClr>
-                <a:schemeClr val="dk1"/>
-              </a:buClr>
-              <a:buSzPts val="2800"/>
-              <a:buFont typeface="Times New Roman"/>
-              <a:buChar char="+"/>
-            </a:pPr>
-            <a:r>
-              <a:rPr lang="ru-RU" sz="2800">
-                <a:solidFill>
-                  <a:schemeClr val="dk1"/>
-                </a:solidFill>
-                <a:latin typeface="Calibri"/>
-                <a:ea typeface="Calibri"/>
-                <a:cs typeface="Calibri"/>
-                <a:sym typeface="Calibri"/>
-              </a:rPr>
-              <a:t>Графические средства визуализации данных</a:t>
-            </a:r>
-            <a:endParaRPr sz="2800">
-              <a:solidFill>
-                <a:schemeClr val="dk1"/>
-              </a:solidFill>
-              <a:latin typeface="Calibri"/>
-              <a:ea typeface="Calibri"/>
-              <a:cs typeface="Calibri"/>
-              <a:sym typeface="Calibri"/>
-            </a:endParaRPr>
-          </a:p>
-          <a:p>
-            <a:pPr indent="-482600" lvl="0" marL="609600" rtl="0" algn="l">
-              <a:lnSpc>
-                <a:spcPct val="90000"/>
-              </a:lnSpc>
-              <a:spcBef>
-                <a:spcPts val="1000"/>
-              </a:spcBef>
-              <a:spcAft>
-                <a:spcPts val="0"/>
-              </a:spcAft>
-              <a:buClr>
-                <a:schemeClr val="dk1"/>
-              </a:buClr>
-              <a:buSzPts val="2800"/>
-              <a:buFont typeface="Times New Roman"/>
-              <a:buChar char="+"/>
-            </a:pPr>
-            <a:r>
-              <a:rPr lang="ru-RU" sz="2800">
-                <a:solidFill>
-                  <a:schemeClr val="dk1"/>
-                </a:solidFill>
-                <a:latin typeface="Calibri"/>
-                <a:ea typeface="Calibri"/>
-                <a:cs typeface="Calibri"/>
-                <a:sym typeface="Calibri"/>
-              </a:rPr>
-              <a:t>InfluxDB оптимизирована на вставку данных</a:t>
-            </a:r>
-            <a:endParaRPr sz="2800">
-              <a:solidFill>
-                <a:schemeClr val="dk1"/>
-              </a:solidFill>
-              <a:latin typeface="Times New Roman"/>
-              <a:ea typeface="Times New Roman"/>
-              <a:cs typeface="Times New Roman"/>
-              <a:sym typeface="Times New Roman"/>
+              <a:latin typeface="Open Sans"/>
+              <a:ea typeface="Open Sans"/>
+              <a:cs typeface="Open Sans"/>
+              <a:sym typeface="Open Sans"/>
             </a:endParaRPr>
           </a:p>
         </p:txBody>
       </p:sp>
-      <p:pic>
-        <p:nvPicPr>
-          <p:cNvPr id="139" name="Google Shape;139;p19"/>
-          <p:cNvPicPr preferRelativeResize="0"/>
-          <p:nvPr/>
-        </p:nvPicPr>
-        <p:blipFill>
-          <a:blip r:embed="rId3">
-            <a:alphaModFix/>
-          </a:blip>
-          <a:stretch>
-            <a:fillRect/>
-          </a:stretch>
-        </p:blipFill>
+      <p:sp>
+        <p:nvSpPr>
+          <p:cNvPr id="142" name="Google Shape;142;p19"/>
+          <p:cNvSpPr txBox="1"/>
+          <p:nvPr>
+            <p:ph idx="12" type="sldNum"/>
+          </p:nvPr>
+        </p:nvSpPr>
         <p:spPr>
           <a:xfrm>
-            <a:off x="8343258" y="1746250"/>
-            <a:ext cx="3365500" cy="3365500"/>
+            <a:off x="8610600" y="6356350"/>
+            <a:ext cx="2743200" cy="365100"/>
           </a:xfrm>
           <a:prstGeom prst="rect">
             <a:avLst/>
           </a:prstGeom>
-          <a:noFill/>
-          <a:ln>
-            <a:noFill/>
-          </a:ln>
         </p:spPr>
-      </p:pic>
+        <p:txBody>
+          <a:bodyPr anchorCtr="0" anchor="ctr" bIns="45700" lIns="91425" spcFirstLastPara="1" rIns="91425" wrap="square" tIns="45700">
+            <a:noAutofit/>
+          </a:bodyPr>
+          <a:lstStyle/>
+          <a:p>
+            <a:pPr indent="0" lvl="0" marL="0" rtl="0" algn="r">
+              <a:spcBef>
+                <a:spcPts val="0"/>
+              </a:spcBef>
+              <a:spcAft>
+                <a:spcPts val="0"/>
+              </a:spcAft>
+              <a:buClr>
+                <a:srgbClr val="000000"/>
+              </a:buClr>
+              <a:buFont typeface="Arial"/>
+              <a:buNone/>
+            </a:pPr>
+            <a:fld id="{00000000-1234-1234-1234-123412341234}" type="slidenum">
+              <a:rPr lang="ru-RU"/>
+              <a:t>‹#›</a:t>
+            </a:fld>
+            <a:endParaRPr/>
+          </a:p>
+        </p:txBody>
+      </p:sp>
+      <p:graphicFrame>
+        <p:nvGraphicFramePr>
+          <p:cNvPr id="143" name="Google Shape;143;p19"/>
+          <p:cNvGraphicFramePr/>
+          <p:nvPr/>
+        </p:nvGraphicFramePr>
+        <p:xfrm>
+          <a:off x="502925" y="1072875"/>
+          <a:ext cx="3000000" cy="3000000"/>
+        </p:xfrm>
+        <a:graphic>
+          <a:graphicData uri="http://schemas.openxmlformats.org/drawingml/2006/table">
+            <a:tbl>
+              <a:tblPr>
+                <a:noFill/>
+                <a:tableStyleId>{085E9F51-41CA-4A47-A4BE-301F070B82D2}</a:tableStyleId>
+              </a:tblPr>
+              <a:tblGrid>
+                <a:gridCol w="1802450"/>
+                <a:gridCol w="6238800"/>
+                <a:gridCol w="3144850"/>
+              </a:tblGrid>
+              <a:tr h="719850">
+                <a:tc>
+                  <a:txBody>
+                    <a:bodyPr/>
+                    <a:lstStyle/>
+                    <a:p>
+                      <a:pPr indent="0" lvl="0" marL="0" rtl="0" algn="l">
+                        <a:spcBef>
+                          <a:spcPts val="0"/>
+                        </a:spcBef>
+                        <a:spcAft>
+                          <a:spcPts val="0"/>
+                        </a:spcAft>
+                        <a:buNone/>
+                      </a:pPr>
+                      <a:r>
+                        <a:rPr lang="ru-RU" sz="2300"/>
+                        <a:t>СУБД</a:t>
+                      </a:r>
+                      <a:endParaRPr sz="2300"/>
+                    </a:p>
+                  </a:txBody>
+                  <a:tcPr marT="91425" marB="91425" marR="91425" marL="91425"/>
+                </a:tc>
+                <a:tc>
+                  <a:txBody>
+                    <a:bodyPr/>
+                    <a:lstStyle/>
+                    <a:p>
+                      <a:pPr indent="0" lvl="0" marL="0" rtl="0" algn="l">
+                        <a:spcBef>
+                          <a:spcPts val="0"/>
+                        </a:spcBef>
+                        <a:spcAft>
+                          <a:spcPts val="0"/>
+                        </a:spcAft>
+                        <a:buNone/>
+                      </a:pPr>
+                      <a:r>
+                        <a:rPr lang="ru-RU" sz="2300"/>
+                        <a:t>Характеристики</a:t>
+                      </a:r>
+                      <a:endParaRPr sz="2300"/>
+                    </a:p>
+                  </a:txBody>
+                  <a:tcPr marT="91425" marB="91425" marR="91425" marL="91425"/>
+                </a:tc>
+                <a:tc>
+                  <a:txBody>
+                    <a:bodyPr/>
+                    <a:lstStyle/>
+                    <a:p>
+                      <a:pPr indent="0" lvl="0" marL="0" rtl="0" algn="l">
+                        <a:spcBef>
+                          <a:spcPts val="0"/>
+                        </a:spcBef>
+                        <a:spcAft>
+                          <a:spcPts val="0"/>
+                        </a:spcAft>
+                        <a:buNone/>
+                      </a:pPr>
+                      <a:r>
+                        <a:rPr lang="ru-RU" sz="2300"/>
+                        <a:t>Назначение</a:t>
+                      </a:r>
+                      <a:endParaRPr sz="2300"/>
+                    </a:p>
+                  </a:txBody>
+                  <a:tcPr marT="91425" marB="91425" marR="91425" marL="91425"/>
+                </a:tc>
+              </a:tr>
+              <a:tr h="1389675">
+                <a:tc>
+                  <a:txBody>
+                    <a:bodyPr/>
+                    <a:lstStyle/>
+                    <a:p>
+                      <a:pPr indent="0" lvl="0" marL="0" rtl="0" algn="l">
+                        <a:spcBef>
+                          <a:spcPts val="0"/>
+                        </a:spcBef>
+                        <a:spcAft>
+                          <a:spcPts val="0"/>
+                        </a:spcAft>
+                        <a:buNone/>
+                      </a:pPr>
+                      <a:r>
+                        <a:rPr lang="ru-RU" sz="2300"/>
+                        <a:t>PostgreSQL</a:t>
+                      </a:r>
+                      <a:endParaRPr sz="2300"/>
+                    </a:p>
+                  </a:txBody>
+                  <a:tcPr marT="91425" marB="91425" marR="91425" marL="91425"/>
+                </a:tc>
+                <a:tc>
+                  <a:txBody>
+                    <a:bodyPr/>
+                    <a:lstStyle/>
+                    <a:p>
+                      <a:pPr indent="-374650" lvl="0" marL="457200" rtl="0" algn="l">
+                        <a:spcBef>
+                          <a:spcPts val="0"/>
+                        </a:spcBef>
+                        <a:spcAft>
+                          <a:spcPts val="0"/>
+                        </a:spcAft>
+                        <a:buSzPts val="2300"/>
+                        <a:buChar char="●"/>
+                      </a:pPr>
+                      <a:r>
+                        <a:rPr lang="ru-RU" sz="2300"/>
+                        <a:t>О</a:t>
+                      </a:r>
+                      <a:r>
+                        <a:rPr lang="ru-RU" sz="2300"/>
+                        <a:t>бъектно-реляционная модель</a:t>
+                      </a:r>
+                      <a:endParaRPr sz="2300"/>
+                    </a:p>
+                    <a:p>
+                      <a:pPr indent="-374650" lvl="0" marL="457200" rtl="0" algn="l">
+                        <a:spcBef>
+                          <a:spcPts val="0"/>
+                        </a:spcBef>
+                        <a:spcAft>
+                          <a:spcPts val="0"/>
+                        </a:spcAft>
+                        <a:buSzPts val="2300"/>
+                        <a:buChar char="●"/>
+                      </a:pPr>
+                      <a:r>
+                        <a:rPr lang="ru-RU" sz="2300"/>
+                        <a:t>Открытый исходный код</a:t>
+                      </a:r>
+                      <a:endParaRPr sz="2300"/>
+                    </a:p>
+                    <a:p>
+                      <a:pPr indent="-374650" lvl="0" marL="457200" rtl="0" algn="l">
+                        <a:spcBef>
+                          <a:spcPts val="0"/>
+                        </a:spcBef>
+                        <a:spcAft>
+                          <a:spcPts val="0"/>
+                        </a:spcAft>
+                        <a:buSzPts val="2300"/>
+                        <a:buChar char="●"/>
+                      </a:pPr>
+                      <a:r>
+                        <a:rPr lang="ru-RU" sz="2300"/>
+                        <a:t>Сертификация ФСТЭК России</a:t>
+                      </a:r>
+                      <a:endParaRPr sz="2300"/>
+                    </a:p>
+                  </a:txBody>
+                  <a:tcPr marT="91425" marB="91425" marR="91425" marL="91425"/>
+                </a:tc>
+                <a:tc>
+                  <a:txBody>
+                    <a:bodyPr/>
+                    <a:lstStyle/>
+                    <a:p>
+                      <a:pPr indent="0" lvl="0" marL="0" rtl="0" algn="l">
+                        <a:spcBef>
+                          <a:spcPts val="0"/>
+                        </a:spcBef>
+                        <a:spcAft>
+                          <a:spcPts val="0"/>
+                        </a:spcAft>
+                        <a:buNone/>
+                      </a:pPr>
+                      <a:r>
+                        <a:rPr lang="ru-RU" sz="2300"/>
+                        <a:t>Долговременное хранение данных</a:t>
+                      </a:r>
+                      <a:endParaRPr sz="2300"/>
+                    </a:p>
+                  </a:txBody>
+                  <a:tcPr marT="91425" marB="91425" marR="91425" marL="91425"/>
+                </a:tc>
+              </a:tr>
+              <a:tr h="1002875">
+                <a:tc>
+                  <a:txBody>
+                    <a:bodyPr/>
+                    <a:lstStyle/>
+                    <a:p>
+                      <a:pPr indent="0" lvl="0" marL="0" rtl="0" algn="l">
+                        <a:spcBef>
+                          <a:spcPts val="0"/>
+                        </a:spcBef>
+                        <a:spcAft>
+                          <a:spcPts val="0"/>
+                        </a:spcAft>
+                        <a:buNone/>
+                      </a:pPr>
+                      <a:r>
+                        <a:rPr lang="ru-RU" sz="2300"/>
+                        <a:t>Redis</a:t>
+                      </a:r>
+                      <a:endParaRPr sz="2300"/>
+                    </a:p>
+                  </a:txBody>
+                  <a:tcPr marT="91425" marB="91425" marR="91425" marL="91425"/>
+                </a:tc>
+                <a:tc>
+                  <a:txBody>
+                    <a:bodyPr/>
+                    <a:lstStyle/>
+                    <a:p>
+                      <a:pPr indent="-374650" lvl="0" marL="457200" rtl="0" algn="l">
+                        <a:spcBef>
+                          <a:spcPts val="0"/>
+                        </a:spcBef>
+                        <a:spcAft>
+                          <a:spcPts val="0"/>
+                        </a:spcAft>
+                        <a:buSzPts val="2300"/>
+                        <a:buChar char="●"/>
+                      </a:pPr>
+                      <a:r>
+                        <a:rPr lang="ru-RU" sz="2300"/>
+                        <a:t>Х</a:t>
+                      </a:r>
+                      <a:r>
+                        <a:rPr lang="ru-RU" sz="2300"/>
+                        <a:t>ранилище типа ключ-значение</a:t>
+                      </a:r>
+                      <a:endParaRPr sz="2300"/>
+                    </a:p>
+                    <a:p>
+                      <a:pPr indent="-374650" lvl="0" marL="457200" rtl="0" algn="l">
+                        <a:spcBef>
+                          <a:spcPts val="0"/>
+                        </a:spcBef>
+                        <a:spcAft>
+                          <a:spcPts val="0"/>
+                        </a:spcAft>
+                        <a:buSzPts val="2300"/>
+                        <a:buChar char="●"/>
+                      </a:pPr>
+                      <a:r>
+                        <a:rPr lang="ru-RU" sz="2300"/>
+                        <a:t>Хранение данных в оперативной памяти </a:t>
+                      </a:r>
+                      <a:endParaRPr sz="2300"/>
+                    </a:p>
+                  </a:txBody>
+                  <a:tcPr marT="91425" marB="91425" marR="91425" marL="91425"/>
+                </a:tc>
+                <a:tc>
+                  <a:txBody>
+                    <a:bodyPr/>
+                    <a:lstStyle/>
+                    <a:p>
+                      <a:pPr indent="0" lvl="0" marL="0" rtl="0" algn="l">
+                        <a:spcBef>
+                          <a:spcPts val="0"/>
+                        </a:spcBef>
+                        <a:spcAft>
+                          <a:spcPts val="0"/>
+                        </a:spcAft>
+                        <a:buNone/>
+                      </a:pPr>
+                      <a:r>
+                        <a:rPr lang="ru-RU" sz="2300"/>
+                        <a:t>Кеширование данных</a:t>
+                      </a:r>
+                      <a:endParaRPr sz="2300"/>
+                    </a:p>
+                  </a:txBody>
+                  <a:tcPr marT="91425" marB="91425" marR="91425" marL="91425"/>
+                </a:tc>
+              </a:tr>
+              <a:tr h="2270450">
+                <a:tc>
+                  <a:txBody>
+                    <a:bodyPr/>
+                    <a:lstStyle/>
+                    <a:p>
+                      <a:pPr indent="0" lvl="0" marL="0" rtl="0" algn="l">
+                        <a:spcBef>
+                          <a:spcPts val="0"/>
+                        </a:spcBef>
+                        <a:spcAft>
+                          <a:spcPts val="0"/>
+                        </a:spcAft>
+                        <a:buNone/>
+                      </a:pPr>
+                      <a:r>
+                        <a:rPr lang="ru-RU" sz="2300"/>
+                        <a:t>InfluxDB</a:t>
+                      </a:r>
+                      <a:endParaRPr sz="2300"/>
+                    </a:p>
+                  </a:txBody>
+                  <a:tcPr marT="91425" marB="91425" marR="91425" marL="91425"/>
+                </a:tc>
+                <a:tc>
+                  <a:txBody>
+                    <a:bodyPr/>
+                    <a:lstStyle/>
+                    <a:p>
+                      <a:pPr indent="-374650" lvl="0" marL="457200" rtl="0" algn="l">
+                        <a:spcBef>
+                          <a:spcPts val="0"/>
+                        </a:spcBef>
+                        <a:spcAft>
+                          <a:spcPts val="0"/>
+                        </a:spcAft>
+                        <a:buSzPts val="2300"/>
+                        <a:buChar char="●"/>
+                      </a:pPr>
+                      <a:r>
+                        <a:rPr lang="ru-RU" sz="2300"/>
+                        <a:t>О</a:t>
+                      </a:r>
+                      <a:r>
+                        <a:rPr lang="ru-RU" sz="2300"/>
+                        <a:t>риентированность на хранение и обработку временных рядов</a:t>
+                      </a:r>
+                      <a:endParaRPr sz="2300"/>
+                    </a:p>
+                    <a:p>
+                      <a:pPr indent="-374650" lvl="0" marL="457200" rtl="0" algn="l">
+                        <a:spcBef>
+                          <a:spcPts val="0"/>
+                        </a:spcBef>
+                        <a:spcAft>
+                          <a:spcPts val="0"/>
+                        </a:spcAft>
+                        <a:buSzPts val="2300"/>
+                        <a:buChar char="●"/>
+                      </a:pPr>
+                      <a:r>
+                        <a:rPr lang="ru-RU" sz="2300"/>
+                        <a:t>Оптимизация записи данных</a:t>
+                      </a:r>
+                      <a:endParaRPr sz="2300"/>
+                    </a:p>
+                    <a:p>
+                      <a:pPr indent="-374650" lvl="0" marL="457200" rtl="0" algn="l">
+                        <a:spcBef>
+                          <a:spcPts val="0"/>
+                        </a:spcBef>
+                        <a:spcAft>
+                          <a:spcPts val="0"/>
+                        </a:spcAft>
+                        <a:buSzPts val="2300"/>
+                        <a:buChar char="●"/>
+                      </a:pPr>
+                      <a:r>
+                        <a:rPr lang="ru-RU" sz="2300"/>
+                        <a:t>Встроенные графические средства визуализации данных</a:t>
+                      </a:r>
+                      <a:endParaRPr sz="2300"/>
+                    </a:p>
+                  </a:txBody>
+                  <a:tcPr marT="91425" marB="91425" marR="91425" marL="91425"/>
+                </a:tc>
+                <a:tc>
+                  <a:txBody>
+                    <a:bodyPr/>
+                    <a:lstStyle/>
+                    <a:p>
+                      <a:pPr indent="0" lvl="0" marL="0" rtl="0" algn="l">
+                        <a:spcBef>
+                          <a:spcPts val="0"/>
+                        </a:spcBef>
+                        <a:spcAft>
+                          <a:spcPts val="0"/>
+                        </a:spcAft>
+                        <a:buNone/>
+                      </a:pPr>
+                      <a:r>
+                        <a:rPr lang="ru-RU" sz="2300"/>
+                        <a:t>Хранение логов</a:t>
+                      </a:r>
+                      <a:endParaRPr sz="2300"/>
+                    </a:p>
+                  </a:txBody>
+                  <a:tcPr marT="91425" marB="91425" marR="91425" marL="91425"/>
+                </a:tc>
+              </a:tr>
+            </a:tbl>
+          </a:graphicData>
+        </a:graphic>
+      </p:graphicFrame>
     </p:spTree>
   </p:cSld>
   <p:clrMapOvr>
@@ -17528,7 +17879,7 @@
   <p:cSld>
     <p:spTree>
       <p:nvGrpSpPr>
-        <p:cNvPr id="144" name="Shape 144"/>
+        <p:cNvPr id="148" name="Shape 148"/>
         <p:cNvGrpSpPr/>
         <p:nvPr/>
       </p:nvGrpSpPr>
@@ -17542,7 +17893,7 @@
       </p:grpSpPr>
       <p:sp>
         <p:nvSpPr>
-          <p:cNvPr id="145" name="Google Shape;145;p20"/>
+          <p:cNvPr id="149" name="Google Shape;149;p20"/>
           <p:cNvSpPr txBox="1"/>
           <p:nvPr>
             <p:ph type="title"/>
@@ -17601,7 +17952,7 @@
       </p:sp>
       <p:sp>
         <p:nvSpPr>
-          <p:cNvPr id="146" name="Google Shape;146;p20"/>
+          <p:cNvPr id="150" name="Google Shape;150;p20"/>
           <p:cNvSpPr txBox="1"/>
           <p:nvPr/>
         </p:nvSpPr>
@@ -17880,6 +18231,50 @@
           </a:p>
         </p:txBody>
       </p:sp>
+      <p:sp>
+        <p:nvSpPr>
+          <p:cNvPr id="151" name="Google Shape;151;p20"/>
+          <p:cNvSpPr txBox="1"/>
+          <p:nvPr>
+            <p:ph idx="12" type="sldNum"/>
+          </p:nvPr>
+        </p:nvSpPr>
+        <p:spPr>
+          <a:xfrm>
+            <a:off x="8610600" y="6356350"/>
+            <a:ext cx="2743200" cy="365100"/>
+          </a:xfrm>
+          <a:prstGeom prst="rect">
+            <a:avLst/>
+          </a:prstGeom>
+        </p:spPr>
+        <p:txBody>
+          <a:bodyPr anchorCtr="0" anchor="ctr" bIns="45700" lIns="91425" spcFirstLastPara="1" rIns="91425" wrap="square" tIns="45700">
+            <a:noAutofit/>
+          </a:bodyPr>
+          <a:lstStyle/>
+          <a:p>
+            <a:pPr indent="0" lvl="0" marL="0" rtl="0" algn="r">
+              <a:spcBef>
+                <a:spcPts val="0"/>
+              </a:spcBef>
+              <a:spcAft>
+                <a:spcPts val="0"/>
+              </a:spcAft>
+              <a:buClr>
+                <a:srgbClr val="000000"/>
+              </a:buClr>
+              <a:buFont typeface="Arial"/>
+              <a:buNone/>
+            </a:pPr>
+            <a:fld id="{00000000-1234-1234-1234-123412341234}" type="slidenum">
+              <a:rPr lang="ru-RU"/>
+              <a:t>‹#›</a:t>
+            </a:fld>
+            <a:endParaRPr/>
+          </a:p>
+        </p:txBody>
+      </p:sp>
     </p:spTree>
   </p:cSld>
   <p:clrMapOvr>
@@ -17893,7 +18288,7 @@
   <p:cSld>
     <p:spTree>
       <p:nvGrpSpPr>
-        <p:cNvPr id="151" name="Shape 151"/>
+        <p:cNvPr id="156" name="Shape 156"/>
         <p:cNvGrpSpPr/>
         <p:nvPr/>
       </p:nvGrpSpPr>
@@ -17907,7 +18302,7 @@
       </p:grpSpPr>
       <p:sp>
         <p:nvSpPr>
-          <p:cNvPr id="152" name="Google Shape;152;p21"/>
+          <p:cNvPr id="157" name="Google Shape;157;p21"/>
           <p:cNvSpPr txBox="1"/>
           <p:nvPr>
             <p:ph type="title"/>
@@ -17978,7 +18373,7 @@
       </p:sp>
       <p:sp>
         <p:nvSpPr>
-          <p:cNvPr id="153" name="Google Shape;153;p21"/>
+          <p:cNvPr id="158" name="Google Shape;158;p21"/>
           <p:cNvSpPr txBox="1"/>
           <p:nvPr/>
         </p:nvSpPr>
@@ -18030,7 +18425,7 @@
       </p:sp>
       <p:sp>
         <p:nvSpPr>
-          <p:cNvPr id="154" name="Google Shape;154;p21"/>
+          <p:cNvPr id="159" name="Google Shape;159;p21"/>
           <p:cNvSpPr txBox="1"/>
           <p:nvPr/>
         </p:nvSpPr>
@@ -18082,7 +18477,7 @@
       </p:sp>
       <p:sp>
         <p:nvSpPr>
-          <p:cNvPr id="155" name="Google Shape;155;p21"/>
+          <p:cNvPr id="160" name="Google Shape;160;p21"/>
           <p:cNvSpPr txBox="1"/>
           <p:nvPr/>
         </p:nvSpPr>
@@ -18134,7 +18529,7 @@
       </p:sp>
       <p:pic>
         <p:nvPicPr>
-          <p:cNvPr id="156" name="Google Shape;156;p21"/>
+          <p:cNvPr id="161" name="Google Shape;161;p21"/>
           <p:cNvPicPr preferRelativeResize="0"/>
           <p:nvPr/>
         </p:nvPicPr>
@@ -18162,7 +18557,7 @@
       </p:pic>
       <p:pic>
         <p:nvPicPr>
-          <p:cNvPr id="157" name="Google Shape;157;p21"/>
+          <p:cNvPr id="162" name="Google Shape;162;p21"/>
           <p:cNvPicPr preferRelativeResize="0"/>
           <p:nvPr/>
         </p:nvPicPr>
@@ -18188,6 +18583,50 @@
           </a:ln>
         </p:spPr>
       </p:pic>
+      <p:sp>
+        <p:nvSpPr>
+          <p:cNvPr id="163" name="Google Shape;163;p21"/>
+          <p:cNvSpPr txBox="1"/>
+          <p:nvPr>
+            <p:ph idx="12" type="sldNum"/>
+          </p:nvPr>
+        </p:nvSpPr>
+        <p:spPr>
+          <a:xfrm>
+            <a:off x="8610600" y="6356350"/>
+            <a:ext cx="2743200" cy="365100"/>
+          </a:xfrm>
+          <a:prstGeom prst="rect">
+            <a:avLst/>
+          </a:prstGeom>
+        </p:spPr>
+        <p:txBody>
+          <a:bodyPr anchorCtr="0" anchor="ctr" bIns="45700" lIns="91425" spcFirstLastPara="1" rIns="91425" wrap="square" tIns="45700">
+            <a:noAutofit/>
+          </a:bodyPr>
+          <a:lstStyle/>
+          <a:p>
+            <a:pPr indent="0" lvl="0" marL="0" rtl="0" algn="r">
+              <a:spcBef>
+                <a:spcPts val="0"/>
+              </a:spcBef>
+              <a:spcAft>
+                <a:spcPts val="0"/>
+              </a:spcAft>
+              <a:buClr>
+                <a:srgbClr val="000000"/>
+              </a:buClr>
+              <a:buFont typeface="Arial"/>
+              <a:buNone/>
+            </a:pPr>
+            <a:fld id="{00000000-1234-1234-1234-123412341234}" type="slidenum">
+              <a:rPr lang="ru-RU"/>
+              <a:t>‹#›</a:t>
+            </a:fld>
+            <a:endParaRPr/>
+          </a:p>
+        </p:txBody>
+      </p:sp>
     </p:spTree>
   </p:cSld>
   <p:clrMapOvr>
@@ -18201,7 +18640,7 @@
   <p:cSld>
     <p:spTree>
       <p:nvGrpSpPr>
-        <p:cNvPr id="162" name="Shape 162"/>
+        <p:cNvPr id="168" name="Shape 168"/>
         <p:cNvGrpSpPr/>
         <p:nvPr/>
       </p:nvGrpSpPr>
@@ -18215,7 +18654,7 @@
       </p:grpSpPr>
       <p:sp>
         <p:nvSpPr>
-          <p:cNvPr id="163" name="Google Shape;163;p22"/>
+          <p:cNvPr id="169" name="Google Shape;169;p22"/>
           <p:cNvSpPr txBox="1"/>
           <p:nvPr>
             <p:ph type="title"/>
@@ -18277,7 +18716,7 @@
       </p:sp>
       <p:sp>
         <p:nvSpPr>
-          <p:cNvPr id="164" name="Google Shape;164;p22"/>
+          <p:cNvPr id="170" name="Google Shape;170;p22"/>
           <p:cNvSpPr txBox="1"/>
           <p:nvPr/>
         </p:nvSpPr>
@@ -18329,7 +18768,7 @@
       </p:sp>
       <p:sp>
         <p:nvSpPr>
-          <p:cNvPr id="165" name="Google Shape;165;p22"/>
+          <p:cNvPr id="171" name="Google Shape;171;p22"/>
           <p:cNvSpPr txBox="1"/>
           <p:nvPr/>
         </p:nvSpPr>
@@ -18381,7 +18820,7 @@
       </p:sp>
       <p:sp>
         <p:nvSpPr>
-          <p:cNvPr id="166" name="Google Shape;166;p22"/>
+          <p:cNvPr id="172" name="Google Shape;172;p22"/>
           <p:cNvSpPr txBox="1"/>
           <p:nvPr/>
         </p:nvSpPr>
@@ -18433,7 +18872,7 @@
       </p:sp>
       <p:pic>
         <p:nvPicPr>
-          <p:cNvPr id="167" name="Google Shape;167;p22"/>
+          <p:cNvPr id="173" name="Google Shape;173;p22"/>
           <p:cNvPicPr preferRelativeResize="0"/>
           <p:nvPr/>
         </p:nvPicPr>
@@ -18461,7 +18900,7 @@
       </p:pic>
       <p:pic>
         <p:nvPicPr>
-          <p:cNvPr id="168" name="Google Shape;168;p22"/>
+          <p:cNvPr id="174" name="Google Shape;174;p22"/>
           <p:cNvPicPr preferRelativeResize="0"/>
           <p:nvPr/>
         </p:nvPicPr>
@@ -18487,6 +18926,50 @@
           </a:ln>
         </p:spPr>
       </p:pic>
+      <p:sp>
+        <p:nvSpPr>
+          <p:cNvPr id="175" name="Google Shape;175;p22"/>
+          <p:cNvSpPr txBox="1"/>
+          <p:nvPr>
+            <p:ph idx="12" type="sldNum"/>
+          </p:nvPr>
+        </p:nvSpPr>
+        <p:spPr>
+          <a:xfrm>
+            <a:off x="8610600" y="6356350"/>
+            <a:ext cx="2743200" cy="365100"/>
+          </a:xfrm>
+          <a:prstGeom prst="rect">
+            <a:avLst/>
+          </a:prstGeom>
+        </p:spPr>
+        <p:txBody>
+          <a:bodyPr anchorCtr="0" anchor="ctr" bIns="45700" lIns="91425" spcFirstLastPara="1" rIns="91425" wrap="square" tIns="45700">
+            <a:noAutofit/>
+          </a:bodyPr>
+          <a:lstStyle/>
+          <a:p>
+            <a:pPr indent="0" lvl="0" marL="0" rtl="0" algn="r">
+              <a:spcBef>
+                <a:spcPts val="0"/>
+              </a:spcBef>
+              <a:spcAft>
+                <a:spcPts val="0"/>
+              </a:spcAft>
+              <a:buClr>
+                <a:srgbClr val="000000"/>
+              </a:buClr>
+              <a:buFont typeface="Arial"/>
+              <a:buNone/>
+            </a:pPr>
+            <a:fld id="{00000000-1234-1234-1234-123412341234}" type="slidenum">
+              <a:rPr lang="ru-RU"/>
+              <a:t>‹#›</a:t>
+            </a:fld>
+            <a:endParaRPr/>
+          </a:p>
+        </p:txBody>
+      </p:sp>
     </p:spTree>
   </p:cSld>
   <p:clrMapOvr>

--- a/docs/presentation/databases/presentation.pptx
+++ b/docs/presentation/databases/presentation.pptx
@@ -1829,7 +1829,7 @@
       </p:grpSpPr>
       <p:sp>
         <p:nvSpPr>
-          <p:cNvPr id="189" name="Google Shape;189;g24625ab792e_0_224:notes"/>
+          <p:cNvPr id="189" name="Google Shape;189;g248954eb4e2_0_0:notes"/>
           <p:cNvSpPr/>
           <p:nvPr>
             <p:ph idx="2" type="sldImg"/>
@@ -1874,7 +1874,7 @@
       </p:sp>
       <p:sp>
         <p:nvSpPr>
-          <p:cNvPr id="190" name="Google Shape;190;g24625ab792e_0_224:notes"/>
+          <p:cNvPr id="190" name="Google Shape;190;g248954eb4e2_0_0:notes"/>
           <p:cNvSpPr txBox="1"/>
           <p:nvPr>
             <p:ph idx="1" type="body"/>
@@ -1911,18 +1911,13 @@
             <a:r>
               <a:t/>
             </a:r>
-            <a:endParaRPr b="1" sz="1000">
-              <a:latin typeface="Times New Roman"/>
-              <a:ea typeface="Times New Roman"/>
-              <a:cs typeface="Times New Roman"/>
-              <a:sym typeface="Times New Roman"/>
-            </a:endParaRPr>
+            <a:endParaRPr/>
           </a:p>
         </p:txBody>
       </p:sp>
       <p:sp>
         <p:nvSpPr>
-          <p:cNvPr id="191" name="Google Shape;191;g24625ab792e_0_224:notes"/>
+          <p:cNvPr id="191" name="Google Shape;191;g248954eb4e2_0_0:notes"/>
           <p:cNvSpPr txBox="1"/>
           <p:nvPr>
             <p:ph idx="12" type="sldNum"/>
@@ -1977,7 +1972,7 @@
   <p:cSld>
     <p:spTree>
       <p:nvGrpSpPr>
-        <p:cNvPr id="196" name="Shape 196"/>
+        <p:cNvPr id="200" name="Shape 200"/>
         <p:cNvGrpSpPr/>
         <p:nvPr/>
       </p:nvGrpSpPr>
@@ -1991,7 +1986,7 @@
       </p:grpSpPr>
       <p:sp>
         <p:nvSpPr>
-          <p:cNvPr id="197" name="Google Shape;197;g24625ab792e_0_16:notes"/>
+          <p:cNvPr id="201" name="Google Shape;201;g24625ab792e_0_224:notes"/>
           <p:cNvSpPr/>
           <p:nvPr>
             <p:ph idx="2" type="sldImg"/>
@@ -2036,7 +2031,7 @@
       </p:sp>
       <p:sp>
         <p:nvSpPr>
-          <p:cNvPr id="198" name="Google Shape;198;g24625ab792e_0_16:notes"/>
+          <p:cNvPr id="202" name="Google Shape;202;g24625ab792e_0_224:notes"/>
           <p:cNvSpPr txBox="1"/>
           <p:nvPr>
             <p:ph idx="1" type="body"/>
@@ -2084,7 +2079,7 @@
       </p:sp>
       <p:sp>
         <p:nvSpPr>
-          <p:cNvPr id="199" name="Google Shape;199;g24625ab792e_0_16:notes"/>
+          <p:cNvPr id="203" name="Google Shape;203;g24625ab792e_0_224:notes"/>
           <p:cNvSpPr txBox="1"/>
           <p:nvPr>
             <p:ph idx="12" type="sldNum"/>
@@ -2139,7 +2134,7 @@
   <p:cSld>
     <p:spTree>
       <p:nvGrpSpPr>
-        <p:cNvPr id="204" name="Shape 204"/>
+        <p:cNvPr id="208" name="Shape 208"/>
         <p:cNvGrpSpPr/>
         <p:nvPr/>
       </p:nvGrpSpPr>
@@ -2153,7 +2148,7 @@
       </p:grpSpPr>
       <p:sp>
         <p:nvSpPr>
-          <p:cNvPr id="205" name="Google Shape;205;g24625ab792e_0_209:notes"/>
+          <p:cNvPr id="209" name="Google Shape;209;g24625ab792e_0_16:notes"/>
           <p:cNvSpPr/>
           <p:nvPr>
             <p:ph idx="2" type="sldImg"/>
@@ -2198,7 +2193,7 @@
       </p:sp>
       <p:sp>
         <p:nvSpPr>
-          <p:cNvPr id="206" name="Google Shape;206;g24625ab792e_0_209:notes"/>
+          <p:cNvPr id="210" name="Google Shape;210;g24625ab792e_0_16:notes"/>
           <p:cNvSpPr txBox="1"/>
           <p:nvPr>
             <p:ph idx="1" type="body"/>
@@ -2246,7 +2241,7 @@
       </p:sp>
       <p:sp>
         <p:nvSpPr>
-          <p:cNvPr id="207" name="Google Shape;207;g24625ab792e_0_209:notes"/>
+          <p:cNvPr id="211" name="Google Shape;211;g24625ab792e_0_16:notes"/>
           <p:cNvSpPr txBox="1"/>
           <p:nvPr>
             <p:ph idx="12" type="sldNum"/>
@@ -14866,7 +14861,7 @@
         <p:spPr>
           <a:xfrm>
             <a:off x="7653150" y="2318975"/>
-            <a:ext cx="3336600" cy="615600"/>
+            <a:ext cx="3336600" cy="1046700"/>
           </a:xfrm>
           <a:prstGeom prst="rect">
             <a:avLst/>
@@ -14893,12 +14888,15 @@
             </a:pPr>
             <a:r>
               <a:rPr lang="ru-RU" sz="2800">
+                <a:solidFill>
+                  <a:schemeClr val="dk1"/>
+                </a:solidFill>
                 <a:latin typeface="Calibri"/>
                 <a:ea typeface="Calibri"/>
                 <a:cs typeface="Calibri"/>
                 <a:sym typeface="Calibri"/>
               </a:rPr>
-              <a:t>Без кеширования</a:t>
+              <a:t>Без использования кеширования Redis</a:t>
             </a:r>
             <a:endParaRPr sz="2800">
               <a:latin typeface="Calibri"/>
@@ -14918,7 +14916,7 @@
         <p:spPr>
           <a:xfrm>
             <a:off x="7653150" y="5211600"/>
-            <a:ext cx="3237300" cy="615600"/>
+            <a:ext cx="3237300" cy="1046700"/>
           </a:xfrm>
           <a:prstGeom prst="rect">
             <a:avLst/>
@@ -14945,12 +14943,15 @@
             </a:pPr>
             <a:r>
               <a:rPr lang="ru-RU" sz="2800">
+                <a:solidFill>
+                  <a:schemeClr val="dk1"/>
+                </a:solidFill>
                 <a:latin typeface="Calibri"/>
                 <a:ea typeface="Calibri"/>
                 <a:cs typeface="Calibri"/>
                 <a:sym typeface="Calibri"/>
               </a:rPr>
-              <a:t>С кешированием</a:t>
+              <a:t>С использованием кеширования Redis</a:t>
             </a:r>
             <a:endParaRPr sz="2800">
               <a:latin typeface="Calibri"/>
@@ -15058,6 +15059,461 @@
           <a:lstStyle/>
           <a:p>
             <a:pPr indent="0" lvl="0" marL="0" rtl="0" algn="l">
+              <a:lnSpc>
+                <a:spcPct val="90000"/>
+              </a:lnSpc>
+              <a:spcBef>
+                <a:spcPts val="0"/>
+              </a:spcBef>
+              <a:spcAft>
+                <a:spcPts val="0"/>
+              </a:spcAft>
+              <a:buClr>
+                <a:schemeClr val="dk1"/>
+              </a:buClr>
+              <a:buSzPts val="4400"/>
+              <a:buFont typeface="Times New Roman"/>
+              <a:buNone/>
+            </a:pPr>
+            <a:r>
+              <a:rPr lang="ru-RU">
+                <a:latin typeface="Times New Roman"/>
+                <a:ea typeface="Times New Roman"/>
+                <a:cs typeface="Times New Roman"/>
+                <a:sym typeface="Times New Roman"/>
+              </a:rPr>
+              <a:t>Предельная нагрузка системы</a:t>
+            </a:r>
+            <a:endParaRPr>
+              <a:latin typeface="Times New Roman"/>
+              <a:ea typeface="Times New Roman"/>
+              <a:cs typeface="Times New Roman"/>
+              <a:sym typeface="Times New Roman"/>
+            </a:endParaRPr>
+          </a:p>
+        </p:txBody>
+      </p:sp>
+      <p:sp>
+        <p:nvSpPr>
+          <p:cNvPr id="194" name="Google Shape;194;p24"/>
+          <p:cNvSpPr txBox="1"/>
+          <p:nvPr/>
+        </p:nvSpPr>
+        <p:spPr>
+          <a:xfrm>
+            <a:off x="502920" y="1491946"/>
+            <a:ext cx="11186100" cy="5246700"/>
+          </a:xfrm>
+          <a:prstGeom prst="rect">
+            <a:avLst/>
+          </a:prstGeom>
+          <a:noFill/>
+          <a:ln>
+            <a:noFill/>
+          </a:ln>
+        </p:spPr>
+        <p:txBody>
+          <a:bodyPr anchorCtr="0" anchor="t" bIns="91425" lIns="91425" spcFirstLastPara="1" rIns="91425" wrap="square" tIns="91425">
+            <a:noAutofit/>
+          </a:bodyPr>
+          <a:lstStyle/>
+          <a:p>
+            <a:pPr indent="0" lvl="0" marL="0" marR="0" rtl="0" algn="l">
+              <a:lnSpc>
+                <a:spcPct val="115000"/>
+              </a:lnSpc>
+              <a:spcBef>
+                <a:spcPts val="0"/>
+              </a:spcBef>
+              <a:spcAft>
+                <a:spcPts val="0"/>
+              </a:spcAft>
+              <a:buNone/>
+            </a:pPr>
+            <a:r>
+              <a:t/>
+            </a:r>
+            <a:endParaRPr b="0" i="0" sz="1600" u="none" cap="none" strike="noStrike">
+              <a:solidFill>
+                <a:schemeClr val="dk1"/>
+              </a:solidFill>
+              <a:latin typeface="Open Sans"/>
+              <a:ea typeface="Open Sans"/>
+              <a:cs typeface="Open Sans"/>
+              <a:sym typeface="Open Sans"/>
+            </a:endParaRPr>
+          </a:p>
+        </p:txBody>
+      </p:sp>
+      <p:sp>
+        <p:nvSpPr>
+          <p:cNvPr id="195" name="Google Shape;195;p24"/>
+          <p:cNvSpPr txBox="1"/>
+          <p:nvPr/>
+        </p:nvSpPr>
+        <p:spPr>
+          <a:xfrm>
+            <a:off x="7653150" y="1780300"/>
+            <a:ext cx="3822300" cy="1477500"/>
+          </a:xfrm>
+          <a:prstGeom prst="rect">
+            <a:avLst/>
+          </a:prstGeom>
+          <a:noFill/>
+          <a:ln>
+            <a:noFill/>
+          </a:ln>
+        </p:spPr>
+        <p:txBody>
+          <a:bodyPr anchorCtr="0" anchor="t" bIns="91425" lIns="91425" spcFirstLastPara="1" rIns="91425" wrap="square" tIns="91425">
+            <a:spAutoFit/>
+          </a:bodyPr>
+          <a:lstStyle/>
+          <a:p>
+            <a:pPr indent="0" lvl="0" marL="0" rtl="0" algn="l">
+              <a:spcBef>
+                <a:spcPts val="0"/>
+              </a:spcBef>
+              <a:spcAft>
+                <a:spcPts val="0"/>
+              </a:spcAft>
+              <a:buNone/>
+            </a:pPr>
+            <a:r>
+              <a:rPr lang="ru-RU" sz="2800">
+                <a:solidFill>
+                  <a:schemeClr val="dk1"/>
+                </a:solidFill>
+                <a:latin typeface="Calibri"/>
+                <a:ea typeface="Calibri"/>
+                <a:cs typeface="Calibri"/>
+                <a:sym typeface="Calibri"/>
+              </a:rPr>
+              <a:t>Без использования кеширования Redis</a:t>
+            </a:r>
+            <a:endParaRPr sz="2800">
+              <a:solidFill>
+                <a:schemeClr val="dk1"/>
+              </a:solidFill>
+              <a:latin typeface="Calibri"/>
+              <a:ea typeface="Calibri"/>
+              <a:cs typeface="Calibri"/>
+              <a:sym typeface="Calibri"/>
+            </a:endParaRPr>
+          </a:p>
+          <a:p>
+            <a:pPr indent="0" lvl="0" marL="0" rtl="0" algn="l">
+              <a:spcBef>
+                <a:spcPts val="0"/>
+              </a:spcBef>
+              <a:spcAft>
+                <a:spcPts val="0"/>
+              </a:spcAft>
+              <a:buNone/>
+            </a:pPr>
+            <a:r>
+              <a:rPr lang="ru-RU" sz="2800">
+                <a:solidFill>
+                  <a:schemeClr val="dk1"/>
+                </a:solidFill>
+                <a:latin typeface="Calibri"/>
+                <a:ea typeface="Calibri"/>
+                <a:cs typeface="Calibri"/>
+                <a:sym typeface="Calibri"/>
+              </a:rPr>
+              <a:t>максимум </a:t>
+            </a:r>
+            <a:r>
+              <a:rPr b="1" lang="ru-RU" sz="2800">
+                <a:solidFill>
+                  <a:schemeClr val="dk1"/>
+                </a:solidFill>
+                <a:latin typeface="Calibri"/>
+                <a:ea typeface="Calibri"/>
+                <a:cs typeface="Calibri"/>
+                <a:sym typeface="Calibri"/>
+              </a:rPr>
+              <a:t>33 RPS</a:t>
+            </a:r>
+            <a:endParaRPr b="1" sz="2800">
+              <a:solidFill>
+                <a:schemeClr val="dk1"/>
+              </a:solidFill>
+              <a:latin typeface="Calibri"/>
+              <a:ea typeface="Calibri"/>
+              <a:cs typeface="Calibri"/>
+              <a:sym typeface="Calibri"/>
+            </a:endParaRPr>
+          </a:p>
+        </p:txBody>
+      </p:sp>
+      <p:sp>
+        <p:nvSpPr>
+          <p:cNvPr id="196" name="Google Shape;196;p24"/>
+          <p:cNvSpPr txBox="1"/>
+          <p:nvPr/>
+        </p:nvSpPr>
+        <p:spPr>
+          <a:xfrm>
+            <a:off x="7653150" y="4672938"/>
+            <a:ext cx="3700800" cy="1477500"/>
+          </a:xfrm>
+          <a:prstGeom prst="rect">
+            <a:avLst/>
+          </a:prstGeom>
+          <a:noFill/>
+          <a:ln>
+            <a:noFill/>
+          </a:ln>
+        </p:spPr>
+        <p:txBody>
+          <a:bodyPr anchorCtr="0" anchor="t" bIns="91425" lIns="91425" spcFirstLastPara="1" rIns="91425" wrap="square" tIns="91425">
+            <a:spAutoFit/>
+          </a:bodyPr>
+          <a:lstStyle/>
+          <a:p>
+            <a:pPr indent="0" lvl="0" marL="0" rtl="0" algn="l">
+              <a:spcBef>
+                <a:spcPts val="0"/>
+              </a:spcBef>
+              <a:spcAft>
+                <a:spcPts val="0"/>
+              </a:spcAft>
+              <a:buNone/>
+            </a:pPr>
+            <a:r>
+              <a:rPr lang="ru-RU" sz="2800">
+                <a:solidFill>
+                  <a:schemeClr val="dk1"/>
+                </a:solidFill>
+                <a:latin typeface="Calibri"/>
+                <a:ea typeface="Calibri"/>
+                <a:cs typeface="Calibri"/>
+                <a:sym typeface="Calibri"/>
+              </a:rPr>
+              <a:t>С использованием кеширования Redis</a:t>
+            </a:r>
+            <a:endParaRPr sz="2800">
+              <a:solidFill>
+                <a:schemeClr val="dk1"/>
+              </a:solidFill>
+              <a:latin typeface="Calibri"/>
+              <a:ea typeface="Calibri"/>
+              <a:cs typeface="Calibri"/>
+              <a:sym typeface="Calibri"/>
+            </a:endParaRPr>
+          </a:p>
+          <a:p>
+            <a:pPr indent="0" lvl="0" marL="0" rtl="0" algn="l">
+              <a:spcBef>
+                <a:spcPts val="0"/>
+              </a:spcBef>
+              <a:spcAft>
+                <a:spcPts val="0"/>
+              </a:spcAft>
+              <a:buNone/>
+            </a:pPr>
+            <a:r>
+              <a:rPr lang="ru-RU" sz="2800">
+                <a:solidFill>
+                  <a:schemeClr val="dk1"/>
+                </a:solidFill>
+                <a:latin typeface="Calibri"/>
+                <a:ea typeface="Calibri"/>
+                <a:cs typeface="Calibri"/>
+                <a:sym typeface="Calibri"/>
+              </a:rPr>
+              <a:t>максимум</a:t>
+            </a:r>
+            <a:r>
+              <a:rPr lang="ru-RU" sz="2800">
+                <a:solidFill>
+                  <a:schemeClr val="dk1"/>
+                </a:solidFill>
+                <a:latin typeface="Calibri"/>
+                <a:ea typeface="Calibri"/>
+                <a:cs typeface="Calibri"/>
+                <a:sym typeface="Calibri"/>
+              </a:rPr>
+              <a:t> </a:t>
+            </a:r>
+            <a:r>
+              <a:rPr b="1" lang="ru-RU" sz="2800">
+                <a:solidFill>
+                  <a:schemeClr val="dk1"/>
+                </a:solidFill>
+                <a:latin typeface="Calibri"/>
+                <a:ea typeface="Calibri"/>
+                <a:cs typeface="Calibri"/>
+                <a:sym typeface="Calibri"/>
+              </a:rPr>
+              <a:t>83 RPS</a:t>
+            </a:r>
+            <a:endParaRPr b="1" sz="2800">
+              <a:solidFill>
+                <a:schemeClr val="dk1"/>
+              </a:solidFill>
+              <a:latin typeface="Calibri"/>
+              <a:ea typeface="Calibri"/>
+              <a:cs typeface="Calibri"/>
+              <a:sym typeface="Calibri"/>
+            </a:endParaRPr>
+          </a:p>
+        </p:txBody>
+      </p:sp>
+      <p:sp>
+        <p:nvSpPr>
+          <p:cNvPr id="197" name="Google Shape;197;p24"/>
+          <p:cNvSpPr txBox="1"/>
+          <p:nvPr>
+            <p:ph idx="12" type="sldNum"/>
+          </p:nvPr>
+        </p:nvSpPr>
+        <p:spPr>
+          <a:xfrm>
+            <a:off x="8610600" y="6356350"/>
+            <a:ext cx="2743200" cy="365100"/>
+          </a:xfrm>
+          <a:prstGeom prst="rect">
+            <a:avLst/>
+          </a:prstGeom>
+        </p:spPr>
+        <p:txBody>
+          <a:bodyPr anchorCtr="0" anchor="ctr" bIns="45700" lIns="91425" spcFirstLastPara="1" rIns="91425" wrap="square" tIns="45700">
+            <a:noAutofit/>
+          </a:bodyPr>
+          <a:lstStyle/>
+          <a:p>
+            <a:pPr indent="0" lvl="0" marL="0" rtl="0" algn="r">
+              <a:spcBef>
+                <a:spcPts val="0"/>
+              </a:spcBef>
+              <a:spcAft>
+                <a:spcPts val="0"/>
+              </a:spcAft>
+              <a:buClr>
+                <a:srgbClr val="000000"/>
+              </a:buClr>
+              <a:buFont typeface="Arial"/>
+              <a:buNone/>
+            </a:pPr>
+            <a:fld id="{00000000-1234-1234-1234-123412341234}" type="slidenum">
+              <a:rPr lang="ru-RU"/>
+              <a:t>‹#›</a:t>
+            </a:fld>
+            <a:endParaRPr/>
+          </a:p>
+        </p:txBody>
+      </p:sp>
+      <p:pic>
+        <p:nvPicPr>
+          <p:cNvPr id="198" name="Google Shape;198;p24"/>
+          <p:cNvPicPr preferRelativeResize="0"/>
+          <p:nvPr/>
+        </p:nvPicPr>
+        <p:blipFill>
+          <a:blip r:embed="rId3">
+            <a:alphaModFix/>
+          </a:blip>
+          <a:stretch>
+            <a:fillRect/>
+          </a:stretch>
+        </p:blipFill>
+        <p:spPr>
+          <a:xfrm>
+            <a:off x="919550" y="1325692"/>
+            <a:ext cx="6029101" cy="2707080"/>
+          </a:xfrm>
+          <a:prstGeom prst="rect">
+            <a:avLst/>
+          </a:prstGeom>
+          <a:noFill/>
+          <a:ln>
+            <a:noFill/>
+          </a:ln>
+        </p:spPr>
+      </p:pic>
+      <p:pic>
+        <p:nvPicPr>
+          <p:cNvPr id="199" name="Google Shape;199;p24"/>
+          <p:cNvPicPr preferRelativeResize="0"/>
+          <p:nvPr/>
+        </p:nvPicPr>
+        <p:blipFill>
+          <a:blip r:embed="rId4">
+            <a:alphaModFix/>
+          </a:blip>
+          <a:stretch>
+            <a:fillRect/>
+          </a:stretch>
+        </p:blipFill>
+        <p:spPr>
+          <a:xfrm>
+            <a:off x="919550" y="4014371"/>
+            <a:ext cx="6029090" cy="2707075"/>
+          </a:xfrm>
+          <a:prstGeom prst="rect">
+            <a:avLst/>
+          </a:prstGeom>
+          <a:noFill/>
+          <a:ln>
+            <a:noFill/>
+          </a:ln>
+        </p:spPr>
+      </p:pic>
+    </p:spTree>
+  </p:cSld>
+  <p:clrMapOvr>
+    <a:masterClrMapping/>
+  </p:clrMapOvr>
+</p:sld>
+</file>
+
+<file path=ppt/slides/slide12.xml><?xml version="1.0" encoding="utf-8"?>
+<p:sld xmlns:a="http://schemas.openxmlformats.org/drawingml/2006/main" xmlns:r="http://schemas.openxmlformats.org/officeDocument/2006/relationships" xmlns:mc="http://schemas.openxmlformats.org/markup-compatibility/2006" xmlns:mv="urn:schemas-microsoft-com:mac:vml" xmlns:p="http://schemas.openxmlformats.org/presentationml/2006/main" xmlns:c="http://schemas.openxmlformats.org/drawingml/2006/chart" xmlns:dgm="http://schemas.openxmlformats.org/drawingml/2006/diagram" xmlns:o="urn:schemas-microsoft-com:office:office" xmlns:v="urn:schemas-microsoft-com:vml" xmlns:pvml="urn:schemas-microsoft-com:office:powerpoint" xmlns:com="http://schemas.openxmlformats.org/drawingml/2006/compatibility" xmlns:p14="http://schemas.microsoft.com/office/powerpoint/2010/main" xmlns:p15="http://schemas.microsoft.com/office/powerpoint/2012/main" xmlns:ahyp="http://schemas.microsoft.com/office/drawing/2018/hyperlinkcolor">
+  <p:cSld>
+    <p:spTree>
+      <p:nvGrpSpPr>
+        <p:cNvPr id="204" name="Shape 204"/>
+        <p:cNvGrpSpPr/>
+        <p:nvPr/>
+      </p:nvGrpSpPr>
+      <p:grpSpPr>
+        <a:xfrm>
+          <a:off x="0" y="0"/>
+          <a:ext cx="0" cy="0"/>
+          <a:chOff x="0" y="0"/>
+          <a:chExt cx="0" cy="0"/>
+        </a:xfrm>
+      </p:grpSpPr>
+      <p:sp>
+        <p:nvSpPr>
+          <p:cNvPr id="205" name="Google Shape;205;p25"/>
+          <p:cNvSpPr txBox="1"/>
+          <p:nvPr>
+            <p:ph type="title"/>
+          </p:nvPr>
+        </p:nvSpPr>
+        <p:spPr>
+          <a:xfrm>
+            <a:off x="838200" y="0"/>
+            <a:ext cx="10515600" cy="1325700"/>
+          </a:xfrm>
+          <a:prstGeom prst="rect">
+            <a:avLst/>
+          </a:prstGeom>
+          <a:noFill/>
+          <a:ln>
+            <a:noFill/>
+          </a:ln>
+        </p:spPr>
+        <p:txBody>
+          <a:bodyPr anchorCtr="0" anchor="ctr" bIns="45700" lIns="91425" spcFirstLastPara="1" rIns="91425" wrap="square" tIns="45700">
+            <a:normAutofit/>
+          </a:bodyPr>
+          <a:lstStyle/>
+          <a:p>
+            <a:pPr indent="0" lvl="0" marL="0" rtl="0" algn="l">
               <a:spcBef>
                 <a:spcPts val="0"/>
               </a:spcBef>
@@ -15091,7 +15547,7 @@
       </p:sp>
       <p:sp>
         <p:nvSpPr>
-          <p:cNvPr id="194" name="Google Shape;194;p24"/>
+          <p:cNvPr id="206" name="Google Shape;206;p25"/>
           <p:cNvSpPr txBox="1"/>
           <p:nvPr/>
         </p:nvSpPr>
@@ -15170,7 +15626,79 @@
                 <a:cs typeface="Times New Roman"/>
                 <a:sym typeface="Times New Roman"/>
               </a:rPr>
-              <a:t>при линейной открытой нагрузке среднее время ответа сервера уменьшилось с 63 мс до 37 мс (на 41%);</a:t>
+              <a:t>при линейной открытой нагрузке среднее время ответа сервера уменьшилось с </a:t>
+            </a:r>
+            <a:r>
+              <a:rPr b="1" lang="ru-RU" sz="2500">
+                <a:solidFill>
+                  <a:schemeClr val="dk1"/>
+                </a:solidFill>
+                <a:latin typeface="Times New Roman"/>
+                <a:ea typeface="Times New Roman"/>
+                <a:cs typeface="Times New Roman"/>
+                <a:sym typeface="Times New Roman"/>
+              </a:rPr>
+              <a:t>63 мс</a:t>
+            </a:r>
+            <a:r>
+              <a:rPr lang="ru-RU" sz="2500">
+                <a:solidFill>
+                  <a:schemeClr val="dk1"/>
+                </a:solidFill>
+                <a:latin typeface="Times New Roman"/>
+                <a:ea typeface="Times New Roman"/>
+                <a:cs typeface="Times New Roman"/>
+                <a:sym typeface="Times New Roman"/>
+              </a:rPr>
+              <a:t> до </a:t>
+            </a:r>
+            <a:r>
+              <a:rPr b="1" lang="ru-RU" sz="2500">
+                <a:solidFill>
+                  <a:schemeClr val="dk1"/>
+                </a:solidFill>
+                <a:latin typeface="Times New Roman"/>
+                <a:ea typeface="Times New Roman"/>
+                <a:cs typeface="Times New Roman"/>
+                <a:sym typeface="Times New Roman"/>
+              </a:rPr>
+              <a:t>37 мс</a:t>
+            </a:r>
+            <a:r>
+              <a:rPr lang="ru-RU" sz="2500">
+                <a:solidFill>
+                  <a:schemeClr val="dk1"/>
+                </a:solidFill>
+                <a:latin typeface="Times New Roman"/>
+                <a:ea typeface="Times New Roman"/>
+                <a:cs typeface="Times New Roman"/>
+                <a:sym typeface="Times New Roman"/>
+              </a:rPr>
+              <a:t> (на </a:t>
+            </a:r>
+            <a:r>
+              <a:rPr b="1" lang="ru-RU" sz="2500">
+                <a:solidFill>
+                  <a:schemeClr val="dk1"/>
+                </a:solidFill>
+                <a:latin typeface="Times New Roman"/>
+                <a:ea typeface="Times New Roman"/>
+                <a:cs typeface="Times New Roman"/>
+                <a:sym typeface="Times New Roman"/>
+              </a:rPr>
+              <a:t>41%</a:t>
+            </a:r>
+            <a:r>
+              <a:rPr lang="ru-RU" sz="2500">
+                <a:solidFill>
+                  <a:schemeClr val="dk1"/>
+                </a:solidFill>
+                <a:latin typeface="Times New Roman"/>
+                <a:ea typeface="Times New Roman"/>
+                <a:cs typeface="Times New Roman"/>
+                <a:sym typeface="Times New Roman"/>
+              </a:rPr>
+              <a:t>);</a:t>
             </a:r>
             <a:endParaRPr sz="2500">
               <a:solidFill>
@@ -15219,7 +15747,79 @@
                 <a:cs typeface="Times New Roman"/>
                 <a:sym typeface="Times New Roman"/>
               </a:rPr>
-              <a:t>ри линейной постоянной нагрузке среднее время ответа сервера уменьшилось с 49 мс до 38 мс (на 22%);</a:t>
+              <a:t>ри линейной постоянной нагрузке среднее время ответа сервера уменьшилось с </a:t>
+            </a:r>
+            <a:r>
+              <a:rPr b="1" lang="ru-RU" sz="2500">
+                <a:solidFill>
+                  <a:schemeClr val="dk1"/>
+                </a:solidFill>
+                <a:latin typeface="Times New Roman"/>
+                <a:ea typeface="Times New Roman"/>
+                <a:cs typeface="Times New Roman"/>
+                <a:sym typeface="Times New Roman"/>
+              </a:rPr>
+              <a:t>49 мс</a:t>
+            </a:r>
+            <a:r>
+              <a:rPr lang="ru-RU" sz="2500">
+                <a:solidFill>
+                  <a:schemeClr val="dk1"/>
+                </a:solidFill>
+                <a:latin typeface="Times New Roman"/>
+                <a:ea typeface="Times New Roman"/>
+                <a:cs typeface="Times New Roman"/>
+                <a:sym typeface="Times New Roman"/>
+              </a:rPr>
+              <a:t> до </a:t>
+            </a:r>
+            <a:r>
+              <a:rPr b="1" lang="ru-RU" sz="2500">
+                <a:solidFill>
+                  <a:schemeClr val="dk1"/>
+                </a:solidFill>
+                <a:latin typeface="Times New Roman"/>
+                <a:ea typeface="Times New Roman"/>
+                <a:cs typeface="Times New Roman"/>
+                <a:sym typeface="Times New Roman"/>
+              </a:rPr>
+              <a:t>38 мс</a:t>
+            </a:r>
+            <a:r>
+              <a:rPr lang="ru-RU" sz="2500">
+                <a:solidFill>
+                  <a:schemeClr val="dk1"/>
+                </a:solidFill>
+                <a:latin typeface="Times New Roman"/>
+                <a:ea typeface="Times New Roman"/>
+                <a:cs typeface="Times New Roman"/>
+                <a:sym typeface="Times New Roman"/>
+              </a:rPr>
+              <a:t> (на </a:t>
+            </a:r>
+            <a:r>
+              <a:rPr b="1" lang="ru-RU" sz="2500">
+                <a:solidFill>
+                  <a:schemeClr val="dk1"/>
+                </a:solidFill>
+                <a:latin typeface="Times New Roman"/>
+                <a:ea typeface="Times New Roman"/>
+                <a:cs typeface="Times New Roman"/>
+                <a:sym typeface="Times New Roman"/>
+              </a:rPr>
+              <a:t>22%</a:t>
+            </a:r>
+            <a:r>
+              <a:rPr lang="ru-RU" sz="2500">
+                <a:solidFill>
+                  <a:schemeClr val="dk1"/>
+                </a:solidFill>
+                <a:latin typeface="Times New Roman"/>
+                <a:ea typeface="Times New Roman"/>
+                <a:cs typeface="Times New Roman"/>
+                <a:sym typeface="Times New Roman"/>
+              </a:rPr>
+              <a:t>);</a:t>
             </a:r>
             <a:endParaRPr sz="2500">
               <a:solidFill>
@@ -15256,7 +15856,79 @@
                 <a:cs typeface="Times New Roman"/>
                 <a:sym typeface="Times New Roman"/>
               </a:rPr>
-              <a:t>при закрытой нагрузке среднее время ответа сервера уменьшилось с 44 мс до 15 мс (на 66%);</a:t>
+              <a:t>при закрытой нагрузке среднее время ответа сервера уменьшилось с </a:t>
+            </a:r>
+            <a:r>
+              <a:rPr b="1" lang="ru-RU" sz="2500">
+                <a:solidFill>
+                  <a:schemeClr val="dk1"/>
+                </a:solidFill>
+                <a:latin typeface="Times New Roman"/>
+                <a:ea typeface="Times New Roman"/>
+                <a:cs typeface="Times New Roman"/>
+                <a:sym typeface="Times New Roman"/>
+              </a:rPr>
+              <a:t>44 мс</a:t>
+            </a:r>
+            <a:r>
+              <a:rPr lang="ru-RU" sz="2500">
+                <a:solidFill>
+                  <a:schemeClr val="dk1"/>
+                </a:solidFill>
+                <a:latin typeface="Times New Roman"/>
+                <a:ea typeface="Times New Roman"/>
+                <a:cs typeface="Times New Roman"/>
+                <a:sym typeface="Times New Roman"/>
+              </a:rPr>
+              <a:t> до </a:t>
+            </a:r>
+            <a:r>
+              <a:rPr b="1" lang="ru-RU" sz="2500">
+                <a:solidFill>
+                  <a:schemeClr val="dk1"/>
+                </a:solidFill>
+                <a:latin typeface="Times New Roman"/>
+                <a:ea typeface="Times New Roman"/>
+                <a:cs typeface="Times New Roman"/>
+                <a:sym typeface="Times New Roman"/>
+              </a:rPr>
+              <a:t>15 мс</a:t>
+            </a:r>
+            <a:r>
+              <a:rPr lang="ru-RU" sz="2500">
+                <a:solidFill>
+                  <a:schemeClr val="dk1"/>
+                </a:solidFill>
+                <a:latin typeface="Times New Roman"/>
+                <a:ea typeface="Times New Roman"/>
+                <a:cs typeface="Times New Roman"/>
+                <a:sym typeface="Times New Roman"/>
+              </a:rPr>
+              <a:t> (на </a:t>
+            </a:r>
+            <a:r>
+              <a:rPr b="1" lang="ru-RU" sz="2500">
+                <a:solidFill>
+                  <a:schemeClr val="dk1"/>
+                </a:solidFill>
+                <a:latin typeface="Times New Roman"/>
+                <a:ea typeface="Times New Roman"/>
+                <a:cs typeface="Times New Roman"/>
+                <a:sym typeface="Times New Roman"/>
+              </a:rPr>
+              <a:t>66%</a:t>
+            </a:r>
+            <a:r>
+              <a:rPr lang="ru-RU" sz="2500">
+                <a:solidFill>
+                  <a:schemeClr val="dk1"/>
+                </a:solidFill>
+                <a:latin typeface="Times New Roman"/>
+                <a:ea typeface="Times New Roman"/>
+                <a:cs typeface="Times New Roman"/>
+                <a:sym typeface="Times New Roman"/>
+              </a:rPr>
+              <a:t>);</a:t>
             </a:r>
             <a:endParaRPr sz="2500">
               <a:solidFill>
@@ -15309,7 +15981,7 @@
       </p:sp>
       <p:sp>
         <p:nvSpPr>
-          <p:cNvPr id="195" name="Google Shape;195;p24"/>
+          <p:cNvPr id="207" name="Google Shape;207;p25"/>
           <p:cNvSpPr txBox="1"/>
           <p:nvPr>
             <p:ph idx="12" type="sldNum"/>
@@ -15359,12 +16031,12 @@
 </p:sld>
 </file>
 
-<file path=ppt/slides/slide12.xml><?xml version="1.0" encoding="utf-8"?>
+<file path=ppt/slides/slide13.xml><?xml version="1.0" encoding="utf-8"?>
 <p:sld xmlns:a="http://schemas.openxmlformats.org/drawingml/2006/main" xmlns:r="http://schemas.openxmlformats.org/officeDocument/2006/relationships" xmlns:mc="http://schemas.openxmlformats.org/markup-compatibility/2006" xmlns:mv="urn:schemas-microsoft-com:mac:vml" xmlns:p="http://schemas.openxmlformats.org/presentationml/2006/main" xmlns:c="http://schemas.openxmlformats.org/drawingml/2006/chart" xmlns:dgm="http://schemas.openxmlformats.org/drawingml/2006/diagram" xmlns:o="urn:schemas-microsoft-com:office:office" xmlns:v="urn:schemas-microsoft-com:vml" xmlns:pvml="urn:schemas-microsoft-com:office:powerpoint" xmlns:com="http://schemas.openxmlformats.org/drawingml/2006/compatibility" xmlns:p14="http://schemas.microsoft.com/office/powerpoint/2010/main" xmlns:p15="http://schemas.microsoft.com/office/powerpoint/2012/main" xmlns:ahyp="http://schemas.microsoft.com/office/drawing/2018/hyperlinkcolor">
   <p:cSld>
     <p:spTree>
       <p:nvGrpSpPr>
-        <p:cNvPr id="200" name="Shape 200"/>
+        <p:cNvPr id="212" name="Shape 212"/>
         <p:cNvGrpSpPr/>
         <p:nvPr/>
       </p:nvGrpSpPr>
@@ -15378,7 +16050,7 @@
       </p:grpSpPr>
       <p:sp>
         <p:nvSpPr>
-          <p:cNvPr id="201" name="Google Shape;201;p25"/>
+          <p:cNvPr id="213" name="Google Shape;213;p26"/>
           <p:cNvSpPr txBox="1"/>
           <p:nvPr>
             <p:ph type="title"/>
@@ -15437,7 +16109,7 @@
       </p:sp>
       <p:sp>
         <p:nvSpPr>
-          <p:cNvPr id="202" name="Google Shape;202;p25"/>
+          <p:cNvPr id="214" name="Google Shape;214;p26"/>
           <p:cNvSpPr txBox="1"/>
           <p:nvPr/>
         </p:nvSpPr>
@@ -15704,7 +16376,7 @@
       </p:sp>
       <p:sp>
         <p:nvSpPr>
-          <p:cNvPr id="203" name="Google Shape;203;p25"/>
+          <p:cNvPr id="215" name="Google Shape;215;p26"/>
           <p:cNvSpPr txBox="1"/>
           <p:nvPr>
             <p:ph idx="12" type="sldNum"/>
@@ -15736,304 +16408,6 @@
                 <a:srgbClr val="000000"/>
               </a:buClr>
               <a:buFont typeface="Arial"/>
-              <a:buNone/>
-            </a:pPr>
-            <a:fld id="{00000000-1234-1234-1234-123412341234}" type="slidenum">
-              <a:rPr lang="ru-RU"/>
-              <a:t>‹#›</a:t>
-            </a:fld>
-            <a:endParaRPr/>
-          </a:p>
-        </p:txBody>
-      </p:sp>
-    </p:spTree>
-  </p:cSld>
-  <p:clrMapOvr>
-    <a:masterClrMapping/>
-  </p:clrMapOvr>
-</p:sld>
-</file>
-
-<file path=ppt/slides/slide13.xml><?xml version="1.0" encoding="utf-8"?>
-<p:sld xmlns:a="http://schemas.openxmlformats.org/drawingml/2006/main" xmlns:r="http://schemas.openxmlformats.org/officeDocument/2006/relationships" xmlns:mc="http://schemas.openxmlformats.org/markup-compatibility/2006" xmlns:mv="urn:schemas-microsoft-com:mac:vml" xmlns:p="http://schemas.openxmlformats.org/presentationml/2006/main" xmlns:c="http://schemas.openxmlformats.org/drawingml/2006/chart" xmlns:dgm="http://schemas.openxmlformats.org/drawingml/2006/diagram" xmlns:o="urn:schemas-microsoft-com:office:office" xmlns:v="urn:schemas-microsoft-com:vml" xmlns:pvml="urn:schemas-microsoft-com:office:powerpoint" xmlns:com="http://schemas.openxmlformats.org/drawingml/2006/compatibility" xmlns:p14="http://schemas.microsoft.com/office/powerpoint/2010/main" xmlns:p15="http://schemas.microsoft.com/office/powerpoint/2012/main" xmlns:ahyp="http://schemas.microsoft.com/office/drawing/2018/hyperlinkcolor" show="0">
-  <p:cSld>
-    <p:spTree>
-      <p:nvGrpSpPr>
-        <p:cNvPr id="208" name="Shape 208"/>
-        <p:cNvGrpSpPr/>
-        <p:nvPr/>
-      </p:nvGrpSpPr>
-      <p:grpSpPr>
-        <a:xfrm>
-          <a:off x="0" y="0"/>
-          <a:ext cx="0" cy="0"/>
-          <a:chOff x="0" y="0"/>
-          <a:chExt cx="0" cy="0"/>
-        </a:xfrm>
-      </p:grpSpPr>
-      <p:sp>
-        <p:nvSpPr>
-          <p:cNvPr id="209" name="Google Shape;209;p26"/>
-          <p:cNvSpPr txBox="1"/>
-          <p:nvPr>
-            <p:ph type="title"/>
-          </p:nvPr>
-        </p:nvSpPr>
-        <p:spPr>
-          <a:xfrm>
-            <a:off x="838200" y="0"/>
-            <a:ext cx="10515600" cy="1325700"/>
-          </a:xfrm>
-          <a:prstGeom prst="rect">
-            <a:avLst/>
-          </a:prstGeom>
-          <a:noFill/>
-          <a:ln>
-            <a:noFill/>
-          </a:ln>
-        </p:spPr>
-        <p:txBody>
-          <a:bodyPr anchorCtr="0" anchor="ctr" bIns="45700" lIns="91425" spcFirstLastPara="1" rIns="91425" wrap="square" tIns="45700">
-            <a:normAutofit/>
-          </a:bodyPr>
-          <a:lstStyle/>
-          <a:p>
-            <a:pPr indent="0" lvl="0" marL="0" rtl="0" algn="l">
-              <a:spcBef>
-                <a:spcPts val="0"/>
-              </a:spcBef>
-              <a:spcAft>
-                <a:spcPts val="0"/>
-              </a:spcAft>
-              <a:buClr>
-                <a:schemeClr val="dk1"/>
-              </a:buClr>
-              <a:buSzPts val="4400"/>
-              <a:buFont typeface="Times New Roman"/>
-              <a:buNone/>
-            </a:pPr>
-            <a:r>
-              <a:rPr lang="ru-RU">
-                <a:latin typeface="Times New Roman"/>
-                <a:ea typeface="Times New Roman"/>
-                <a:cs typeface="Times New Roman"/>
-                <a:sym typeface="Times New Roman"/>
-              </a:rPr>
-              <a:t>Направления дальнейшего развития</a:t>
-            </a:r>
-            <a:endParaRPr>
-              <a:latin typeface="Times New Roman"/>
-              <a:ea typeface="Times New Roman"/>
-              <a:cs typeface="Times New Roman"/>
-              <a:sym typeface="Times New Roman"/>
-            </a:endParaRPr>
-          </a:p>
-        </p:txBody>
-      </p:sp>
-      <p:sp>
-        <p:nvSpPr>
-          <p:cNvPr id="210" name="Google Shape;210;p26"/>
-          <p:cNvSpPr txBox="1"/>
-          <p:nvPr/>
-        </p:nvSpPr>
-        <p:spPr>
-          <a:xfrm>
-            <a:off x="502925" y="993925"/>
-            <a:ext cx="11186100" cy="5744700"/>
-          </a:xfrm>
-          <a:prstGeom prst="rect">
-            <a:avLst/>
-          </a:prstGeom>
-          <a:noFill/>
-          <a:ln>
-            <a:noFill/>
-          </a:ln>
-        </p:spPr>
-        <p:txBody>
-          <a:bodyPr anchorCtr="0" anchor="t" bIns="91425" lIns="91425" spcFirstLastPara="1" rIns="91425" wrap="square" tIns="91425">
-            <a:noAutofit/>
-          </a:bodyPr>
-          <a:lstStyle/>
-          <a:p>
-            <a:pPr indent="-508635" lvl="0" marL="514350" rtl="0" algn="just">
-              <a:spcBef>
-                <a:spcPts val="1200"/>
-              </a:spcBef>
-              <a:spcAft>
-                <a:spcPts val="0"/>
-              </a:spcAft>
-              <a:buClr>
-                <a:schemeClr val="dk1"/>
-              </a:buClr>
-              <a:buSzPts val="2500"/>
-              <a:buFont typeface="Times New Roman"/>
-              <a:buAutoNum type="arabicPeriod"/>
-            </a:pPr>
-            <a:r>
-              <a:rPr lang="ru-RU" sz="2500">
-                <a:solidFill>
-                  <a:schemeClr val="dk1"/>
-                </a:solidFill>
-                <a:latin typeface="Times New Roman"/>
-                <a:ea typeface="Times New Roman"/>
-                <a:cs typeface="Times New Roman"/>
-                <a:sym typeface="Times New Roman"/>
-              </a:rPr>
-              <a:t>Разработка клиентской части приложения, позволяющей размечать тексты в браузере. </a:t>
-            </a:r>
-            <a:endParaRPr sz="2500">
-              <a:solidFill>
-                <a:schemeClr val="dk1"/>
-              </a:solidFill>
-              <a:latin typeface="Times New Roman"/>
-              <a:ea typeface="Times New Roman"/>
-              <a:cs typeface="Times New Roman"/>
-              <a:sym typeface="Times New Roman"/>
-            </a:endParaRPr>
-          </a:p>
-          <a:p>
-            <a:pPr indent="-508635" lvl="0" marL="514350" rtl="0" algn="just">
-              <a:spcBef>
-                <a:spcPts val="1200"/>
-              </a:spcBef>
-              <a:spcAft>
-                <a:spcPts val="0"/>
-              </a:spcAft>
-              <a:buClr>
-                <a:schemeClr val="dk1"/>
-              </a:buClr>
-              <a:buSzPts val="2500"/>
-              <a:buFont typeface="Times New Roman"/>
-              <a:buAutoNum type="arabicPeriod"/>
-            </a:pPr>
-            <a:r>
-              <a:rPr lang="ru-RU" sz="2500">
-                <a:solidFill>
-                  <a:schemeClr val="dk1"/>
-                </a:solidFill>
-                <a:latin typeface="Times New Roman"/>
-                <a:ea typeface="Times New Roman"/>
-                <a:cs typeface="Times New Roman"/>
-                <a:sym typeface="Times New Roman"/>
-              </a:rPr>
-              <a:t>Добавление авторизации через JWT/cookie.</a:t>
-            </a:r>
-            <a:endParaRPr sz="2500">
-              <a:solidFill>
-                <a:schemeClr val="dk1"/>
-              </a:solidFill>
-              <a:latin typeface="Times New Roman"/>
-              <a:ea typeface="Times New Roman"/>
-              <a:cs typeface="Times New Roman"/>
-              <a:sym typeface="Times New Roman"/>
-            </a:endParaRPr>
-          </a:p>
-          <a:p>
-            <a:pPr indent="-508635" lvl="0" marL="514350" rtl="0" algn="just">
-              <a:spcBef>
-                <a:spcPts val="1200"/>
-              </a:spcBef>
-              <a:spcAft>
-                <a:spcPts val="0"/>
-              </a:spcAft>
-              <a:buClr>
-                <a:schemeClr val="dk1"/>
-              </a:buClr>
-              <a:buSzPts val="2500"/>
-              <a:buFont typeface="Times New Roman"/>
-              <a:buAutoNum type="arabicPeriod"/>
-            </a:pPr>
-            <a:r>
-              <a:rPr lang="ru-RU" sz="2500">
-                <a:solidFill>
-                  <a:schemeClr val="dk1"/>
-                </a:solidFill>
-                <a:latin typeface="Times New Roman"/>
-                <a:ea typeface="Times New Roman"/>
-                <a:cs typeface="Times New Roman"/>
-                <a:sym typeface="Times New Roman"/>
-              </a:rPr>
-              <a:t>Добавление микросервиса для автоматической разметки текстов.</a:t>
-            </a:r>
-            <a:endParaRPr sz="2500">
-              <a:solidFill>
-                <a:schemeClr val="dk1"/>
-              </a:solidFill>
-              <a:latin typeface="Times New Roman"/>
-              <a:ea typeface="Times New Roman"/>
-              <a:cs typeface="Times New Roman"/>
-              <a:sym typeface="Times New Roman"/>
-            </a:endParaRPr>
-          </a:p>
-          <a:p>
-            <a:pPr indent="-508635" lvl="0" marL="514350" rtl="0" algn="just">
-              <a:spcBef>
-                <a:spcPts val="1200"/>
-              </a:spcBef>
-              <a:spcAft>
-                <a:spcPts val="0"/>
-              </a:spcAft>
-              <a:buClr>
-                <a:schemeClr val="dk1"/>
-              </a:buClr>
-              <a:buSzPts val="2500"/>
-              <a:buFont typeface="Times New Roman"/>
-              <a:buAutoNum type="arabicPeriod"/>
-            </a:pPr>
-            <a:r>
-              <a:rPr lang="ru-RU" sz="2500">
-                <a:solidFill>
-                  <a:schemeClr val="dk1"/>
-                </a:solidFill>
-                <a:latin typeface="Times New Roman"/>
-                <a:ea typeface="Times New Roman"/>
-                <a:cs typeface="Times New Roman"/>
-                <a:sym typeface="Times New Roman"/>
-              </a:rPr>
-              <a:t>Добавление микросервиса для перемещения данных из кеша в основное хранилище.</a:t>
-            </a:r>
-            <a:endParaRPr sz="1600">
-              <a:solidFill>
-                <a:schemeClr val="dk1"/>
-              </a:solidFill>
-              <a:latin typeface="Open Sans"/>
-              <a:ea typeface="Open Sans"/>
-              <a:cs typeface="Open Sans"/>
-              <a:sym typeface="Open Sans"/>
-            </a:endParaRPr>
-          </a:p>
-        </p:txBody>
-      </p:sp>
-      <p:sp>
-        <p:nvSpPr>
-          <p:cNvPr id="211" name="Google Shape;211;p26"/>
-          <p:cNvSpPr txBox="1"/>
-          <p:nvPr>
-            <p:ph idx="12" type="sldNum"/>
-          </p:nvPr>
-        </p:nvSpPr>
-        <p:spPr>
-          <a:xfrm>
-            <a:off x="8610600" y="6356350"/>
-            <a:ext cx="2743200" cy="365100"/>
-          </a:xfrm>
-          <a:prstGeom prst="rect">
-            <a:avLst/>
-          </a:prstGeom>
-        </p:spPr>
-        <p:txBody>
-          <a:bodyPr anchorCtr="0" anchor="ctr" bIns="45700" lIns="91425" spcFirstLastPara="1" rIns="91425" wrap="square" tIns="45700">
-            <a:noAutofit/>
-          </a:bodyPr>
-          <a:lstStyle/>
-          <a:p>
-            <a:pPr indent="0" lvl="0" marL="0" rtl="0" algn="r">
-              <a:spcBef>
-                <a:spcPts val="0"/>
-              </a:spcBef>
-              <a:spcAft>
-                <a:spcPts val="0"/>
-              </a:spcAft>
               <a:buNone/>
             </a:pPr>
             <a:fld id="{00000000-1234-1234-1234-123412341234}" type="slidenum">
@@ -16275,7 +16649,7 @@
                 <a:cs typeface="Times New Roman"/>
                 <a:sym typeface="Times New Roman"/>
               </a:rPr>
-              <a:t>Провести анализ предметной области и формализовать задачу. </a:t>
+              <a:t>Проанализировать предметную область и формализовать задачу. </a:t>
             </a:r>
             <a:endParaRPr sz="2500">
               <a:solidFill>
@@ -16423,7 +16797,7 @@
                 <a:cs typeface="Times New Roman"/>
                 <a:sym typeface="Times New Roman"/>
               </a:rPr>
-              <a:t>Провести исследование зависимости времени выполнения запросов от использования кеширования данных текущей сессии пользователя.</a:t>
+              <a:t>Исследовать зависимость времени выполнения запросов от использования кеширования данных текущей сессии пользователя.</a:t>
             </a:r>
             <a:endParaRPr sz="1600">
               <a:solidFill>
@@ -16554,7 +16928,7 @@
                 <a:cs typeface="Times New Roman"/>
                 <a:sym typeface="Times New Roman"/>
               </a:rPr>
-              <a:t>Существующие аналоги</a:t>
+              <a:t>Предметная область</a:t>
             </a:r>
             <a:endParaRPr>
               <a:latin typeface="Times New Roman"/>
@@ -16702,7 +17076,7 @@
           </a:bodyPr>
           <a:lstStyle/>
           <a:p>
-            <a:pPr indent="-273050" lvl="0" marL="228600" rtl="0" algn="l">
+            <a:pPr indent="0" lvl="0" marL="0" rtl="0" algn="l">
               <a:lnSpc>
                 <a:spcPct val="90000"/>
               </a:lnSpc>
@@ -16712,12 +17086,7 @@
               <a:spcAft>
                 <a:spcPts val="0"/>
               </a:spcAft>
-              <a:buClr>
-                <a:schemeClr val="dk1"/>
-              </a:buClr>
-              <a:buSzPts val="2500"/>
-              <a:buFont typeface="Times New Roman"/>
-              <a:buAutoNum type="arabicPeriod"/>
+              <a:buNone/>
             </a:pPr>
             <a:r>
               <a:rPr b="1" lang="ru-RU" sz="2500">
@@ -16741,7 +17110,7 @@
                 <a:cs typeface="Times New Roman"/>
                 <a:sym typeface="Times New Roman"/>
               </a:rPr>
-              <a:t> (Google, Яндекс, DeepL) - позволяют размечать тексты, но не дают работать с терминологией. Также нет возможности редактировать "разметку".</a:t>
+              <a:t> (Google, Яндекс, DeepL) позволяют размечать тексты, но не дают работать с терминологией. Также нет возможности редактировать "разметку".</a:t>
             </a:r>
             <a:endParaRPr sz="2500">
               <a:solidFill>
@@ -16754,7 +17123,7 @@
             </a:endParaRPr>
           </a:p>
           <a:p>
-            <a:pPr indent="-273050" lvl="0" marL="228600" rtl="0" algn="l">
+            <a:pPr indent="0" lvl="0" marL="0" rtl="0" algn="l">
               <a:lnSpc>
                 <a:spcPct val="90000"/>
               </a:lnSpc>
@@ -16764,12 +17133,7 @@
               <a:spcAft>
                 <a:spcPts val="0"/>
               </a:spcAft>
-              <a:buClr>
-                <a:schemeClr val="dk1"/>
-              </a:buClr>
-              <a:buSzPts val="2500"/>
-              <a:buFont typeface="Times New Roman"/>
-              <a:buAutoNum type="arabicPeriod"/>
+              <a:buNone/>
             </a:pPr>
             <a:r>
               <a:rPr b="1" lang="ru-RU" sz="2500">
@@ -17471,7 +17835,7 @@
             <a:tbl>
               <a:tblPr>
                 <a:noFill/>
-                <a:tableStyleId>{085E9F51-41CA-4A47-A4BE-301F070B82D2}</a:tableStyleId>
+                <a:tableStyleId>{1EC28C8D-0B5E-4512-98F5-1C8909959BED}</a:tableStyleId>
               </a:tblPr>
               <a:tblGrid>
                 <a:gridCol w="1802450"/>
@@ -17939,7 +18303,7 @@
                 <a:cs typeface="Times New Roman"/>
                 <a:sym typeface="Times New Roman"/>
               </a:rPr>
-              <a:t>Исследование</a:t>
+              <a:t>Нагрузочное тестирование</a:t>
             </a:r>
             <a:endParaRPr>
               <a:latin typeface="Times New Roman"/>
@@ -18028,50 +18392,6 @@
               <a:ea typeface="Calibri"/>
               <a:cs typeface="Calibri"/>
               <a:sym typeface="Calibri"/>
-            </a:endParaRPr>
-          </a:p>
-          <a:p>
-            <a:pPr indent="0" lvl="0" marL="0" rtl="0" algn="just">
-              <a:spcBef>
-                <a:spcPts val="1200"/>
-              </a:spcBef>
-              <a:spcAft>
-                <a:spcPts val="0"/>
-              </a:spcAft>
-              <a:buNone/>
-            </a:pPr>
-            <a:r>
-              <a:rPr b="1" lang="ru-RU" sz="2500">
-                <a:solidFill>
-                  <a:schemeClr val="dk1"/>
-                </a:solidFill>
-                <a:latin typeface="Times New Roman"/>
-                <a:ea typeface="Times New Roman"/>
-                <a:cs typeface="Times New Roman"/>
-                <a:sym typeface="Times New Roman"/>
-              </a:rPr>
-              <a:t>Способ проведения</a:t>
-            </a:r>
-            <a:r>
-              <a:rPr lang="ru-RU" sz="2500">
-                <a:solidFill>
-                  <a:schemeClr val="dk1"/>
-                </a:solidFill>
-                <a:latin typeface="Times New Roman"/>
-                <a:ea typeface="Times New Roman"/>
-                <a:cs typeface="Times New Roman"/>
-                <a:sym typeface="Times New Roman"/>
-              </a:rPr>
-              <a:t> – нагрузочное тестирование с помощью Yandex.Tank.</a:t>
-            </a:r>
-            <a:endParaRPr sz="2500">
-              <a:solidFill>
-                <a:schemeClr val="dk1"/>
-              </a:solidFill>
-              <a:latin typeface="Times New Roman"/>
-              <a:ea typeface="Times New Roman"/>
-              <a:cs typeface="Times New Roman"/>
-              <a:sym typeface="Times New Roman"/>
             </a:endParaRPr>
           </a:p>
           <a:p>
@@ -18432,7 +18752,7 @@
         <p:spPr>
           <a:xfrm>
             <a:off x="7603500" y="2197725"/>
-            <a:ext cx="3336600" cy="615600"/>
+            <a:ext cx="3336600" cy="1046700"/>
           </a:xfrm>
           <a:prstGeom prst="rect">
             <a:avLst/>
@@ -18464,7 +18784,7 @@
                 <a:cs typeface="Calibri"/>
                 <a:sym typeface="Calibri"/>
               </a:rPr>
-              <a:t>Без кеширования</a:t>
+              <a:t>Без использования кеширования Redis</a:t>
             </a:r>
             <a:endParaRPr sz="2800">
               <a:latin typeface="Calibri"/>
@@ -18484,7 +18804,7 @@
         <p:spPr>
           <a:xfrm>
             <a:off x="7653150" y="5097125"/>
-            <a:ext cx="3237300" cy="615600"/>
+            <a:ext cx="3237300" cy="1046700"/>
           </a:xfrm>
           <a:prstGeom prst="rect">
             <a:avLst/>
@@ -18511,12 +18831,15 @@
             </a:pPr>
             <a:r>
               <a:rPr lang="ru-RU" sz="2800">
+                <a:solidFill>
+                  <a:schemeClr val="dk1"/>
+                </a:solidFill>
                 <a:latin typeface="Calibri"/>
                 <a:ea typeface="Calibri"/>
                 <a:cs typeface="Calibri"/>
                 <a:sym typeface="Calibri"/>
               </a:rPr>
-              <a:t>С кешированием</a:t>
+              <a:t>С использованием кеширования Redis</a:t>
             </a:r>
             <a:endParaRPr sz="2800">
               <a:latin typeface="Calibri"/>
@@ -18775,7 +19098,7 @@
         <p:spPr>
           <a:xfrm>
             <a:off x="7553850" y="2197725"/>
-            <a:ext cx="3336600" cy="615600"/>
+            <a:ext cx="3336600" cy="1046700"/>
           </a:xfrm>
           <a:prstGeom prst="rect">
             <a:avLst/>
@@ -18802,12 +19125,15 @@
             </a:pPr>
             <a:r>
               <a:rPr lang="ru-RU" sz="2800">
+                <a:solidFill>
+                  <a:schemeClr val="dk1"/>
+                </a:solidFill>
                 <a:latin typeface="Calibri"/>
                 <a:ea typeface="Calibri"/>
                 <a:cs typeface="Calibri"/>
                 <a:sym typeface="Calibri"/>
               </a:rPr>
-              <a:t>Без кеширования</a:t>
+              <a:t>Без использования кеширования Redis</a:t>
             </a:r>
             <a:endParaRPr sz="2800">
               <a:latin typeface="Calibri"/>
@@ -18827,7 +19153,7 @@
         <p:spPr>
           <a:xfrm>
             <a:off x="7603500" y="5097125"/>
-            <a:ext cx="3237300" cy="615600"/>
+            <a:ext cx="3237300" cy="1046700"/>
           </a:xfrm>
           <a:prstGeom prst="rect">
             <a:avLst/>
@@ -18854,12 +19180,15 @@
             </a:pPr>
             <a:r>
               <a:rPr lang="ru-RU" sz="2800">
+                <a:solidFill>
+                  <a:schemeClr val="dk1"/>
+                </a:solidFill>
                 <a:latin typeface="Calibri"/>
                 <a:ea typeface="Calibri"/>
                 <a:cs typeface="Calibri"/>
                 <a:sym typeface="Calibri"/>
               </a:rPr>
-              <a:t>С кешированием</a:t>
+              <a:t>С использованием кеширования Redis</a:t>
             </a:r>
             <a:endParaRPr sz="2800">
               <a:latin typeface="Calibri"/>

--- a/docs/presentation/databases/presentation.pptx
+++ b/docs/presentation/databases/presentation.pptx
@@ -14861,7 +14861,7 @@
         <p:spPr>
           <a:xfrm>
             <a:off x="7653150" y="2318975"/>
-            <a:ext cx="3336600" cy="1046700"/>
+            <a:ext cx="3798600" cy="1046700"/>
           </a:xfrm>
           <a:prstGeom prst="rect">
             <a:avLst/>
@@ -14916,7 +14916,7 @@
         <p:spPr>
           <a:xfrm>
             <a:off x="7653150" y="5211600"/>
-            <a:ext cx="3237300" cy="1046700"/>
+            <a:ext cx="3486300" cy="1046700"/>
           </a:xfrm>
           <a:prstGeom prst="rect">
             <a:avLst/>
@@ -17835,7 +17835,7 @@
             <a:tbl>
               <a:tblPr>
                 <a:noFill/>
-                <a:tableStyleId>{1EC28C8D-0B5E-4512-98F5-1C8909959BED}</a:tableStyleId>
+                <a:tableStyleId>{07E6952D-5E6E-407D-8EF5-488FCF62FFA2}</a:tableStyleId>
               </a:tblPr>
               <a:tblGrid>
                 <a:gridCol w="1802450"/>
@@ -18752,7 +18752,7 @@
         <p:spPr>
           <a:xfrm>
             <a:off x="7603500" y="2197725"/>
-            <a:ext cx="3336600" cy="1046700"/>
+            <a:ext cx="3913800" cy="1046700"/>
           </a:xfrm>
           <a:prstGeom prst="rect">
             <a:avLst/>
@@ -18804,7 +18804,7 @@
         <p:spPr>
           <a:xfrm>
             <a:off x="7653150" y="5097125"/>
-            <a:ext cx="3237300" cy="1046700"/>
+            <a:ext cx="4184700" cy="1046700"/>
           </a:xfrm>
           <a:prstGeom prst="rect">
             <a:avLst/>
@@ -19098,7 +19098,7 @@
         <p:spPr>
           <a:xfrm>
             <a:off x="7553850" y="2197725"/>
-            <a:ext cx="3336600" cy="1046700"/>
+            <a:ext cx="4135200" cy="1046700"/>
           </a:xfrm>
           <a:prstGeom prst="rect">
             <a:avLst/>
@@ -19153,7 +19153,7 @@
         <p:spPr>
           <a:xfrm>
             <a:off x="7603500" y="5097125"/>
-            <a:ext cx="3237300" cy="1046700"/>
+            <a:ext cx="4001100" cy="1046700"/>
           </a:xfrm>
           <a:prstGeom prst="rect">
             <a:avLst/>

--- a/docs/presentation/databases/presentation.pptx
+++ b/docs/presentation/databases/presentation.pptx
@@ -21,16 +21,21 @@
     <p:sldId id="266" r:id="rId16"/>
     <p:sldId id="267" r:id="rId17"/>
     <p:sldId id="268" r:id="rId18"/>
+    <p:sldId id="269" r:id="rId19"/>
+    <p:sldId id="270" r:id="rId20"/>
+    <p:sldId id="271" r:id="rId21"/>
+    <p:sldId id="272" r:id="rId22"/>
+    <p:sldId id="273" r:id="rId23"/>
   </p:sldIdLst>
   <p:sldSz cy="6858000" cx="12192000"/>
   <p:notesSz cx="6761150" cy="9942500"/>
   <p:embeddedFontLst>
     <p:embeddedFont>
       <p:font typeface="Open Sans"/>
-      <p:regular r:id="rId19"/>
-      <p:bold r:id="rId20"/>
-      <p:italic r:id="rId21"/>
-      <p:boldItalic r:id="rId22"/>
+      <p:regular r:id="rId24"/>
+      <p:bold r:id="rId25"/>
+      <p:italic r:id="rId26"/>
+      <p:boldItalic r:id="rId27"/>
     </p:embeddedFont>
   </p:embeddedFontLst>
   <p:defaultTextStyle>
@@ -1658,7 +1663,7 @@
   <p:cSld>
     <p:spTree>
       <p:nvGrpSpPr>
-        <p:cNvPr id="176" name="Shape 176"/>
+        <p:cNvPr id="171" name="Shape 171"/>
         <p:cNvGrpSpPr/>
         <p:nvPr/>
       </p:nvGrpSpPr>
@@ -1672,7 +1677,7 @@
       </p:grpSpPr>
       <p:sp>
         <p:nvSpPr>
-          <p:cNvPr id="177" name="Google Shape;177;g24625ab792e_0_93:notes"/>
+          <p:cNvPr id="172" name="Google Shape;172;g24a88175b50_0_27:notes"/>
           <p:cNvSpPr/>
           <p:nvPr>
             <p:ph idx="2" type="sldImg"/>
@@ -1717,7 +1722,7 @@
       </p:sp>
       <p:sp>
         <p:nvSpPr>
-          <p:cNvPr id="178" name="Google Shape;178;g24625ab792e_0_93:notes"/>
+          <p:cNvPr id="173" name="Google Shape;173;g24a88175b50_0_27:notes"/>
           <p:cNvSpPr txBox="1"/>
           <p:nvPr>
             <p:ph idx="1" type="body"/>
@@ -1754,13 +1759,18 @@
             <a:r>
               <a:t/>
             </a:r>
-            <a:endParaRPr/>
+            <a:endParaRPr b="1" sz="1000">
+              <a:latin typeface="Times New Roman"/>
+              <a:ea typeface="Times New Roman"/>
+              <a:cs typeface="Times New Roman"/>
+              <a:sym typeface="Times New Roman"/>
+            </a:endParaRPr>
           </a:p>
         </p:txBody>
       </p:sp>
       <p:sp>
         <p:nvSpPr>
-          <p:cNvPr id="179" name="Google Shape;179;g24625ab792e_0_93:notes"/>
+          <p:cNvPr id="174" name="Google Shape;174;g24a88175b50_0_27:notes"/>
           <p:cNvSpPr txBox="1"/>
           <p:nvPr>
             <p:ph idx="12" type="sldNum"/>
@@ -1815,7 +1825,7 @@
   <p:cSld>
     <p:spTree>
       <p:nvGrpSpPr>
-        <p:cNvPr id="188" name="Shape 188"/>
+        <p:cNvPr id="180" name="Shape 180"/>
         <p:cNvGrpSpPr/>
         <p:nvPr/>
       </p:nvGrpSpPr>
@@ -1829,7 +1839,7 @@
       </p:grpSpPr>
       <p:sp>
         <p:nvSpPr>
-          <p:cNvPr id="189" name="Google Shape;189;g248954eb4e2_0_0:notes"/>
+          <p:cNvPr id="181" name="Google Shape;181;g24625ab792e_0_215:notes"/>
           <p:cNvSpPr/>
           <p:nvPr>
             <p:ph idx="2" type="sldImg"/>
@@ -1874,7 +1884,7 @@
       </p:sp>
       <p:sp>
         <p:nvSpPr>
-          <p:cNvPr id="190" name="Google Shape;190;g248954eb4e2_0_0:notes"/>
+          <p:cNvPr id="182" name="Google Shape;182;g24625ab792e_0_215:notes"/>
           <p:cNvSpPr txBox="1"/>
           <p:nvPr>
             <p:ph idx="1" type="body"/>
@@ -1911,13 +1921,18 @@
             <a:r>
               <a:t/>
             </a:r>
-            <a:endParaRPr/>
+            <a:endParaRPr b="1" sz="1000">
+              <a:latin typeface="Times New Roman"/>
+              <a:ea typeface="Times New Roman"/>
+              <a:cs typeface="Times New Roman"/>
+              <a:sym typeface="Times New Roman"/>
+            </a:endParaRPr>
           </a:p>
         </p:txBody>
       </p:sp>
       <p:sp>
         <p:nvSpPr>
-          <p:cNvPr id="191" name="Google Shape;191;g248954eb4e2_0_0:notes"/>
+          <p:cNvPr id="183" name="Google Shape;183;g24625ab792e_0_215:notes"/>
           <p:cNvSpPr txBox="1"/>
           <p:nvPr>
             <p:ph idx="12" type="sldNum"/>
@@ -1972,7 +1987,7 @@
   <p:cSld>
     <p:spTree>
       <p:nvGrpSpPr>
-        <p:cNvPr id="200" name="Shape 200"/>
+        <p:cNvPr id="188" name="Shape 188"/>
         <p:cNvGrpSpPr/>
         <p:nvPr/>
       </p:nvGrpSpPr>
@@ -1986,7 +2001,7 @@
       </p:grpSpPr>
       <p:sp>
         <p:nvSpPr>
-          <p:cNvPr id="201" name="Google Shape;201;g24625ab792e_0_224:notes"/>
+          <p:cNvPr id="189" name="Google Shape;189;g24625ab792e_0_108:notes"/>
           <p:cNvSpPr/>
           <p:nvPr>
             <p:ph idx="2" type="sldImg"/>
@@ -2031,7 +2046,7 @@
       </p:sp>
       <p:sp>
         <p:nvSpPr>
-          <p:cNvPr id="202" name="Google Shape;202;g24625ab792e_0_224:notes"/>
+          <p:cNvPr id="190" name="Google Shape;190;g24625ab792e_0_108:notes"/>
           <p:cNvSpPr txBox="1"/>
           <p:nvPr>
             <p:ph idx="1" type="body"/>
@@ -2068,18 +2083,13 @@
             <a:r>
               <a:t/>
             </a:r>
-            <a:endParaRPr b="1" sz="1000">
-              <a:latin typeface="Times New Roman"/>
-              <a:ea typeface="Times New Roman"/>
-              <a:cs typeface="Times New Roman"/>
-              <a:sym typeface="Times New Roman"/>
-            </a:endParaRPr>
+            <a:endParaRPr/>
           </a:p>
         </p:txBody>
       </p:sp>
       <p:sp>
         <p:nvSpPr>
-          <p:cNvPr id="203" name="Google Shape;203;g24625ab792e_0_224:notes"/>
+          <p:cNvPr id="191" name="Google Shape;191;g24625ab792e_0_108:notes"/>
           <p:cNvSpPr txBox="1"/>
           <p:nvPr>
             <p:ph idx="12" type="sldNum"/>
@@ -2134,7 +2144,7 @@
   <p:cSld>
     <p:spTree>
       <p:nvGrpSpPr>
-        <p:cNvPr id="208" name="Shape 208"/>
+        <p:cNvPr id="200" name="Shape 200"/>
         <p:cNvGrpSpPr/>
         <p:nvPr/>
       </p:nvGrpSpPr>
@@ -2148,7 +2158,7 @@
       </p:grpSpPr>
       <p:sp>
         <p:nvSpPr>
-          <p:cNvPr id="209" name="Google Shape;209;g24625ab792e_0_16:notes"/>
+          <p:cNvPr id="201" name="Google Shape;201;g24625ab792e_0_120:notes"/>
           <p:cNvSpPr/>
           <p:nvPr>
             <p:ph idx="2" type="sldImg"/>
@@ -2193,7 +2203,7 @@
       </p:sp>
       <p:sp>
         <p:nvSpPr>
-          <p:cNvPr id="210" name="Google Shape;210;g24625ab792e_0_16:notes"/>
+          <p:cNvPr id="202" name="Google Shape;202;g24625ab792e_0_120:notes"/>
           <p:cNvSpPr txBox="1"/>
           <p:nvPr>
             <p:ph idx="1" type="body"/>
@@ -2230,6 +2240,483 @@
             <a:r>
               <a:t/>
             </a:r>
+            <a:endParaRPr/>
+          </a:p>
+        </p:txBody>
+      </p:sp>
+      <p:sp>
+        <p:nvSpPr>
+          <p:cNvPr id="203" name="Google Shape;203;g24625ab792e_0_120:notes"/>
+          <p:cNvSpPr txBox="1"/>
+          <p:nvPr>
+            <p:ph idx="12" type="sldNum"/>
+          </p:nvPr>
+        </p:nvSpPr>
+        <p:spPr>
+          <a:xfrm>
+            <a:off x="3829761" y="9443662"/>
+            <a:ext cx="2929800" cy="498900"/>
+          </a:xfrm>
+          <a:prstGeom prst="rect">
+            <a:avLst/>
+          </a:prstGeom>
+          <a:noFill/>
+          <a:ln>
+            <a:noFill/>
+          </a:ln>
+        </p:spPr>
+        <p:txBody>
+          <a:bodyPr anchorCtr="0" anchor="b" bIns="45700" lIns="91425" spcFirstLastPara="1" rIns="91425" wrap="square" tIns="45700">
+            <a:noAutofit/>
+          </a:bodyPr>
+          <a:lstStyle/>
+          <a:p>
+            <a:pPr indent="0" lvl="0" marL="0" rtl="0" algn="r">
+              <a:spcBef>
+                <a:spcPts val="0"/>
+              </a:spcBef>
+              <a:spcAft>
+                <a:spcPts val="0"/>
+              </a:spcAft>
+              <a:buNone/>
+            </a:pPr>
+            <a:fld id="{00000000-1234-1234-1234-123412341234}" type="slidenum">
+              <a:rPr lang="ru-RU"/>
+              <a:t>‹#›</a:t>
+            </a:fld>
+            <a:endParaRPr/>
+          </a:p>
+        </p:txBody>
+      </p:sp>
+    </p:spTree>
+  </p:cSld>
+  <p:clrMapOvr>
+    <a:masterClrMapping/>
+  </p:clrMapOvr>
+</p:notes>
+</file>
+
+<file path=ppt/notesSlides/notesSlide14.xml><?xml version="1.0" encoding="utf-8"?>
+<p:notes xmlns:a="http://schemas.openxmlformats.org/drawingml/2006/main" xmlns:r="http://schemas.openxmlformats.org/officeDocument/2006/relationships" xmlns:mc="http://schemas.openxmlformats.org/markup-compatibility/2006" xmlns:mv="urn:schemas-microsoft-com:mac:vml" xmlns:p="http://schemas.openxmlformats.org/presentationml/2006/main" xmlns:c="http://schemas.openxmlformats.org/drawingml/2006/chart" xmlns:dgm="http://schemas.openxmlformats.org/drawingml/2006/diagram" xmlns:o="urn:schemas-microsoft-com:office:office" xmlns:v="urn:schemas-microsoft-com:vml" xmlns:pvml="urn:schemas-microsoft-com:office:powerpoint" xmlns:com="http://schemas.openxmlformats.org/drawingml/2006/compatibility" xmlns:p14="http://schemas.microsoft.com/office/powerpoint/2010/main" xmlns:p15="http://schemas.microsoft.com/office/powerpoint/2012/main" xmlns:ahyp="http://schemas.microsoft.com/office/drawing/2018/hyperlinkcolor" showMasterPhAnim="0" showMasterSp="0">
+  <p:cSld>
+    <p:spTree>
+      <p:nvGrpSpPr>
+        <p:cNvPr id="212" name="Shape 212"/>
+        <p:cNvGrpSpPr/>
+        <p:nvPr/>
+      </p:nvGrpSpPr>
+      <p:grpSpPr>
+        <a:xfrm>
+          <a:off x="0" y="0"/>
+          <a:ext cx="0" cy="0"/>
+          <a:chOff x="0" y="0"/>
+          <a:chExt cx="0" cy="0"/>
+        </a:xfrm>
+      </p:grpSpPr>
+      <p:sp>
+        <p:nvSpPr>
+          <p:cNvPr id="213" name="Google Shape;213;g24625ab792e_0_93:notes"/>
+          <p:cNvSpPr/>
+          <p:nvPr>
+            <p:ph idx="2" type="sldImg"/>
+          </p:nvPr>
+        </p:nvSpPr>
+        <p:spPr>
+          <a:xfrm>
+            <a:off x="398463" y="1243013"/>
+            <a:ext cx="5964300" cy="3356100"/>
+          </a:xfrm>
+          <a:custGeom>
+            <a:rect b="b" l="l" r="r" t="t"/>
+            <a:pathLst>
+              <a:path extrusionOk="0" h="120000" w="120000">
+                <a:moveTo>
+                  <a:pt x="0" y="0"/>
+                </a:moveTo>
+                <a:lnTo>
+                  <a:pt x="120000" y="0"/>
+                </a:lnTo>
+                <a:lnTo>
+                  <a:pt x="120000" y="120000"/>
+                </a:lnTo>
+                <a:lnTo>
+                  <a:pt x="0" y="120000"/>
+                </a:lnTo>
+                <a:close/>
+              </a:path>
+            </a:pathLst>
+          </a:custGeom>
+          <a:noFill/>
+          <a:ln cap="flat" cmpd="sng" w="12700">
+            <a:solidFill>
+              <a:srgbClr val="000000"/>
+            </a:solidFill>
+            <a:prstDash val="solid"/>
+            <a:round/>
+            <a:headEnd len="sm" w="sm" type="none"/>
+            <a:tailEnd len="sm" w="sm" type="none"/>
+          </a:ln>
+        </p:spPr>
+      </p:sp>
+      <p:sp>
+        <p:nvSpPr>
+          <p:cNvPr id="214" name="Google Shape;214;g24625ab792e_0_93:notes"/>
+          <p:cNvSpPr txBox="1"/>
+          <p:nvPr>
+            <p:ph idx="1" type="body"/>
+          </p:nvPr>
+        </p:nvSpPr>
+        <p:spPr>
+          <a:xfrm>
+            <a:off x="676117" y="4784835"/>
+            <a:ext cx="5409000" cy="3915000"/>
+          </a:xfrm>
+          <a:prstGeom prst="rect">
+            <a:avLst/>
+          </a:prstGeom>
+          <a:noFill/>
+          <a:ln>
+            <a:noFill/>
+          </a:ln>
+        </p:spPr>
+        <p:txBody>
+          <a:bodyPr anchorCtr="0" anchor="t" bIns="45700" lIns="91425" spcFirstLastPara="1" rIns="91425" wrap="square" tIns="45700">
+            <a:noAutofit/>
+          </a:bodyPr>
+          <a:lstStyle/>
+          <a:p>
+            <a:pPr indent="0" lvl="0" marL="0" rtl="0" algn="l">
+              <a:spcBef>
+                <a:spcPts val="0"/>
+              </a:spcBef>
+              <a:spcAft>
+                <a:spcPts val="0"/>
+              </a:spcAft>
+              <a:buNone/>
+            </a:pPr>
+            <a:r>
+              <a:t/>
+            </a:r>
+            <a:endParaRPr/>
+          </a:p>
+        </p:txBody>
+      </p:sp>
+      <p:sp>
+        <p:nvSpPr>
+          <p:cNvPr id="215" name="Google Shape;215;g24625ab792e_0_93:notes"/>
+          <p:cNvSpPr txBox="1"/>
+          <p:nvPr>
+            <p:ph idx="12" type="sldNum"/>
+          </p:nvPr>
+        </p:nvSpPr>
+        <p:spPr>
+          <a:xfrm>
+            <a:off x="3829761" y="9443662"/>
+            <a:ext cx="2929800" cy="498900"/>
+          </a:xfrm>
+          <a:prstGeom prst="rect">
+            <a:avLst/>
+          </a:prstGeom>
+          <a:noFill/>
+          <a:ln>
+            <a:noFill/>
+          </a:ln>
+        </p:spPr>
+        <p:txBody>
+          <a:bodyPr anchorCtr="0" anchor="b" bIns="45700" lIns="91425" spcFirstLastPara="1" rIns="91425" wrap="square" tIns="45700">
+            <a:noAutofit/>
+          </a:bodyPr>
+          <a:lstStyle/>
+          <a:p>
+            <a:pPr indent="0" lvl="0" marL="0" rtl="0" algn="r">
+              <a:spcBef>
+                <a:spcPts val="0"/>
+              </a:spcBef>
+              <a:spcAft>
+                <a:spcPts val="0"/>
+              </a:spcAft>
+              <a:buNone/>
+            </a:pPr>
+            <a:fld id="{00000000-1234-1234-1234-123412341234}" type="slidenum">
+              <a:rPr lang="ru-RU"/>
+              <a:t>‹#›</a:t>
+            </a:fld>
+            <a:endParaRPr/>
+          </a:p>
+        </p:txBody>
+      </p:sp>
+    </p:spTree>
+  </p:cSld>
+  <p:clrMapOvr>
+    <a:masterClrMapping/>
+  </p:clrMapOvr>
+</p:notes>
+</file>
+
+<file path=ppt/notesSlides/notesSlide15.xml><?xml version="1.0" encoding="utf-8"?>
+<p:notes xmlns:a="http://schemas.openxmlformats.org/drawingml/2006/main" xmlns:r="http://schemas.openxmlformats.org/officeDocument/2006/relationships" xmlns:mc="http://schemas.openxmlformats.org/markup-compatibility/2006" xmlns:mv="urn:schemas-microsoft-com:mac:vml" xmlns:p="http://schemas.openxmlformats.org/presentationml/2006/main" xmlns:c="http://schemas.openxmlformats.org/drawingml/2006/chart" xmlns:dgm="http://schemas.openxmlformats.org/drawingml/2006/diagram" xmlns:o="urn:schemas-microsoft-com:office:office" xmlns:v="urn:schemas-microsoft-com:vml" xmlns:pvml="urn:schemas-microsoft-com:office:powerpoint" xmlns:com="http://schemas.openxmlformats.org/drawingml/2006/compatibility" xmlns:p14="http://schemas.microsoft.com/office/powerpoint/2010/main" xmlns:p15="http://schemas.microsoft.com/office/powerpoint/2012/main" xmlns:ahyp="http://schemas.microsoft.com/office/drawing/2018/hyperlinkcolor" showMasterPhAnim="0" showMasterSp="0">
+  <p:cSld>
+    <p:spTree>
+      <p:nvGrpSpPr>
+        <p:cNvPr id="224" name="Shape 224"/>
+        <p:cNvGrpSpPr/>
+        <p:nvPr/>
+      </p:nvGrpSpPr>
+      <p:grpSpPr>
+        <a:xfrm>
+          <a:off x="0" y="0"/>
+          <a:ext cx="0" cy="0"/>
+          <a:chOff x="0" y="0"/>
+          <a:chExt cx="0" cy="0"/>
+        </a:xfrm>
+      </p:grpSpPr>
+      <p:sp>
+        <p:nvSpPr>
+          <p:cNvPr id="225" name="Google Shape;225;g248954eb4e2_0_0:notes"/>
+          <p:cNvSpPr/>
+          <p:nvPr>
+            <p:ph idx="2" type="sldImg"/>
+          </p:nvPr>
+        </p:nvSpPr>
+        <p:spPr>
+          <a:xfrm>
+            <a:off x="398463" y="1243013"/>
+            <a:ext cx="5964300" cy="3356100"/>
+          </a:xfrm>
+          <a:custGeom>
+            <a:rect b="b" l="l" r="r" t="t"/>
+            <a:pathLst>
+              <a:path extrusionOk="0" h="120000" w="120000">
+                <a:moveTo>
+                  <a:pt x="0" y="0"/>
+                </a:moveTo>
+                <a:lnTo>
+                  <a:pt x="120000" y="0"/>
+                </a:lnTo>
+                <a:lnTo>
+                  <a:pt x="120000" y="120000"/>
+                </a:lnTo>
+                <a:lnTo>
+                  <a:pt x="0" y="120000"/>
+                </a:lnTo>
+                <a:close/>
+              </a:path>
+            </a:pathLst>
+          </a:custGeom>
+          <a:noFill/>
+          <a:ln cap="flat" cmpd="sng" w="12700">
+            <a:solidFill>
+              <a:srgbClr val="000000"/>
+            </a:solidFill>
+            <a:prstDash val="solid"/>
+            <a:round/>
+            <a:headEnd len="sm" w="sm" type="none"/>
+            <a:tailEnd len="sm" w="sm" type="none"/>
+          </a:ln>
+        </p:spPr>
+      </p:sp>
+      <p:sp>
+        <p:nvSpPr>
+          <p:cNvPr id="226" name="Google Shape;226;g248954eb4e2_0_0:notes"/>
+          <p:cNvSpPr txBox="1"/>
+          <p:nvPr>
+            <p:ph idx="1" type="body"/>
+          </p:nvPr>
+        </p:nvSpPr>
+        <p:spPr>
+          <a:xfrm>
+            <a:off x="676117" y="4784835"/>
+            <a:ext cx="5409000" cy="3915000"/>
+          </a:xfrm>
+          <a:prstGeom prst="rect">
+            <a:avLst/>
+          </a:prstGeom>
+          <a:noFill/>
+          <a:ln>
+            <a:noFill/>
+          </a:ln>
+        </p:spPr>
+        <p:txBody>
+          <a:bodyPr anchorCtr="0" anchor="t" bIns="45700" lIns="91425" spcFirstLastPara="1" rIns="91425" wrap="square" tIns="45700">
+            <a:noAutofit/>
+          </a:bodyPr>
+          <a:lstStyle/>
+          <a:p>
+            <a:pPr indent="0" lvl="0" marL="0" rtl="0" algn="l">
+              <a:spcBef>
+                <a:spcPts val="0"/>
+              </a:spcBef>
+              <a:spcAft>
+                <a:spcPts val="0"/>
+              </a:spcAft>
+              <a:buNone/>
+            </a:pPr>
+            <a:r>
+              <a:t/>
+            </a:r>
+            <a:endParaRPr/>
+          </a:p>
+        </p:txBody>
+      </p:sp>
+      <p:sp>
+        <p:nvSpPr>
+          <p:cNvPr id="227" name="Google Shape;227;g248954eb4e2_0_0:notes"/>
+          <p:cNvSpPr txBox="1"/>
+          <p:nvPr>
+            <p:ph idx="12" type="sldNum"/>
+          </p:nvPr>
+        </p:nvSpPr>
+        <p:spPr>
+          <a:xfrm>
+            <a:off x="3829761" y="9443662"/>
+            <a:ext cx="2929800" cy="498900"/>
+          </a:xfrm>
+          <a:prstGeom prst="rect">
+            <a:avLst/>
+          </a:prstGeom>
+          <a:noFill/>
+          <a:ln>
+            <a:noFill/>
+          </a:ln>
+        </p:spPr>
+        <p:txBody>
+          <a:bodyPr anchorCtr="0" anchor="b" bIns="45700" lIns="91425" spcFirstLastPara="1" rIns="91425" wrap="square" tIns="45700">
+            <a:noAutofit/>
+          </a:bodyPr>
+          <a:lstStyle/>
+          <a:p>
+            <a:pPr indent="0" lvl="0" marL="0" rtl="0" algn="r">
+              <a:spcBef>
+                <a:spcPts val="0"/>
+              </a:spcBef>
+              <a:spcAft>
+                <a:spcPts val="0"/>
+              </a:spcAft>
+              <a:buNone/>
+            </a:pPr>
+            <a:fld id="{00000000-1234-1234-1234-123412341234}" type="slidenum">
+              <a:rPr lang="ru-RU"/>
+              <a:t>‹#›</a:t>
+            </a:fld>
+            <a:endParaRPr/>
+          </a:p>
+        </p:txBody>
+      </p:sp>
+    </p:spTree>
+  </p:cSld>
+  <p:clrMapOvr>
+    <a:masterClrMapping/>
+  </p:clrMapOvr>
+</p:notes>
+</file>
+
+<file path=ppt/notesSlides/notesSlide16.xml><?xml version="1.0" encoding="utf-8"?>
+<p:notes xmlns:a="http://schemas.openxmlformats.org/drawingml/2006/main" xmlns:r="http://schemas.openxmlformats.org/officeDocument/2006/relationships" xmlns:mc="http://schemas.openxmlformats.org/markup-compatibility/2006" xmlns:mv="urn:schemas-microsoft-com:mac:vml" xmlns:p="http://schemas.openxmlformats.org/presentationml/2006/main" xmlns:c="http://schemas.openxmlformats.org/drawingml/2006/chart" xmlns:dgm="http://schemas.openxmlformats.org/drawingml/2006/diagram" xmlns:o="urn:schemas-microsoft-com:office:office" xmlns:v="urn:schemas-microsoft-com:vml" xmlns:pvml="urn:schemas-microsoft-com:office:powerpoint" xmlns:com="http://schemas.openxmlformats.org/drawingml/2006/compatibility" xmlns:p14="http://schemas.microsoft.com/office/powerpoint/2010/main" xmlns:p15="http://schemas.microsoft.com/office/powerpoint/2012/main" xmlns:ahyp="http://schemas.microsoft.com/office/drawing/2018/hyperlinkcolor" showMasterPhAnim="0" showMasterSp="0">
+  <p:cSld>
+    <p:spTree>
+      <p:nvGrpSpPr>
+        <p:cNvPr id="236" name="Shape 236"/>
+        <p:cNvGrpSpPr/>
+        <p:nvPr/>
+      </p:nvGrpSpPr>
+      <p:grpSpPr>
+        <a:xfrm>
+          <a:off x="0" y="0"/>
+          <a:ext cx="0" cy="0"/>
+          <a:chOff x="0" y="0"/>
+          <a:chExt cx="0" cy="0"/>
+        </a:xfrm>
+      </p:grpSpPr>
+      <p:sp>
+        <p:nvSpPr>
+          <p:cNvPr id="237" name="Google Shape;237;g24625ab792e_0_224:notes"/>
+          <p:cNvSpPr/>
+          <p:nvPr>
+            <p:ph idx="2" type="sldImg"/>
+          </p:nvPr>
+        </p:nvSpPr>
+        <p:spPr>
+          <a:xfrm>
+            <a:off x="398463" y="1243013"/>
+            <a:ext cx="5964300" cy="3356100"/>
+          </a:xfrm>
+          <a:custGeom>
+            <a:rect b="b" l="l" r="r" t="t"/>
+            <a:pathLst>
+              <a:path extrusionOk="0" h="120000" w="120000">
+                <a:moveTo>
+                  <a:pt x="0" y="0"/>
+                </a:moveTo>
+                <a:lnTo>
+                  <a:pt x="120000" y="0"/>
+                </a:lnTo>
+                <a:lnTo>
+                  <a:pt x="120000" y="120000"/>
+                </a:lnTo>
+                <a:lnTo>
+                  <a:pt x="0" y="120000"/>
+                </a:lnTo>
+                <a:close/>
+              </a:path>
+            </a:pathLst>
+          </a:custGeom>
+          <a:noFill/>
+          <a:ln cap="flat" cmpd="sng" w="12700">
+            <a:solidFill>
+              <a:srgbClr val="000000"/>
+            </a:solidFill>
+            <a:prstDash val="solid"/>
+            <a:round/>
+            <a:headEnd len="sm" w="sm" type="none"/>
+            <a:tailEnd len="sm" w="sm" type="none"/>
+          </a:ln>
+        </p:spPr>
+      </p:sp>
+      <p:sp>
+        <p:nvSpPr>
+          <p:cNvPr id="238" name="Google Shape;238;g24625ab792e_0_224:notes"/>
+          <p:cNvSpPr txBox="1"/>
+          <p:nvPr>
+            <p:ph idx="1" type="body"/>
+          </p:nvPr>
+        </p:nvSpPr>
+        <p:spPr>
+          <a:xfrm>
+            <a:off x="676117" y="4784835"/>
+            <a:ext cx="5409000" cy="3915000"/>
+          </a:xfrm>
+          <a:prstGeom prst="rect">
+            <a:avLst/>
+          </a:prstGeom>
+          <a:noFill/>
+          <a:ln>
+            <a:noFill/>
+          </a:ln>
+        </p:spPr>
+        <p:txBody>
+          <a:bodyPr anchorCtr="0" anchor="t" bIns="45700" lIns="91425" spcFirstLastPara="1" rIns="91425" wrap="square" tIns="45700">
+            <a:noAutofit/>
+          </a:bodyPr>
+          <a:lstStyle/>
+          <a:p>
+            <a:pPr indent="0" lvl="0" marL="0" rtl="0" algn="l">
+              <a:spcBef>
+                <a:spcPts val="0"/>
+              </a:spcBef>
+              <a:spcAft>
+                <a:spcPts val="0"/>
+              </a:spcAft>
+              <a:buNone/>
+            </a:pPr>
+            <a:r>
+              <a:rPr b="1" lang="ru-RU" sz="1000">
+                <a:latin typeface="Times New Roman"/>
+                <a:ea typeface="Times New Roman"/>
+                <a:cs typeface="Times New Roman"/>
+                <a:sym typeface="Times New Roman"/>
+              </a:rPr>
+              <a:t>Я так и не смог достать график битрейта записи у InfluxDB (и ничего похожего), я очень долго пытался 🥺</a:t>
+            </a:r>
             <a:endParaRPr b="1" sz="1000">
               <a:latin typeface="Times New Roman"/>
               <a:ea typeface="Times New Roman"/>
@@ -2241,7 +2728,331 @@
       </p:sp>
       <p:sp>
         <p:nvSpPr>
-          <p:cNvPr id="211" name="Google Shape;211;g24625ab792e_0_16:notes"/>
+          <p:cNvPr id="239" name="Google Shape;239;g24625ab792e_0_224:notes"/>
+          <p:cNvSpPr txBox="1"/>
+          <p:nvPr>
+            <p:ph idx="12" type="sldNum"/>
+          </p:nvPr>
+        </p:nvSpPr>
+        <p:spPr>
+          <a:xfrm>
+            <a:off x="3829761" y="9443662"/>
+            <a:ext cx="2929800" cy="498900"/>
+          </a:xfrm>
+          <a:prstGeom prst="rect">
+            <a:avLst/>
+          </a:prstGeom>
+          <a:noFill/>
+          <a:ln>
+            <a:noFill/>
+          </a:ln>
+        </p:spPr>
+        <p:txBody>
+          <a:bodyPr anchorCtr="0" anchor="b" bIns="45700" lIns="91425" spcFirstLastPara="1" rIns="91425" wrap="square" tIns="45700">
+            <a:noAutofit/>
+          </a:bodyPr>
+          <a:lstStyle/>
+          <a:p>
+            <a:pPr indent="0" lvl="0" marL="0" rtl="0" algn="r">
+              <a:spcBef>
+                <a:spcPts val="0"/>
+              </a:spcBef>
+              <a:spcAft>
+                <a:spcPts val="0"/>
+              </a:spcAft>
+              <a:buNone/>
+            </a:pPr>
+            <a:fld id="{00000000-1234-1234-1234-123412341234}" type="slidenum">
+              <a:rPr lang="ru-RU"/>
+              <a:t>‹#›</a:t>
+            </a:fld>
+            <a:endParaRPr/>
+          </a:p>
+        </p:txBody>
+      </p:sp>
+    </p:spTree>
+  </p:cSld>
+  <p:clrMapOvr>
+    <a:masterClrMapping/>
+  </p:clrMapOvr>
+</p:notes>
+</file>
+
+<file path=ppt/notesSlides/notesSlide17.xml><?xml version="1.0" encoding="utf-8"?>
+<p:notes xmlns:a="http://schemas.openxmlformats.org/drawingml/2006/main" xmlns:r="http://schemas.openxmlformats.org/officeDocument/2006/relationships" xmlns:mc="http://schemas.openxmlformats.org/markup-compatibility/2006" xmlns:mv="urn:schemas-microsoft-com:mac:vml" xmlns:p="http://schemas.openxmlformats.org/presentationml/2006/main" xmlns:c="http://schemas.openxmlformats.org/drawingml/2006/chart" xmlns:dgm="http://schemas.openxmlformats.org/drawingml/2006/diagram" xmlns:o="urn:schemas-microsoft-com:office:office" xmlns:v="urn:schemas-microsoft-com:vml" xmlns:pvml="urn:schemas-microsoft-com:office:powerpoint" xmlns:com="http://schemas.openxmlformats.org/drawingml/2006/compatibility" xmlns:p14="http://schemas.microsoft.com/office/powerpoint/2010/main" xmlns:p15="http://schemas.microsoft.com/office/powerpoint/2012/main" xmlns:ahyp="http://schemas.microsoft.com/office/drawing/2018/hyperlinkcolor" showMasterPhAnim="0" showMasterSp="0">
+  <p:cSld>
+    <p:spTree>
+      <p:nvGrpSpPr>
+        <p:cNvPr id="244" name="Shape 244"/>
+        <p:cNvGrpSpPr/>
+        <p:nvPr/>
+      </p:nvGrpSpPr>
+      <p:grpSpPr>
+        <a:xfrm>
+          <a:off x="0" y="0"/>
+          <a:ext cx="0" cy="0"/>
+          <a:chOff x="0" y="0"/>
+          <a:chExt cx="0" cy="0"/>
+        </a:xfrm>
+      </p:grpSpPr>
+      <p:sp>
+        <p:nvSpPr>
+          <p:cNvPr id="245" name="Google Shape;245;g24625ab792e_0_16:notes"/>
+          <p:cNvSpPr/>
+          <p:nvPr>
+            <p:ph idx="2" type="sldImg"/>
+          </p:nvPr>
+        </p:nvSpPr>
+        <p:spPr>
+          <a:xfrm>
+            <a:off x="398463" y="1243013"/>
+            <a:ext cx="5964300" cy="3356100"/>
+          </a:xfrm>
+          <a:custGeom>
+            <a:rect b="b" l="l" r="r" t="t"/>
+            <a:pathLst>
+              <a:path extrusionOk="0" h="120000" w="120000">
+                <a:moveTo>
+                  <a:pt x="0" y="0"/>
+                </a:moveTo>
+                <a:lnTo>
+                  <a:pt x="120000" y="0"/>
+                </a:lnTo>
+                <a:lnTo>
+                  <a:pt x="120000" y="120000"/>
+                </a:lnTo>
+                <a:lnTo>
+                  <a:pt x="0" y="120000"/>
+                </a:lnTo>
+                <a:close/>
+              </a:path>
+            </a:pathLst>
+          </a:custGeom>
+          <a:noFill/>
+          <a:ln cap="flat" cmpd="sng" w="12700">
+            <a:solidFill>
+              <a:srgbClr val="000000"/>
+            </a:solidFill>
+            <a:prstDash val="solid"/>
+            <a:round/>
+            <a:headEnd len="sm" w="sm" type="none"/>
+            <a:tailEnd len="sm" w="sm" type="none"/>
+          </a:ln>
+        </p:spPr>
+      </p:sp>
+      <p:sp>
+        <p:nvSpPr>
+          <p:cNvPr id="246" name="Google Shape;246;g24625ab792e_0_16:notes"/>
+          <p:cNvSpPr txBox="1"/>
+          <p:nvPr>
+            <p:ph idx="1" type="body"/>
+          </p:nvPr>
+        </p:nvSpPr>
+        <p:spPr>
+          <a:xfrm>
+            <a:off x="676117" y="4784835"/>
+            <a:ext cx="5409000" cy="3915000"/>
+          </a:xfrm>
+          <a:prstGeom prst="rect">
+            <a:avLst/>
+          </a:prstGeom>
+          <a:noFill/>
+          <a:ln>
+            <a:noFill/>
+          </a:ln>
+        </p:spPr>
+        <p:txBody>
+          <a:bodyPr anchorCtr="0" anchor="t" bIns="45700" lIns="91425" spcFirstLastPara="1" rIns="91425" wrap="square" tIns="45700">
+            <a:noAutofit/>
+          </a:bodyPr>
+          <a:lstStyle/>
+          <a:p>
+            <a:pPr indent="0" lvl="0" marL="0" rtl="0" algn="l">
+              <a:spcBef>
+                <a:spcPts val="0"/>
+              </a:spcBef>
+              <a:spcAft>
+                <a:spcPts val="0"/>
+              </a:spcAft>
+              <a:buNone/>
+            </a:pPr>
+            <a:r>
+              <a:t/>
+            </a:r>
+            <a:endParaRPr b="1" sz="1000">
+              <a:latin typeface="Times New Roman"/>
+              <a:ea typeface="Times New Roman"/>
+              <a:cs typeface="Times New Roman"/>
+              <a:sym typeface="Times New Roman"/>
+            </a:endParaRPr>
+          </a:p>
+        </p:txBody>
+      </p:sp>
+      <p:sp>
+        <p:nvSpPr>
+          <p:cNvPr id="247" name="Google Shape;247;g24625ab792e_0_16:notes"/>
+          <p:cNvSpPr txBox="1"/>
+          <p:nvPr>
+            <p:ph idx="12" type="sldNum"/>
+          </p:nvPr>
+        </p:nvSpPr>
+        <p:spPr>
+          <a:xfrm>
+            <a:off x="3829761" y="9443662"/>
+            <a:ext cx="2929800" cy="498900"/>
+          </a:xfrm>
+          <a:prstGeom prst="rect">
+            <a:avLst/>
+          </a:prstGeom>
+          <a:noFill/>
+          <a:ln>
+            <a:noFill/>
+          </a:ln>
+        </p:spPr>
+        <p:txBody>
+          <a:bodyPr anchorCtr="0" anchor="b" bIns="45700" lIns="91425" spcFirstLastPara="1" rIns="91425" wrap="square" tIns="45700">
+            <a:noAutofit/>
+          </a:bodyPr>
+          <a:lstStyle/>
+          <a:p>
+            <a:pPr indent="0" lvl="0" marL="0" rtl="0" algn="r">
+              <a:spcBef>
+                <a:spcPts val="0"/>
+              </a:spcBef>
+              <a:spcAft>
+                <a:spcPts val="0"/>
+              </a:spcAft>
+              <a:buNone/>
+            </a:pPr>
+            <a:fld id="{00000000-1234-1234-1234-123412341234}" type="slidenum">
+              <a:rPr lang="ru-RU"/>
+              <a:t>‹#›</a:t>
+            </a:fld>
+            <a:endParaRPr/>
+          </a:p>
+        </p:txBody>
+      </p:sp>
+    </p:spTree>
+  </p:cSld>
+  <p:clrMapOvr>
+    <a:masterClrMapping/>
+  </p:clrMapOvr>
+</p:notes>
+</file>
+
+<file path=ppt/notesSlides/notesSlide18.xml><?xml version="1.0" encoding="utf-8"?>
+<p:notes xmlns:a="http://schemas.openxmlformats.org/drawingml/2006/main" xmlns:r="http://schemas.openxmlformats.org/officeDocument/2006/relationships" xmlns:mc="http://schemas.openxmlformats.org/markup-compatibility/2006" xmlns:mv="urn:schemas-microsoft-com:mac:vml" xmlns:p="http://schemas.openxmlformats.org/presentationml/2006/main" xmlns:c="http://schemas.openxmlformats.org/drawingml/2006/chart" xmlns:dgm="http://schemas.openxmlformats.org/drawingml/2006/diagram" xmlns:o="urn:schemas-microsoft-com:office:office" xmlns:v="urn:schemas-microsoft-com:vml" xmlns:pvml="urn:schemas-microsoft-com:office:powerpoint" xmlns:com="http://schemas.openxmlformats.org/drawingml/2006/compatibility" xmlns:p14="http://schemas.microsoft.com/office/powerpoint/2010/main" xmlns:p15="http://schemas.microsoft.com/office/powerpoint/2012/main" xmlns:ahyp="http://schemas.microsoft.com/office/drawing/2018/hyperlinkcolor" showMasterPhAnim="0" showMasterSp="0">
+  <p:cSld>
+    <p:spTree>
+      <p:nvGrpSpPr>
+        <p:cNvPr id="252" name="Shape 252"/>
+        <p:cNvGrpSpPr/>
+        <p:nvPr/>
+      </p:nvGrpSpPr>
+      <p:grpSpPr>
+        <a:xfrm>
+          <a:off x="0" y="0"/>
+          <a:ext cx="0" cy="0"/>
+          <a:chOff x="0" y="0"/>
+          <a:chExt cx="0" cy="0"/>
+        </a:xfrm>
+      </p:grpSpPr>
+      <p:sp>
+        <p:nvSpPr>
+          <p:cNvPr id="253" name="Google Shape;253;g24625ab792e_0_209:notes"/>
+          <p:cNvSpPr/>
+          <p:nvPr>
+            <p:ph idx="2" type="sldImg"/>
+          </p:nvPr>
+        </p:nvSpPr>
+        <p:spPr>
+          <a:xfrm>
+            <a:off x="398463" y="1243013"/>
+            <a:ext cx="5964300" cy="3356100"/>
+          </a:xfrm>
+          <a:custGeom>
+            <a:rect b="b" l="l" r="r" t="t"/>
+            <a:pathLst>
+              <a:path extrusionOk="0" h="120000" w="120000">
+                <a:moveTo>
+                  <a:pt x="0" y="0"/>
+                </a:moveTo>
+                <a:lnTo>
+                  <a:pt x="120000" y="0"/>
+                </a:lnTo>
+                <a:lnTo>
+                  <a:pt x="120000" y="120000"/>
+                </a:lnTo>
+                <a:lnTo>
+                  <a:pt x="0" y="120000"/>
+                </a:lnTo>
+                <a:close/>
+              </a:path>
+            </a:pathLst>
+          </a:custGeom>
+          <a:noFill/>
+          <a:ln cap="flat" cmpd="sng" w="12700">
+            <a:solidFill>
+              <a:srgbClr val="000000"/>
+            </a:solidFill>
+            <a:prstDash val="solid"/>
+            <a:round/>
+            <a:headEnd len="sm" w="sm" type="none"/>
+            <a:tailEnd len="sm" w="sm" type="none"/>
+          </a:ln>
+        </p:spPr>
+      </p:sp>
+      <p:sp>
+        <p:nvSpPr>
+          <p:cNvPr id="254" name="Google Shape;254;g24625ab792e_0_209:notes"/>
+          <p:cNvSpPr txBox="1"/>
+          <p:nvPr>
+            <p:ph idx="1" type="body"/>
+          </p:nvPr>
+        </p:nvSpPr>
+        <p:spPr>
+          <a:xfrm>
+            <a:off x="676117" y="4784835"/>
+            <a:ext cx="5409000" cy="3915000"/>
+          </a:xfrm>
+          <a:prstGeom prst="rect">
+            <a:avLst/>
+          </a:prstGeom>
+          <a:noFill/>
+          <a:ln>
+            <a:noFill/>
+          </a:ln>
+        </p:spPr>
+        <p:txBody>
+          <a:bodyPr anchorCtr="0" anchor="t" bIns="45700" lIns="91425" spcFirstLastPara="1" rIns="91425" wrap="square" tIns="45700">
+            <a:noAutofit/>
+          </a:bodyPr>
+          <a:lstStyle/>
+          <a:p>
+            <a:pPr indent="0" lvl="0" marL="0" rtl="0" algn="l">
+              <a:spcBef>
+                <a:spcPts val="0"/>
+              </a:spcBef>
+              <a:spcAft>
+                <a:spcPts val="0"/>
+              </a:spcAft>
+              <a:buNone/>
+            </a:pPr>
+            <a:r>
+              <a:t/>
+            </a:r>
+            <a:endParaRPr b="1" sz="1000">
+              <a:latin typeface="Times New Roman"/>
+              <a:ea typeface="Times New Roman"/>
+              <a:cs typeface="Times New Roman"/>
+              <a:sym typeface="Times New Roman"/>
+            </a:endParaRPr>
+          </a:p>
+        </p:txBody>
+      </p:sp>
+      <p:sp>
+        <p:nvSpPr>
+          <p:cNvPr id="255" name="Google Shape;255;g24625ab792e_0_209:notes"/>
           <p:cNvSpPr txBox="1"/>
           <p:nvPr>
             <p:ph idx="12" type="sldNum"/>
@@ -2839,7 +3650,171 @@
       </p:grpSpPr>
       <p:sp>
         <p:nvSpPr>
-          <p:cNvPr id="118" name="Google Shape;118;p3:notes"/>
+          <p:cNvPr id="118" name="Google Shape;118;g24a88175b50_0_0:notes"/>
+          <p:cNvSpPr/>
+          <p:nvPr>
+            <p:ph idx="2" type="sldImg"/>
+          </p:nvPr>
+        </p:nvSpPr>
+        <p:spPr>
+          <a:xfrm>
+            <a:off x="398463" y="1243013"/>
+            <a:ext cx="5964300" cy="3356100"/>
+          </a:xfrm>
+          <a:custGeom>
+            <a:rect b="b" l="l" r="r" t="t"/>
+            <a:pathLst>
+              <a:path extrusionOk="0" h="120000" w="120000">
+                <a:moveTo>
+                  <a:pt x="0" y="0"/>
+                </a:moveTo>
+                <a:lnTo>
+                  <a:pt x="120000" y="0"/>
+                </a:lnTo>
+                <a:lnTo>
+                  <a:pt x="120000" y="120000"/>
+                </a:lnTo>
+                <a:lnTo>
+                  <a:pt x="0" y="120000"/>
+                </a:lnTo>
+                <a:close/>
+              </a:path>
+            </a:pathLst>
+          </a:custGeom>
+          <a:noFill/>
+          <a:ln cap="flat" cmpd="sng" w="12700">
+            <a:solidFill>
+              <a:srgbClr val="000000"/>
+            </a:solidFill>
+            <a:prstDash val="solid"/>
+            <a:round/>
+            <a:headEnd len="sm" w="sm" type="none"/>
+            <a:tailEnd len="sm" w="sm" type="none"/>
+          </a:ln>
+        </p:spPr>
+      </p:sp>
+      <p:sp>
+        <p:nvSpPr>
+          <p:cNvPr id="119" name="Google Shape;119;g24a88175b50_0_0:notes"/>
+          <p:cNvSpPr txBox="1"/>
+          <p:nvPr>
+            <p:ph idx="1" type="body"/>
+          </p:nvPr>
+        </p:nvSpPr>
+        <p:spPr>
+          <a:xfrm>
+            <a:off x="676117" y="4784835"/>
+            <a:ext cx="5409000" cy="3915000"/>
+          </a:xfrm>
+          <a:prstGeom prst="rect">
+            <a:avLst/>
+          </a:prstGeom>
+          <a:noFill/>
+          <a:ln>
+            <a:noFill/>
+          </a:ln>
+        </p:spPr>
+        <p:txBody>
+          <a:bodyPr anchorCtr="0" anchor="t" bIns="45700" lIns="91425" spcFirstLastPara="1" rIns="91425" wrap="square" tIns="45700">
+            <a:noAutofit/>
+          </a:bodyPr>
+          <a:lstStyle/>
+          <a:p>
+            <a:pPr indent="0" lvl="0" marL="0" rtl="0" algn="l">
+              <a:spcBef>
+                <a:spcPts val="0"/>
+              </a:spcBef>
+              <a:spcAft>
+                <a:spcPts val="0"/>
+              </a:spcAft>
+              <a:buSzPts val="1100"/>
+              <a:buNone/>
+            </a:pPr>
+            <a:r>
+              <a:rPr lang="ru-RU" sz="1100">
+                <a:latin typeface="Arial"/>
+                <a:ea typeface="Arial"/>
+                <a:cs typeface="Arial"/>
+                <a:sym typeface="Arial"/>
+              </a:rPr>
+              <a:t>Стоит отметить, что тексты могут размечаться на нескольких слоях. Это означает, что текст может разбиваться на разные единицы языка и из него можно выделять отдельные слова, термины, синтаксические деревья, семантические падежи и т.д. Соответственно, разрабатываемая база данных должна иметь многослойную структуру: работа с одними и теми же сущностями должна производиться по отдельности для каждого слоя разметки текстов.</a:t>
+            </a:r>
+            <a:endParaRPr/>
+          </a:p>
+        </p:txBody>
+      </p:sp>
+      <p:sp>
+        <p:nvSpPr>
+          <p:cNvPr id="120" name="Google Shape;120;g24a88175b50_0_0:notes"/>
+          <p:cNvSpPr txBox="1"/>
+          <p:nvPr>
+            <p:ph idx="12" type="sldNum"/>
+          </p:nvPr>
+        </p:nvSpPr>
+        <p:spPr>
+          <a:xfrm>
+            <a:off x="3829761" y="9443662"/>
+            <a:ext cx="2929800" cy="498900"/>
+          </a:xfrm>
+          <a:prstGeom prst="rect">
+            <a:avLst/>
+          </a:prstGeom>
+          <a:noFill/>
+          <a:ln>
+            <a:noFill/>
+          </a:ln>
+        </p:spPr>
+        <p:txBody>
+          <a:bodyPr anchorCtr="0" anchor="b" bIns="45700" lIns="91425" spcFirstLastPara="1" rIns="91425" wrap="square" tIns="45700">
+            <a:noAutofit/>
+          </a:bodyPr>
+          <a:lstStyle/>
+          <a:p>
+            <a:pPr indent="0" lvl="0" marL="0" rtl="0" algn="r">
+              <a:spcBef>
+                <a:spcPts val="0"/>
+              </a:spcBef>
+              <a:spcAft>
+                <a:spcPts val="0"/>
+              </a:spcAft>
+              <a:buNone/>
+            </a:pPr>
+            <a:fld id="{00000000-1234-1234-1234-123412341234}" type="slidenum">
+              <a:rPr lang="ru-RU"/>
+              <a:t>‹#›</a:t>
+            </a:fld>
+            <a:endParaRPr/>
+          </a:p>
+        </p:txBody>
+      </p:sp>
+    </p:spTree>
+  </p:cSld>
+  <p:clrMapOvr>
+    <a:masterClrMapping/>
+  </p:clrMapOvr>
+</p:notes>
+</file>
+
+<file path=ppt/notesSlides/notesSlide5.xml><?xml version="1.0" encoding="utf-8"?>
+<p:notes xmlns:a="http://schemas.openxmlformats.org/drawingml/2006/main" xmlns:r="http://schemas.openxmlformats.org/officeDocument/2006/relationships" xmlns:mc="http://schemas.openxmlformats.org/markup-compatibility/2006" xmlns:mv="urn:schemas-microsoft-com:mac:vml" xmlns:p="http://schemas.openxmlformats.org/presentationml/2006/main" xmlns:c="http://schemas.openxmlformats.org/drawingml/2006/chart" xmlns:dgm="http://schemas.openxmlformats.org/drawingml/2006/diagram" xmlns:o="urn:schemas-microsoft-com:office:office" xmlns:v="urn:schemas-microsoft-com:vml" xmlns:pvml="urn:schemas-microsoft-com:office:powerpoint" xmlns:com="http://schemas.openxmlformats.org/drawingml/2006/compatibility" xmlns:p14="http://schemas.microsoft.com/office/powerpoint/2010/main" xmlns:p15="http://schemas.microsoft.com/office/powerpoint/2012/main" xmlns:ahyp="http://schemas.microsoft.com/office/drawing/2018/hyperlinkcolor" showMasterPhAnim="0" showMasterSp="0">
+  <p:cSld>
+    <p:spTree>
+      <p:nvGrpSpPr>
+        <p:cNvPr id="126" name="Shape 126"/>
+        <p:cNvGrpSpPr/>
+        <p:nvPr/>
+      </p:nvGrpSpPr>
+      <p:grpSpPr>
+        <a:xfrm>
+          <a:off x="0" y="0"/>
+          <a:ext cx="0" cy="0"/>
+          <a:chOff x="0" y="0"/>
+          <a:chExt cx="0" cy="0"/>
+        </a:xfrm>
+      </p:grpSpPr>
+      <p:sp>
+        <p:nvSpPr>
+          <p:cNvPr id="127" name="Google Shape;127;p3:notes"/>
           <p:cNvSpPr/>
           <p:nvPr>
             <p:ph idx="2" type="sldImg"/>
@@ -2884,7 +3859,7 @@
       </p:sp>
       <p:sp>
         <p:nvSpPr>
-          <p:cNvPr id="119" name="Google Shape;119;p3:notes"/>
+          <p:cNvPr id="128" name="Google Shape;128;p3:notes"/>
           <p:cNvSpPr txBox="1"/>
           <p:nvPr>
             <p:ph idx="1" type="body"/>
@@ -2920,13 +3895,7 @@
               <a:buNone/>
             </a:pPr>
             <a:r>
-              <a:rPr lang="ru-RU" sz="1100">
-                <a:latin typeface="Arial"/>
-                <a:ea typeface="Arial"/>
-                <a:cs typeface="Arial"/>
-                <a:sym typeface="Arial"/>
-              </a:rPr>
-              <a:t>Стоит отметить, что тексты могут размечаться на нескольких слоях. Это означает, что текст может разбиваться на разные единицы языка и из него можно выделять отдельные слова, термины, синтаксические деревья, семантические падежи и т.д. Соответственно, разрабатываемая база данных должна иметь многослойную структуру: работа с одними и теми же сущностями должна производиться по отдельности для каждого слоя разметки текстов.</a:t>
+              <a:t/>
             </a:r>
             <a:endParaRPr/>
           </a:p>
@@ -2934,7 +3903,7 @@
       </p:sp>
       <p:sp>
         <p:nvSpPr>
-          <p:cNvPr id="120" name="Google Shape;120;p3:notes"/>
+          <p:cNvPr id="129" name="Google Shape;129;p3:notes"/>
           <p:cNvSpPr txBox="1"/>
           <p:nvPr>
             <p:ph idx="12" type="sldNum"/>
@@ -2984,12 +3953,12 @@
 </p:notes>
 </file>
 
-<file path=ppt/notesSlides/notesSlide5.xml><?xml version="1.0" encoding="utf-8"?>
+<file path=ppt/notesSlides/notesSlide6.xml><?xml version="1.0" encoding="utf-8"?>
 <p:notes xmlns:a="http://schemas.openxmlformats.org/drawingml/2006/main" xmlns:r="http://schemas.openxmlformats.org/officeDocument/2006/relationships" xmlns:mc="http://schemas.openxmlformats.org/markup-compatibility/2006" xmlns:mv="urn:schemas-microsoft-com:mac:vml" xmlns:p="http://schemas.openxmlformats.org/presentationml/2006/main" xmlns:c="http://schemas.openxmlformats.org/drawingml/2006/chart" xmlns:dgm="http://schemas.openxmlformats.org/drawingml/2006/diagram" xmlns:o="urn:schemas-microsoft-com:office:office" xmlns:v="urn:schemas-microsoft-com:vml" xmlns:pvml="urn:schemas-microsoft-com:office:powerpoint" xmlns:com="http://schemas.openxmlformats.org/drawingml/2006/compatibility" xmlns:p14="http://schemas.microsoft.com/office/powerpoint/2010/main" xmlns:p15="http://schemas.microsoft.com/office/powerpoint/2012/main" xmlns:ahyp="http://schemas.microsoft.com/office/drawing/2018/hyperlinkcolor" showMasterPhAnim="0" showMasterSp="0">
   <p:cSld>
     <p:spTree>
       <p:nvGrpSpPr>
-        <p:cNvPr id="126" name="Shape 126"/>
+        <p:cNvPr id="135" name="Shape 135"/>
         <p:cNvGrpSpPr/>
         <p:nvPr/>
       </p:nvGrpSpPr>
@@ -3003,7 +3972,7 @@
       </p:grpSpPr>
       <p:sp>
         <p:nvSpPr>
-          <p:cNvPr id="127" name="Google Shape;127;g248165fabb6_0_0:notes"/>
+          <p:cNvPr id="136" name="Google Shape;136;g24a88175b50_0_10:notes"/>
           <p:cNvSpPr/>
           <p:nvPr>
             <p:ph idx="2" type="sldImg"/>
@@ -3048,7 +4017,7 @@
       </p:sp>
       <p:sp>
         <p:nvSpPr>
-          <p:cNvPr id="128" name="Google Shape;128;g248165fabb6_0_0:notes"/>
+          <p:cNvPr id="137" name="Google Shape;137;g24a88175b50_0_10:notes"/>
           <p:cNvSpPr txBox="1"/>
           <p:nvPr>
             <p:ph idx="1" type="body"/>
@@ -3084,13 +4053,7 @@
               <a:buNone/>
             </a:pPr>
             <a:r>
-              <a:rPr lang="ru-RU" sz="1100">
-                <a:latin typeface="Arial"/>
-                <a:ea typeface="Arial"/>
-                <a:cs typeface="Arial"/>
-                <a:sym typeface="Arial"/>
-              </a:rPr>
-              <a:t>Трёхзвенная архитектура</a:t>
+              <a:t/>
             </a:r>
             <a:endParaRPr/>
           </a:p>
@@ -3098,7 +4061,7 @@
       </p:sp>
       <p:sp>
         <p:nvSpPr>
-          <p:cNvPr id="129" name="Google Shape;129;g248165fabb6_0_0:notes"/>
+          <p:cNvPr id="138" name="Google Shape;138;g24a88175b50_0_10:notes"/>
           <p:cNvSpPr txBox="1"/>
           <p:nvPr>
             <p:ph idx="12" type="sldNum"/>
@@ -3148,12 +4111,12 @@
 </p:notes>
 </file>
 
-<file path=ppt/notesSlides/notesSlide6.xml><?xml version="1.0" encoding="utf-8"?>
+<file path=ppt/notesSlides/notesSlide7.xml><?xml version="1.0" encoding="utf-8"?>
 <p:notes xmlns:a="http://schemas.openxmlformats.org/drawingml/2006/main" xmlns:r="http://schemas.openxmlformats.org/officeDocument/2006/relationships" xmlns:mc="http://schemas.openxmlformats.org/markup-compatibility/2006" xmlns:mv="urn:schemas-microsoft-com:mac:vml" xmlns:p="http://schemas.openxmlformats.org/presentationml/2006/main" xmlns:c="http://schemas.openxmlformats.org/drawingml/2006/chart" xmlns:dgm="http://schemas.openxmlformats.org/drawingml/2006/diagram" xmlns:o="urn:schemas-microsoft-com:office:office" xmlns:v="urn:schemas-microsoft-com:vml" xmlns:pvml="urn:schemas-microsoft-com:office:powerpoint" xmlns:com="http://schemas.openxmlformats.org/drawingml/2006/compatibility" xmlns:p14="http://schemas.microsoft.com/office/powerpoint/2010/main" xmlns:p15="http://schemas.microsoft.com/office/powerpoint/2012/main" xmlns:ahyp="http://schemas.microsoft.com/office/drawing/2018/hyperlinkcolor" showMasterPhAnim="0" showMasterSp="0">
   <p:cSld>
     <p:spTree>
       <p:nvGrpSpPr>
-        <p:cNvPr id="135" name="Shape 135"/>
+        <p:cNvPr id="144" name="Shape 144"/>
         <p:cNvGrpSpPr/>
         <p:nvPr/>
       </p:nvGrpSpPr>
@@ -3167,7 +4130,7 @@
       </p:grpSpPr>
       <p:sp>
         <p:nvSpPr>
-          <p:cNvPr id="136" name="Google Shape;136;g248165fabb6_0_8:notes"/>
+          <p:cNvPr id="145" name="Google Shape;145;g248165fabb6_0_0:notes"/>
           <p:cNvSpPr/>
           <p:nvPr>
             <p:ph idx="2" type="sldImg"/>
@@ -3212,7 +4175,7 @@
       </p:sp>
       <p:sp>
         <p:nvSpPr>
-          <p:cNvPr id="137" name="Google Shape;137;g248165fabb6_0_8:notes"/>
+          <p:cNvPr id="146" name="Google Shape;146;g248165fabb6_0_0:notes"/>
           <p:cNvSpPr txBox="1"/>
           <p:nvPr>
             <p:ph idx="1" type="body"/>
@@ -3254,237 +4217,15 @@
                 <a:cs typeface="Arial"/>
                 <a:sym typeface="Arial"/>
               </a:rPr>
-              <a:t>Переходим к выбору инструментов.</a:t>
+              <a:t>Трёхзвенная архитектура</a:t>
             </a:r>
-            <a:endParaRPr sz="1100">
-              <a:latin typeface="Arial"/>
-              <a:ea typeface="Arial"/>
-              <a:cs typeface="Arial"/>
-              <a:sym typeface="Arial"/>
-            </a:endParaRPr>
-          </a:p>
-          <a:p>
-            <a:pPr indent="0" lvl="0" marL="0" rtl="0" algn="l">
-              <a:spcBef>
-                <a:spcPts val="0"/>
-              </a:spcBef>
-              <a:spcAft>
-                <a:spcPts val="0"/>
-              </a:spcAft>
-              <a:buSzPts val="1100"/>
-              <a:buNone/>
-            </a:pPr>
-            <a:r>
-              <a:t/>
-            </a:r>
-            <a:endParaRPr sz="1100">
-              <a:latin typeface="Arial"/>
-              <a:ea typeface="Arial"/>
-              <a:cs typeface="Arial"/>
-              <a:sym typeface="Arial"/>
-            </a:endParaRPr>
-          </a:p>
-          <a:p>
-            <a:pPr indent="0" lvl="0" marL="0" rtl="0" algn="l">
-              <a:spcBef>
-                <a:spcPts val="0"/>
-              </a:spcBef>
-              <a:spcAft>
-                <a:spcPts val="0"/>
-              </a:spcAft>
-              <a:buSzPts val="1100"/>
-              <a:buNone/>
-            </a:pPr>
-            <a:r>
-              <a:rPr lang="ru-RU" sz="1100">
-                <a:latin typeface="Arial"/>
-                <a:ea typeface="Arial"/>
-                <a:cs typeface="Arial"/>
-                <a:sym typeface="Arial"/>
-              </a:rPr>
-              <a:t>PostgreSQL - для долговременного хранения данных, Redis - для кеширования, InfluxDB</a:t>
-            </a:r>
-            <a:r>
-              <a:rPr lang="ru-RU" sz="1100">
-                <a:latin typeface="Arial"/>
-                <a:ea typeface="Arial"/>
-                <a:cs typeface="Arial"/>
-                <a:sym typeface="Arial"/>
-              </a:rPr>
-              <a:t> - для логирования.</a:t>
-            </a:r>
-            <a:endParaRPr sz="1100">
-              <a:latin typeface="Arial"/>
-              <a:ea typeface="Arial"/>
-              <a:cs typeface="Arial"/>
-              <a:sym typeface="Arial"/>
-            </a:endParaRPr>
-          </a:p>
-          <a:p>
-            <a:pPr indent="0" lvl="0" marL="0" rtl="0" algn="l">
-              <a:spcBef>
-                <a:spcPts val="0"/>
-              </a:spcBef>
-              <a:spcAft>
-                <a:spcPts val="0"/>
-              </a:spcAft>
-              <a:buSzPts val="1100"/>
-              <a:buNone/>
-            </a:pPr>
-            <a:r>
-              <a:t/>
-            </a:r>
-            <a:endParaRPr sz="1100">
-              <a:latin typeface="Arial"/>
-              <a:ea typeface="Arial"/>
-              <a:cs typeface="Arial"/>
-              <a:sym typeface="Arial"/>
-            </a:endParaRPr>
-          </a:p>
-          <a:p>
-            <a:pPr indent="0" lvl="0" marL="0" rtl="0" algn="l">
-              <a:spcBef>
-                <a:spcPts val="0"/>
-              </a:spcBef>
-              <a:spcAft>
-                <a:spcPts val="0"/>
-              </a:spcAft>
-              <a:buClr>
-                <a:schemeClr val="dk1"/>
-              </a:buClr>
-              <a:buSzPts val="1100"/>
-              <a:buFont typeface="Arial"/>
-              <a:buNone/>
-            </a:pPr>
-            <a:r>
-              <a:rPr lang="ru-RU" sz="1100">
-                <a:latin typeface="Arial"/>
-                <a:ea typeface="Arial"/>
-                <a:cs typeface="Arial"/>
-                <a:sym typeface="Arial"/>
-              </a:rPr>
-              <a:t>В контейнер можем писать не только мы, контейнеры никак не защищены</a:t>
-            </a:r>
-            <a:endParaRPr sz="1100">
-              <a:latin typeface="Arial"/>
-              <a:ea typeface="Arial"/>
-              <a:cs typeface="Arial"/>
-              <a:sym typeface="Arial"/>
-            </a:endParaRPr>
-          </a:p>
-          <a:p>
-            <a:pPr indent="0" lvl="0" marL="0" rtl="0" algn="l">
-              <a:spcBef>
-                <a:spcPts val="0"/>
-              </a:spcBef>
-              <a:spcAft>
-                <a:spcPts val="0"/>
-              </a:spcAft>
-              <a:buClr>
-                <a:schemeClr val="dk1"/>
-              </a:buClr>
-              <a:buSzPts val="1100"/>
-              <a:buFont typeface="Arial"/>
-              <a:buNone/>
-            </a:pPr>
-            <a:r>
-              <a:rPr lang="ru-RU" sz="1100">
-                <a:latin typeface="Arial"/>
-                <a:ea typeface="Arial"/>
-                <a:cs typeface="Arial"/>
-                <a:sym typeface="Arial"/>
-              </a:rPr>
-              <a:t>Файлы легко подменяются/теряются</a:t>
-            </a:r>
-            <a:endParaRPr b="1" sz="1000">
-              <a:latin typeface="Times New Roman"/>
-              <a:ea typeface="Times New Roman"/>
-              <a:cs typeface="Times New Roman"/>
-              <a:sym typeface="Times New Roman"/>
-            </a:endParaRPr>
-          </a:p>
-          <a:p>
-            <a:pPr indent="0" lvl="0" marL="0" rtl="0" algn="l">
-              <a:spcBef>
-                <a:spcPts val="0"/>
-              </a:spcBef>
-              <a:spcAft>
-                <a:spcPts val="0"/>
-              </a:spcAft>
-              <a:buClr>
-                <a:schemeClr val="dk1"/>
-              </a:buClr>
-              <a:buSzPts val="1100"/>
-              <a:buFont typeface="Arial"/>
-              <a:buNone/>
-            </a:pPr>
-            <a:r>
-              <a:t/>
-            </a:r>
-            <a:endParaRPr sz="1100">
-              <a:latin typeface="Arial"/>
-              <a:ea typeface="Arial"/>
-              <a:cs typeface="Arial"/>
-              <a:sym typeface="Arial"/>
-            </a:endParaRPr>
-          </a:p>
-          <a:p>
-            <a:pPr indent="0" lvl="0" marL="0" rtl="0" algn="l">
-              <a:spcBef>
-                <a:spcPts val="0"/>
-              </a:spcBef>
-              <a:spcAft>
-                <a:spcPts val="0"/>
-              </a:spcAft>
-              <a:buClr>
-                <a:schemeClr val="dk1"/>
-              </a:buClr>
-              <a:buSzPts val="1100"/>
-              <a:buFont typeface="Arial"/>
-              <a:buNone/>
-            </a:pPr>
-            <a:r>
-              <a:rPr lang="ru-RU" sz="1100">
-                <a:latin typeface="Arial"/>
-                <a:ea typeface="Arial"/>
-                <a:cs typeface="Arial"/>
-                <a:sym typeface="Arial"/>
-              </a:rPr>
-              <a:t>А в БД может писать только тот, кто имеет к ней доступ</a:t>
-            </a:r>
-            <a:endParaRPr b="1" sz="1000">
-              <a:latin typeface="Times New Roman"/>
-              <a:ea typeface="Times New Roman"/>
-              <a:cs typeface="Times New Roman"/>
-              <a:sym typeface="Times New Roman"/>
-            </a:endParaRPr>
-          </a:p>
-          <a:p>
-            <a:pPr indent="0" lvl="0" marL="0" rtl="0" algn="l">
-              <a:spcBef>
-                <a:spcPts val="0"/>
-              </a:spcBef>
-              <a:spcAft>
-                <a:spcPts val="0"/>
-              </a:spcAft>
-              <a:buSzPts val="1100"/>
-              <a:buNone/>
-            </a:pPr>
-            <a:r>
-              <a:t/>
-            </a:r>
-            <a:endParaRPr sz="1100">
-              <a:latin typeface="Arial"/>
-              <a:ea typeface="Arial"/>
-              <a:cs typeface="Arial"/>
-              <a:sym typeface="Arial"/>
-            </a:endParaRPr>
+            <a:endParaRPr/>
           </a:p>
         </p:txBody>
       </p:sp>
       <p:sp>
         <p:nvSpPr>
-          <p:cNvPr id="138" name="Google Shape;138;g248165fabb6_0_8:notes"/>
+          <p:cNvPr id="147" name="Google Shape;147;g248165fabb6_0_0:notes"/>
           <p:cNvSpPr txBox="1"/>
           <p:nvPr>
             <p:ph idx="12" type="sldNum"/>
@@ -3534,12 +4275,12 @@
 </p:notes>
 </file>
 
-<file path=ppt/notesSlides/notesSlide7.xml><?xml version="1.0" encoding="utf-8"?>
+<file path=ppt/notesSlides/notesSlide8.xml><?xml version="1.0" encoding="utf-8"?>
 <p:notes xmlns:a="http://schemas.openxmlformats.org/drawingml/2006/main" xmlns:r="http://schemas.openxmlformats.org/officeDocument/2006/relationships" xmlns:mc="http://schemas.openxmlformats.org/markup-compatibility/2006" xmlns:mv="urn:schemas-microsoft-com:mac:vml" xmlns:p="http://schemas.openxmlformats.org/presentationml/2006/main" xmlns:c="http://schemas.openxmlformats.org/drawingml/2006/chart" xmlns:dgm="http://schemas.openxmlformats.org/drawingml/2006/diagram" xmlns:o="urn:schemas-microsoft-com:office:office" xmlns:v="urn:schemas-microsoft-com:vml" xmlns:pvml="urn:schemas-microsoft-com:office:powerpoint" xmlns:com="http://schemas.openxmlformats.org/drawingml/2006/compatibility" xmlns:p14="http://schemas.microsoft.com/office/powerpoint/2010/main" xmlns:p15="http://schemas.microsoft.com/office/powerpoint/2012/main" xmlns:ahyp="http://schemas.microsoft.com/office/drawing/2018/hyperlinkcolor" showMasterPhAnim="0" showMasterSp="0">
   <p:cSld>
     <p:spTree>
       <p:nvGrpSpPr>
-        <p:cNvPr id="144" name="Shape 144"/>
+        <p:cNvPr id="153" name="Shape 153"/>
         <p:cNvGrpSpPr/>
         <p:nvPr/>
       </p:nvGrpSpPr>
@@ -3553,7 +4294,7 @@
       </p:grpSpPr>
       <p:sp>
         <p:nvSpPr>
-          <p:cNvPr id="145" name="Google Shape;145;g24625ab792e_0_215:notes"/>
+          <p:cNvPr id="154" name="Google Shape;154;g248165fabb6_0_8:notes"/>
           <p:cNvSpPr/>
           <p:nvPr>
             <p:ph idx="2" type="sldImg"/>
@@ -3598,7 +4339,7 @@
       </p:sp>
       <p:sp>
         <p:nvSpPr>
-          <p:cNvPr id="146" name="Google Shape;146;g24625ab792e_0_215:notes"/>
+          <p:cNvPr id="155" name="Google Shape;155;g248165fabb6_0_8:notes"/>
           <p:cNvSpPr txBox="1"/>
           <p:nvPr>
             <p:ph idx="1" type="body"/>
@@ -3630,10 +4371,157 @@
               <a:spcAft>
                 <a:spcPts val="0"/>
               </a:spcAft>
+              <a:buSzPts val="1100"/>
+              <a:buNone/>
+            </a:pPr>
+            <a:r>
+              <a:rPr lang="ru-RU" sz="1100">
+                <a:latin typeface="Arial"/>
+                <a:ea typeface="Arial"/>
+                <a:cs typeface="Arial"/>
+                <a:sym typeface="Arial"/>
+              </a:rPr>
+              <a:t>Переходим к выбору инструментов.</a:t>
+            </a:r>
+            <a:endParaRPr sz="1100">
+              <a:latin typeface="Arial"/>
+              <a:ea typeface="Arial"/>
+              <a:cs typeface="Arial"/>
+              <a:sym typeface="Arial"/>
+            </a:endParaRPr>
+          </a:p>
+          <a:p>
+            <a:pPr indent="0" lvl="0" marL="0" rtl="0" algn="l">
+              <a:spcBef>
+                <a:spcPts val="0"/>
+              </a:spcBef>
+              <a:spcAft>
+                <a:spcPts val="0"/>
+              </a:spcAft>
+              <a:buSzPts val="1100"/>
               <a:buNone/>
             </a:pPr>
             <a:r>
               <a:t/>
+            </a:r>
+            <a:endParaRPr sz="1100">
+              <a:latin typeface="Arial"/>
+              <a:ea typeface="Arial"/>
+              <a:cs typeface="Arial"/>
+              <a:sym typeface="Arial"/>
+            </a:endParaRPr>
+          </a:p>
+          <a:p>
+            <a:pPr indent="0" lvl="0" marL="0" rtl="0" algn="l">
+              <a:spcBef>
+                <a:spcPts val="0"/>
+              </a:spcBef>
+              <a:spcAft>
+                <a:spcPts val="0"/>
+              </a:spcAft>
+              <a:buSzPts val="1100"/>
+              <a:buNone/>
+            </a:pPr>
+            <a:r>
+              <a:rPr lang="ru-RU" sz="1100">
+                <a:latin typeface="Arial"/>
+                <a:ea typeface="Arial"/>
+                <a:cs typeface="Arial"/>
+                <a:sym typeface="Arial"/>
+              </a:rPr>
+              <a:t>PostgreSQL - для долговременного хранения данных, Redis - для кеширования, InfluxDB</a:t>
+            </a:r>
+            <a:r>
+              <a:rPr lang="ru-RU" sz="1100">
+                <a:latin typeface="Arial"/>
+                <a:ea typeface="Arial"/>
+                <a:cs typeface="Arial"/>
+                <a:sym typeface="Arial"/>
+              </a:rPr>
+              <a:t> - для логирования.</a:t>
+            </a:r>
+            <a:endParaRPr sz="1100">
+              <a:latin typeface="Arial"/>
+              <a:ea typeface="Arial"/>
+              <a:cs typeface="Arial"/>
+              <a:sym typeface="Arial"/>
+            </a:endParaRPr>
+          </a:p>
+          <a:p>
+            <a:pPr indent="0" lvl="0" marL="0" rtl="0" algn="l">
+              <a:spcBef>
+                <a:spcPts val="0"/>
+              </a:spcBef>
+              <a:spcAft>
+                <a:spcPts val="0"/>
+              </a:spcAft>
+              <a:buSzPts val="1100"/>
+              <a:buNone/>
+            </a:pPr>
+            <a:r>
+              <a:t/>
+            </a:r>
+            <a:endParaRPr sz="1100">
+              <a:latin typeface="Arial"/>
+              <a:ea typeface="Arial"/>
+              <a:cs typeface="Arial"/>
+              <a:sym typeface="Arial"/>
+            </a:endParaRPr>
+          </a:p>
+          <a:p>
+            <a:pPr indent="0" lvl="0" marL="0" rtl="0" algn="l">
+              <a:spcBef>
+                <a:spcPts val="0"/>
+              </a:spcBef>
+              <a:spcAft>
+                <a:spcPts val="0"/>
+              </a:spcAft>
+              <a:buClr>
+                <a:schemeClr val="dk1"/>
+              </a:buClr>
+              <a:buSzPts val="1100"/>
+              <a:buFont typeface="Arial"/>
+              <a:buNone/>
+            </a:pPr>
+            <a:r>
+              <a:rPr lang="ru-RU" sz="1100">
+                <a:latin typeface="Arial"/>
+                <a:ea typeface="Arial"/>
+                <a:cs typeface="Arial"/>
+                <a:sym typeface="Arial"/>
+              </a:rPr>
+              <a:t>В контейнер можем писать не только мы, контейнеры никак не защищены</a:t>
+            </a:r>
+            <a:endParaRPr sz="1100">
+              <a:latin typeface="Arial"/>
+              <a:ea typeface="Arial"/>
+              <a:cs typeface="Arial"/>
+              <a:sym typeface="Arial"/>
+            </a:endParaRPr>
+          </a:p>
+          <a:p>
+            <a:pPr indent="0" lvl="0" marL="0" rtl="0" algn="l">
+              <a:spcBef>
+                <a:spcPts val="0"/>
+              </a:spcBef>
+              <a:spcAft>
+                <a:spcPts val="0"/>
+              </a:spcAft>
+              <a:buClr>
+                <a:schemeClr val="dk1"/>
+              </a:buClr>
+              <a:buSzPts val="1100"/>
+              <a:buFont typeface="Arial"/>
+              <a:buNone/>
+            </a:pPr>
+            <a:r>
+              <a:rPr lang="ru-RU" sz="1100">
+                <a:latin typeface="Arial"/>
+                <a:ea typeface="Arial"/>
+                <a:cs typeface="Arial"/>
+                <a:sym typeface="Arial"/>
+              </a:rPr>
+              <a:t>Файлы легко подменяются/теряются</a:t>
             </a:r>
             <a:endParaRPr b="1" sz="1000">
               <a:latin typeface="Times New Roman"/>
@@ -3642,11 +4530,88 @@
               <a:sym typeface="Times New Roman"/>
             </a:endParaRPr>
           </a:p>
+          <a:p>
+            <a:pPr indent="0" lvl="0" marL="0" rtl="0" algn="l">
+              <a:spcBef>
+                <a:spcPts val="0"/>
+              </a:spcBef>
+              <a:spcAft>
+                <a:spcPts val="0"/>
+              </a:spcAft>
+              <a:buClr>
+                <a:schemeClr val="dk1"/>
+              </a:buClr>
+              <a:buSzPts val="1100"/>
+              <a:buFont typeface="Arial"/>
+              <a:buNone/>
+            </a:pPr>
+            <a:r>
+              <a:t/>
+            </a:r>
+            <a:endParaRPr sz="1100">
+              <a:latin typeface="Arial"/>
+              <a:ea typeface="Arial"/>
+              <a:cs typeface="Arial"/>
+              <a:sym typeface="Arial"/>
+            </a:endParaRPr>
+          </a:p>
+          <a:p>
+            <a:pPr indent="0" lvl="0" marL="0" rtl="0" algn="l">
+              <a:spcBef>
+                <a:spcPts val="0"/>
+              </a:spcBef>
+              <a:spcAft>
+                <a:spcPts val="0"/>
+              </a:spcAft>
+              <a:buClr>
+                <a:schemeClr val="dk1"/>
+              </a:buClr>
+              <a:buSzPts val="1100"/>
+              <a:buFont typeface="Arial"/>
+              <a:buNone/>
+            </a:pPr>
+            <a:r>
+              <a:rPr lang="ru-RU" sz="1100">
+                <a:latin typeface="Arial"/>
+                <a:ea typeface="Arial"/>
+                <a:cs typeface="Arial"/>
+                <a:sym typeface="Arial"/>
+              </a:rPr>
+              <a:t>А в БД может писать только тот, кто имеет к ней доступ</a:t>
+            </a:r>
+            <a:endParaRPr b="1" sz="1000">
+              <a:latin typeface="Times New Roman"/>
+              <a:ea typeface="Times New Roman"/>
+              <a:cs typeface="Times New Roman"/>
+              <a:sym typeface="Times New Roman"/>
+            </a:endParaRPr>
+          </a:p>
+          <a:p>
+            <a:pPr indent="0" lvl="0" marL="0" rtl="0" algn="l">
+              <a:spcBef>
+                <a:spcPts val="0"/>
+              </a:spcBef>
+              <a:spcAft>
+                <a:spcPts val="0"/>
+              </a:spcAft>
+              <a:buSzPts val="1100"/>
+              <a:buNone/>
+            </a:pPr>
+            <a:r>
+              <a:t/>
+            </a:r>
+            <a:endParaRPr sz="1100">
+              <a:latin typeface="Arial"/>
+              <a:ea typeface="Arial"/>
+              <a:cs typeface="Arial"/>
+              <a:sym typeface="Arial"/>
+            </a:endParaRPr>
+          </a:p>
         </p:txBody>
       </p:sp>
       <p:sp>
         <p:nvSpPr>
-          <p:cNvPr id="147" name="Google Shape;147;g24625ab792e_0_215:notes"/>
+          <p:cNvPr id="156" name="Google Shape;156;g248165fabb6_0_8:notes"/>
           <p:cNvSpPr txBox="1"/>
           <p:nvPr>
             <p:ph idx="12" type="sldNum"/>
@@ -3696,12 +4661,12 @@
 </p:notes>
 </file>
 
-<file path=ppt/notesSlides/notesSlide8.xml><?xml version="1.0" encoding="utf-8"?>
+<file path=ppt/notesSlides/notesSlide9.xml><?xml version="1.0" encoding="utf-8"?>
 <p:notes xmlns:a="http://schemas.openxmlformats.org/drawingml/2006/main" xmlns:r="http://schemas.openxmlformats.org/officeDocument/2006/relationships" xmlns:mc="http://schemas.openxmlformats.org/markup-compatibility/2006" xmlns:mv="urn:schemas-microsoft-com:mac:vml" xmlns:p="http://schemas.openxmlformats.org/presentationml/2006/main" xmlns:c="http://schemas.openxmlformats.org/drawingml/2006/chart" xmlns:dgm="http://schemas.openxmlformats.org/drawingml/2006/diagram" xmlns:o="urn:schemas-microsoft-com:office:office" xmlns:v="urn:schemas-microsoft-com:vml" xmlns:pvml="urn:schemas-microsoft-com:office:powerpoint" xmlns:com="http://schemas.openxmlformats.org/drawingml/2006/compatibility" xmlns:p14="http://schemas.microsoft.com/office/powerpoint/2010/main" xmlns:p15="http://schemas.microsoft.com/office/powerpoint/2012/main" xmlns:ahyp="http://schemas.microsoft.com/office/drawing/2018/hyperlinkcolor" showMasterPhAnim="0" showMasterSp="0">
   <p:cSld>
     <p:spTree>
       <p:nvGrpSpPr>
-        <p:cNvPr id="152" name="Shape 152"/>
+        <p:cNvPr id="162" name="Shape 162"/>
         <p:cNvGrpSpPr/>
         <p:nvPr/>
       </p:nvGrpSpPr>
@@ -3715,7 +4680,7 @@
       </p:grpSpPr>
       <p:sp>
         <p:nvSpPr>
-          <p:cNvPr id="153" name="Google Shape;153;g24625ab792e_0_108:notes"/>
+          <p:cNvPr id="163" name="Google Shape;163;g24b34f5e78c_0_6:notes"/>
           <p:cNvSpPr/>
           <p:nvPr>
             <p:ph idx="2" type="sldImg"/>
@@ -3760,7 +4725,7 @@
       </p:sp>
       <p:sp>
         <p:nvSpPr>
-          <p:cNvPr id="154" name="Google Shape;154;g24625ab792e_0_108:notes"/>
+          <p:cNvPr id="164" name="Google Shape;164;g24b34f5e78c_0_6:notes"/>
           <p:cNvSpPr txBox="1"/>
           <p:nvPr>
             <p:ph idx="1" type="body"/>
@@ -3797,170 +4762,18 @@
             <a:r>
               <a:t/>
             </a:r>
-            <a:endParaRPr/>
+            <a:endParaRPr b="1" sz="1000">
+              <a:latin typeface="Times New Roman"/>
+              <a:ea typeface="Times New Roman"/>
+              <a:cs typeface="Times New Roman"/>
+              <a:sym typeface="Times New Roman"/>
+            </a:endParaRPr>
           </a:p>
         </p:txBody>
       </p:sp>
       <p:sp>
         <p:nvSpPr>
-          <p:cNvPr id="155" name="Google Shape;155;g24625ab792e_0_108:notes"/>
-          <p:cNvSpPr txBox="1"/>
-          <p:nvPr>
-            <p:ph idx="12" type="sldNum"/>
-          </p:nvPr>
-        </p:nvSpPr>
-        <p:spPr>
-          <a:xfrm>
-            <a:off x="3829761" y="9443662"/>
-            <a:ext cx="2929800" cy="498900"/>
-          </a:xfrm>
-          <a:prstGeom prst="rect">
-            <a:avLst/>
-          </a:prstGeom>
-          <a:noFill/>
-          <a:ln>
-            <a:noFill/>
-          </a:ln>
-        </p:spPr>
-        <p:txBody>
-          <a:bodyPr anchorCtr="0" anchor="b" bIns="45700" lIns="91425" spcFirstLastPara="1" rIns="91425" wrap="square" tIns="45700">
-            <a:noAutofit/>
-          </a:bodyPr>
-          <a:lstStyle/>
-          <a:p>
-            <a:pPr indent="0" lvl="0" marL="0" rtl="0" algn="r">
-              <a:spcBef>
-                <a:spcPts val="0"/>
-              </a:spcBef>
-              <a:spcAft>
-                <a:spcPts val="0"/>
-              </a:spcAft>
-              <a:buNone/>
-            </a:pPr>
-            <a:fld id="{00000000-1234-1234-1234-123412341234}" type="slidenum">
-              <a:rPr lang="ru-RU"/>
-              <a:t>‹#›</a:t>
-            </a:fld>
-            <a:endParaRPr/>
-          </a:p>
-        </p:txBody>
-      </p:sp>
-    </p:spTree>
-  </p:cSld>
-  <p:clrMapOvr>
-    <a:masterClrMapping/>
-  </p:clrMapOvr>
-</p:notes>
-</file>
-
-<file path=ppt/notesSlides/notesSlide9.xml><?xml version="1.0" encoding="utf-8"?>
-<p:notes xmlns:a="http://schemas.openxmlformats.org/drawingml/2006/main" xmlns:r="http://schemas.openxmlformats.org/officeDocument/2006/relationships" xmlns:mc="http://schemas.openxmlformats.org/markup-compatibility/2006" xmlns:mv="urn:schemas-microsoft-com:mac:vml" xmlns:p="http://schemas.openxmlformats.org/presentationml/2006/main" xmlns:c="http://schemas.openxmlformats.org/drawingml/2006/chart" xmlns:dgm="http://schemas.openxmlformats.org/drawingml/2006/diagram" xmlns:o="urn:schemas-microsoft-com:office:office" xmlns:v="urn:schemas-microsoft-com:vml" xmlns:pvml="urn:schemas-microsoft-com:office:powerpoint" xmlns:com="http://schemas.openxmlformats.org/drawingml/2006/compatibility" xmlns:p14="http://schemas.microsoft.com/office/powerpoint/2010/main" xmlns:p15="http://schemas.microsoft.com/office/powerpoint/2012/main" xmlns:ahyp="http://schemas.microsoft.com/office/drawing/2018/hyperlinkcolor" showMasterPhAnim="0" showMasterSp="0">
-  <p:cSld>
-    <p:spTree>
-      <p:nvGrpSpPr>
-        <p:cNvPr id="164" name="Shape 164"/>
-        <p:cNvGrpSpPr/>
-        <p:nvPr/>
-      </p:nvGrpSpPr>
-      <p:grpSpPr>
-        <a:xfrm>
-          <a:off x="0" y="0"/>
-          <a:ext cx="0" cy="0"/>
-          <a:chOff x="0" y="0"/>
-          <a:chExt cx="0" cy="0"/>
-        </a:xfrm>
-      </p:grpSpPr>
-      <p:sp>
-        <p:nvSpPr>
-          <p:cNvPr id="165" name="Google Shape;165;g24625ab792e_0_120:notes"/>
-          <p:cNvSpPr/>
-          <p:nvPr>
-            <p:ph idx="2" type="sldImg"/>
-          </p:nvPr>
-        </p:nvSpPr>
-        <p:spPr>
-          <a:xfrm>
-            <a:off x="398463" y="1243013"/>
-            <a:ext cx="5964300" cy="3356100"/>
-          </a:xfrm>
-          <a:custGeom>
-            <a:rect b="b" l="l" r="r" t="t"/>
-            <a:pathLst>
-              <a:path extrusionOk="0" h="120000" w="120000">
-                <a:moveTo>
-                  <a:pt x="0" y="0"/>
-                </a:moveTo>
-                <a:lnTo>
-                  <a:pt x="120000" y="0"/>
-                </a:lnTo>
-                <a:lnTo>
-                  <a:pt x="120000" y="120000"/>
-                </a:lnTo>
-                <a:lnTo>
-                  <a:pt x="0" y="120000"/>
-                </a:lnTo>
-                <a:close/>
-              </a:path>
-            </a:pathLst>
-          </a:custGeom>
-          <a:noFill/>
-          <a:ln cap="flat" cmpd="sng" w="12700">
-            <a:solidFill>
-              <a:srgbClr val="000000"/>
-            </a:solidFill>
-            <a:prstDash val="solid"/>
-            <a:round/>
-            <a:headEnd len="sm" w="sm" type="none"/>
-            <a:tailEnd len="sm" w="sm" type="none"/>
-          </a:ln>
-        </p:spPr>
-      </p:sp>
-      <p:sp>
-        <p:nvSpPr>
-          <p:cNvPr id="166" name="Google Shape;166;g24625ab792e_0_120:notes"/>
-          <p:cNvSpPr txBox="1"/>
-          <p:nvPr>
-            <p:ph idx="1" type="body"/>
-          </p:nvPr>
-        </p:nvSpPr>
-        <p:spPr>
-          <a:xfrm>
-            <a:off x="676117" y="4784835"/>
-            <a:ext cx="5409000" cy="3915000"/>
-          </a:xfrm>
-          <a:prstGeom prst="rect">
-            <a:avLst/>
-          </a:prstGeom>
-          <a:noFill/>
-          <a:ln>
-            <a:noFill/>
-          </a:ln>
-        </p:spPr>
-        <p:txBody>
-          <a:bodyPr anchorCtr="0" anchor="t" bIns="45700" lIns="91425" spcFirstLastPara="1" rIns="91425" wrap="square" tIns="45700">
-            <a:noAutofit/>
-          </a:bodyPr>
-          <a:lstStyle/>
-          <a:p>
-            <a:pPr indent="0" lvl="0" marL="0" rtl="0" algn="l">
-              <a:spcBef>
-                <a:spcPts val="0"/>
-              </a:spcBef>
-              <a:spcAft>
-                <a:spcPts val="0"/>
-              </a:spcAft>
-              <a:buNone/>
-            </a:pPr>
-            <a:r>
-              <a:t/>
-            </a:r>
-            <a:endParaRPr/>
-          </a:p>
-        </p:txBody>
-      </p:sp>
-      <p:sp>
-        <p:nvSpPr>
-          <p:cNvPr id="167" name="Google Shape;167;g24625ab792e_0_120:notes"/>
+          <p:cNvPr id="165" name="Google Shape;165;g24b34f5e78c_0_6:notes"/>
           <p:cNvSpPr txBox="1"/>
           <p:nvPr>
             <p:ph idx="12" type="sldNum"/>
@@ -14670,7 +15483,7 @@
   <p:cSld>
     <p:spTree>
       <p:nvGrpSpPr>
-        <p:cNvPr id="180" name="Shape 180"/>
+        <p:cNvPr id="175" name="Shape 175"/>
         <p:cNvGrpSpPr/>
         <p:nvPr/>
       </p:nvGrpSpPr>
@@ -14684,7 +15497,793 @@
       </p:grpSpPr>
       <p:sp>
         <p:nvSpPr>
-          <p:cNvPr id="181" name="Google Shape;181;p23"/>
+          <p:cNvPr id="176" name="Google Shape;176;p23"/>
+          <p:cNvSpPr txBox="1"/>
+          <p:nvPr>
+            <p:ph type="title"/>
+          </p:nvPr>
+        </p:nvSpPr>
+        <p:spPr>
+          <a:xfrm>
+            <a:off x="838200" y="0"/>
+            <a:ext cx="10515600" cy="1325700"/>
+          </a:xfrm>
+          <a:prstGeom prst="rect">
+            <a:avLst/>
+          </a:prstGeom>
+          <a:noFill/>
+          <a:ln>
+            <a:noFill/>
+          </a:ln>
+        </p:spPr>
+        <p:txBody>
+          <a:bodyPr anchorCtr="0" anchor="ctr" bIns="45700" lIns="91425" spcFirstLastPara="1" rIns="91425" wrap="square" tIns="45700">
+            <a:normAutofit/>
+          </a:bodyPr>
+          <a:lstStyle/>
+          <a:p>
+            <a:pPr indent="0" lvl="0" marL="0" rtl="0" algn="l">
+              <a:spcBef>
+                <a:spcPts val="0"/>
+              </a:spcBef>
+              <a:spcAft>
+                <a:spcPts val="0"/>
+              </a:spcAft>
+              <a:buClr>
+                <a:schemeClr val="dk1"/>
+              </a:buClr>
+              <a:buSzPts val="4400"/>
+              <a:buFont typeface="Times New Roman"/>
+              <a:buNone/>
+            </a:pPr>
+            <a:r>
+              <a:rPr lang="ru-RU">
+                <a:latin typeface="Times New Roman"/>
+                <a:ea typeface="Times New Roman"/>
+                <a:cs typeface="Times New Roman"/>
+                <a:sym typeface="Times New Roman"/>
+              </a:rPr>
+              <a:t>Кеширование Redis</a:t>
+            </a:r>
+            <a:endParaRPr>
+              <a:latin typeface="Times New Roman"/>
+              <a:ea typeface="Times New Roman"/>
+              <a:cs typeface="Times New Roman"/>
+              <a:sym typeface="Times New Roman"/>
+            </a:endParaRPr>
+          </a:p>
+        </p:txBody>
+      </p:sp>
+      <p:sp>
+        <p:nvSpPr>
+          <p:cNvPr id="177" name="Google Shape;177;p23"/>
+          <p:cNvSpPr txBox="1"/>
+          <p:nvPr/>
+        </p:nvSpPr>
+        <p:spPr>
+          <a:xfrm>
+            <a:off x="502925" y="1008100"/>
+            <a:ext cx="6927600" cy="5730600"/>
+          </a:xfrm>
+          <a:prstGeom prst="rect">
+            <a:avLst/>
+          </a:prstGeom>
+          <a:noFill/>
+          <a:ln>
+            <a:noFill/>
+          </a:ln>
+        </p:spPr>
+        <p:txBody>
+          <a:bodyPr anchorCtr="0" anchor="t" bIns="91425" lIns="91425" spcFirstLastPara="1" rIns="91425" wrap="square" tIns="91425">
+            <a:noAutofit/>
+          </a:bodyPr>
+          <a:lstStyle/>
+          <a:p>
+            <a:pPr indent="0" lvl="0" marL="0" rtl="0" algn="just">
+              <a:spcBef>
+                <a:spcPts val="1200"/>
+              </a:spcBef>
+              <a:spcAft>
+                <a:spcPts val="0"/>
+              </a:spcAft>
+              <a:buNone/>
+            </a:pPr>
+            <a:r>
+              <a:rPr lang="ru-RU" sz="2500">
+                <a:solidFill>
+                  <a:schemeClr val="dk1"/>
+                </a:solidFill>
+                <a:latin typeface="Times New Roman"/>
+                <a:ea typeface="Times New Roman"/>
+                <a:cs typeface="Times New Roman"/>
+                <a:sym typeface="Times New Roman"/>
+              </a:rPr>
+              <a:t>Для хранения данных пользовательских сессий использовалась нереляционная СУБД </a:t>
+            </a:r>
+            <a:r>
+              <a:rPr b="1" lang="ru-RU" sz="2500">
+                <a:solidFill>
+                  <a:schemeClr val="dk1"/>
+                </a:solidFill>
+                <a:latin typeface="Times New Roman"/>
+                <a:ea typeface="Times New Roman"/>
+                <a:cs typeface="Times New Roman"/>
+                <a:sym typeface="Times New Roman"/>
+              </a:rPr>
+              <a:t>Redis</a:t>
+            </a:r>
+            <a:r>
+              <a:rPr lang="ru-RU" sz="2500">
+                <a:solidFill>
+                  <a:schemeClr val="dk1"/>
+                </a:solidFill>
+                <a:latin typeface="Times New Roman"/>
+                <a:ea typeface="Times New Roman"/>
+                <a:cs typeface="Times New Roman"/>
+                <a:sym typeface="Times New Roman"/>
+              </a:rPr>
+              <a:t> (хранилище типа </a:t>
+            </a:r>
+            <a:r>
+              <a:rPr b="1" lang="ru-RU" sz="2500">
+                <a:solidFill>
+                  <a:schemeClr val="dk1"/>
+                </a:solidFill>
+                <a:latin typeface="Times New Roman"/>
+                <a:ea typeface="Times New Roman"/>
+                <a:cs typeface="Times New Roman"/>
+                <a:sym typeface="Times New Roman"/>
+              </a:rPr>
+              <a:t>ключ-значение</a:t>
+            </a:r>
+            <a:r>
+              <a:rPr lang="ru-RU" sz="2500">
+                <a:solidFill>
+                  <a:schemeClr val="dk1"/>
+                </a:solidFill>
+                <a:latin typeface="Times New Roman"/>
+                <a:ea typeface="Times New Roman"/>
+                <a:cs typeface="Times New Roman"/>
+                <a:sym typeface="Times New Roman"/>
+              </a:rPr>
+              <a:t> в оперативной памяти сервера).</a:t>
+            </a:r>
+            <a:endParaRPr sz="2500">
+              <a:solidFill>
+                <a:schemeClr val="dk1"/>
+              </a:solidFill>
+              <a:latin typeface="Times New Roman"/>
+              <a:ea typeface="Times New Roman"/>
+              <a:cs typeface="Times New Roman"/>
+              <a:sym typeface="Times New Roman"/>
+            </a:endParaRPr>
+          </a:p>
+          <a:p>
+            <a:pPr indent="0" lvl="0" marL="0" rtl="0" algn="just">
+              <a:spcBef>
+                <a:spcPts val="1200"/>
+              </a:spcBef>
+              <a:spcAft>
+                <a:spcPts val="0"/>
+              </a:spcAft>
+              <a:buNone/>
+            </a:pPr>
+            <a:r>
+              <a:t/>
+            </a:r>
+            <a:endParaRPr sz="2500">
+              <a:solidFill>
+                <a:schemeClr val="dk1"/>
+              </a:solidFill>
+              <a:latin typeface="Times New Roman"/>
+              <a:ea typeface="Times New Roman"/>
+              <a:cs typeface="Times New Roman"/>
+              <a:sym typeface="Times New Roman"/>
+            </a:endParaRPr>
+          </a:p>
+          <a:p>
+            <a:pPr indent="0" lvl="0" marL="0" rtl="0" algn="just">
+              <a:spcBef>
+                <a:spcPts val="1200"/>
+              </a:spcBef>
+              <a:spcAft>
+                <a:spcPts val="0"/>
+              </a:spcAft>
+              <a:buNone/>
+            </a:pPr>
+            <a:r>
+              <a:rPr lang="ru-RU" sz="2500">
+                <a:solidFill>
+                  <a:schemeClr val="dk1"/>
+                </a:solidFill>
+                <a:latin typeface="Times New Roman"/>
+                <a:ea typeface="Times New Roman"/>
+                <a:cs typeface="Times New Roman"/>
+                <a:sym typeface="Times New Roman"/>
+              </a:rPr>
+              <a:t>Формат ключа:</a:t>
+            </a:r>
+            <a:endParaRPr sz="2500">
+              <a:solidFill>
+                <a:schemeClr val="dk1"/>
+              </a:solidFill>
+              <a:latin typeface="Times New Roman"/>
+              <a:ea typeface="Times New Roman"/>
+              <a:cs typeface="Times New Roman"/>
+              <a:sym typeface="Times New Roman"/>
+            </a:endParaRPr>
+          </a:p>
+          <a:p>
+            <a:pPr indent="0" lvl="0" marL="0" rtl="0" algn="just">
+              <a:spcBef>
+                <a:spcPts val="1200"/>
+              </a:spcBef>
+              <a:spcAft>
+                <a:spcPts val="0"/>
+              </a:spcAft>
+              <a:buNone/>
+            </a:pPr>
+            <a:r>
+              <a:rPr b="1" lang="ru-RU" sz="2500">
+                <a:solidFill>
+                  <a:schemeClr val="dk1"/>
+                </a:solidFill>
+                <a:latin typeface="Times New Roman"/>
+                <a:ea typeface="Times New Roman"/>
+                <a:cs typeface="Times New Roman"/>
+                <a:sym typeface="Times New Roman"/>
+              </a:rPr>
+              <a:t>репозиторий</a:t>
+            </a:r>
+            <a:r>
+              <a:rPr lang="ru-RU" sz="2500">
+                <a:solidFill>
+                  <a:schemeClr val="dk1"/>
+                </a:solidFill>
+                <a:latin typeface="Times New Roman"/>
+                <a:ea typeface="Times New Roman"/>
+                <a:cs typeface="Times New Roman"/>
+                <a:sym typeface="Times New Roman"/>
+              </a:rPr>
+              <a:t>:</a:t>
+            </a:r>
+            <a:r>
+              <a:rPr b="1" lang="ru-RU" sz="2500">
+                <a:solidFill>
+                  <a:schemeClr val="dk1"/>
+                </a:solidFill>
+                <a:latin typeface="Times New Roman"/>
+                <a:ea typeface="Times New Roman"/>
+                <a:cs typeface="Times New Roman"/>
+                <a:sym typeface="Times New Roman"/>
+              </a:rPr>
+              <a:t>отношение</a:t>
+            </a:r>
+            <a:r>
+              <a:rPr lang="ru-RU" sz="2500">
+                <a:solidFill>
+                  <a:schemeClr val="dk1"/>
+                </a:solidFill>
+                <a:latin typeface="Times New Roman"/>
+                <a:ea typeface="Times New Roman"/>
+                <a:cs typeface="Times New Roman"/>
+                <a:sym typeface="Times New Roman"/>
+              </a:rPr>
+              <a:t>:</a:t>
+            </a:r>
+            <a:r>
+              <a:rPr b="1" lang="ru-RU" sz="2500">
+                <a:solidFill>
+                  <a:schemeClr val="dk1"/>
+                </a:solidFill>
+                <a:latin typeface="Times New Roman"/>
+                <a:ea typeface="Times New Roman"/>
+                <a:cs typeface="Times New Roman"/>
+                <a:sym typeface="Times New Roman"/>
+              </a:rPr>
+              <a:t>слой</a:t>
+            </a:r>
+            <a:r>
+              <a:rPr lang="ru-RU" sz="2500">
+                <a:solidFill>
+                  <a:schemeClr val="dk1"/>
+                </a:solidFill>
+                <a:latin typeface="Times New Roman"/>
+                <a:ea typeface="Times New Roman"/>
+                <a:cs typeface="Times New Roman"/>
+                <a:sym typeface="Times New Roman"/>
+              </a:rPr>
+              <a:t>:</a:t>
+            </a:r>
+            <a:r>
+              <a:rPr b="1" lang="ru-RU" sz="2500">
+                <a:solidFill>
+                  <a:schemeClr val="dk1"/>
+                </a:solidFill>
+                <a:latin typeface="Times New Roman"/>
+                <a:ea typeface="Times New Roman"/>
+                <a:cs typeface="Times New Roman"/>
+                <a:sym typeface="Times New Roman"/>
+              </a:rPr>
+              <a:t>язык</a:t>
+            </a:r>
+            <a:endParaRPr b="1" sz="2500">
+              <a:solidFill>
+                <a:schemeClr val="dk1"/>
+              </a:solidFill>
+              <a:latin typeface="Times New Roman"/>
+              <a:ea typeface="Times New Roman"/>
+              <a:cs typeface="Times New Roman"/>
+              <a:sym typeface="Times New Roman"/>
+            </a:endParaRPr>
+          </a:p>
+        </p:txBody>
+      </p:sp>
+      <p:sp>
+        <p:nvSpPr>
+          <p:cNvPr id="178" name="Google Shape;178;p23"/>
+          <p:cNvSpPr txBox="1"/>
+          <p:nvPr>
+            <p:ph idx="12" type="sldNum"/>
+          </p:nvPr>
+        </p:nvSpPr>
+        <p:spPr>
+          <a:xfrm>
+            <a:off x="8610600" y="6356350"/>
+            <a:ext cx="2743200" cy="365100"/>
+          </a:xfrm>
+          <a:prstGeom prst="rect">
+            <a:avLst/>
+          </a:prstGeom>
+        </p:spPr>
+        <p:txBody>
+          <a:bodyPr anchorCtr="0" anchor="ctr" bIns="45700" lIns="91425" spcFirstLastPara="1" rIns="91425" wrap="square" tIns="45700">
+            <a:noAutofit/>
+          </a:bodyPr>
+          <a:lstStyle/>
+          <a:p>
+            <a:pPr indent="0" lvl="0" marL="0" rtl="0" algn="r">
+              <a:spcBef>
+                <a:spcPts val="0"/>
+              </a:spcBef>
+              <a:spcAft>
+                <a:spcPts val="0"/>
+              </a:spcAft>
+              <a:buClr>
+                <a:srgbClr val="000000"/>
+              </a:buClr>
+              <a:buFont typeface="Arial"/>
+              <a:buNone/>
+            </a:pPr>
+            <a:fld id="{00000000-1234-1234-1234-123412341234}" type="slidenum">
+              <a:rPr lang="ru-RU"/>
+              <a:t>‹#›</a:t>
+            </a:fld>
+            <a:endParaRPr/>
+          </a:p>
+        </p:txBody>
+      </p:sp>
+      <p:pic>
+        <p:nvPicPr>
+          <p:cNvPr id="179" name="Google Shape;179;p23"/>
+          <p:cNvPicPr preferRelativeResize="0"/>
+          <p:nvPr/>
+        </p:nvPicPr>
+        <p:blipFill>
+          <a:blip r:embed="rId3">
+            <a:alphaModFix/>
+          </a:blip>
+          <a:stretch>
+            <a:fillRect/>
+          </a:stretch>
+        </p:blipFill>
+        <p:spPr>
+          <a:xfrm>
+            <a:off x="7950913" y="1824125"/>
+            <a:ext cx="3802325" cy="3209750"/>
+          </a:xfrm>
+          <a:prstGeom prst="rect">
+            <a:avLst/>
+          </a:prstGeom>
+          <a:noFill/>
+          <a:ln>
+            <a:noFill/>
+          </a:ln>
+        </p:spPr>
+      </p:pic>
+    </p:spTree>
+  </p:cSld>
+  <p:clrMapOvr>
+    <a:masterClrMapping/>
+  </p:clrMapOvr>
+</p:sld>
+</file>
+
+<file path=ppt/slides/slide11.xml><?xml version="1.0" encoding="utf-8"?>
+<p:sld xmlns:a="http://schemas.openxmlformats.org/drawingml/2006/main" xmlns:r="http://schemas.openxmlformats.org/officeDocument/2006/relationships" xmlns:mc="http://schemas.openxmlformats.org/markup-compatibility/2006" xmlns:mv="urn:schemas-microsoft-com:mac:vml" xmlns:p="http://schemas.openxmlformats.org/presentationml/2006/main" xmlns:c="http://schemas.openxmlformats.org/drawingml/2006/chart" xmlns:dgm="http://schemas.openxmlformats.org/drawingml/2006/diagram" xmlns:o="urn:schemas-microsoft-com:office:office" xmlns:v="urn:schemas-microsoft-com:vml" xmlns:pvml="urn:schemas-microsoft-com:office:powerpoint" xmlns:com="http://schemas.openxmlformats.org/drawingml/2006/compatibility" xmlns:p14="http://schemas.microsoft.com/office/powerpoint/2010/main" xmlns:p15="http://schemas.microsoft.com/office/powerpoint/2012/main" xmlns:ahyp="http://schemas.microsoft.com/office/drawing/2018/hyperlinkcolor">
+  <p:cSld>
+    <p:spTree>
+      <p:nvGrpSpPr>
+        <p:cNvPr id="184" name="Shape 184"/>
+        <p:cNvGrpSpPr/>
+        <p:nvPr/>
+      </p:nvGrpSpPr>
+      <p:grpSpPr>
+        <a:xfrm>
+          <a:off x="0" y="0"/>
+          <a:ext cx="0" cy="0"/>
+          <a:chOff x="0" y="0"/>
+          <a:chExt cx="0" cy="0"/>
+        </a:xfrm>
+      </p:grpSpPr>
+      <p:sp>
+        <p:nvSpPr>
+          <p:cNvPr id="185" name="Google Shape;185;p24"/>
+          <p:cNvSpPr txBox="1"/>
+          <p:nvPr>
+            <p:ph type="title"/>
+          </p:nvPr>
+        </p:nvSpPr>
+        <p:spPr>
+          <a:xfrm>
+            <a:off x="838200" y="0"/>
+            <a:ext cx="10515600" cy="1325700"/>
+          </a:xfrm>
+          <a:prstGeom prst="rect">
+            <a:avLst/>
+          </a:prstGeom>
+          <a:noFill/>
+          <a:ln>
+            <a:noFill/>
+          </a:ln>
+        </p:spPr>
+        <p:txBody>
+          <a:bodyPr anchorCtr="0" anchor="ctr" bIns="45700" lIns="91425" spcFirstLastPara="1" rIns="91425" wrap="square" tIns="45700">
+            <a:normAutofit/>
+          </a:bodyPr>
+          <a:lstStyle/>
+          <a:p>
+            <a:pPr indent="0" lvl="0" marL="0" rtl="0" algn="l">
+              <a:spcBef>
+                <a:spcPts val="0"/>
+              </a:spcBef>
+              <a:spcAft>
+                <a:spcPts val="0"/>
+              </a:spcAft>
+              <a:buClr>
+                <a:schemeClr val="dk1"/>
+              </a:buClr>
+              <a:buSzPts val="4400"/>
+              <a:buFont typeface="Times New Roman"/>
+              <a:buNone/>
+            </a:pPr>
+            <a:r>
+              <a:rPr lang="ru-RU">
+                <a:latin typeface="Times New Roman"/>
+                <a:ea typeface="Times New Roman"/>
+                <a:cs typeface="Times New Roman"/>
+                <a:sym typeface="Times New Roman"/>
+              </a:rPr>
+              <a:t>Нагрузочное тестирование</a:t>
+            </a:r>
+            <a:endParaRPr>
+              <a:latin typeface="Times New Roman"/>
+              <a:ea typeface="Times New Roman"/>
+              <a:cs typeface="Times New Roman"/>
+              <a:sym typeface="Times New Roman"/>
+            </a:endParaRPr>
+          </a:p>
+        </p:txBody>
+      </p:sp>
+      <p:sp>
+        <p:nvSpPr>
+          <p:cNvPr id="186" name="Google Shape;186;p24"/>
+          <p:cNvSpPr txBox="1"/>
+          <p:nvPr/>
+        </p:nvSpPr>
+        <p:spPr>
+          <a:xfrm>
+            <a:off x="502925" y="1008100"/>
+            <a:ext cx="11186100" cy="5730600"/>
+          </a:xfrm>
+          <a:prstGeom prst="rect">
+            <a:avLst/>
+          </a:prstGeom>
+          <a:noFill/>
+          <a:ln>
+            <a:noFill/>
+          </a:ln>
+        </p:spPr>
+        <p:txBody>
+          <a:bodyPr anchorCtr="0" anchor="t" bIns="91425" lIns="91425" spcFirstLastPara="1" rIns="91425" wrap="square" tIns="91425">
+            <a:noAutofit/>
+          </a:bodyPr>
+          <a:lstStyle/>
+          <a:p>
+            <a:pPr indent="0" lvl="0" marL="0" rtl="0" algn="just">
+              <a:spcBef>
+                <a:spcPts val="0"/>
+              </a:spcBef>
+              <a:spcAft>
+                <a:spcPts val="0"/>
+              </a:spcAft>
+              <a:buNone/>
+            </a:pPr>
+            <a:r>
+              <a:rPr b="1" lang="ru-RU" sz="2500">
+                <a:solidFill>
+                  <a:schemeClr val="dk1"/>
+                </a:solidFill>
+                <a:latin typeface="Times New Roman"/>
+                <a:ea typeface="Times New Roman"/>
+                <a:cs typeface="Times New Roman"/>
+                <a:sym typeface="Times New Roman"/>
+              </a:rPr>
+              <a:t>Цель</a:t>
+            </a:r>
+            <a:r>
+              <a:rPr lang="ru-RU" sz="2500">
+                <a:solidFill>
+                  <a:schemeClr val="dk1"/>
+                </a:solidFill>
+                <a:latin typeface="Times New Roman"/>
+                <a:ea typeface="Times New Roman"/>
+                <a:cs typeface="Times New Roman"/>
+                <a:sym typeface="Times New Roman"/>
+              </a:rPr>
+              <a:t> – </a:t>
+            </a:r>
+            <a:r>
+              <a:rPr lang="ru-RU" sz="2500">
+                <a:solidFill>
+                  <a:schemeClr val="dk1"/>
+                </a:solidFill>
+                <a:latin typeface="Times New Roman"/>
+                <a:ea typeface="Times New Roman"/>
+                <a:cs typeface="Times New Roman"/>
+                <a:sym typeface="Times New Roman"/>
+              </a:rPr>
+              <a:t>проведение нагрузочного тестирования и сравнение производительности веб-сервера при обработке запросов на сохранение терминов с использованием кеширования и без него.</a:t>
+            </a:r>
+            <a:endParaRPr sz="2500">
+              <a:solidFill>
+                <a:schemeClr val="dk1"/>
+              </a:solidFill>
+              <a:latin typeface="Calibri"/>
+              <a:ea typeface="Calibri"/>
+              <a:cs typeface="Calibri"/>
+              <a:sym typeface="Calibri"/>
+            </a:endParaRPr>
+          </a:p>
+          <a:p>
+            <a:pPr indent="0" lvl="0" marL="0" rtl="0" algn="just">
+              <a:spcBef>
+                <a:spcPts val="1200"/>
+              </a:spcBef>
+              <a:spcAft>
+                <a:spcPts val="0"/>
+              </a:spcAft>
+              <a:buNone/>
+            </a:pPr>
+            <a:r>
+              <a:rPr b="1" lang="ru-RU" sz="2500">
+                <a:solidFill>
+                  <a:schemeClr val="dk1"/>
+                </a:solidFill>
+                <a:latin typeface="Times New Roman"/>
+                <a:ea typeface="Times New Roman"/>
+                <a:cs typeface="Times New Roman"/>
+                <a:sym typeface="Times New Roman"/>
+              </a:rPr>
+              <a:t>Технические характеристики</a:t>
+            </a:r>
+            <a:r>
+              <a:rPr lang="ru-RU" sz="2500">
+                <a:solidFill>
+                  <a:schemeClr val="dk1"/>
+                </a:solidFill>
+                <a:latin typeface="Times New Roman"/>
+                <a:ea typeface="Times New Roman"/>
+                <a:cs typeface="Times New Roman"/>
+                <a:sym typeface="Times New Roman"/>
+              </a:rPr>
+              <a:t>:</a:t>
+            </a:r>
+            <a:endParaRPr sz="2500">
+              <a:solidFill>
+                <a:schemeClr val="dk1"/>
+              </a:solidFill>
+              <a:latin typeface="Times New Roman"/>
+              <a:ea typeface="Times New Roman"/>
+              <a:cs typeface="Times New Roman"/>
+              <a:sym typeface="Times New Roman"/>
+            </a:endParaRPr>
+          </a:p>
+          <a:p>
+            <a:pPr indent="-387350" lvl="0" marL="457200" rtl="0" algn="just">
+              <a:spcBef>
+                <a:spcPts val="1200"/>
+              </a:spcBef>
+              <a:spcAft>
+                <a:spcPts val="0"/>
+              </a:spcAft>
+              <a:buClr>
+                <a:schemeClr val="dk1"/>
+              </a:buClr>
+              <a:buSzPts val="2500"/>
+              <a:buFont typeface="Times New Roman"/>
+              <a:buAutoNum type="arabicPeriod"/>
+            </a:pPr>
+            <a:r>
+              <a:rPr lang="ru-RU" sz="2500">
+                <a:solidFill>
+                  <a:schemeClr val="dk1"/>
+                </a:solidFill>
+                <a:latin typeface="Times New Roman"/>
+                <a:ea typeface="Times New Roman"/>
+                <a:cs typeface="Times New Roman"/>
+                <a:sym typeface="Times New Roman"/>
+              </a:rPr>
+              <a:t>Операционная система: Manjaro Linux x86-64, версия ядра 5.15.32.</a:t>
+            </a:r>
+            <a:endParaRPr sz="2500">
+              <a:solidFill>
+                <a:schemeClr val="dk1"/>
+              </a:solidFill>
+              <a:latin typeface="Times New Roman"/>
+              <a:ea typeface="Times New Roman"/>
+              <a:cs typeface="Times New Roman"/>
+              <a:sym typeface="Times New Roman"/>
+            </a:endParaRPr>
+          </a:p>
+          <a:p>
+            <a:pPr indent="-387350" lvl="0" marL="457200" rtl="0" algn="just">
+              <a:spcBef>
+                <a:spcPts val="0"/>
+              </a:spcBef>
+              <a:spcAft>
+                <a:spcPts val="0"/>
+              </a:spcAft>
+              <a:buClr>
+                <a:schemeClr val="dk1"/>
+              </a:buClr>
+              <a:buSzPts val="2500"/>
+              <a:buFont typeface="Times New Roman"/>
+              <a:buAutoNum type="arabicPeriod"/>
+            </a:pPr>
+            <a:r>
+              <a:rPr lang="ru-RU" sz="2500">
+                <a:solidFill>
+                  <a:schemeClr val="dk1"/>
+                </a:solidFill>
+                <a:latin typeface="Times New Roman"/>
+                <a:ea typeface="Times New Roman"/>
+                <a:cs typeface="Times New Roman"/>
+                <a:sym typeface="Times New Roman"/>
+              </a:rPr>
+              <a:t>Объём оперативной памяти: 16 Гб.</a:t>
+            </a:r>
+            <a:endParaRPr sz="2500">
+              <a:solidFill>
+                <a:schemeClr val="dk1"/>
+              </a:solidFill>
+              <a:latin typeface="Times New Roman"/>
+              <a:ea typeface="Times New Roman"/>
+              <a:cs typeface="Times New Roman"/>
+              <a:sym typeface="Times New Roman"/>
+            </a:endParaRPr>
+          </a:p>
+          <a:p>
+            <a:pPr indent="-387350" lvl="0" marL="457200" rtl="0" algn="just">
+              <a:spcBef>
+                <a:spcPts val="0"/>
+              </a:spcBef>
+              <a:spcAft>
+                <a:spcPts val="0"/>
+              </a:spcAft>
+              <a:buClr>
+                <a:schemeClr val="dk1"/>
+              </a:buClr>
+              <a:buSzPts val="2500"/>
+              <a:buFont typeface="Times New Roman"/>
+              <a:buAutoNum type="arabicPeriod"/>
+            </a:pPr>
+            <a:r>
+              <a:rPr lang="ru-RU" sz="2500">
+                <a:solidFill>
+                  <a:schemeClr val="dk1"/>
+                </a:solidFill>
+                <a:latin typeface="Times New Roman"/>
+                <a:ea typeface="Times New Roman"/>
+                <a:cs typeface="Times New Roman"/>
+                <a:sym typeface="Times New Roman"/>
+              </a:rPr>
+              <a:t>Процессор: Intel i5-9300H 2.4 ГГц.</a:t>
+            </a:r>
+            <a:endParaRPr sz="2500">
+              <a:solidFill>
+                <a:schemeClr val="dk1"/>
+              </a:solidFill>
+              <a:latin typeface="Times New Roman"/>
+              <a:ea typeface="Times New Roman"/>
+              <a:cs typeface="Times New Roman"/>
+              <a:sym typeface="Times New Roman"/>
+            </a:endParaRPr>
+          </a:p>
+        </p:txBody>
+      </p:sp>
+      <p:sp>
+        <p:nvSpPr>
+          <p:cNvPr id="187" name="Google Shape;187;p24"/>
+          <p:cNvSpPr txBox="1"/>
+          <p:nvPr>
+            <p:ph idx="12" type="sldNum"/>
+          </p:nvPr>
+        </p:nvSpPr>
+        <p:spPr>
+          <a:xfrm>
+            <a:off x="8610600" y="6356350"/>
+            <a:ext cx="2743200" cy="365100"/>
+          </a:xfrm>
+          <a:prstGeom prst="rect">
+            <a:avLst/>
+          </a:prstGeom>
+        </p:spPr>
+        <p:txBody>
+          <a:bodyPr anchorCtr="0" anchor="ctr" bIns="45700" lIns="91425" spcFirstLastPara="1" rIns="91425" wrap="square" tIns="45700">
+            <a:noAutofit/>
+          </a:bodyPr>
+          <a:lstStyle/>
+          <a:p>
+            <a:pPr indent="0" lvl="0" marL="0" rtl="0" algn="r">
+              <a:spcBef>
+                <a:spcPts val="0"/>
+              </a:spcBef>
+              <a:spcAft>
+                <a:spcPts val="0"/>
+              </a:spcAft>
+              <a:buClr>
+                <a:srgbClr val="000000"/>
+              </a:buClr>
+              <a:buFont typeface="Arial"/>
+              <a:buNone/>
+            </a:pPr>
+            <a:fld id="{00000000-1234-1234-1234-123412341234}" type="slidenum">
+              <a:rPr lang="ru-RU"/>
+              <a:t>‹#›</a:t>
+            </a:fld>
+            <a:endParaRPr/>
+          </a:p>
+        </p:txBody>
+      </p:sp>
+    </p:spTree>
+  </p:cSld>
+  <p:clrMapOvr>
+    <a:masterClrMapping/>
+  </p:clrMapOvr>
+</p:sld>
+</file>
+
+<file path=ppt/slides/slide12.xml><?xml version="1.0" encoding="utf-8"?>
+<p:sld xmlns:a="http://schemas.openxmlformats.org/drawingml/2006/main" xmlns:r="http://schemas.openxmlformats.org/officeDocument/2006/relationships" xmlns:mc="http://schemas.openxmlformats.org/markup-compatibility/2006" xmlns:mv="urn:schemas-microsoft-com:mac:vml" xmlns:p="http://schemas.openxmlformats.org/presentationml/2006/main" xmlns:c="http://schemas.openxmlformats.org/drawingml/2006/chart" xmlns:dgm="http://schemas.openxmlformats.org/drawingml/2006/diagram" xmlns:o="urn:schemas-microsoft-com:office:office" xmlns:v="urn:schemas-microsoft-com:vml" xmlns:pvml="urn:schemas-microsoft-com:office:powerpoint" xmlns:com="http://schemas.openxmlformats.org/drawingml/2006/compatibility" xmlns:p14="http://schemas.microsoft.com/office/powerpoint/2010/main" xmlns:p15="http://schemas.microsoft.com/office/powerpoint/2012/main" xmlns:ahyp="http://schemas.microsoft.com/office/drawing/2018/hyperlinkcolor">
+  <p:cSld>
+    <p:spTree>
+      <p:nvGrpSpPr>
+        <p:cNvPr id="192" name="Shape 192"/>
+        <p:cNvGrpSpPr/>
+        <p:nvPr/>
+      </p:nvGrpSpPr>
+      <p:grpSpPr>
+        <a:xfrm>
+          <a:off x="0" y="0"/>
+          <a:ext cx="0" cy="0"/>
+          <a:chOff x="0" y="0"/>
+          <a:chExt cx="0" cy="0"/>
+        </a:xfrm>
+      </p:grpSpPr>
+      <p:sp>
+        <p:nvSpPr>
+          <p:cNvPr id="193" name="Google Shape;193;p25"/>
           <p:cNvSpPr txBox="1"/>
           <p:nvPr>
             <p:ph type="title"/>
@@ -14733,7 +16332,16 @@
                 <a:cs typeface="Times New Roman"/>
                 <a:sym typeface="Times New Roman"/>
               </a:rPr>
-              <a:t>Закрытая нагрузка</a:t>
+              <a:t>Открытая линейная</a:t>
+            </a:r>
+            <a:r>
+              <a:rPr lang="ru-RU">
+                <a:latin typeface="Times New Roman"/>
+                <a:ea typeface="Times New Roman"/>
+                <a:cs typeface="Times New Roman"/>
+                <a:sym typeface="Times New Roman"/>
+              </a:rPr>
+              <a:t> нагрузка</a:t>
             </a:r>
             <a:endParaRPr>
               <a:latin typeface="Times New Roman"/>
@@ -14746,7 +16354,7 @@
       </p:sp>
       <p:sp>
         <p:nvSpPr>
-          <p:cNvPr id="182" name="Google Shape;182;p23"/>
+          <p:cNvPr id="194" name="Google Shape;194;p25"/>
           <p:cNvSpPr txBox="1"/>
           <p:nvPr/>
         </p:nvSpPr>
@@ -14796,72 +16404,16 @@
           </a:p>
         </p:txBody>
       </p:sp>
-      <p:pic>
-        <p:nvPicPr>
-          <p:cNvPr id="183" name="Google Shape;183;p23"/>
-          <p:cNvPicPr preferRelativeResize="0"/>
-          <p:nvPr/>
-        </p:nvPicPr>
-        <p:blipFill>
-          <a:blip r:embed="rId3">
-            <a:alphaModFix/>
-          </a:blip>
-          <a:stretch>
-            <a:fillRect/>
-          </a:stretch>
-        </p:blipFill>
-        <p:spPr>
-          <a:xfrm>
-            <a:off x="922921" y="1072750"/>
-            <a:ext cx="6022350" cy="2892625"/>
-          </a:xfrm>
-          <a:prstGeom prst="rect">
-            <a:avLst/>
-          </a:prstGeom>
-          <a:noFill/>
-          <a:ln>
-            <a:noFill/>
-          </a:ln>
-        </p:spPr>
-      </p:pic>
-      <p:pic>
-        <p:nvPicPr>
-          <p:cNvPr id="184" name="Google Shape;184;p23"/>
-          <p:cNvPicPr preferRelativeResize="0"/>
-          <p:nvPr/>
-        </p:nvPicPr>
-        <p:blipFill>
-          <a:blip r:embed="rId4">
-            <a:alphaModFix/>
-          </a:blip>
-          <a:stretch>
-            <a:fillRect/>
-          </a:stretch>
-        </p:blipFill>
-        <p:spPr>
-          <a:xfrm>
-            <a:off x="919538" y="3965375"/>
-            <a:ext cx="6029114" cy="2892625"/>
-          </a:xfrm>
-          <a:prstGeom prst="rect">
-            <a:avLst/>
-          </a:prstGeom>
-          <a:noFill/>
-          <a:ln>
-            <a:noFill/>
-          </a:ln>
-        </p:spPr>
-      </p:pic>
       <p:sp>
         <p:nvSpPr>
-          <p:cNvPr id="185" name="Google Shape;185;p23"/>
+          <p:cNvPr id="195" name="Google Shape;195;p25"/>
           <p:cNvSpPr txBox="1"/>
           <p:nvPr/>
         </p:nvSpPr>
         <p:spPr>
           <a:xfrm>
-            <a:off x="7653150" y="2318975"/>
-            <a:ext cx="3798600" cy="1046700"/>
+            <a:off x="7603500" y="2197725"/>
+            <a:ext cx="3913800" cy="1046700"/>
           </a:xfrm>
           <a:prstGeom prst="rect">
             <a:avLst/>
@@ -14888,9 +16440,6 @@
             </a:pPr>
             <a:r>
               <a:rPr lang="ru-RU" sz="2800">
-                <a:solidFill>
-                  <a:schemeClr val="dk1"/>
-                </a:solidFill>
                 <a:latin typeface="Calibri"/>
                 <a:ea typeface="Calibri"/>
                 <a:cs typeface="Calibri"/>
@@ -14909,14 +16458,14 @@
       </p:sp>
       <p:sp>
         <p:nvSpPr>
-          <p:cNvPr id="186" name="Google Shape;186;p23"/>
+          <p:cNvPr id="196" name="Google Shape;196;p25"/>
           <p:cNvSpPr txBox="1"/>
           <p:nvPr/>
         </p:nvSpPr>
         <p:spPr>
           <a:xfrm>
-            <a:off x="7653150" y="5211600"/>
-            <a:ext cx="3486300" cy="1046700"/>
+            <a:off x="7653150" y="5097125"/>
+            <a:ext cx="4184700" cy="1046700"/>
           </a:xfrm>
           <a:prstGeom prst="rect">
             <a:avLst/>
@@ -14962,9 +16511,65 @@
           </a:p>
         </p:txBody>
       </p:sp>
+      <p:pic>
+        <p:nvPicPr>
+          <p:cNvPr id="197" name="Google Shape;197;p25"/>
+          <p:cNvPicPr preferRelativeResize="0"/>
+          <p:nvPr/>
+        </p:nvPicPr>
+        <p:blipFill>
+          <a:blip r:embed="rId3">
+            <a:alphaModFix/>
+          </a:blip>
+          <a:stretch>
+            <a:fillRect/>
+          </a:stretch>
+        </p:blipFill>
+        <p:spPr>
+          <a:xfrm>
+            <a:off x="929963" y="1059212"/>
+            <a:ext cx="6008282" cy="2892625"/>
+          </a:xfrm>
+          <a:prstGeom prst="rect">
+            <a:avLst/>
+          </a:prstGeom>
+          <a:noFill/>
+          <a:ln>
+            <a:noFill/>
+          </a:ln>
+        </p:spPr>
+      </p:pic>
+      <p:pic>
+        <p:nvPicPr>
+          <p:cNvPr id="198" name="Google Shape;198;p25"/>
+          <p:cNvPicPr preferRelativeResize="0"/>
+          <p:nvPr/>
+        </p:nvPicPr>
+        <p:blipFill>
+          <a:blip r:embed="rId4">
+            <a:alphaModFix/>
+          </a:blip>
+          <a:stretch>
+            <a:fillRect/>
+          </a:stretch>
+        </p:blipFill>
+        <p:spPr>
+          <a:xfrm>
+            <a:off x="929976" y="3951850"/>
+            <a:ext cx="6008275" cy="2906160"/>
+          </a:xfrm>
+          <a:prstGeom prst="rect">
+            <a:avLst/>
+          </a:prstGeom>
+          <a:noFill/>
+          <a:ln>
+            <a:noFill/>
+          </a:ln>
+        </p:spPr>
+      </p:pic>
       <p:sp>
         <p:nvSpPr>
-          <p:cNvPr id="187" name="Google Shape;187;p23"/>
+          <p:cNvPr id="199" name="Google Shape;199;p25"/>
           <p:cNvSpPr txBox="1"/>
           <p:nvPr>
             <p:ph idx="12" type="sldNum"/>
@@ -15014,12 +16619,12 @@
 </p:sld>
 </file>
 
-<file path=ppt/slides/slide11.xml><?xml version="1.0" encoding="utf-8"?>
+<file path=ppt/slides/slide13.xml><?xml version="1.0" encoding="utf-8"?>
 <p:sld xmlns:a="http://schemas.openxmlformats.org/drawingml/2006/main" xmlns:r="http://schemas.openxmlformats.org/officeDocument/2006/relationships" xmlns:mc="http://schemas.openxmlformats.org/markup-compatibility/2006" xmlns:mv="urn:schemas-microsoft-com:mac:vml" xmlns:p="http://schemas.openxmlformats.org/presentationml/2006/main" xmlns:c="http://schemas.openxmlformats.org/drawingml/2006/chart" xmlns:dgm="http://schemas.openxmlformats.org/drawingml/2006/diagram" xmlns:o="urn:schemas-microsoft-com:office:office" xmlns:v="urn:schemas-microsoft-com:vml" xmlns:pvml="urn:schemas-microsoft-com:office:powerpoint" xmlns:com="http://schemas.openxmlformats.org/drawingml/2006/compatibility" xmlns:p14="http://schemas.microsoft.com/office/powerpoint/2010/main" xmlns:p15="http://schemas.microsoft.com/office/powerpoint/2012/main" xmlns:ahyp="http://schemas.microsoft.com/office/drawing/2018/hyperlinkcolor">
   <p:cSld>
     <p:spTree>
       <p:nvGrpSpPr>
-        <p:cNvPr id="192" name="Shape 192"/>
+        <p:cNvPr id="204" name="Shape 204"/>
         <p:cNvGrpSpPr/>
         <p:nvPr/>
       </p:nvGrpSpPr>
@@ -15033,7 +16638,7 @@
       </p:grpSpPr>
       <p:sp>
         <p:nvSpPr>
-          <p:cNvPr id="193" name="Google Shape;193;p24"/>
+          <p:cNvPr id="205" name="Google Shape;205;p26"/>
           <p:cNvSpPr txBox="1"/>
           <p:nvPr>
             <p:ph type="title"/>
@@ -15082,7 +16687,7 @@
                 <a:cs typeface="Times New Roman"/>
                 <a:sym typeface="Times New Roman"/>
               </a:rPr>
-              <a:t>Предельная нагрузка системы</a:t>
+              <a:t>Открытая постоянная нагрузка</a:t>
             </a:r>
             <a:endParaRPr>
               <a:latin typeface="Times New Roman"/>
@@ -15095,7 +16700,7 @@
       </p:sp>
       <p:sp>
         <p:nvSpPr>
-          <p:cNvPr id="194" name="Google Shape;194;p24"/>
+          <p:cNvPr id="206" name="Google Shape;206;p26"/>
           <p:cNvSpPr txBox="1"/>
           <p:nvPr/>
         </p:nvSpPr>
@@ -15147,7 +16752,705 @@
       </p:sp>
       <p:sp>
         <p:nvSpPr>
-          <p:cNvPr id="195" name="Google Shape;195;p24"/>
+          <p:cNvPr id="207" name="Google Shape;207;p26"/>
+          <p:cNvSpPr txBox="1"/>
+          <p:nvPr/>
+        </p:nvSpPr>
+        <p:spPr>
+          <a:xfrm>
+            <a:off x="7553850" y="2197725"/>
+            <a:ext cx="4135200" cy="1046700"/>
+          </a:xfrm>
+          <a:prstGeom prst="rect">
+            <a:avLst/>
+          </a:prstGeom>
+          <a:noFill/>
+          <a:ln>
+            <a:noFill/>
+          </a:ln>
+        </p:spPr>
+        <p:txBody>
+          <a:bodyPr anchorCtr="0" anchor="t" bIns="91425" lIns="91425" spcFirstLastPara="1" rIns="91425" wrap="square" tIns="91425">
+            <a:spAutoFit/>
+          </a:bodyPr>
+          <a:lstStyle/>
+          <a:p>
+            <a:pPr indent="0" lvl="0" marL="0" rtl="0" algn="l">
+              <a:spcBef>
+                <a:spcPts val="0"/>
+              </a:spcBef>
+              <a:spcAft>
+                <a:spcPts val="0"/>
+              </a:spcAft>
+              <a:buNone/>
+            </a:pPr>
+            <a:r>
+              <a:rPr lang="ru-RU" sz="2800">
+                <a:solidFill>
+                  <a:schemeClr val="dk1"/>
+                </a:solidFill>
+                <a:latin typeface="Calibri"/>
+                <a:ea typeface="Calibri"/>
+                <a:cs typeface="Calibri"/>
+                <a:sym typeface="Calibri"/>
+              </a:rPr>
+              <a:t>Без использования кеширования Redis</a:t>
+            </a:r>
+            <a:endParaRPr sz="2800">
+              <a:latin typeface="Calibri"/>
+              <a:ea typeface="Calibri"/>
+              <a:cs typeface="Calibri"/>
+              <a:sym typeface="Calibri"/>
+            </a:endParaRPr>
+          </a:p>
+        </p:txBody>
+      </p:sp>
+      <p:sp>
+        <p:nvSpPr>
+          <p:cNvPr id="208" name="Google Shape;208;p26"/>
+          <p:cNvSpPr txBox="1"/>
+          <p:nvPr/>
+        </p:nvSpPr>
+        <p:spPr>
+          <a:xfrm>
+            <a:off x="7603500" y="5097125"/>
+            <a:ext cx="4001100" cy="1046700"/>
+          </a:xfrm>
+          <a:prstGeom prst="rect">
+            <a:avLst/>
+          </a:prstGeom>
+          <a:noFill/>
+          <a:ln>
+            <a:noFill/>
+          </a:ln>
+        </p:spPr>
+        <p:txBody>
+          <a:bodyPr anchorCtr="0" anchor="t" bIns="91425" lIns="91425" spcFirstLastPara="1" rIns="91425" wrap="square" tIns="91425">
+            <a:spAutoFit/>
+          </a:bodyPr>
+          <a:lstStyle/>
+          <a:p>
+            <a:pPr indent="0" lvl="0" marL="0" rtl="0" algn="l">
+              <a:spcBef>
+                <a:spcPts val="0"/>
+              </a:spcBef>
+              <a:spcAft>
+                <a:spcPts val="0"/>
+              </a:spcAft>
+              <a:buNone/>
+            </a:pPr>
+            <a:r>
+              <a:rPr lang="ru-RU" sz="2800">
+                <a:solidFill>
+                  <a:schemeClr val="dk1"/>
+                </a:solidFill>
+                <a:latin typeface="Calibri"/>
+                <a:ea typeface="Calibri"/>
+                <a:cs typeface="Calibri"/>
+                <a:sym typeface="Calibri"/>
+              </a:rPr>
+              <a:t>С использованием кеширования Redis</a:t>
+            </a:r>
+            <a:endParaRPr sz="2800">
+              <a:latin typeface="Calibri"/>
+              <a:ea typeface="Calibri"/>
+              <a:cs typeface="Calibri"/>
+              <a:sym typeface="Calibri"/>
+            </a:endParaRPr>
+          </a:p>
+        </p:txBody>
+      </p:sp>
+      <p:pic>
+        <p:nvPicPr>
+          <p:cNvPr id="209" name="Google Shape;209;p26"/>
+          <p:cNvPicPr preferRelativeResize="0"/>
+          <p:nvPr/>
+        </p:nvPicPr>
+        <p:blipFill>
+          <a:blip r:embed="rId3">
+            <a:alphaModFix/>
+          </a:blip>
+          <a:stretch>
+            <a:fillRect/>
+          </a:stretch>
+        </p:blipFill>
+        <p:spPr>
+          <a:xfrm>
+            <a:off x="908876" y="1052451"/>
+            <a:ext cx="6050476" cy="2906150"/>
+          </a:xfrm>
+          <a:prstGeom prst="rect">
+            <a:avLst/>
+          </a:prstGeom>
+          <a:noFill/>
+          <a:ln>
+            <a:noFill/>
+          </a:ln>
+        </p:spPr>
+      </p:pic>
+      <p:pic>
+        <p:nvPicPr>
+          <p:cNvPr id="210" name="Google Shape;210;p26"/>
+          <p:cNvPicPr preferRelativeResize="0"/>
+          <p:nvPr/>
+        </p:nvPicPr>
+        <p:blipFill>
+          <a:blip r:embed="rId4">
+            <a:alphaModFix/>
+          </a:blip>
+          <a:stretch>
+            <a:fillRect/>
+          </a:stretch>
+        </p:blipFill>
+        <p:spPr>
+          <a:xfrm>
+            <a:off x="908875" y="3951450"/>
+            <a:ext cx="6050475" cy="2906940"/>
+          </a:xfrm>
+          <a:prstGeom prst="rect">
+            <a:avLst/>
+          </a:prstGeom>
+          <a:noFill/>
+          <a:ln>
+            <a:noFill/>
+          </a:ln>
+        </p:spPr>
+      </p:pic>
+      <p:sp>
+        <p:nvSpPr>
+          <p:cNvPr id="211" name="Google Shape;211;p26"/>
+          <p:cNvSpPr txBox="1"/>
+          <p:nvPr>
+            <p:ph idx="12" type="sldNum"/>
+          </p:nvPr>
+        </p:nvSpPr>
+        <p:spPr>
+          <a:xfrm>
+            <a:off x="8610600" y="6356350"/>
+            <a:ext cx="2743200" cy="365100"/>
+          </a:xfrm>
+          <a:prstGeom prst="rect">
+            <a:avLst/>
+          </a:prstGeom>
+        </p:spPr>
+        <p:txBody>
+          <a:bodyPr anchorCtr="0" anchor="ctr" bIns="45700" lIns="91425" spcFirstLastPara="1" rIns="91425" wrap="square" tIns="45700">
+            <a:noAutofit/>
+          </a:bodyPr>
+          <a:lstStyle/>
+          <a:p>
+            <a:pPr indent="0" lvl="0" marL="0" rtl="0" algn="r">
+              <a:spcBef>
+                <a:spcPts val="0"/>
+              </a:spcBef>
+              <a:spcAft>
+                <a:spcPts val="0"/>
+              </a:spcAft>
+              <a:buClr>
+                <a:srgbClr val="000000"/>
+              </a:buClr>
+              <a:buFont typeface="Arial"/>
+              <a:buNone/>
+            </a:pPr>
+            <a:fld id="{00000000-1234-1234-1234-123412341234}" type="slidenum">
+              <a:rPr lang="ru-RU"/>
+              <a:t>‹#›</a:t>
+            </a:fld>
+            <a:endParaRPr/>
+          </a:p>
+        </p:txBody>
+      </p:sp>
+    </p:spTree>
+  </p:cSld>
+  <p:clrMapOvr>
+    <a:masterClrMapping/>
+  </p:clrMapOvr>
+</p:sld>
+</file>
+
+<file path=ppt/slides/slide14.xml><?xml version="1.0" encoding="utf-8"?>
+<p:sld xmlns:a="http://schemas.openxmlformats.org/drawingml/2006/main" xmlns:r="http://schemas.openxmlformats.org/officeDocument/2006/relationships" xmlns:mc="http://schemas.openxmlformats.org/markup-compatibility/2006" xmlns:mv="urn:schemas-microsoft-com:mac:vml" xmlns:p="http://schemas.openxmlformats.org/presentationml/2006/main" xmlns:c="http://schemas.openxmlformats.org/drawingml/2006/chart" xmlns:dgm="http://schemas.openxmlformats.org/drawingml/2006/diagram" xmlns:o="urn:schemas-microsoft-com:office:office" xmlns:v="urn:schemas-microsoft-com:vml" xmlns:pvml="urn:schemas-microsoft-com:office:powerpoint" xmlns:com="http://schemas.openxmlformats.org/drawingml/2006/compatibility" xmlns:p14="http://schemas.microsoft.com/office/powerpoint/2010/main" xmlns:p15="http://schemas.microsoft.com/office/powerpoint/2012/main" xmlns:ahyp="http://schemas.microsoft.com/office/drawing/2018/hyperlinkcolor">
+  <p:cSld>
+    <p:spTree>
+      <p:nvGrpSpPr>
+        <p:cNvPr id="216" name="Shape 216"/>
+        <p:cNvGrpSpPr/>
+        <p:nvPr/>
+      </p:nvGrpSpPr>
+      <p:grpSpPr>
+        <a:xfrm>
+          <a:off x="0" y="0"/>
+          <a:ext cx="0" cy="0"/>
+          <a:chOff x="0" y="0"/>
+          <a:chExt cx="0" cy="0"/>
+        </a:xfrm>
+      </p:grpSpPr>
+      <p:sp>
+        <p:nvSpPr>
+          <p:cNvPr id="217" name="Google Shape;217;p27"/>
+          <p:cNvSpPr txBox="1"/>
+          <p:nvPr>
+            <p:ph type="title"/>
+          </p:nvPr>
+        </p:nvSpPr>
+        <p:spPr>
+          <a:xfrm>
+            <a:off x="838200" y="0"/>
+            <a:ext cx="10515600" cy="1325700"/>
+          </a:xfrm>
+          <a:prstGeom prst="rect">
+            <a:avLst/>
+          </a:prstGeom>
+          <a:noFill/>
+          <a:ln>
+            <a:noFill/>
+          </a:ln>
+        </p:spPr>
+        <p:txBody>
+          <a:bodyPr anchorCtr="0" anchor="ctr" bIns="45700" lIns="91425" spcFirstLastPara="1" rIns="91425" wrap="square" tIns="45700">
+            <a:normAutofit/>
+          </a:bodyPr>
+          <a:lstStyle/>
+          <a:p>
+            <a:pPr indent="0" lvl="0" marL="0" rtl="0" algn="l">
+              <a:lnSpc>
+                <a:spcPct val="90000"/>
+              </a:lnSpc>
+              <a:spcBef>
+                <a:spcPts val="0"/>
+              </a:spcBef>
+              <a:spcAft>
+                <a:spcPts val="0"/>
+              </a:spcAft>
+              <a:buClr>
+                <a:schemeClr val="dk1"/>
+              </a:buClr>
+              <a:buSzPts val="4400"/>
+              <a:buFont typeface="Times New Roman"/>
+              <a:buNone/>
+            </a:pPr>
+            <a:r>
+              <a:rPr lang="ru-RU">
+                <a:latin typeface="Times New Roman"/>
+                <a:ea typeface="Times New Roman"/>
+                <a:cs typeface="Times New Roman"/>
+                <a:sym typeface="Times New Roman"/>
+              </a:rPr>
+              <a:t>Закрытая нагрузка</a:t>
+            </a:r>
+            <a:endParaRPr>
+              <a:latin typeface="Times New Roman"/>
+              <a:ea typeface="Times New Roman"/>
+              <a:cs typeface="Times New Roman"/>
+              <a:sym typeface="Times New Roman"/>
+            </a:endParaRPr>
+          </a:p>
+        </p:txBody>
+      </p:sp>
+      <p:sp>
+        <p:nvSpPr>
+          <p:cNvPr id="218" name="Google Shape;218;p27"/>
+          <p:cNvSpPr txBox="1"/>
+          <p:nvPr/>
+        </p:nvSpPr>
+        <p:spPr>
+          <a:xfrm>
+            <a:off x="502920" y="1491946"/>
+            <a:ext cx="11186100" cy="5246700"/>
+          </a:xfrm>
+          <a:prstGeom prst="rect">
+            <a:avLst/>
+          </a:prstGeom>
+          <a:noFill/>
+          <a:ln>
+            <a:noFill/>
+          </a:ln>
+        </p:spPr>
+        <p:txBody>
+          <a:bodyPr anchorCtr="0" anchor="t" bIns="91425" lIns="91425" spcFirstLastPara="1" rIns="91425" wrap="square" tIns="91425">
+            <a:noAutofit/>
+          </a:bodyPr>
+          <a:lstStyle/>
+          <a:p>
+            <a:pPr indent="0" lvl="0" marL="0" marR="0" rtl="0" algn="l">
+              <a:lnSpc>
+                <a:spcPct val="115000"/>
+              </a:lnSpc>
+              <a:spcBef>
+                <a:spcPts val="0"/>
+              </a:spcBef>
+              <a:spcAft>
+                <a:spcPts val="0"/>
+              </a:spcAft>
+              <a:buNone/>
+            </a:pPr>
+            <a:r>
+              <a:t/>
+            </a:r>
+            <a:endParaRPr b="0" i="0" sz="1600" u="none" cap="none" strike="noStrike">
+              <a:solidFill>
+                <a:schemeClr val="dk1"/>
+              </a:solidFill>
+              <a:latin typeface="Open Sans"/>
+              <a:ea typeface="Open Sans"/>
+              <a:cs typeface="Open Sans"/>
+              <a:sym typeface="Open Sans"/>
+            </a:endParaRPr>
+          </a:p>
+        </p:txBody>
+      </p:sp>
+      <p:pic>
+        <p:nvPicPr>
+          <p:cNvPr id="219" name="Google Shape;219;p27"/>
+          <p:cNvPicPr preferRelativeResize="0"/>
+          <p:nvPr/>
+        </p:nvPicPr>
+        <p:blipFill>
+          <a:blip r:embed="rId3">
+            <a:alphaModFix/>
+          </a:blip>
+          <a:stretch>
+            <a:fillRect/>
+          </a:stretch>
+        </p:blipFill>
+        <p:spPr>
+          <a:xfrm>
+            <a:off x="922921" y="1072750"/>
+            <a:ext cx="6022350" cy="2892625"/>
+          </a:xfrm>
+          <a:prstGeom prst="rect">
+            <a:avLst/>
+          </a:prstGeom>
+          <a:noFill/>
+          <a:ln>
+            <a:noFill/>
+          </a:ln>
+        </p:spPr>
+      </p:pic>
+      <p:pic>
+        <p:nvPicPr>
+          <p:cNvPr id="220" name="Google Shape;220;p27"/>
+          <p:cNvPicPr preferRelativeResize="0"/>
+          <p:nvPr/>
+        </p:nvPicPr>
+        <p:blipFill>
+          <a:blip r:embed="rId4">
+            <a:alphaModFix/>
+          </a:blip>
+          <a:stretch>
+            <a:fillRect/>
+          </a:stretch>
+        </p:blipFill>
+        <p:spPr>
+          <a:xfrm>
+            <a:off x="919538" y="3965375"/>
+            <a:ext cx="6029114" cy="2892625"/>
+          </a:xfrm>
+          <a:prstGeom prst="rect">
+            <a:avLst/>
+          </a:prstGeom>
+          <a:noFill/>
+          <a:ln>
+            <a:noFill/>
+          </a:ln>
+        </p:spPr>
+      </p:pic>
+      <p:sp>
+        <p:nvSpPr>
+          <p:cNvPr id="221" name="Google Shape;221;p27"/>
+          <p:cNvSpPr txBox="1"/>
+          <p:nvPr/>
+        </p:nvSpPr>
+        <p:spPr>
+          <a:xfrm>
+            <a:off x="7653150" y="2318975"/>
+            <a:ext cx="3798600" cy="1046700"/>
+          </a:xfrm>
+          <a:prstGeom prst="rect">
+            <a:avLst/>
+          </a:prstGeom>
+          <a:noFill/>
+          <a:ln>
+            <a:noFill/>
+          </a:ln>
+        </p:spPr>
+        <p:txBody>
+          <a:bodyPr anchorCtr="0" anchor="t" bIns="91425" lIns="91425" spcFirstLastPara="1" rIns="91425" wrap="square" tIns="91425">
+            <a:spAutoFit/>
+          </a:bodyPr>
+          <a:lstStyle/>
+          <a:p>
+            <a:pPr indent="0" lvl="0" marL="0" rtl="0" algn="l">
+              <a:spcBef>
+                <a:spcPts val="0"/>
+              </a:spcBef>
+              <a:spcAft>
+                <a:spcPts val="0"/>
+              </a:spcAft>
+              <a:buNone/>
+            </a:pPr>
+            <a:r>
+              <a:rPr lang="ru-RU" sz="2800">
+                <a:solidFill>
+                  <a:schemeClr val="dk1"/>
+                </a:solidFill>
+                <a:latin typeface="Calibri"/>
+                <a:ea typeface="Calibri"/>
+                <a:cs typeface="Calibri"/>
+                <a:sym typeface="Calibri"/>
+              </a:rPr>
+              <a:t>Без использования кеширования Redis</a:t>
+            </a:r>
+            <a:endParaRPr sz="2800">
+              <a:latin typeface="Calibri"/>
+              <a:ea typeface="Calibri"/>
+              <a:cs typeface="Calibri"/>
+              <a:sym typeface="Calibri"/>
+            </a:endParaRPr>
+          </a:p>
+        </p:txBody>
+      </p:sp>
+      <p:sp>
+        <p:nvSpPr>
+          <p:cNvPr id="222" name="Google Shape;222;p27"/>
+          <p:cNvSpPr txBox="1"/>
+          <p:nvPr/>
+        </p:nvSpPr>
+        <p:spPr>
+          <a:xfrm>
+            <a:off x="7653150" y="5211600"/>
+            <a:ext cx="3486300" cy="1046700"/>
+          </a:xfrm>
+          <a:prstGeom prst="rect">
+            <a:avLst/>
+          </a:prstGeom>
+          <a:noFill/>
+          <a:ln>
+            <a:noFill/>
+          </a:ln>
+        </p:spPr>
+        <p:txBody>
+          <a:bodyPr anchorCtr="0" anchor="t" bIns="91425" lIns="91425" spcFirstLastPara="1" rIns="91425" wrap="square" tIns="91425">
+            <a:spAutoFit/>
+          </a:bodyPr>
+          <a:lstStyle/>
+          <a:p>
+            <a:pPr indent="0" lvl="0" marL="0" rtl="0" algn="l">
+              <a:spcBef>
+                <a:spcPts val="0"/>
+              </a:spcBef>
+              <a:spcAft>
+                <a:spcPts val="0"/>
+              </a:spcAft>
+              <a:buNone/>
+            </a:pPr>
+            <a:r>
+              <a:rPr lang="ru-RU" sz="2800">
+                <a:solidFill>
+                  <a:schemeClr val="dk1"/>
+                </a:solidFill>
+                <a:latin typeface="Calibri"/>
+                <a:ea typeface="Calibri"/>
+                <a:cs typeface="Calibri"/>
+                <a:sym typeface="Calibri"/>
+              </a:rPr>
+              <a:t>С использованием кеширования Redis</a:t>
+            </a:r>
+            <a:endParaRPr sz="2800">
+              <a:latin typeface="Calibri"/>
+              <a:ea typeface="Calibri"/>
+              <a:cs typeface="Calibri"/>
+              <a:sym typeface="Calibri"/>
+            </a:endParaRPr>
+          </a:p>
+        </p:txBody>
+      </p:sp>
+      <p:sp>
+        <p:nvSpPr>
+          <p:cNvPr id="223" name="Google Shape;223;p27"/>
+          <p:cNvSpPr txBox="1"/>
+          <p:nvPr>
+            <p:ph idx="12" type="sldNum"/>
+          </p:nvPr>
+        </p:nvSpPr>
+        <p:spPr>
+          <a:xfrm>
+            <a:off x="8610600" y="6356350"/>
+            <a:ext cx="2743200" cy="365100"/>
+          </a:xfrm>
+          <a:prstGeom prst="rect">
+            <a:avLst/>
+          </a:prstGeom>
+        </p:spPr>
+        <p:txBody>
+          <a:bodyPr anchorCtr="0" anchor="ctr" bIns="45700" lIns="91425" spcFirstLastPara="1" rIns="91425" wrap="square" tIns="45700">
+            <a:noAutofit/>
+          </a:bodyPr>
+          <a:lstStyle/>
+          <a:p>
+            <a:pPr indent="0" lvl="0" marL="0" rtl="0" algn="r">
+              <a:spcBef>
+                <a:spcPts val="0"/>
+              </a:spcBef>
+              <a:spcAft>
+                <a:spcPts val="0"/>
+              </a:spcAft>
+              <a:buClr>
+                <a:srgbClr val="000000"/>
+              </a:buClr>
+              <a:buFont typeface="Arial"/>
+              <a:buNone/>
+            </a:pPr>
+            <a:fld id="{00000000-1234-1234-1234-123412341234}" type="slidenum">
+              <a:rPr lang="ru-RU"/>
+              <a:t>‹#›</a:t>
+            </a:fld>
+            <a:endParaRPr/>
+          </a:p>
+        </p:txBody>
+      </p:sp>
+    </p:spTree>
+  </p:cSld>
+  <p:clrMapOvr>
+    <a:masterClrMapping/>
+  </p:clrMapOvr>
+</p:sld>
+</file>
+
+<file path=ppt/slides/slide15.xml><?xml version="1.0" encoding="utf-8"?>
+<p:sld xmlns:a="http://schemas.openxmlformats.org/drawingml/2006/main" xmlns:r="http://schemas.openxmlformats.org/officeDocument/2006/relationships" xmlns:mc="http://schemas.openxmlformats.org/markup-compatibility/2006" xmlns:mv="urn:schemas-microsoft-com:mac:vml" xmlns:p="http://schemas.openxmlformats.org/presentationml/2006/main" xmlns:c="http://schemas.openxmlformats.org/drawingml/2006/chart" xmlns:dgm="http://schemas.openxmlformats.org/drawingml/2006/diagram" xmlns:o="urn:schemas-microsoft-com:office:office" xmlns:v="urn:schemas-microsoft-com:vml" xmlns:pvml="urn:schemas-microsoft-com:office:powerpoint" xmlns:com="http://schemas.openxmlformats.org/drawingml/2006/compatibility" xmlns:p14="http://schemas.microsoft.com/office/powerpoint/2010/main" xmlns:p15="http://schemas.microsoft.com/office/powerpoint/2012/main" xmlns:ahyp="http://schemas.microsoft.com/office/drawing/2018/hyperlinkcolor">
+  <p:cSld>
+    <p:spTree>
+      <p:nvGrpSpPr>
+        <p:cNvPr id="228" name="Shape 228"/>
+        <p:cNvGrpSpPr/>
+        <p:nvPr/>
+      </p:nvGrpSpPr>
+      <p:grpSpPr>
+        <a:xfrm>
+          <a:off x="0" y="0"/>
+          <a:ext cx="0" cy="0"/>
+          <a:chOff x="0" y="0"/>
+          <a:chExt cx="0" cy="0"/>
+        </a:xfrm>
+      </p:grpSpPr>
+      <p:sp>
+        <p:nvSpPr>
+          <p:cNvPr id="229" name="Google Shape;229;p28"/>
+          <p:cNvSpPr txBox="1"/>
+          <p:nvPr>
+            <p:ph type="title"/>
+          </p:nvPr>
+        </p:nvSpPr>
+        <p:spPr>
+          <a:xfrm>
+            <a:off x="838200" y="0"/>
+            <a:ext cx="10515600" cy="1325700"/>
+          </a:xfrm>
+          <a:prstGeom prst="rect">
+            <a:avLst/>
+          </a:prstGeom>
+          <a:noFill/>
+          <a:ln>
+            <a:noFill/>
+          </a:ln>
+        </p:spPr>
+        <p:txBody>
+          <a:bodyPr anchorCtr="0" anchor="ctr" bIns="45700" lIns="91425" spcFirstLastPara="1" rIns="91425" wrap="square" tIns="45700">
+            <a:normAutofit/>
+          </a:bodyPr>
+          <a:lstStyle/>
+          <a:p>
+            <a:pPr indent="0" lvl="0" marL="0" rtl="0" algn="l">
+              <a:lnSpc>
+                <a:spcPct val="90000"/>
+              </a:lnSpc>
+              <a:spcBef>
+                <a:spcPts val="0"/>
+              </a:spcBef>
+              <a:spcAft>
+                <a:spcPts val="0"/>
+              </a:spcAft>
+              <a:buClr>
+                <a:schemeClr val="dk1"/>
+              </a:buClr>
+              <a:buSzPts val="4400"/>
+              <a:buFont typeface="Times New Roman"/>
+              <a:buNone/>
+            </a:pPr>
+            <a:r>
+              <a:rPr lang="ru-RU">
+                <a:latin typeface="Times New Roman"/>
+                <a:ea typeface="Times New Roman"/>
+                <a:cs typeface="Times New Roman"/>
+                <a:sym typeface="Times New Roman"/>
+              </a:rPr>
+              <a:t>Предельная нагрузка системы</a:t>
+            </a:r>
+            <a:endParaRPr>
+              <a:latin typeface="Times New Roman"/>
+              <a:ea typeface="Times New Roman"/>
+              <a:cs typeface="Times New Roman"/>
+              <a:sym typeface="Times New Roman"/>
+            </a:endParaRPr>
+          </a:p>
+        </p:txBody>
+      </p:sp>
+      <p:sp>
+        <p:nvSpPr>
+          <p:cNvPr id="230" name="Google Shape;230;p28"/>
+          <p:cNvSpPr txBox="1"/>
+          <p:nvPr/>
+        </p:nvSpPr>
+        <p:spPr>
+          <a:xfrm>
+            <a:off x="502920" y="1491946"/>
+            <a:ext cx="11186100" cy="5246700"/>
+          </a:xfrm>
+          <a:prstGeom prst="rect">
+            <a:avLst/>
+          </a:prstGeom>
+          <a:noFill/>
+          <a:ln>
+            <a:noFill/>
+          </a:ln>
+        </p:spPr>
+        <p:txBody>
+          <a:bodyPr anchorCtr="0" anchor="t" bIns="91425" lIns="91425" spcFirstLastPara="1" rIns="91425" wrap="square" tIns="91425">
+            <a:noAutofit/>
+          </a:bodyPr>
+          <a:lstStyle/>
+          <a:p>
+            <a:pPr indent="0" lvl="0" marL="0" marR="0" rtl="0" algn="l">
+              <a:lnSpc>
+                <a:spcPct val="115000"/>
+              </a:lnSpc>
+              <a:spcBef>
+                <a:spcPts val="0"/>
+              </a:spcBef>
+              <a:spcAft>
+                <a:spcPts val="0"/>
+              </a:spcAft>
+              <a:buNone/>
+            </a:pPr>
+            <a:r>
+              <a:t/>
+            </a:r>
+            <a:endParaRPr b="0" i="0" sz="1600" u="none" cap="none" strike="noStrike">
+              <a:solidFill>
+                <a:schemeClr val="dk1"/>
+              </a:solidFill>
+              <a:latin typeface="Open Sans"/>
+              <a:ea typeface="Open Sans"/>
+              <a:cs typeface="Open Sans"/>
+              <a:sym typeface="Open Sans"/>
+            </a:endParaRPr>
+          </a:p>
+        </p:txBody>
+      </p:sp>
+      <p:sp>
+        <p:nvSpPr>
+          <p:cNvPr id="231" name="Google Shape;231;p28"/>
           <p:cNvSpPr txBox="1"/>
           <p:nvPr/>
         </p:nvSpPr>
@@ -15249,7 +17552,7 @@
       </p:sp>
       <p:sp>
         <p:nvSpPr>
-          <p:cNvPr id="196" name="Google Shape;196;p24"/>
+          <p:cNvPr id="232" name="Google Shape;232;p28"/>
           <p:cNvSpPr txBox="1"/>
           <p:nvPr/>
         </p:nvSpPr>
@@ -15363,7 +17666,7 @@
       </p:sp>
       <p:sp>
         <p:nvSpPr>
-          <p:cNvPr id="197" name="Google Shape;197;p24"/>
+          <p:cNvPr id="233" name="Google Shape;233;p28"/>
           <p:cNvSpPr txBox="1"/>
           <p:nvPr>
             <p:ph idx="12" type="sldNum"/>
@@ -15407,7 +17710,7 @@
       </p:sp>
       <p:pic>
         <p:nvPicPr>
-          <p:cNvPr id="198" name="Google Shape;198;p24"/>
+          <p:cNvPr id="234" name="Google Shape;234;p28"/>
           <p:cNvPicPr preferRelativeResize="0"/>
           <p:nvPr/>
         </p:nvPicPr>
@@ -15435,7 +17738,7 @@
       </p:pic>
       <p:pic>
         <p:nvPicPr>
-          <p:cNvPr id="199" name="Google Shape;199;p24"/>
+          <p:cNvPr id="235" name="Google Shape;235;p28"/>
           <p:cNvPicPr preferRelativeResize="0"/>
           <p:nvPr/>
         </p:nvPicPr>
@@ -15469,12 +17772,12 @@
 </p:sld>
 </file>
 
-<file path=ppt/slides/slide12.xml><?xml version="1.0" encoding="utf-8"?>
+<file path=ppt/slides/slide16.xml><?xml version="1.0" encoding="utf-8"?>
 <p:sld xmlns:a="http://schemas.openxmlformats.org/drawingml/2006/main" xmlns:r="http://schemas.openxmlformats.org/officeDocument/2006/relationships" xmlns:mc="http://schemas.openxmlformats.org/markup-compatibility/2006" xmlns:mv="urn:schemas-microsoft-com:mac:vml" xmlns:p="http://schemas.openxmlformats.org/presentationml/2006/main" xmlns:c="http://schemas.openxmlformats.org/drawingml/2006/chart" xmlns:dgm="http://schemas.openxmlformats.org/drawingml/2006/diagram" xmlns:o="urn:schemas-microsoft-com:office:office" xmlns:v="urn:schemas-microsoft-com:vml" xmlns:pvml="urn:schemas-microsoft-com:office:powerpoint" xmlns:com="http://schemas.openxmlformats.org/drawingml/2006/compatibility" xmlns:p14="http://schemas.microsoft.com/office/powerpoint/2010/main" xmlns:p15="http://schemas.microsoft.com/office/powerpoint/2012/main" xmlns:ahyp="http://schemas.microsoft.com/office/drawing/2018/hyperlinkcolor">
   <p:cSld>
     <p:spTree>
       <p:nvGrpSpPr>
-        <p:cNvPr id="204" name="Shape 204"/>
+        <p:cNvPr id="240" name="Shape 240"/>
         <p:cNvGrpSpPr/>
         <p:nvPr/>
       </p:nvGrpSpPr>
@@ -15488,7 +17791,7 @@
       </p:grpSpPr>
       <p:sp>
         <p:nvSpPr>
-          <p:cNvPr id="205" name="Google Shape;205;p25"/>
+          <p:cNvPr id="241" name="Google Shape;241;p29"/>
           <p:cNvSpPr txBox="1"/>
           <p:nvPr>
             <p:ph type="title"/>
@@ -15547,7 +17850,7 @@
       </p:sp>
       <p:sp>
         <p:nvSpPr>
-          <p:cNvPr id="206" name="Google Shape;206;p25"/>
+          <p:cNvPr id="242" name="Google Shape;242;p29"/>
           <p:cNvSpPr txBox="1"/>
           <p:nvPr/>
         </p:nvSpPr>
@@ -15981,7 +18284,7 @@
       </p:sp>
       <p:sp>
         <p:nvSpPr>
-          <p:cNvPr id="207" name="Google Shape;207;p25"/>
+          <p:cNvPr id="243" name="Google Shape;243;p29"/>
           <p:cNvSpPr txBox="1"/>
           <p:nvPr>
             <p:ph idx="12" type="sldNum"/>
@@ -16031,12 +18334,12 @@
 </p:sld>
 </file>
 
-<file path=ppt/slides/slide13.xml><?xml version="1.0" encoding="utf-8"?>
+<file path=ppt/slides/slide17.xml><?xml version="1.0" encoding="utf-8"?>
 <p:sld xmlns:a="http://schemas.openxmlformats.org/drawingml/2006/main" xmlns:r="http://schemas.openxmlformats.org/officeDocument/2006/relationships" xmlns:mc="http://schemas.openxmlformats.org/markup-compatibility/2006" xmlns:mv="urn:schemas-microsoft-com:mac:vml" xmlns:p="http://schemas.openxmlformats.org/presentationml/2006/main" xmlns:c="http://schemas.openxmlformats.org/drawingml/2006/chart" xmlns:dgm="http://schemas.openxmlformats.org/drawingml/2006/diagram" xmlns:o="urn:schemas-microsoft-com:office:office" xmlns:v="urn:schemas-microsoft-com:vml" xmlns:pvml="urn:schemas-microsoft-com:office:powerpoint" xmlns:com="http://schemas.openxmlformats.org/drawingml/2006/compatibility" xmlns:p14="http://schemas.microsoft.com/office/powerpoint/2010/main" xmlns:p15="http://schemas.microsoft.com/office/powerpoint/2012/main" xmlns:ahyp="http://schemas.microsoft.com/office/drawing/2018/hyperlinkcolor">
   <p:cSld>
     <p:spTree>
       <p:nvGrpSpPr>
-        <p:cNvPr id="212" name="Shape 212"/>
+        <p:cNvPr id="248" name="Shape 248"/>
         <p:cNvGrpSpPr/>
         <p:nvPr/>
       </p:nvGrpSpPr>
@@ -16050,7 +18353,7 @@
       </p:grpSpPr>
       <p:sp>
         <p:nvSpPr>
-          <p:cNvPr id="213" name="Google Shape;213;p26"/>
+          <p:cNvPr id="249" name="Google Shape;249;p30"/>
           <p:cNvSpPr txBox="1"/>
           <p:nvPr>
             <p:ph type="title"/>
@@ -16109,7 +18412,7 @@
       </p:sp>
       <p:sp>
         <p:nvSpPr>
-          <p:cNvPr id="214" name="Google Shape;214;p26"/>
+          <p:cNvPr id="250" name="Google Shape;250;p30"/>
           <p:cNvSpPr txBox="1"/>
           <p:nvPr/>
         </p:nvSpPr>
@@ -16151,19 +18454,7 @@
                 <a:cs typeface="Times New Roman"/>
                 <a:sym typeface="Times New Roman"/>
               </a:rPr>
-              <a:t>В рамках курсовой работы была разработана</a:t>
-            </a:r>
-            <a:r>
-              <a:rPr lang="ru-RU" sz="2500">
-                <a:solidFill>
-                  <a:schemeClr val="dk1"/>
-                </a:solidFill>
-                <a:latin typeface="Times New Roman"/>
-                <a:ea typeface="Times New Roman"/>
-                <a:cs typeface="Times New Roman"/>
-                <a:sym typeface="Times New Roman"/>
-              </a:rPr>
-              <a:t> система извлечения многокомпонентных терминов и их переводных эквивалентов из параллельных научно-технических текстов. Д</a:t>
+              <a:t>В рамках курсовой работы была разработана система извлечения многокомпонентных терминов и их переводных эквивалентов из параллельных научно-технических текстов. Д</a:t>
             </a:r>
             <a:r>
               <a:rPr lang="ru-RU" sz="2400">
@@ -16376,7 +18667,7 @@
       </p:sp>
       <p:sp>
         <p:nvSpPr>
-          <p:cNvPr id="215" name="Google Shape;215;p26"/>
+          <p:cNvPr id="251" name="Google Shape;251;p30"/>
           <p:cNvSpPr txBox="1"/>
           <p:nvPr>
             <p:ph idx="12" type="sldNum"/>
@@ -16408,6 +18699,304 @@
                 <a:srgbClr val="000000"/>
               </a:buClr>
               <a:buFont typeface="Arial"/>
+              <a:buNone/>
+            </a:pPr>
+            <a:fld id="{00000000-1234-1234-1234-123412341234}" type="slidenum">
+              <a:rPr lang="ru-RU"/>
+              <a:t>‹#›</a:t>
+            </a:fld>
+            <a:endParaRPr/>
+          </a:p>
+        </p:txBody>
+      </p:sp>
+    </p:spTree>
+  </p:cSld>
+  <p:clrMapOvr>
+    <a:masterClrMapping/>
+  </p:clrMapOvr>
+</p:sld>
+</file>
+
+<file path=ppt/slides/slide18.xml><?xml version="1.0" encoding="utf-8"?>
+<p:sld xmlns:a="http://schemas.openxmlformats.org/drawingml/2006/main" xmlns:r="http://schemas.openxmlformats.org/officeDocument/2006/relationships" xmlns:mc="http://schemas.openxmlformats.org/markup-compatibility/2006" xmlns:mv="urn:schemas-microsoft-com:mac:vml" xmlns:p="http://schemas.openxmlformats.org/presentationml/2006/main" xmlns:c="http://schemas.openxmlformats.org/drawingml/2006/chart" xmlns:dgm="http://schemas.openxmlformats.org/drawingml/2006/diagram" xmlns:o="urn:schemas-microsoft-com:office:office" xmlns:v="urn:schemas-microsoft-com:vml" xmlns:pvml="urn:schemas-microsoft-com:office:powerpoint" xmlns:com="http://schemas.openxmlformats.org/drawingml/2006/compatibility" xmlns:p14="http://schemas.microsoft.com/office/powerpoint/2010/main" xmlns:p15="http://schemas.microsoft.com/office/powerpoint/2012/main" xmlns:ahyp="http://schemas.microsoft.com/office/drawing/2018/hyperlinkcolor" show="0">
+  <p:cSld>
+    <p:spTree>
+      <p:nvGrpSpPr>
+        <p:cNvPr id="256" name="Shape 256"/>
+        <p:cNvGrpSpPr/>
+        <p:nvPr/>
+      </p:nvGrpSpPr>
+      <p:grpSpPr>
+        <a:xfrm>
+          <a:off x="0" y="0"/>
+          <a:ext cx="0" cy="0"/>
+          <a:chOff x="0" y="0"/>
+          <a:chExt cx="0" cy="0"/>
+        </a:xfrm>
+      </p:grpSpPr>
+      <p:sp>
+        <p:nvSpPr>
+          <p:cNvPr id="257" name="Google Shape;257;p31"/>
+          <p:cNvSpPr txBox="1"/>
+          <p:nvPr>
+            <p:ph type="title"/>
+          </p:nvPr>
+        </p:nvSpPr>
+        <p:spPr>
+          <a:xfrm>
+            <a:off x="838200" y="0"/>
+            <a:ext cx="10515600" cy="1325700"/>
+          </a:xfrm>
+          <a:prstGeom prst="rect">
+            <a:avLst/>
+          </a:prstGeom>
+          <a:noFill/>
+          <a:ln>
+            <a:noFill/>
+          </a:ln>
+        </p:spPr>
+        <p:txBody>
+          <a:bodyPr anchorCtr="0" anchor="ctr" bIns="45700" lIns="91425" spcFirstLastPara="1" rIns="91425" wrap="square" tIns="45700">
+            <a:normAutofit/>
+          </a:bodyPr>
+          <a:lstStyle/>
+          <a:p>
+            <a:pPr indent="0" lvl="0" marL="0" rtl="0" algn="l">
+              <a:spcBef>
+                <a:spcPts val="0"/>
+              </a:spcBef>
+              <a:spcAft>
+                <a:spcPts val="0"/>
+              </a:spcAft>
+              <a:buClr>
+                <a:schemeClr val="dk1"/>
+              </a:buClr>
+              <a:buSzPts val="4400"/>
+              <a:buFont typeface="Times New Roman"/>
+              <a:buNone/>
+            </a:pPr>
+            <a:r>
+              <a:rPr lang="ru-RU">
+                <a:latin typeface="Times New Roman"/>
+                <a:ea typeface="Times New Roman"/>
+                <a:cs typeface="Times New Roman"/>
+                <a:sym typeface="Times New Roman"/>
+              </a:rPr>
+              <a:t>Направления дальнейшего развития</a:t>
+            </a:r>
+            <a:endParaRPr>
+              <a:latin typeface="Times New Roman"/>
+              <a:ea typeface="Times New Roman"/>
+              <a:cs typeface="Times New Roman"/>
+              <a:sym typeface="Times New Roman"/>
+            </a:endParaRPr>
+          </a:p>
+        </p:txBody>
+      </p:sp>
+      <p:sp>
+        <p:nvSpPr>
+          <p:cNvPr id="258" name="Google Shape;258;p31"/>
+          <p:cNvSpPr txBox="1"/>
+          <p:nvPr/>
+        </p:nvSpPr>
+        <p:spPr>
+          <a:xfrm>
+            <a:off x="502925" y="993925"/>
+            <a:ext cx="11186100" cy="5744700"/>
+          </a:xfrm>
+          <a:prstGeom prst="rect">
+            <a:avLst/>
+          </a:prstGeom>
+          <a:noFill/>
+          <a:ln>
+            <a:noFill/>
+          </a:ln>
+        </p:spPr>
+        <p:txBody>
+          <a:bodyPr anchorCtr="0" anchor="t" bIns="91425" lIns="91425" spcFirstLastPara="1" rIns="91425" wrap="square" tIns="91425">
+            <a:noAutofit/>
+          </a:bodyPr>
+          <a:lstStyle/>
+          <a:p>
+            <a:pPr indent="-508635" lvl="0" marL="514350" rtl="0" algn="just">
+              <a:spcBef>
+                <a:spcPts val="1200"/>
+              </a:spcBef>
+              <a:spcAft>
+                <a:spcPts val="0"/>
+              </a:spcAft>
+              <a:buClr>
+                <a:schemeClr val="dk1"/>
+              </a:buClr>
+              <a:buSzPts val="2500"/>
+              <a:buFont typeface="Times New Roman"/>
+              <a:buAutoNum type="arabicPeriod"/>
+            </a:pPr>
+            <a:r>
+              <a:rPr lang="ru-RU" sz="2500">
+                <a:solidFill>
+                  <a:schemeClr val="dk1"/>
+                </a:solidFill>
+                <a:latin typeface="Times New Roman"/>
+                <a:ea typeface="Times New Roman"/>
+                <a:cs typeface="Times New Roman"/>
+                <a:sym typeface="Times New Roman"/>
+              </a:rPr>
+              <a:t>Разработка клиентской части приложения, позволяющей размечать тексты в браузере. </a:t>
+            </a:r>
+            <a:endParaRPr sz="2500">
+              <a:solidFill>
+                <a:schemeClr val="dk1"/>
+              </a:solidFill>
+              <a:latin typeface="Times New Roman"/>
+              <a:ea typeface="Times New Roman"/>
+              <a:cs typeface="Times New Roman"/>
+              <a:sym typeface="Times New Roman"/>
+            </a:endParaRPr>
+          </a:p>
+          <a:p>
+            <a:pPr indent="-508635" lvl="0" marL="514350" rtl="0" algn="just">
+              <a:spcBef>
+                <a:spcPts val="1200"/>
+              </a:spcBef>
+              <a:spcAft>
+                <a:spcPts val="0"/>
+              </a:spcAft>
+              <a:buClr>
+                <a:schemeClr val="dk1"/>
+              </a:buClr>
+              <a:buSzPts val="2500"/>
+              <a:buFont typeface="Times New Roman"/>
+              <a:buAutoNum type="arabicPeriod"/>
+            </a:pPr>
+            <a:r>
+              <a:rPr lang="ru-RU" sz="2500">
+                <a:solidFill>
+                  <a:schemeClr val="dk1"/>
+                </a:solidFill>
+                <a:latin typeface="Times New Roman"/>
+                <a:ea typeface="Times New Roman"/>
+                <a:cs typeface="Times New Roman"/>
+                <a:sym typeface="Times New Roman"/>
+              </a:rPr>
+              <a:t>Добавление авторизации через JWT/cookie.</a:t>
+            </a:r>
+            <a:endParaRPr sz="2500">
+              <a:solidFill>
+                <a:schemeClr val="dk1"/>
+              </a:solidFill>
+              <a:latin typeface="Times New Roman"/>
+              <a:ea typeface="Times New Roman"/>
+              <a:cs typeface="Times New Roman"/>
+              <a:sym typeface="Times New Roman"/>
+            </a:endParaRPr>
+          </a:p>
+          <a:p>
+            <a:pPr indent="-508635" lvl="0" marL="514350" rtl="0" algn="just">
+              <a:spcBef>
+                <a:spcPts val="1200"/>
+              </a:spcBef>
+              <a:spcAft>
+                <a:spcPts val="0"/>
+              </a:spcAft>
+              <a:buClr>
+                <a:schemeClr val="dk1"/>
+              </a:buClr>
+              <a:buSzPts val="2500"/>
+              <a:buFont typeface="Times New Roman"/>
+              <a:buAutoNum type="arabicPeriod"/>
+            </a:pPr>
+            <a:r>
+              <a:rPr lang="ru-RU" sz="2500">
+                <a:solidFill>
+                  <a:schemeClr val="dk1"/>
+                </a:solidFill>
+                <a:latin typeface="Times New Roman"/>
+                <a:ea typeface="Times New Roman"/>
+                <a:cs typeface="Times New Roman"/>
+                <a:sym typeface="Times New Roman"/>
+              </a:rPr>
+              <a:t>Добавление микросервиса для автоматической разметки текстов.</a:t>
+            </a:r>
+            <a:endParaRPr sz="2500">
+              <a:solidFill>
+                <a:schemeClr val="dk1"/>
+              </a:solidFill>
+              <a:latin typeface="Times New Roman"/>
+              <a:ea typeface="Times New Roman"/>
+              <a:cs typeface="Times New Roman"/>
+              <a:sym typeface="Times New Roman"/>
+            </a:endParaRPr>
+          </a:p>
+          <a:p>
+            <a:pPr indent="-508635" lvl="0" marL="514350" rtl="0" algn="just">
+              <a:spcBef>
+                <a:spcPts val="1200"/>
+              </a:spcBef>
+              <a:spcAft>
+                <a:spcPts val="0"/>
+              </a:spcAft>
+              <a:buClr>
+                <a:schemeClr val="dk1"/>
+              </a:buClr>
+              <a:buSzPts val="2500"/>
+              <a:buFont typeface="Times New Roman"/>
+              <a:buAutoNum type="arabicPeriod"/>
+            </a:pPr>
+            <a:r>
+              <a:rPr lang="ru-RU" sz="2500">
+                <a:solidFill>
+                  <a:schemeClr val="dk1"/>
+                </a:solidFill>
+                <a:latin typeface="Times New Roman"/>
+                <a:ea typeface="Times New Roman"/>
+                <a:cs typeface="Times New Roman"/>
+                <a:sym typeface="Times New Roman"/>
+              </a:rPr>
+              <a:t>Добавление микросервиса для перемещения данных из кеша в основное хранилище.</a:t>
+            </a:r>
+            <a:endParaRPr sz="1600">
+              <a:solidFill>
+                <a:schemeClr val="dk1"/>
+              </a:solidFill>
+              <a:latin typeface="Open Sans"/>
+              <a:ea typeface="Open Sans"/>
+              <a:cs typeface="Open Sans"/>
+              <a:sym typeface="Open Sans"/>
+            </a:endParaRPr>
+          </a:p>
+        </p:txBody>
+      </p:sp>
+      <p:sp>
+        <p:nvSpPr>
+          <p:cNvPr id="259" name="Google Shape;259;p31"/>
+          <p:cNvSpPr txBox="1"/>
+          <p:nvPr>
+            <p:ph idx="12" type="sldNum"/>
+          </p:nvPr>
+        </p:nvSpPr>
+        <p:spPr>
+          <a:xfrm>
+            <a:off x="8610600" y="6356350"/>
+            <a:ext cx="2743200" cy="365100"/>
+          </a:xfrm>
+          <a:prstGeom prst="rect">
+            <a:avLst/>
+          </a:prstGeom>
+        </p:spPr>
+        <p:txBody>
+          <a:bodyPr anchorCtr="0" anchor="ctr" bIns="45700" lIns="91425" spcFirstLastPara="1" rIns="91425" wrap="square" tIns="45700">
+            <a:noAutofit/>
+          </a:bodyPr>
+          <a:lstStyle/>
+          <a:p>
+            <a:pPr indent="0" lvl="0" marL="0" rtl="0" algn="r">
+              <a:spcBef>
+                <a:spcPts val="0"/>
+              </a:spcBef>
+              <a:spcAft>
+                <a:spcPts val="0"/>
+              </a:spcAft>
               <a:buNone/>
             </a:pPr>
             <a:fld id="{00000000-1234-1234-1234-123412341234}" type="slidenum">
@@ -17311,7 +19900,7 @@
         <p:spPr>
           <a:xfrm>
             <a:off x="502920" y="1491946"/>
-            <a:ext cx="11186159" cy="5246784"/>
+            <a:ext cx="11186100" cy="5246700"/>
           </a:xfrm>
           <a:prstGeom prst="rect">
             <a:avLst/>
@@ -17502,7 +20091,25 @@
                 <a:cs typeface="Times New Roman"/>
                 <a:sym typeface="Times New Roman"/>
               </a:rPr>
-              <a:t>Архитектура ПО</a:t>
+              <a:t>ER-</a:t>
+            </a:r>
+            <a:r>
+              <a:rPr lang="ru-RU">
+                <a:latin typeface="Times New Roman"/>
+                <a:ea typeface="Times New Roman"/>
+                <a:cs typeface="Times New Roman"/>
+                <a:sym typeface="Times New Roman"/>
+              </a:rPr>
+              <a:t>диаграмма</a:t>
+            </a:r>
+            <a:r>
+              <a:rPr lang="ru-RU">
+                <a:latin typeface="Times New Roman"/>
+                <a:ea typeface="Times New Roman"/>
+                <a:cs typeface="Times New Roman"/>
+                <a:sym typeface="Times New Roman"/>
+              </a:rPr>
+              <a:t> базы данных</a:t>
             </a:r>
             <a:endParaRPr>
               <a:latin typeface="Times New Roman"/>
@@ -17522,7 +20129,7 @@
         <p:spPr>
           <a:xfrm>
             <a:off x="502920" y="1491946"/>
-            <a:ext cx="11186100" cy="5246700"/>
+            <a:ext cx="11186159" cy="5246784"/>
           </a:xfrm>
           <a:prstGeom prst="rect">
             <a:avLst/>
@@ -17565,37 +20172,9 @@
           </a:p>
         </p:txBody>
       </p:sp>
-      <p:pic>
-        <p:nvPicPr>
-          <p:cNvPr id="133" name="Google Shape;133;p18"/>
-          <p:cNvPicPr preferRelativeResize="0"/>
-          <p:nvPr/>
-        </p:nvPicPr>
-        <p:blipFill>
-          <a:blip r:embed="rId3">
-            <a:alphaModFix/>
-          </a:blip>
-          <a:stretch>
-            <a:fillRect/>
-          </a:stretch>
-        </p:blipFill>
-        <p:spPr>
-          <a:xfrm>
-            <a:off x="2239575" y="1139925"/>
-            <a:ext cx="7712845" cy="5532302"/>
-          </a:xfrm>
-          <a:prstGeom prst="rect">
-            <a:avLst/>
-          </a:prstGeom>
-          <a:noFill/>
-          <a:ln>
-            <a:noFill/>
-          </a:ln>
-        </p:spPr>
-      </p:pic>
       <p:sp>
         <p:nvSpPr>
-          <p:cNvPr id="134" name="Google Shape;134;p18"/>
+          <p:cNvPr id="133" name="Google Shape;133;p18"/>
           <p:cNvSpPr txBox="1"/>
           <p:nvPr>
             <p:ph idx="12" type="sldNum"/>
@@ -17637,6 +20216,34 @@
           </a:p>
         </p:txBody>
       </p:sp>
+      <p:pic>
+        <p:nvPicPr>
+          <p:cNvPr id="134" name="Google Shape;134;p18"/>
+          <p:cNvPicPr preferRelativeResize="0"/>
+          <p:nvPr/>
+        </p:nvPicPr>
+        <p:blipFill>
+          <a:blip r:embed="rId3">
+            <a:alphaModFix/>
+          </a:blip>
+          <a:stretch>
+            <a:fillRect/>
+          </a:stretch>
+        </p:blipFill>
+        <p:spPr>
+          <a:xfrm>
+            <a:off x="2406500" y="1010650"/>
+            <a:ext cx="7379011" cy="5710799"/>
+          </a:xfrm>
+          <a:prstGeom prst="rect">
+            <a:avLst/>
+          </a:prstGeom>
+          <a:noFill/>
+          <a:ln>
+            <a:noFill/>
+          </a:ln>
+        </p:spPr>
+      </p:pic>
     </p:spTree>
   </p:cSld>
   <p:clrMapOvr>
@@ -17713,7 +20320,7 @@
                 <a:cs typeface="Times New Roman"/>
                 <a:sym typeface="Times New Roman"/>
               </a:rPr>
-              <a:t>Анализ СУБД</a:t>
+              <a:t>Хранимая процедура БД</a:t>
             </a:r>
             <a:endParaRPr>
               <a:latin typeface="Times New Roman"/>
@@ -17820,9 +20427,431 @@
           </a:p>
         </p:txBody>
       </p:sp>
+      <p:pic>
+        <p:nvPicPr>
+          <p:cNvPr id="143" name="Google Shape;143;p19"/>
+          <p:cNvPicPr preferRelativeResize="0"/>
+          <p:nvPr/>
+        </p:nvPicPr>
+        <p:blipFill>
+          <a:blip r:embed="rId3">
+            <a:alphaModFix/>
+          </a:blip>
+          <a:stretch>
+            <a:fillRect/>
+          </a:stretch>
+        </p:blipFill>
+        <p:spPr>
+          <a:xfrm>
+            <a:off x="2970476" y="1027850"/>
+            <a:ext cx="6251059" cy="5710802"/>
+          </a:xfrm>
+          <a:prstGeom prst="rect">
+            <a:avLst/>
+          </a:prstGeom>
+          <a:noFill/>
+          <a:ln>
+            <a:noFill/>
+          </a:ln>
+        </p:spPr>
+      </p:pic>
+    </p:spTree>
+  </p:cSld>
+  <p:clrMapOvr>
+    <a:masterClrMapping/>
+  </p:clrMapOvr>
+</p:sld>
+</file>
+
+<file path=ppt/slides/slide7.xml><?xml version="1.0" encoding="utf-8"?>
+<p:sld xmlns:a="http://schemas.openxmlformats.org/drawingml/2006/main" xmlns:r="http://schemas.openxmlformats.org/officeDocument/2006/relationships" xmlns:mc="http://schemas.openxmlformats.org/markup-compatibility/2006" xmlns:mv="urn:schemas-microsoft-com:mac:vml" xmlns:p="http://schemas.openxmlformats.org/presentationml/2006/main" xmlns:c="http://schemas.openxmlformats.org/drawingml/2006/chart" xmlns:dgm="http://schemas.openxmlformats.org/drawingml/2006/diagram" xmlns:o="urn:schemas-microsoft-com:office:office" xmlns:v="urn:schemas-microsoft-com:vml" xmlns:pvml="urn:schemas-microsoft-com:office:powerpoint" xmlns:com="http://schemas.openxmlformats.org/drawingml/2006/compatibility" xmlns:p14="http://schemas.microsoft.com/office/powerpoint/2010/main" xmlns:p15="http://schemas.microsoft.com/office/powerpoint/2012/main" xmlns:ahyp="http://schemas.microsoft.com/office/drawing/2018/hyperlinkcolor">
+  <p:cSld>
+    <p:spTree>
+      <p:nvGrpSpPr>
+        <p:cNvPr id="148" name="Shape 148"/>
+        <p:cNvGrpSpPr/>
+        <p:nvPr/>
+      </p:nvGrpSpPr>
+      <p:grpSpPr>
+        <a:xfrm>
+          <a:off x="0" y="0"/>
+          <a:ext cx="0" cy="0"/>
+          <a:chOff x="0" y="0"/>
+          <a:chExt cx="0" cy="0"/>
+        </a:xfrm>
+      </p:grpSpPr>
+      <p:sp>
+        <p:nvSpPr>
+          <p:cNvPr id="149" name="Google Shape;149;p20"/>
+          <p:cNvSpPr txBox="1"/>
+          <p:nvPr>
+            <p:ph type="title"/>
+          </p:nvPr>
+        </p:nvSpPr>
+        <p:spPr>
+          <a:xfrm>
+            <a:off x="838200" y="0"/>
+            <a:ext cx="10515600" cy="1325700"/>
+          </a:xfrm>
+          <a:prstGeom prst="rect">
+            <a:avLst/>
+          </a:prstGeom>
+          <a:noFill/>
+          <a:ln>
+            <a:noFill/>
+          </a:ln>
+        </p:spPr>
+        <p:txBody>
+          <a:bodyPr anchorCtr="0" anchor="ctr" bIns="45700" lIns="91425" spcFirstLastPara="1" rIns="91425" wrap="square" tIns="45700">
+            <a:normAutofit/>
+          </a:bodyPr>
+          <a:lstStyle/>
+          <a:p>
+            <a:pPr indent="0" lvl="0" marL="0" rtl="0" algn="l">
+              <a:lnSpc>
+                <a:spcPct val="90000"/>
+              </a:lnSpc>
+              <a:spcBef>
+                <a:spcPts val="0"/>
+              </a:spcBef>
+              <a:spcAft>
+                <a:spcPts val="0"/>
+              </a:spcAft>
+              <a:buClr>
+                <a:schemeClr val="dk1"/>
+              </a:buClr>
+              <a:buSzPts val="4400"/>
+              <a:buFont typeface="Times New Roman"/>
+              <a:buNone/>
+            </a:pPr>
+            <a:r>
+              <a:rPr lang="ru-RU">
+                <a:latin typeface="Times New Roman"/>
+                <a:ea typeface="Times New Roman"/>
+                <a:cs typeface="Times New Roman"/>
+                <a:sym typeface="Times New Roman"/>
+              </a:rPr>
+              <a:t>Архитектура ПО</a:t>
+            </a:r>
+            <a:endParaRPr>
+              <a:latin typeface="Times New Roman"/>
+              <a:ea typeface="Times New Roman"/>
+              <a:cs typeface="Times New Roman"/>
+              <a:sym typeface="Times New Roman"/>
+            </a:endParaRPr>
+          </a:p>
+        </p:txBody>
+      </p:sp>
+      <p:sp>
+        <p:nvSpPr>
+          <p:cNvPr id="150" name="Google Shape;150;p20"/>
+          <p:cNvSpPr txBox="1"/>
+          <p:nvPr/>
+        </p:nvSpPr>
+        <p:spPr>
+          <a:xfrm>
+            <a:off x="502920" y="1491946"/>
+            <a:ext cx="11186100" cy="5246700"/>
+          </a:xfrm>
+          <a:prstGeom prst="rect">
+            <a:avLst/>
+          </a:prstGeom>
+          <a:noFill/>
+          <a:ln>
+            <a:noFill/>
+          </a:ln>
+        </p:spPr>
+        <p:txBody>
+          <a:bodyPr anchorCtr="0" anchor="t" bIns="91425" lIns="91425" spcFirstLastPara="1" rIns="91425" wrap="square" tIns="91425">
+            <a:noAutofit/>
+          </a:bodyPr>
+          <a:lstStyle/>
+          <a:p>
+            <a:pPr indent="0" lvl="0" marL="0" marR="0" rtl="0" algn="l">
+              <a:lnSpc>
+                <a:spcPct val="115000"/>
+              </a:lnSpc>
+              <a:spcBef>
+                <a:spcPts val="0"/>
+              </a:spcBef>
+              <a:spcAft>
+                <a:spcPts val="0"/>
+              </a:spcAft>
+              <a:buNone/>
+            </a:pPr>
+            <a:r>
+              <a:t/>
+            </a:r>
+            <a:endParaRPr b="0" i="0" sz="1600" u="none" cap="none" strike="noStrike">
+              <a:solidFill>
+                <a:schemeClr val="dk1"/>
+              </a:solidFill>
+              <a:latin typeface="Open Sans"/>
+              <a:ea typeface="Open Sans"/>
+              <a:cs typeface="Open Sans"/>
+              <a:sym typeface="Open Sans"/>
+            </a:endParaRPr>
+          </a:p>
+        </p:txBody>
+      </p:sp>
+      <p:pic>
+        <p:nvPicPr>
+          <p:cNvPr id="151" name="Google Shape;151;p20"/>
+          <p:cNvPicPr preferRelativeResize="0"/>
+          <p:nvPr/>
+        </p:nvPicPr>
+        <p:blipFill>
+          <a:blip r:embed="rId3">
+            <a:alphaModFix/>
+          </a:blip>
+          <a:stretch>
+            <a:fillRect/>
+          </a:stretch>
+        </p:blipFill>
+        <p:spPr>
+          <a:xfrm>
+            <a:off x="2239575" y="1139925"/>
+            <a:ext cx="7712845" cy="5532302"/>
+          </a:xfrm>
+          <a:prstGeom prst="rect">
+            <a:avLst/>
+          </a:prstGeom>
+          <a:noFill/>
+          <a:ln>
+            <a:noFill/>
+          </a:ln>
+        </p:spPr>
+      </p:pic>
+      <p:sp>
+        <p:nvSpPr>
+          <p:cNvPr id="152" name="Google Shape;152;p20"/>
+          <p:cNvSpPr txBox="1"/>
+          <p:nvPr>
+            <p:ph idx="12" type="sldNum"/>
+          </p:nvPr>
+        </p:nvSpPr>
+        <p:spPr>
+          <a:xfrm>
+            <a:off x="8610600" y="6356350"/>
+            <a:ext cx="2743200" cy="365100"/>
+          </a:xfrm>
+          <a:prstGeom prst="rect">
+            <a:avLst/>
+          </a:prstGeom>
+        </p:spPr>
+        <p:txBody>
+          <a:bodyPr anchorCtr="0" anchor="ctr" bIns="45700" lIns="91425" spcFirstLastPara="1" rIns="91425" wrap="square" tIns="45700">
+            <a:noAutofit/>
+          </a:bodyPr>
+          <a:lstStyle/>
+          <a:p>
+            <a:pPr indent="0" lvl="0" marL="0" rtl="0" algn="r">
+              <a:spcBef>
+                <a:spcPts val="0"/>
+              </a:spcBef>
+              <a:spcAft>
+                <a:spcPts val="0"/>
+              </a:spcAft>
+              <a:buClr>
+                <a:srgbClr val="000000"/>
+              </a:buClr>
+              <a:buFont typeface="Arial"/>
+              <a:buNone/>
+            </a:pPr>
+            <a:fld id="{00000000-1234-1234-1234-123412341234}" type="slidenum">
+              <a:rPr lang="ru-RU"/>
+              <a:t>‹#›</a:t>
+            </a:fld>
+            <a:endParaRPr/>
+          </a:p>
+        </p:txBody>
+      </p:sp>
+    </p:spTree>
+  </p:cSld>
+  <p:clrMapOvr>
+    <a:masterClrMapping/>
+  </p:clrMapOvr>
+</p:sld>
+</file>
+
+<file path=ppt/slides/slide8.xml><?xml version="1.0" encoding="utf-8"?>
+<p:sld xmlns:a="http://schemas.openxmlformats.org/drawingml/2006/main" xmlns:r="http://schemas.openxmlformats.org/officeDocument/2006/relationships" xmlns:mc="http://schemas.openxmlformats.org/markup-compatibility/2006" xmlns:mv="urn:schemas-microsoft-com:mac:vml" xmlns:p="http://schemas.openxmlformats.org/presentationml/2006/main" xmlns:c="http://schemas.openxmlformats.org/drawingml/2006/chart" xmlns:dgm="http://schemas.openxmlformats.org/drawingml/2006/diagram" xmlns:o="urn:schemas-microsoft-com:office:office" xmlns:v="urn:schemas-microsoft-com:vml" xmlns:pvml="urn:schemas-microsoft-com:office:powerpoint" xmlns:com="http://schemas.openxmlformats.org/drawingml/2006/compatibility" xmlns:p14="http://schemas.microsoft.com/office/powerpoint/2010/main" xmlns:p15="http://schemas.microsoft.com/office/powerpoint/2012/main" xmlns:ahyp="http://schemas.microsoft.com/office/drawing/2018/hyperlinkcolor">
+  <p:cSld>
+    <p:spTree>
+      <p:nvGrpSpPr>
+        <p:cNvPr id="157" name="Shape 157"/>
+        <p:cNvGrpSpPr/>
+        <p:nvPr/>
+      </p:nvGrpSpPr>
+      <p:grpSpPr>
+        <a:xfrm>
+          <a:off x="0" y="0"/>
+          <a:ext cx="0" cy="0"/>
+          <a:chOff x="0" y="0"/>
+          <a:chExt cx="0" cy="0"/>
+        </a:xfrm>
+      </p:grpSpPr>
+      <p:sp>
+        <p:nvSpPr>
+          <p:cNvPr id="158" name="Google Shape;158;p21"/>
+          <p:cNvSpPr txBox="1"/>
+          <p:nvPr>
+            <p:ph type="title"/>
+          </p:nvPr>
+        </p:nvSpPr>
+        <p:spPr>
+          <a:xfrm>
+            <a:off x="838200" y="0"/>
+            <a:ext cx="10515600" cy="1325700"/>
+          </a:xfrm>
+          <a:prstGeom prst="rect">
+            <a:avLst/>
+          </a:prstGeom>
+          <a:noFill/>
+          <a:ln>
+            <a:noFill/>
+          </a:ln>
+        </p:spPr>
+        <p:txBody>
+          <a:bodyPr anchorCtr="0" anchor="ctr" bIns="45700" lIns="91425" spcFirstLastPara="1" rIns="91425" wrap="square" tIns="45700">
+            <a:normAutofit/>
+          </a:bodyPr>
+          <a:lstStyle/>
+          <a:p>
+            <a:pPr indent="0" lvl="0" marL="0" rtl="0" algn="l">
+              <a:lnSpc>
+                <a:spcPct val="90000"/>
+              </a:lnSpc>
+              <a:spcBef>
+                <a:spcPts val="0"/>
+              </a:spcBef>
+              <a:spcAft>
+                <a:spcPts val="0"/>
+              </a:spcAft>
+              <a:buClr>
+                <a:schemeClr val="dk1"/>
+              </a:buClr>
+              <a:buSzPts val="4400"/>
+              <a:buFont typeface="Times New Roman"/>
+              <a:buNone/>
+            </a:pPr>
+            <a:r>
+              <a:rPr lang="ru-RU">
+                <a:latin typeface="Times New Roman"/>
+                <a:ea typeface="Times New Roman"/>
+                <a:cs typeface="Times New Roman"/>
+                <a:sym typeface="Times New Roman"/>
+              </a:rPr>
+              <a:t>Анализ СУБД</a:t>
+            </a:r>
+            <a:endParaRPr>
+              <a:latin typeface="Times New Roman"/>
+              <a:ea typeface="Times New Roman"/>
+              <a:cs typeface="Times New Roman"/>
+              <a:sym typeface="Times New Roman"/>
+            </a:endParaRPr>
+          </a:p>
+        </p:txBody>
+      </p:sp>
+      <p:sp>
+        <p:nvSpPr>
+          <p:cNvPr id="159" name="Google Shape;159;p21"/>
+          <p:cNvSpPr txBox="1"/>
+          <p:nvPr/>
+        </p:nvSpPr>
+        <p:spPr>
+          <a:xfrm>
+            <a:off x="502920" y="1491946"/>
+            <a:ext cx="11186100" cy="5246700"/>
+          </a:xfrm>
+          <a:prstGeom prst="rect">
+            <a:avLst/>
+          </a:prstGeom>
+          <a:noFill/>
+          <a:ln>
+            <a:noFill/>
+          </a:ln>
+        </p:spPr>
+        <p:txBody>
+          <a:bodyPr anchorCtr="0" anchor="t" bIns="91425" lIns="91425" spcFirstLastPara="1" rIns="91425" wrap="square" tIns="91425">
+            <a:noAutofit/>
+          </a:bodyPr>
+          <a:lstStyle/>
+          <a:p>
+            <a:pPr indent="0" lvl="0" marL="0" marR="0" rtl="0" algn="l">
+              <a:lnSpc>
+                <a:spcPct val="115000"/>
+              </a:lnSpc>
+              <a:spcBef>
+                <a:spcPts val="0"/>
+              </a:spcBef>
+              <a:spcAft>
+                <a:spcPts val="0"/>
+              </a:spcAft>
+              <a:buNone/>
+            </a:pPr>
+            <a:r>
+              <a:t/>
+            </a:r>
+            <a:endParaRPr b="0" i="0" sz="1600" u="none" cap="none" strike="noStrike">
+              <a:solidFill>
+                <a:schemeClr val="dk1"/>
+              </a:solidFill>
+              <a:latin typeface="Open Sans"/>
+              <a:ea typeface="Open Sans"/>
+              <a:cs typeface="Open Sans"/>
+              <a:sym typeface="Open Sans"/>
+            </a:endParaRPr>
+          </a:p>
+        </p:txBody>
+      </p:sp>
+      <p:sp>
+        <p:nvSpPr>
+          <p:cNvPr id="160" name="Google Shape;160;p21"/>
+          <p:cNvSpPr txBox="1"/>
+          <p:nvPr>
+            <p:ph idx="12" type="sldNum"/>
+          </p:nvPr>
+        </p:nvSpPr>
+        <p:spPr>
+          <a:xfrm>
+            <a:off x="8610600" y="6356350"/>
+            <a:ext cx="2743200" cy="365100"/>
+          </a:xfrm>
+          <a:prstGeom prst="rect">
+            <a:avLst/>
+          </a:prstGeom>
+        </p:spPr>
+        <p:txBody>
+          <a:bodyPr anchorCtr="0" anchor="ctr" bIns="45700" lIns="91425" spcFirstLastPara="1" rIns="91425" wrap="square" tIns="45700">
+            <a:noAutofit/>
+          </a:bodyPr>
+          <a:lstStyle/>
+          <a:p>
+            <a:pPr indent="0" lvl="0" marL="0" rtl="0" algn="r">
+              <a:spcBef>
+                <a:spcPts val="0"/>
+              </a:spcBef>
+              <a:spcAft>
+                <a:spcPts val="0"/>
+              </a:spcAft>
+              <a:buClr>
+                <a:srgbClr val="000000"/>
+              </a:buClr>
+              <a:buFont typeface="Arial"/>
+              <a:buNone/>
+            </a:pPr>
+            <a:fld id="{00000000-1234-1234-1234-123412341234}" type="slidenum">
+              <a:rPr lang="ru-RU"/>
+              <a:t>‹#›</a:t>
+            </a:fld>
+            <a:endParaRPr/>
+          </a:p>
+        </p:txBody>
+      </p:sp>
       <p:graphicFrame>
         <p:nvGraphicFramePr>
-          <p:cNvPr id="143" name="Google Shape;143;p19"/>
+          <p:cNvPr id="161" name="Google Shape;161;p21"/>
           <p:cNvGraphicFramePr/>
           <p:nvPr/>
         </p:nvGraphicFramePr>
@@ -17835,7 +20864,7 @@
             <a:tbl>
               <a:tblPr>
                 <a:noFill/>
-                <a:tableStyleId>{07E6952D-5E6E-407D-8EF5-488FCF62FFA2}</a:tableStyleId>
+                <a:tableStyleId>{BFAF37D5-BEE2-4AC6-A38F-F48B24D5AD01}</a:tableStyleId>
               </a:tblPr>
               <a:tblGrid>
                 <a:gridCol w="1802450"/>
@@ -17858,10 +20887,10 @@
                         <a:buNone/>
                       </a:pPr>
                       <a:r>
-                        <a:rPr lang="ru-RU" sz="2300"/>
+                        <a:rPr b="1" lang="ru-RU" sz="2300"/>
                         <a:t>СУБД</a:t>
                       </a:r>
-                      <a:endParaRPr sz="2300"/>
+                      <a:endParaRPr b="1" sz="2300"/>
                     </a:p>
                   </a:txBody>
                   <a:tcPr marT="91425" marB="91425" marR="91425" marL="91425"/>
@@ -17881,10 +20910,10 @@
                         <a:buNone/>
                       </a:pPr>
                       <a:r>
-                        <a:rPr lang="ru-RU" sz="2300"/>
+                        <a:rPr b="1" lang="ru-RU" sz="2300"/>
                         <a:t>Характеристики</a:t>
                       </a:r>
-                      <a:endParaRPr sz="2300"/>
+                      <a:endParaRPr b="1" sz="2300"/>
                     </a:p>
                   </a:txBody>
                   <a:tcPr marT="91425" marB="91425" marR="91425" marL="91425"/>
@@ -17904,10 +20933,10 @@
                         <a:buNone/>
                       </a:pPr>
                       <a:r>
-                        <a:rPr lang="ru-RU" sz="2300"/>
+                        <a:rPr b="1" lang="ru-RU" sz="2300"/>
                         <a:t>Назначение</a:t>
                       </a:r>
-                      <a:endParaRPr sz="2300"/>
+                      <a:endParaRPr b="1" sz="2300"/>
                     </a:p>
                   </a:txBody>
                   <a:tcPr marT="91425" marB="91425" marR="91425" marL="91425"/>
@@ -18238,12 +21267,12 @@
 </p:sld>
 </file>
 
-<file path=ppt/slides/slide7.xml><?xml version="1.0" encoding="utf-8"?>
+<file path=ppt/slides/slide9.xml><?xml version="1.0" encoding="utf-8"?>
 <p:sld xmlns:a="http://schemas.openxmlformats.org/drawingml/2006/main" xmlns:r="http://schemas.openxmlformats.org/officeDocument/2006/relationships" xmlns:mc="http://schemas.openxmlformats.org/markup-compatibility/2006" xmlns:mv="urn:schemas-microsoft-com:mac:vml" xmlns:p="http://schemas.openxmlformats.org/presentationml/2006/main" xmlns:c="http://schemas.openxmlformats.org/drawingml/2006/chart" xmlns:dgm="http://schemas.openxmlformats.org/drawingml/2006/diagram" xmlns:o="urn:schemas-microsoft-com:office:office" xmlns:v="urn:schemas-microsoft-com:vml" xmlns:pvml="urn:schemas-microsoft-com:office:powerpoint" xmlns:com="http://schemas.openxmlformats.org/drawingml/2006/compatibility" xmlns:p14="http://schemas.microsoft.com/office/powerpoint/2010/main" xmlns:p15="http://schemas.microsoft.com/office/powerpoint/2012/main" xmlns:ahyp="http://schemas.microsoft.com/office/drawing/2018/hyperlinkcolor">
   <p:cSld>
     <p:spTree>
       <p:nvGrpSpPr>
-        <p:cNvPr id="148" name="Shape 148"/>
+        <p:cNvPr id="166" name="Shape 166"/>
         <p:cNvGrpSpPr/>
         <p:nvPr/>
       </p:nvGrpSpPr>
@@ -18257,7 +21286,7 @@
       </p:grpSpPr>
       <p:sp>
         <p:nvSpPr>
-          <p:cNvPr id="149" name="Google Shape;149;p20"/>
+          <p:cNvPr id="167" name="Google Shape;167;p22"/>
           <p:cNvSpPr txBox="1"/>
           <p:nvPr>
             <p:ph type="title"/>
@@ -18303,7 +21332,7 @@
                 <a:cs typeface="Times New Roman"/>
                 <a:sym typeface="Times New Roman"/>
               </a:rPr>
-              <a:t>Нагрузочное тестирование</a:t>
+              <a:t>Логирование InfluxDB</a:t>
             </a:r>
             <a:endParaRPr>
               <a:latin typeface="Times New Roman"/>
@@ -18316,14 +21345,14 @@
       </p:sp>
       <p:sp>
         <p:nvSpPr>
-          <p:cNvPr id="150" name="Google Shape;150;p20"/>
+          <p:cNvPr id="168" name="Google Shape;168;p22"/>
           <p:cNvSpPr txBox="1"/>
           <p:nvPr/>
         </p:nvSpPr>
         <p:spPr>
           <a:xfrm>
             <a:off x="502925" y="1008100"/>
-            <a:ext cx="11186100" cy="5730600"/>
+            <a:ext cx="6927600" cy="5730600"/>
           </a:xfrm>
           <a:prstGeom prst="rect">
             <a:avLst/>
@@ -18341,117 +21370,12 @@
           <a:p>
             <a:pPr indent="0" lvl="0" marL="0" rtl="0" algn="just">
               <a:spcBef>
-                <a:spcPts val="0"/>
-              </a:spcBef>
-              <a:spcAft>
-                <a:spcPts val="0"/>
-              </a:spcAft>
-              <a:buNone/>
-            </a:pPr>
-            <a:r>
-              <a:rPr b="1" lang="ru-RU" sz="2500">
-                <a:solidFill>
-                  <a:schemeClr val="dk1"/>
-                </a:solidFill>
-                <a:latin typeface="Times New Roman"/>
-                <a:ea typeface="Times New Roman"/>
-                <a:cs typeface="Times New Roman"/>
-                <a:sym typeface="Times New Roman"/>
-              </a:rPr>
-              <a:t>Цель</a:t>
-            </a:r>
-            <a:r>
-              <a:rPr lang="ru-RU" sz="2500">
-                <a:solidFill>
-                  <a:schemeClr val="dk1"/>
-                </a:solidFill>
-                <a:latin typeface="Times New Roman"/>
-                <a:ea typeface="Times New Roman"/>
-                <a:cs typeface="Times New Roman"/>
-                <a:sym typeface="Times New Roman"/>
-              </a:rPr>
-              <a:t> – </a:t>
-            </a:r>
-            <a:r>
-              <a:rPr lang="ru-RU" sz="2500">
-                <a:solidFill>
-                  <a:schemeClr val="dk1"/>
-                </a:solidFill>
-                <a:latin typeface="Times New Roman"/>
-                <a:ea typeface="Times New Roman"/>
-                <a:cs typeface="Times New Roman"/>
-                <a:sym typeface="Times New Roman"/>
-              </a:rPr>
-              <a:t>проведение нагрузочного тестирования и сравнение производительности веб-сервера при обработке запросов на сохранение терминов с использованием кеширования и без него.</a:t>
-            </a:r>
-            <a:endParaRPr sz="2500">
-              <a:solidFill>
-                <a:schemeClr val="dk1"/>
-              </a:solidFill>
-              <a:latin typeface="Calibri"/>
-              <a:ea typeface="Calibri"/>
-              <a:cs typeface="Calibri"/>
-              <a:sym typeface="Calibri"/>
-            </a:endParaRPr>
-          </a:p>
-          <a:p>
-            <a:pPr indent="0" lvl="0" marL="0" rtl="0" algn="just">
-              <a:spcBef>
                 <a:spcPts val="1200"/>
               </a:spcBef>
               <a:spcAft>
                 <a:spcPts val="0"/>
               </a:spcAft>
               <a:buNone/>
-            </a:pPr>
-            <a:r>
-              <a:rPr b="1" lang="ru-RU" sz="2500">
-                <a:solidFill>
-                  <a:schemeClr val="dk1"/>
-                </a:solidFill>
-                <a:latin typeface="Times New Roman"/>
-                <a:ea typeface="Times New Roman"/>
-                <a:cs typeface="Times New Roman"/>
-                <a:sym typeface="Times New Roman"/>
-              </a:rPr>
-              <a:t>Технические характеристики</a:t>
-            </a:r>
-            <a:r>
-              <a:rPr lang="ru-RU" sz="2500">
-                <a:solidFill>
-                  <a:schemeClr val="dk1"/>
-                </a:solidFill>
-                <a:latin typeface="Times New Roman"/>
-                <a:ea typeface="Times New Roman"/>
-                <a:cs typeface="Times New Roman"/>
-                <a:sym typeface="Times New Roman"/>
-              </a:rPr>
-              <a:t>:</a:t>
-            </a:r>
-            <a:endParaRPr sz="2500">
-              <a:solidFill>
-                <a:schemeClr val="dk1"/>
-              </a:solidFill>
-              <a:latin typeface="Times New Roman"/>
-              <a:ea typeface="Times New Roman"/>
-              <a:cs typeface="Times New Roman"/>
-              <a:sym typeface="Times New Roman"/>
-            </a:endParaRPr>
-          </a:p>
-          <a:p>
-            <a:pPr indent="-387350" lvl="0" marL="457200" rtl="0" algn="just">
-              <a:spcBef>
-                <a:spcPts val="1200"/>
-              </a:spcBef>
-              <a:spcAft>
-                <a:spcPts val="0"/>
-              </a:spcAft>
-              <a:buClr>
-                <a:schemeClr val="dk1"/>
-              </a:buClr>
-              <a:buSzPts val="2500"/>
-              <a:buFont typeface="Times New Roman"/>
-              <a:buAutoNum type="arabicPeriod"/>
             </a:pPr>
             <a:r>
               <a:rPr lang="ru-RU" sz="2500">
@@ -18463,7 +21387,7 @@
                 <a:cs typeface="Times New Roman"/>
                 <a:sym typeface="Times New Roman"/>
               </a:rPr>
-              <a:t>Операционная система: Manjaro Linux x86-64, версия ядра 5.15.32.</a:t>
+              <a:t>В качестве СУБД для хранения логов была выбрана СУБД-ВР InfluxDB. </a:t>
             </a:r>
             <a:endParaRPr sz="2500">
               <a:solidFill>
@@ -18476,9 +21400,9 @@
             </a:endParaRPr>
           </a:p>
           <a:p>
-            <a:pPr indent="-387350" lvl="0" marL="457200" rtl="0" algn="just">
-              <a:spcBef>
-                <a:spcPts val="0"/>
+            <a:pPr indent="0" lvl="0" marL="0" rtl="0" algn="just">
+              <a:spcBef>
+                <a:spcPts val="1200"/>
               </a:spcBef>
               <a:spcAft>
                 <a:spcPts val="0"/>
@@ -18486,9 +21410,9 @@
               <a:buClr>
                 <a:schemeClr val="dk1"/>
               </a:buClr>
-              <a:buSzPts val="2500"/>
-              <a:buFont typeface="Times New Roman"/>
-              <a:buAutoNum type="arabicPeriod"/>
+              <a:buSzPts val="1100"/>
+              <a:buFont typeface="Arial"/>
+              <a:buNone/>
             </a:pPr>
             <a:r>
               <a:rPr lang="ru-RU" sz="2500">
@@ -18500,7 +21424,7 @@
                 <a:cs typeface="Times New Roman"/>
                 <a:sym typeface="Times New Roman"/>
               </a:rPr>
-              <a:t>Объём оперативной памяти: 16 Гб.</a:t>
+              <a:t>В InfluxDB данные представляются в виде двумерной таблицы (measurement), столбцы которой соответствуют меткам времени (timestamp).</a:t>
             </a:r>
             <a:endParaRPr sz="2500">
               <a:solidFill>
@@ -18513,19 +21437,14 @@
             </a:endParaRPr>
           </a:p>
           <a:p>
-            <a:pPr indent="-387350" lvl="0" marL="457200" rtl="0" algn="just">
-              <a:spcBef>
-                <a:spcPts val="0"/>
-              </a:spcBef>
-              <a:spcAft>
-                <a:spcPts val="0"/>
-              </a:spcAft>
-              <a:buClr>
-                <a:schemeClr val="dk1"/>
-              </a:buClr>
-              <a:buSzPts val="2500"/>
-              <a:buFont typeface="Times New Roman"/>
-              <a:buAutoNum type="arabicPeriod"/>
+            <a:pPr indent="0" lvl="0" marL="0" rtl="0" algn="just">
+              <a:spcBef>
+                <a:spcPts val="1200"/>
+              </a:spcBef>
+              <a:spcAft>
+                <a:spcPts val="0"/>
+              </a:spcAft>
+              <a:buNone/>
             </a:pPr>
             <a:r>
               <a:rPr lang="ru-RU" sz="2500">
@@ -18537,7 +21456,155 @@
                 <a:cs typeface="Times New Roman"/>
                 <a:sym typeface="Times New Roman"/>
               </a:rPr>
-              <a:t>Процессор: Intel i5-9300H 2.4 ГГц.</a:t>
+              <a:t>В InfluxDB сохраняются</a:t>
+            </a:r>
+            <a:endParaRPr sz="2500">
+              <a:solidFill>
+                <a:schemeClr val="dk1"/>
+              </a:solidFill>
+              <a:latin typeface="Times New Roman"/>
+              <a:ea typeface="Times New Roman"/>
+              <a:cs typeface="Times New Roman"/>
+              <a:sym typeface="Times New Roman"/>
+            </a:endParaRPr>
+          </a:p>
+          <a:p>
+            <a:pPr indent="-387350" lvl="0" marL="457200" rtl="0" algn="just">
+              <a:spcBef>
+                <a:spcPts val="1200"/>
+              </a:spcBef>
+              <a:spcAft>
+                <a:spcPts val="0"/>
+              </a:spcAft>
+              <a:buClr>
+                <a:schemeClr val="dk1"/>
+              </a:buClr>
+              <a:buSzPts val="2500"/>
+              <a:buFont typeface="Times New Roman"/>
+              <a:buChar char="-"/>
+            </a:pPr>
+            <a:r>
+              <a:rPr lang="ru-RU" sz="2500">
+                <a:solidFill>
+                  <a:schemeClr val="dk1"/>
+                </a:solidFill>
+                <a:latin typeface="Times New Roman"/>
+                <a:ea typeface="Times New Roman"/>
+                <a:cs typeface="Times New Roman"/>
+                <a:sym typeface="Times New Roman"/>
+              </a:rPr>
+              <a:t>запросы пользователей;</a:t>
+            </a:r>
+            <a:endParaRPr sz="2500">
+              <a:solidFill>
+                <a:schemeClr val="dk1"/>
+              </a:solidFill>
+              <a:latin typeface="Times New Roman"/>
+              <a:ea typeface="Times New Roman"/>
+              <a:cs typeface="Times New Roman"/>
+              <a:sym typeface="Times New Roman"/>
+            </a:endParaRPr>
+          </a:p>
+          <a:p>
+            <a:pPr indent="-387350" lvl="0" marL="457200" rtl="0" algn="just">
+              <a:spcBef>
+                <a:spcPts val="0"/>
+              </a:spcBef>
+              <a:spcAft>
+                <a:spcPts val="0"/>
+              </a:spcAft>
+              <a:buClr>
+                <a:schemeClr val="dk1"/>
+              </a:buClr>
+              <a:buSzPts val="2500"/>
+              <a:buFont typeface="Times New Roman"/>
+              <a:buChar char="-"/>
+            </a:pPr>
+            <a:r>
+              <a:rPr lang="ru-RU" sz="2500">
+                <a:solidFill>
+                  <a:schemeClr val="dk1"/>
+                </a:solidFill>
+                <a:latin typeface="Times New Roman"/>
+                <a:ea typeface="Times New Roman"/>
+                <a:cs typeface="Times New Roman"/>
+                <a:sym typeface="Times New Roman"/>
+              </a:rPr>
+              <a:t>события в бизнес-логике;</a:t>
+            </a:r>
+            <a:endParaRPr sz="2500">
+              <a:solidFill>
+                <a:schemeClr val="dk1"/>
+              </a:solidFill>
+              <a:latin typeface="Times New Roman"/>
+              <a:ea typeface="Times New Roman"/>
+              <a:cs typeface="Times New Roman"/>
+              <a:sym typeface="Times New Roman"/>
+            </a:endParaRPr>
+          </a:p>
+          <a:p>
+            <a:pPr indent="-387350" lvl="0" marL="457200" rtl="0" algn="just">
+              <a:spcBef>
+                <a:spcPts val="0"/>
+              </a:spcBef>
+              <a:spcAft>
+                <a:spcPts val="0"/>
+              </a:spcAft>
+              <a:buClr>
+                <a:schemeClr val="dk1"/>
+              </a:buClr>
+              <a:buSzPts val="2500"/>
+              <a:buFont typeface="Times New Roman"/>
+              <a:buChar char="-"/>
+            </a:pPr>
+            <a:r>
+              <a:rPr lang="ru-RU" sz="2500">
+                <a:solidFill>
+                  <a:schemeClr val="dk1"/>
+                </a:solidFill>
+                <a:latin typeface="Times New Roman"/>
+                <a:ea typeface="Times New Roman"/>
+                <a:cs typeface="Times New Roman"/>
+                <a:sym typeface="Times New Roman"/>
+              </a:rPr>
+              <a:t>ошибки в базе данных;</a:t>
+            </a:r>
+            <a:endParaRPr sz="2500">
+              <a:solidFill>
+                <a:schemeClr val="dk1"/>
+              </a:solidFill>
+              <a:latin typeface="Times New Roman"/>
+              <a:ea typeface="Times New Roman"/>
+              <a:cs typeface="Times New Roman"/>
+              <a:sym typeface="Times New Roman"/>
+            </a:endParaRPr>
+          </a:p>
+          <a:p>
+            <a:pPr indent="-387350" lvl="0" marL="457200" rtl="0" algn="just">
+              <a:spcBef>
+                <a:spcPts val="0"/>
+              </a:spcBef>
+              <a:spcAft>
+                <a:spcPts val="0"/>
+              </a:spcAft>
+              <a:buClr>
+                <a:schemeClr val="dk1"/>
+              </a:buClr>
+              <a:buSzPts val="2500"/>
+              <a:buFont typeface="Times New Roman"/>
+              <a:buChar char="-"/>
+            </a:pPr>
+            <a:r>
+              <a:rPr lang="ru-RU" sz="2500">
+                <a:solidFill>
+                  <a:schemeClr val="dk1"/>
+                </a:solidFill>
+                <a:latin typeface="Times New Roman"/>
+                <a:ea typeface="Times New Roman"/>
+                <a:cs typeface="Times New Roman"/>
+                <a:sym typeface="Times New Roman"/>
+              </a:rPr>
+              <a:t>конфигурация сервера.</a:t>
             </a:r>
             <a:endParaRPr sz="2500">
               <a:solidFill>
@@ -18553,7 +21620,7 @@
       </p:sp>
       <p:sp>
         <p:nvSpPr>
-          <p:cNvPr id="151" name="Google Shape;151;p20"/>
+          <p:cNvPr id="169" name="Google Shape;169;p22"/>
           <p:cNvSpPr txBox="1"/>
           <p:nvPr>
             <p:ph idx="12" type="sldNum"/>
@@ -18595,264 +21662,9 @@
           </a:p>
         </p:txBody>
       </p:sp>
-    </p:spTree>
-  </p:cSld>
-  <p:clrMapOvr>
-    <a:masterClrMapping/>
-  </p:clrMapOvr>
-</p:sld>
-</file>
-
-<file path=ppt/slides/slide8.xml><?xml version="1.0" encoding="utf-8"?>
-<p:sld xmlns:a="http://schemas.openxmlformats.org/drawingml/2006/main" xmlns:r="http://schemas.openxmlformats.org/officeDocument/2006/relationships" xmlns:mc="http://schemas.openxmlformats.org/markup-compatibility/2006" xmlns:mv="urn:schemas-microsoft-com:mac:vml" xmlns:p="http://schemas.openxmlformats.org/presentationml/2006/main" xmlns:c="http://schemas.openxmlformats.org/drawingml/2006/chart" xmlns:dgm="http://schemas.openxmlformats.org/drawingml/2006/diagram" xmlns:o="urn:schemas-microsoft-com:office:office" xmlns:v="urn:schemas-microsoft-com:vml" xmlns:pvml="urn:schemas-microsoft-com:office:powerpoint" xmlns:com="http://schemas.openxmlformats.org/drawingml/2006/compatibility" xmlns:p14="http://schemas.microsoft.com/office/powerpoint/2010/main" xmlns:p15="http://schemas.microsoft.com/office/powerpoint/2012/main" xmlns:ahyp="http://schemas.microsoft.com/office/drawing/2018/hyperlinkcolor">
-  <p:cSld>
-    <p:spTree>
-      <p:nvGrpSpPr>
-        <p:cNvPr id="156" name="Shape 156"/>
-        <p:cNvGrpSpPr/>
-        <p:nvPr/>
-      </p:nvGrpSpPr>
-      <p:grpSpPr>
-        <a:xfrm>
-          <a:off x="0" y="0"/>
-          <a:ext cx="0" cy="0"/>
-          <a:chOff x="0" y="0"/>
-          <a:chExt cx="0" cy="0"/>
-        </a:xfrm>
-      </p:grpSpPr>
-      <p:sp>
-        <p:nvSpPr>
-          <p:cNvPr id="157" name="Google Shape;157;p21"/>
-          <p:cNvSpPr txBox="1"/>
-          <p:nvPr>
-            <p:ph type="title"/>
-          </p:nvPr>
-        </p:nvSpPr>
-        <p:spPr>
-          <a:xfrm>
-            <a:off x="838200" y="0"/>
-            <a:ext cx="10515600" cy="1325700"/>
-          </a:xfrm>
-          <a:prstGeom prst="rect">
-            <a:avLst/>
-          </a:prstGeom>
-          <a:noFill/>
-          <a:ln>
-            <a:noFill/>
-          </a:ln>
-        </p:spPr>
-        <p:txBody>
-          <a:bodyPr anchorCtr="0" anchor="ctr" bIns="45700" lIns="91425" spcFirstLastPara="1" rIns="91425" wrap="square" tIns="45700">
-            <a:normAutofit/>
-          </a:bodyPr>
-          <a:lstStyle/>
-          <a:p>
-            <a:pPr indent="0" lvl="0" marL="0" rtl="0" algn="l">
-              <a:lnSpc>
-                <a:spcPct val="90000"/>
-              </a:lnSpc>
-              <a:spcBef>
-                <a:spcPts val="0"/>
-              </a:spcBef>
-              <a:spcAft>
-                <a:spcPts val="0"/>
-              </a:spcAft>
-              <a:buClr>
-                <a:schemeClr val="dk1"/>
-              </a:buClr>
-              <a:buSzPts val="4400"/>
-              <a:buFont typeface="Times New Roman"/>
-              <a:buNone/>
-            </a:pPr>
-            <a:r>
-              <a:rPr lang="ru-RU">
-                <a:latin typeface="Times New Roman"/>
-                <a:ea typeface="Times New Roman"/>
-                <a:cs typeface="Times New Roman"/>
-                <a:sym typeface="Times New Roman"/>
-              </a:rPr>
-              <a:t>Открытая линейная</a:t>
-            </a:r>
-            <a:r>
-              <a:rPr lang="ru-RU">
-                <a:latin typeface="Times New Roman"/>
-                <a:ea typeface="Times New Roman"/>
-                <a:cs typeface="Times New Roman"/>
-                <a:sym typeface="Times New Roman"/>
-              </a:rPr>
-              <a:t> нагрузка</a:t>
-            </a:r>
-            <a:endParaRPr>
-              <a:latin typeface="Times New Roman"/>
-              <a:ea typeface="Times New Roman"/>
-              <a:cs typeface="Times New Roman"/>
-              <a:sym typeface="Times New Roman"/>
-            </a:endParaRPr>
-          </a:p>
-        </p:txBody>
-      </p:sp>
-      <p:sp>
-        <p:nvSpPr>
-          <p:cNvPr id="158" name="Google Shape;158;p21"/>
-          <p:cNvSpPr txBox="1"/>
-          <p:nvPr/>
-        </p:nvSpPr>
-        <p:spPr>
-          <a:xfrm>
-            <a:off x="502920" y="1491946"/>
-            <a:ext cx="11186100" cy="5246700"/>
-          </a:xfrm>
-          <a:prstGeom prst="rect">
-            <a:avLst/>
-          </a:prstGeom>
-          <a:noFill/>
-          <a:ln>
-            <a:noFill/>
-          </a:ln>
-        </p:spPr>
-        <p:txBody>
-          <a:bodyPr anchorCtr="0" anchor="t" bIns="91425" lIns="91425" spcFirstLastPara="1" rIns="91425" wrap="square" tIns="91425">
-            <a:noAutofit/>
-          </a:bodyPr>
-          <a:lstStyle/>
-          <a:p>
-            <a:pPr indent="0" lvl="0" marL="0" marR="0" rtl="0" algn="l">
-              <a:lnSpc>
-                <a:spcPct val="115000"/>
-              </a:lnSpc>
-              <a:spcBef>
-                <a:spcPts val="0"/>
-              </a:spcBef>
-              <a:spcAft>
-                <a:spcPts val="0"/>
-              </a:spcAft>
-              <a:buNone/>
-            </a:pPr>
-            <a:r>
-              <a:t/>
-            </a:r>
-            <a:endParaRPr b="0" i="0" sz="1600" u="none" cap="none" strike="noStrike">
-              <a:solidFill>
-                <a:schemeClr val="dk1"/>
-              </a:solidFill>
-              <a:latin typeface="Open Sans"/>
-              <a:ea typeface="Open Sans"/>
-              <a:cs typeface="Open Sans"/>
-              <a:sym typeface="Open Sans"/>
-            </a:endParaRPr>
-          </a:p>
-        </p:txBody>
-      </p:sp>
-      <p:sp>
-        <p:nvSpPr>
-          <p:cNvPr id="159" name="Google Shape;159;p21"/>
-          <p:cNvSpPr txBox="1"/>
-          <p:nvPr/>
-        </p:nvSpPr>
-        <p:spPr>
-          <a:xfrm>
-            <a:off x="7603500" y="2197725"/>
-            <a:ext cx="3913800" cy="1046700"/>
-          </a:xfrm>
-          <a:prstGeom prst="rect">
-            <a:avLst/>
-          </a:prstGeom>
-          <a:noFill/>
-          <a:ln>
-            <a:noFill/>
-          </a:ln>
-        </p:spPr>
-        <p:txBody>
-          <a:bodyPr anchorCtr="0" anchor="t" bIns="91425" lIns="91425" spcFirstLastPara="1" rIns="91425" wrap="square" tIns="91425">
-            <a:spAutoFit/>
-          </a:bodyPr>
-          <a:lstStyle/>
-          <a:p>
-            <a:pPr indent="0" lvl="0" marL="0" rtl="0" algn="l">
-              <a:spcBef>
-                <a:spcPts val="0"/>
-              </a:spcBef>
-              <a:spcAft>
-                <a:spcPts val="0"/>
-              </a:spcAft>
-              <a:buNone/>
-            </a:pPr>
-            <a:r>
-              <a:rPr lang="ru-RU" sz="2800">
-                <a:latin typeface="Calibri"/>
-                <a:ea typeface="Calibri"/>
-                <a:cs typeface="Calibri"/>
-                <a:sym typeface="Calibri"/>
-              </a:rPr>
-              <a:t>Без использования кеширования Redis</a:t>
-            </a:r>
-            <a:endParaRPr sz="2800">
-              <a:latin typeface="Calibri"/>
-              <a:ea typeface="Calibri"/>
-              <a:cs typeface="Calibri"/>
-              <a:sym typeface="Calibri"/>
-            </a:endParaRPr>
-          </a:p>
-        </p:txBody>
-      </p:sp>
-      <p:sp>
-        <p:nvSpPr>
-          <p:cNvPr id="160" name="Google Shape;160;p21"/>
-          <p:cNvSpPr txBox="1"/>
-          <p:nvPr/>
-        </p:nvSpPr>
-        <p:spPr>
-          <a:xfrm>
-            <a:off x="7653150" y="5097125"/>
-            <a:ext cx="4184700" cy="1046700"/>
-          </a:xfrm>
-          <a:prstGeom prst="rect">
-            <a:avLst/>
-          </a:prstGeom>
-          <a:noFill/>
-          <a:ln>
-            <a:noFill/>
-          </a:ln>
-        </p:spPr>
-        <p:txBody>
-          <a:bodyPr anchorCtr="0" anchor="t" bIns="91425" lIns="91425" spcFirstLastPara="1" rIns="91425" wrap="square" tIns="91425">
-            <a:spAutoFit/>
-          </a:bodyPr>
-          <a:lstStyle/>
-          <a:p>
-            <a:pPr indent="0" lvl="0" marL="0" rtl="0" algn="l">
-              <a:spcBef>
-                <a:spcPts val="0"/>
-              </a:spcBef>
-              <a:spcAft>
-                <a:spcPts val="0"/>
-              </a:spcAft>
-              <a:buNone/>
-            </a:pPr>
-            <a:r>
-              <a:rPr lang="ru-RU" sz="2800">
-                <a:solidFill>
-                  <a:schemeClr val="dk1"/>
-                </a:solidFill>
-                <a:latin typeface="Calibri"/>
-                <a:ea typeface="Calibri"/>
-                <a:cs typeface="Calibri"/>
-                <a:sym typeface="Calibri"/>
-              </a:rPr>
-              <a:t>С использованием кеширования Redis</a:t>
-            </a:r>
-            <a:endParaRPr sz="2800">
-              <a:latin typeface="Calibri"/>
-              <a:ea typeface="Calibri"/>
-              <a:cs typeface="Calibri"/>
-              <a:sym typeface="Calibri"/>
-            </a:endParaRPr>
-          </a:p>
-        </p:txBody>
-      </p:sp>
       <p:pic>
         <p:nvPicPr>
-          <p:cNvPr id="161" name="Google Shape;161;p21"/>
+          <p:cNvPr id="170" name="Google Shape;170;p22"/>
           <p:cNvPicPr preferRelativeResize="0"/>
           <p:nvPr/>
         </p:nvPicPr>
@@ -18866,8 +21678,8 @@
         </p:blipFill>
         <p:spPr>
           <a:xfrm>
-            <a:off x="929963" y="1059212"/>
-            <a:ext cx="6008282" cy="2892625"/>
+            <a:off x="8002976" y="1527849"/>
+            <a:ext cx="3802300" cy="3802300"/>
           </a:xfrm>
           <a:prstGeom prst="rect">
             <a:avLst/>
@@ -18878,427 +21690,6 @@
           </a:ln>
         </p:spPr>
       </p:pic>
-      <p:pic>
-        <p:nvPicPr>
-          <p:cNvPr id="162" name="Google Shape;162;p21"/>
-          <p:cNvPicPr preferRelativeResize="0"/>
-          <p:nvPr/>
-        </p:nvPicPr>
-        <p:blipFill>
-          <a:blip r:embed="rId4">
-            <a:alphaModFix/>
-          </a:blip>
-          <a:stretch>
-            <a:fillRect/>
-          </a:stretch>
-        </p:blipFill>
-        <p:spPr>
-          <a:xfrm>
-            <a:off x="929976" y="3951850"/>
-            <a:ext cx="6008275" cy="2906160"/>
-          </a:xfrm>
-          <a:prstGeom prst="rect">
-            <a:avLst/>
-          </a:prstGeom>
-          <a:noFill/>
-          <a:ln>
-            <a:noFill/>
-          </a:ln>
-        </p:spPr>
-      </p:pic>
-      <p:sp>
-        <p:nvSpPr>
-          <p:cNvPr id="163" name="Google Shape;163;p21"/>
-          <p:cNvSpPr txBox="1"/>
-          <p:nvPr>
-            <p:ph idx="12" type="sldNum"/>
-          </p:nvPr>
-        </p:nvSpPr>
-        <p:spPr>
-          <a:xfrm>
-            <a:off x="8610600" y="6356350"/>
-            <a:ext cx="2743200" cy="365100"/>
-          </a:xfrm>
-          <a:prstGeom prst="rect">
-            <a:avLst/>
-          </a:prstGeom>
-        </p:spPr>
-        <p:txBody>
-          <a:bodyPr anchorCtr="0" anchor="ctr" bIns="45700" lIns="91425" spcFirstLastPara="1" rIns="91425" wrap="square" tIns="45700">
-            <a:noAutofit/>
-          </a:bodyPr>
-          <a:lstStyle/>
-          <a:p>
-            <a:pPr indent="0" lvl="0" marL="0" rtl="0" algn="r">
-              <a:spcBef>
-                <a:spcPts val="0"/>
-              </a:spcBef>
-              <a:spcAft>
-                <a:spcPts val="0"/>
-              </a:spcAft>
-              <a:buClr>
-                <a:srgbClr val="000000"/>
-              </a:buClr>
-              <a:buFont typeface="Arial"/>
-              <a:buNone/>
-            </a:pPr>
-            <a:fld id="{00000000-1234-1234-1234-123412341234}" type="slidenum">
-              <a:rPr lang="ru-RU"/>
-              <a:t>‹#›</a:t>
-            </a:fld>
-            <a:endParaRPr/>
-          </a:p>
-        </p:txBody>
-      </p:sp>
-    </p:spTree>
-  </p:cSld>
-  <p:clrMapOvr>
-    <a:masterClrMapping/>
-  </p:clrMapOvr>
-</p:sld>
-</file>
-
-<file path=ppt/slides/slide9.xml><?xml version="1.0" encoding="utf-8"?>
-<p:sld xmlns:a="http://schemas.openxmlformats.org/drawingml/2006/main" xmlns:r="http://schemas.openxmlformats.org/officeDocument/2006/relationships" xmlns:mc="http://schemas.openxmlformats.org/markup-compatibility/2006" xmlns:mv="urn:schemas-microsoft-com:mac:vml" xmlns:p="http://schemas.openxmlformats.org/presentationml/2006/main" xmlns:c="http://schemas.openxmlformats.org/drawingml/2006/chart" xmlns:dgm="http://schemas.openxmlformats.org/drawingml/2006/diagram" xmlns:o="urn:schemas-microsoft-com:office:office" xmlns:v="urn:schemas-microsoft-com:vml" xmlns:pvml="urn:schemas-microsoft-com:office:powerpoint" xmlns:com="http://schemas.openxmlformats.org/drawingml/2006/compatibility" xmlns:p14="http://schemas.microsoft.com/office/powerpoint/2010/main" xmlns:p15="http://schemas.microsoft.com/office/powerpoint/2012/main" xmlns:ahyp="http://schemas.microsoft.com/office/drawing/2018/hyperlinkcolor">
-  <p:cSld>
-    <p:spTree>
-      <p:nvGrpSpPr>
-        <p:cNvPr id="168" name="Shape 168"/>
-        <p:cNvGrpSpPr/>
-        <p:nvPr/>
-      </p:nvGrpSpPr>
-      <p:grpSpPr>
-        <a:xfrm>
-          <a:off x="0" y="0"/>
-          <a:ext cx="0" cy="0"/>
-          <a:chOff x="0" y="0"/>
-          <a:chExt cx="0" cy="0"/>
-        </a:xfrm>
-      </p:grpSpPr>
-      <p:sp>
-        <p:nvSpPr>
-          <p:cNvPr id="169" name="Google Shape;169;p22"/>
-          <p:cNvSpPr txBox="1"/>
-          <p:nvPr>
-            <p:ph type="title"/>
-          </p:nvPr>
-        </p:nvSpPr>
-        <p:spPr>
-          <a:xfrm>
-            <a:off x="838200" y="0"/>
-            <a:ext cx="10515600" cy="1325700"/>
-          </a:xfrm>
-          <a:prstGeom prst="rect">
-            <a:avLst/>
-          </a:prstGeom>
-          <a:noFill/>
-          <a:ln>
-            <a:noFill/>
-          </a:ln>
-        </p:spPr>
-        <p:txBody>
-          <a:bodyPr anchorCtr="0" anchor="ctr" bIns="45700" lIns="91425" spcFirstLastPara="1" rIns="91425" wrap="square" tIns="45700">
-            <a:normAutofit/>
-          </a:bodyPr>
-          <a:lstStyle/>
-          <a:p>
-            <a:pPr indent="0" lvl="0" marL="0" rtl="0" algn="l">
-              <a:lnSpc>
-                <a:spcPct val="90000"/>
-              </a:lnSpc>
-              <a:spcBef>
-                <a:spcPts val="0"/>
-              </a:spcBef>
-              <a:spcAft>
-                <a:spcPts val="0"/>
-              </a:spcAft>
-              <a:buClr>
-                <a:schemeClr val="dk1"/>
-              </a:buClr>
-              <a:buSzPts val="4400"/>
-              <a:buFont typeface="Times New Roman"/>
-              <a:buNone/>
-            </a:pPr>
-            <a:r>
-              <a:rPr lang="ru-RU">
-                <a:latin typeface="Times New Roman"/>
-                <a:ea typeface="Times New Roman"/>
-                <a:cs typeface="Times New Roman"/>
-                <a:sym typeface="Times New Roman"/>
-              </a:rPr>
-              <a:t>Открытая постоянная нагрузка</a:t>
-            </a:r>
-            <a:endParaRPr>
-              <a:latin typeface="Times New Roman"/>
-              <a:ea typeface="Times New Roman"/>
-              <a:cs typeface="Times New Roman"/>
-              <a:sym typeface="Times New Roman"/>
-            </a:endParaRPr>
-          </a:p>
-        </p:txBody>
-      </p:sp>
-      <p:sp>
-        <p:nvSpPr>
-          <p:cNvPr id="170" name="Google Shape;170;p22"/>
-          <p:cNvSpPr txBox="1"/>
-          <p:nvPr/>
-        </p:nvSpPr>
-        <p:spPr>
-          <a:xfrm>
-            <a:off x="502920" y="1491946"/>
-            <a:ext cx="11186100" cy="5246700"/>
-          </a:xfrm>
-          <a:prstGeom prst="rect">
-            <a:avLst/>
-          </a:prstGeom>
-          <a:noFill/>
-          <a:ln>
-            <a:noFill/>
-          </a:ln>
-        </p:spPr>
-        <p:txBody>
-          <a:bodyPr anchorCtr="0" anchor="t" bIns="91425" lIns="91425" spcFirstLastPara="1" rIns="91425" wrap="square" tIns="91425">
-            <a:noAutofit/>
-          </a:bodyPr>
-          <a:lstStyle/>
-          <a:p>
-            <a:pPr indent="0" lvl="0" marL="0" marR="0" rtl="0" algn="l">
-              <a:lnSpc>
-                <a:spcPct val="115000"/>
-              </a:lnSpc>
-              <a:spcBef>
-                <a:spcPts val="0"/>
-              </a:spcBef>
-              <a:spcAft>
-                <a:spcPts val="0"/>
-              </a:spcAft>
-              <a:buNone/>
-            </a:pPr>
-            <a:r>
-              <a:t/>
-            </a:r>
-            <a:endParaRPr b="0" i="0" sz="1600" u="none" cap="none" strike="noStrike">
-              <a:solidFill>
-                <a:schemeClr val="dk1"/>
-              </a:solidFill>
-              <a:latin typeface="Open Sans"/>
-              <a:ea typeface="Open Sans"/>
-              <a:cs typeface="Open Sans"/>
-              <a:sym typeface="Open Sans"/>
-            </a:endParaRPr>
-          </a:p>
-        </p:txBody>
-      </p:sp>
-      <p:sp>
-        <p:nvSpPr>
-          <p:cNvPr id="171" name="Google Shape;171;p22"/>
-          <p:cNvSpPr txBox="1"/>
-          <p:nvPr/>
-        </p:nvSpPr>
-        <p:spPr>
-          <a:xfrm>
-            <a:off x="7553850" y="2197725"/>
-            <a:ext cx="4135200" cy="1046700"/>
-          </a:xfrm>
-          <a:prstGeom prst="rect">
-            <a:avLst/>
-          </a:prstGeom>
-          <a:noFill/>
-          <a:ln>
-            <a:noFill/>
-          </a:ln>
-        </p:spPr>
-        <p:txBody>
-          <a:bodyPr anchorCtr="0" anchor="t" bIns="91425" lIns="91425" spcFirstLastPara="1" rIns="91425" wrap="square" tIns="91425">
-            <a:spAutoFit/>
-          </a:bodyPr>
-          <a:lstStyle/>
-          <a:p>
-            <a:pPr indent="0" lvl="0" marL="0" rtl="0" algn="l">
-              <a:spcBef>
-                <a:spcPts val="0"/>
-              </a:spcBef>
-              <a:spcAft>
-                <a:spcPts val="0"/>
-              </a:spcAft>
-              <a:buNone/>
-            </a:pPr>
-            <a:r>
-              <a:rPr lang="ru-RU" sz="2800">
-                <a:solidFill>
-                  <a:schemeClr val="dk1"/>
-                </a:solidFill>
-                <a:latin typeface="Calibri"/>
-                <a:ea typeface="Calibri"/>
-                <a:cs typeface="Calibri"/>
-                <a:sym typeface="Calibri"/>
-              </a:rPr>
-              <a:t>Без использования кеширования Redis</a:t>
-            </a:r>
-            <a:endParaRPr sz="2800">
-              <a:latin typeface="Calibri"/>
-              <a:ea typeface="Calibri"/>
-              <a:cs typeface="Calibri"/>
-              <a:sym typeface="Calibri"/>
-            </a:endParaRPr>
-          </a:p>
-        </p:txBody>
-      </p:sp>
-      <p:sp>
-        <p:nvSpPr>
-          <p:cNvPr id="172" name="Google Shape;172;p22"/>
-          <p:cNvSpPr txBox="1"/>
-          <p:nvPr/>
-        </p:nvSpPr>
-        <p:spPr>
-          <a:xfrm>
-            <a:off x="7603500" y="5097125"/>
-            <a:ext cx="4001100" cy="1046700"/>
-          </a:xfrm>
-          <a:prstGeom prst="rect">
-            <a:avLst/>
-          </a:prstGeom>
-          <a:noFill/>
-          <a:ln>
-            <a:noFill/>
-          </a:ln>
-        </p:spPr>
-        <p:txBody>
-          <a:bodyPr anchorCtr="0" anchor="t" bIns="91425" lIns="91425" spcFirstLastPara="1" rIns="91425" wrap="square" tIns="91425">
-            <a:spAutoFit/>
-          </a:bodyPr>
-          <a:lstStyle/>
-          <a:p>
-            <a:pPr indent="0" lvl="0" marL="0" rtl="0" algn="l">
-              <a:spcBef>
-                <a:spcPts val="0"/>
-              </a:spcBef>
-              <a:spcAft>
-                <a:spcPts val="0"/>
-              </a:spcAft>
-              <a:buNone/>
-            </a:pPr>
-            <a:r>
-              <a:rPr lang="ru-RU" sz="2800">
-                <a:solidFill>
-                  <a:schemeClr val="dk1"/>
-                </a:solidFill>
-                <a:latin typeface="Calibri"/>
-                <a:ea typeface="Calibri"/>
-                <a:cs typeface="Calibri"/>
-                <a:sym typeface="Calibri"/>
-              </a:rPr>
-              <a:t>С использованием кеширования Redis</a:t>
-            </a:r>
-            <a:endParaRPr sz="2800">
-              <a:latin typeface="Calibri"/>
-              <a:ea typeface="Calibri"/>
-              <a:cs typeface="Calibri"/>
-              <a:sym typeface="Calibri"/>
-            </a:endParaRPr>
-          </a:p>
-        </p:txBody>
-      </p:sp>
-      <p:pic>
-        <p:nvPicPr>
-          <p:cNvPr id="173" name="Google Shape;173;p22"/>
-          <p:cNvPicPr preferRelativeResize="0"/>
-          <p:nvPr/>
-        </p:nvPicPr>
-        <p:blipFill>
-          <a:blip r:embed="rId3">
-            <a:alphaModFix/>
-          </a:blip>
-          <a:stretch>
-            <a:fillRect/>
-          </a:stretch>
-        </p:blipFill>
-        <p:spPr>
-          <a:xfrm>
-            <a:off x="908876" y="1052451"/>
-            <a:ext cx="6050476" cy="2906150"/>
-          </a:xfrm>
-          <a:prstGeom prst="rect">
-            <a:avLst/>
-          </a:prstGeom>
-          <a:noFill/>
-          <a:ln>
-            <a:noFill/>
-          </a:ln>
-        </p:spPr>
-      </p:pic>
-      <p:pic>
-        <p:nvPicPr>
-          <p:cNvPr id="174" name="Google Shape;174;p22"/>
-          <p:cNvPicPr preferRelativeResize="0"/>
-          <p:nvPr/>
-        </p:nvPicPr>
-        <p:blipFill>
-          <a:blip r:embed="rId4">
-            <a:alphaModFix/>
-          </a:blip>
-          <a:stretch>
-            <a:fillRect/>
-          </a:stretch>
-        </p:blipFill>
-        <p:spPr>
-          <a:xfrm>
-            <a:off x="908875" y="3951450"/>
-            <a:ext cx="6050475" cy="2906940"/>
-          </a:xfrm>
-          <a:prstGeom prst="rect">
-            <a:avLst/>
-          </a:prstGeom>
-          <a:noFill/>
-          <a:ln>
-            <a:noFill/>
-          </a:ln>
-        </p:spPr>
-      </p:pic>
-      <p:sp>
-        <p:nvSpPr>
-          <p:cNvPr id="175" name="Google Shape;175;p22"/>
-          <p:cNvSpPr txBox="1"/>
-          <p:nvPr>
-            <p:ph idx="12" type="sldNum"/>
-          </p:nvPr>
-        </p:nvSpPr>
-        <p:spPr>
-          <a:xfrm>
-            <a:off x="8610600" y="6356350"/>
-            <a:ext cx="2743200" cy="365100"/>
-          </a:xfrm>
-          <a:prstGeom prst="rect">
-            <a:avLst/>
-          </a:prstGeom>
-        </p:spPr>
-        <p:txBody>
-          <a:bodyPr anchorCtr="0" anchor="ctr" bIns="45700" lIns="91425" spcFirstLastPara="1" rIns="91425" wrap="square" tIns="45700">
-            <a:noAutofit/>
-          </a:bodyPr>
-          <a:lstStyle/>
-          <a:p>
-            <a:pPr indent="0" lvl="0" marL="0" rtl="0" algn="r">
-              <a:spcBef>
-                <a:spcPts val="0"/>
-              </a:spcBef>
-              <a:spcAft>
-                <a:spcPts val="0"/>
-              </a:spcAft>
-              <a:buClr>
-                <a:srgbClr val="000000"/>
-              </a:buClr>
-              <a:buFont typeface="Arial"/>
-              <a:buNone/>
-            </a:pPr>
-            <a:fld id="{00000000-1234-1234-1234-123412341234}" type="slidenum">
-              <a:rPr lang="ru-RU"/>
-              <a:t>‹#›</a:t>
-            </a:fld>
-            <a:endParaRPr/>
-          </a:p>
-        </p:txBody>
-      </p:sp>
     </p:spTree>
   </p:cSld>
   <p:clrMapOvr>
